--- a/HawkEye.pptx
+++ b/HawkEye.pptx
@@ -5,10 +5,10 @@
     <p:sldMasterId id="2147483648" r:id="rId4"/>
   </p:sldMasterIdLst>
   <p:notesMasterIdLst>
-    <p:notesMasterId r:id="rId17"/>
+    <p:notesMasterId r:id="rId18"/>
   </p:notesMasterIdLst>
   <p:handoutMasterIdLst>
-    <p:handoutMasterId r:id="rId18"/>
+    <p:handoutMasterId r:id="rId19"/>
   </p:handoutMasterIdLst>
   <p:sldIdLst>
     <p:sldId id="257" r:id="rId5"/>
@@ -22,7 +22,8 @@
     <p:sldId id="283" r:id="rId13"/>
     <p:sldId id="285" r:id="rId14"/>
     <p:sldId id="286" r:id="rId15"/>
-    <p:sldId id="287" r:id="rId16"/>
+    <p:sldId id="289" r:id="rId16"/>
+    <p:sldId id="287" r:id="rId17"/>
   </p:sldIdLst>
   <p:sldSz cx="12192000" cy="6858000"/>
   <p:notesSz cx="6858000" cy="9144000"/>
@@ -4278,7 +4279,7 @@
           </p:nvSpPr>
           <p:spPr>
             <a:xfrm>
-              <a:off x="754010" y="708293"/>
+              <a:off x="754007" y="708296"/>
               <a:ext cx="5334029" cy="5334029"/>
             </a:xfrm>
             <a:prstGeom prst="ellipse">
@@ -17870,7 +17871,7 @@
           <a:p>
             <a:r>
               <a:rPr lang="en-US" dirty="0"/>
-              <a:t>Thank You</a:t>
+              <a:t>Conclusion</a:t>
             </a:r>
           </a:p>
         </p:txBody>
@@ -17922,6 +17923,123 @@
                 </a:spcAft>
               </a:pPr>
               <a:t>12</a:t>
+            </a:fld>
+            <a:endParaRPr lang="en-US" sz="200" noProof="0"/>
+          </a:p>
+        </p:txBody>
+      </p:sp>
+    </p:spTree>
+    <p:extLst>
+      <p:ext uri="{BB962C8B-B14F-4D97-AF65-F5344CB8AC3E}">
+        <p14:creationId xmlns:p14="http://schemas.microsoft.com/office/powerpoint/2010/main" val="1024629035"/>
+      </p:ext>
+    </p:extLst>
+  </p:cSld>
+  <p:clrMapOvr>
+    <a:masterClrMapping/>
+  </p:clrMapOvr>
+</p:sld>
+</file>
+
+<file path=ppt/slides/slide13.xml><?xml version="1.0" encoding="utf-8"?>
+<p:sld xmlns:a="http://schemas.openxmlformats.org/drawingml/2006/main" xmlns:r="http://schemas.openxmlformats.org/officeDocument/2006/relationships" xmlns:p="http://schemas.openxmlformats.org/presentationml/2006/main">
+  <p:cSld>
+    <p:spTree>
+      <p:nvGrpSpPr>
+        <p:cNvPr id="1" name=""/>
+        <p:cNvGrpSpPr/>
+        <p:nvPr/>
+      </p:nvGrpSpPr>
+      <p:grpSpPr>
+        <a:xfrm>
+          <a:off x="0" y="0"/>
+          <a:ext cx="0" cy="0"/>
+          <a:chOff x="0" y="0"/>
+          <a:chExt cx="0" cy="0"/>
+        </a:xfrm>
+      </p:grpSpPr>
+      <p:sp>
+        <p:nvSpPr>
+          <p:cNvPr id="4" name="Title 3">
+            <a:extLst>
+              <a:ext uri="{FF2B5EF4-FFF2-40B4-BE49-F238E27FC236}">
+                <a16:creationId xmlns:a16="http://schemas.microsoft.com/office/drawing/2014/main" id="{2E0C54B5-6876-DE29-A5F3-B88D01DEC8B1}"/>
+              </a:ext>
+            </a:extLst>
+          </p:cNvPr>
+          <p:cNvSpPr>
+            <a:spLocks noGrp="1"/>
+          </p:cNvSpPr>
+          <p:nvPr>
+            <p:ph type="ctrTitle"/>
+          </p:nvPr>
+        </p:nvSpPr>
+        <p:spPr>
+          <a:xfrm>
+            <a:off x="6323984" y="3429000"/>
+            <a:ext cx="10970957" cy="850971"/>
+          </a:xfrm>
+        </p:spPr>
+        <p:txBody>
+          <a:bodyPr anchor="b">
+            <a:normAutofit/>
+          </a:bodyPr>
+          <a:lstStyle/>
+          <a:p>
+            <a:r>
+              <a:rPr lang="en-US" dirty="0"/>
+              <a:t>Thank You</a:t>
+            </a:r>
+          </a:p>
+        </p:txBody>
+      </p:sp>
+      <p:sp>
+        <p:nvSpPr>
+          <p:cNvPr id="2" name="Slide Number Placeholder 1" hidden="1">
+            <a:extLst>
+              <a:ext uri="{FF2B5EF4-FFF2-40B4-BE49-F238E27FC236}">
+                <a16:creationId xmlns:a16="http://schemas.microsoft.com/office/drawing/2014/main" id="{CDA0EE6B-EE8E-9469-CA34-4A27CB4D7D0C}"/>
+              </a:ext>
+            </a:extLst>
+          </p:cNvPr>
+          <p:cNvSpPr>
+            <a:spLocks noGrp="1"/>
+          </p:cNvSpPr>
+          <p:nvPr>
+            <p:ph type="sldNum" sz="quarter" idx="4294967295"/>
+          </p:nvPr>
+        </p:nvSpPr>
+        <p:spPr>
+          <a:xfrm>
+            <a:off x="11363696" y="6455739"/>
+            <a:ext cx="294460" cy="187367"/>
+          </a:xfrm>
+        </p:spPr>
+        <p:txBody>
+          <a:bodyPr anchor="ctr">
+            <a:normAutofit/>
+          </a:bodyPr>
+          <a:lstStyle/>
+          <a:p>
+            <a:pPr>
+              <a:lnSpc>
+                <a:spcPct val="90000"/>
+              </a:lnSpc>
+              <a:spcAft>
+                <a:spcPts val="600"/>
+              </a:spcAft>
+            </a:pPr>
+            <a:fld id="{9EC71654-96A5-4280-94F3-931C61A9F92C}" type="slidenum">
+              <a:rPr lang="en-US" sz="200" noProof="0" smtClean="0"/>
+              <a:pPr>
+                <a:lnSpc>
+                  <a:spcPct val="90000"/>
+                </a:lnSpc>
+                <a:spcAft>
+                  <a:spcPts val="600"/>
+                </a:spcAft>
+              </a:pPr>
+              <a:t>13</a:t>
             </a:fld>
             <a:endParaRPr lang="en-US" sz="200" noProof="0"/>
           </a:p>
@@ -18157,8 +18275,8 @@
         </p:nvSpPr>
         <p:spPr>
           <a:xfrm>
-            <a:off x="538960" y="1825625"/>
-            <a:ext cx="4914189" cy="4351338"/>
+            <a:off x="538960" y="2240280"/>
+            <a:ext cx="4914189" cy="2915252"/>
           </a:xfrm>
         </p:spPr>
         <p:txBody>
@@ -18168,21 +18286,22 @@
           <a:lstStyle/>
           <a:p>
             <a:r>
-              <a:rPr lang="en-US" dirty="0"/>
-              <a:t>Motivation </a:t>
+              <a:rPr lang="en-US" sz="3200" dirty="0"/>
+              <a:t>Motivation and Problem</a:t>
             </a:r>
           </a:p>
           <a:p>
             <a:r>
-              <a:rPr lang="en-US" dirty="0"/>
-              <a:t>Idea</a:t>
+              <a:rPr lang="en-US" sz="3200" dirty="0"/>
+              <a:t>Proposed Solution</a:t>
             </a:r>
           </a:p>
           <a:p>
             <a:r>
-              <a:rPr lang="en-US" dirty="0"/>
+              <a:rPr lang="en-US" sz="3200" dirty="0"/>
               <a:t>System Overview</a:t>
             </a:r>
+            <a:endParaRPr lang="en-US" dirty="0"/>
           </a:p>
           <a:p>
             <a:pPr marL="0" indent="0">

--- a/HawkEye.pptx
+++ b/HawkEye.pptx
@@ -5,10 +5,10 @@
     <p:sldMasterId id="2147483648" r:id="rId4"/>
   </p:sldMasterIdLst>
   <p:notesMasterIdLst>
-    <p:notesMasterId r:id="rId18"/>
+    <p:notesMasterId r:id="rId22"/>
   </p:notesMasterIdLst>
   <p:handoutMasterIdLst>
-    <p:handoutMasterId r:id="rId19"/>
+    <p:handoutMasterId r:id="rId23"/>
   </p:handoutMasterIdLst>
   <p:sldIdLst>
     <p:sldId id="257" r:id="rId5"/>
@@ -16,14 +16,18 @@
     <p:sldId id="268" r:id="rId7"/>
     <p:sldId id="284" r:id="rId8"/>
     <p:sldId id="277" r:id="rId9"/>
-    <p:sldId id="278" r:id="rId10"/>
-    <p:sldId id="270" r:id="rId11"/>
-    <p:sldId id="279" r:id="rId12"/>
-    <p:sldId id="283" r:id="rId13"/>
-    <p:sldId id="285" r:id="rId14"/>
-    <p:sldId id="286" r:id="rId15"/>
-    <p:sldId id="289" r:id="rId16"/>
-    <p:sldId id="287" r:id="rId17"/>
+    <p:sldId id="290" r:id="rId10"/>
+    <p:sldId id="291" r:id="rId11"/>
+    <p:sldId id="292" r:id="rId12"/>
+    <p:sldId id="278" r:id="rId13"/>
+    <p:sldId id="270" r:id="rId14"/>
+    <p:sldId id="279" r:id="rId15"/>
+    <p:sldId id="283" r:id="rId16"/>
+    <p:sldId id="285" r:id="rId17"/>
+    <p:sldId id="286" r:id="rId18"/>
+    <p:sldId id="289" r:id="rId19"/>
+    <p:sldId id="294" r:id="rId20"/>
+    <p:sldId id="287" r:id="rId21"/>
   </p:sldIdLst>
   <p:sldSz cx="12192000" cy="6858000"/>
   <p:notesSz cx="6858000" cy="9144000"/>
@@ -999,7 +1003,7 @@
           <a:p>
             <a:fld id="{6336304E-FDE3-4B4F-A3B7-EBE87F3FA5E2}" type="slidenum">
               <a:rPr lang="en-US" smtClean="0"/>
-              <a:t>7</a:t>
+              <a:t>10</a:t>
             </a:fld>
             <a:endParaRPr lang="en-US"/>
           </a:p>
@@ -17201,10 +17205,10 @@
       </p:grpSpPr>
       <p:sp>
         <p:nvSpPr>
-          <p:cNvPr id="4" name="Title 3">
-            <a:extLst>
-              <a:ext uri="{FF2B5EF4-FFF2-40B4-BE49-F238E27FC236}">
-                <a16:creationId xmlns:a16="http://schemas.microsoft.com/office/drawing/2014/main" id="{2E0C54B5-6876-DE29-A5F3-B88D01DEC8B1}"/>
+          <p:cNvPr id="4" name="Slide Number Placeholder 3">
+            <a:extLst>
+              <a:ext uri="{FF2B5EF4-FFF2-40B4-BE49-F238E27FC236}">
+                <a16:creationId xmlns:a16="http://schemas.microsoft.com/office/drawing/2014/main" id="{0BDDBFEE-BC50-46CF-AB8F-D145B99B57A6}"/>
               </a:ext>
             </a:extLst>
           </p:cNvPr>
@@ -17212,70 +17216,7 @@
             <a:spLocks noGrp="1"/>
           </p:cNvSpPr>
           <p:nvPr>
-            <p:ph type="ctrTitle"/>
-          </p:nvPr>
-        </p:nvSpPr>
-        <p:spPr>
-          <a:xfrm>
-            <a:off x="6337300" y="2971800"/>
-            <a:ext cx="5143500" cy="1292296"/>
-          </a:xfrm>
-        </p:spPr>
-        <p:txBody>
-          <a:bodyPr anchor="b">
-            <a:normAutofit/>
-          </a:bodyPr>
-          <a:lstStyle/>
-          <a:p>
-            <a:r>
-              <a:rPr lang="en-US" dirty="0"/>
-              <a:t>Future Work</a:t>
-            </a:r>
-          </a:p>
-        </p:txBody>
-      </p:sp>
-      <p:pic>
-        <p:nvPicPr>
-          <p:cNvPr id="6" name="Picture Placeholder 5">
-            <a:extLst>
-              <a:ext uri="{FF2B5EF4-FFF2-40B4-BE49-F238E27FC236}">
-                <a16:creationId xmlns:a16="http://schemas.microsoft.com/office/drawing/2014/main" id="{BBD507E0-C445-45A5-000D-A42E3C8A8362}"/>
-              </a:ext>
-            </a:extLst>
-          </p:cNvPr>
-          <p:cNvPicPr>
-            <a:picLocks noGrp="1" noChangeAspect="1"/>
-          </p:cNvPicPr>
-          <p:nvPr>
-            <p:ph type="pic" sz="quarter" idx="10"/>
-          </p:nvPr>
-        </p:nvPicPr>
-        <p:blipFill>
-          <a:blip r:embed="rId2"/>
-          <a:srcRect l="22778" r="22778"/>
-          <a:stretch/>
-        </p:blipFill>
-        <p:spPr>
-          <a:xfrm>
-            <a:off x="711200" y="728663"/>
-            <a:ext cx="5305425" cy="5305425"/>
-          </a:xfrm>
-        </p:spPr>
-      </p:pic>
-      <p:sp>
-        <p:nvSpPr>
-          <p:cNvPr id="2" name="Slide Number Placeholder 1" hidden="1">
-            <a:extLst>
-              <a:ext uri="{FF2B5EF4-FFF2-40B4-BE49-F238E27FC236}">
-                <a16:creationId xmlns:a16="http://schemas.microsoft.com/office/drawing/2014/main" id="{CDA0EE6B-EE8E-9469-CA34-4A27CB4D7D0C}"/>
-              </a:ext>
-            </a:extLst>
-          </p:cNvPr>
-          <p:cNvSpPr>
-            <a:spLocks noGrp="1"/>
-          </p:cNvSpPr>
-          <p:nvPr>
-            <p:ph type="sldNum" sz="quarter" idx="4294967295"/>
+            <p:ph type="sldNum" sz="quarter" idx="12"/>
           </p:nvPr>
         </p:nvSpPr>
         <p:spPr>
@@ -17291,33 +17232,91 @@
           <a:lstStyle/>
           <a:p>
             <a:pPr>
-              <a:lnSpc>
-                <a:spcPct val="90000"/>
-              </a:lnSpc>
               <a:spcAft>
                 <a:spcPts val="600"/>
               </a:spcAft>
             </a:pPr>
             <a:fld id="{9EC71654-96A5-4280-94F3-931C61A9F92C}" type="slidenum">
-              <a:rPr lang="en-US" sz="600" noProof="0" smtClean="0"/>
+              <a:rPr lang="en-US" smtClean="0"/>
               <a:pPr>
-                <a:lnSpc>
-                  <a:spcPct val="90000"/>
-                </a:lnSpc>
                 <a:spcAft>
                   <a:spcPts val="600"/>
                 </a:spcAft>
               </a:pPr>
               <a:t>10</a:t>
             </a:fld>
-            <a:endParaRPr lang="en-US" sz="600" noProof="0"/>
+            <a:endParaRPr lang="en-US"/>
+          </a:p>
+        </p:txBody>
+      </p:sp>
+      <p:pic>
+        <p:nvPicPr>
+          <p:cNvPr id="21" name="Content Placeholder 20">
+            <a:extLst>
+              <a:ext uri="{FF2B5EF4-FFF2-40B4-BE49-F238E27FC236}">
+                <a16:creationId xmlns:a16="http://schemas.microsoft.com/office/drawing/2014/main" id="{BA3FC335-A445-ADFE-9653-DC5C4F2093ED}"/>
+              </a:ext>
+            </a:extLst>
+          </p:cNvPr>
+          <p:cNvPicPr>
+            <a:picLocks noGrp="1" noChangeAspect="1"/>
+          </p:cNvPicPr>
+          <p:nvPr>
+            <p:ph idx="1"/>
+          </p:nvPr>
+        </p:nvPicPr>
+        <p:blipFill>
+          <a:blip r:embed="rId3"/>
+          <a:srcRect t="180" b="180"/>
+          <a:stretch/>
+        </p:blipFill>
+        <p:spPr>
+          <a:xfrm>
+            <a:off x="859772" y="1266825"/>
+            <a:ext cx="10834528" cy="4920293"/>
+          </a:xfrm>
+          <a:noFill/>
+        </p:spPr>
+      </p:pic>
+      <p:sp>
+        <p:nvSpPr>
+          <p:cNvPr id="2" name="Title 1">
+            <a:extLst>
+              <a:ext uri="{FF2B5EF4-FFF2-40B4-BE49-F238E27FC236}">
+                <a16:creationId xmlns:a16="http://schemas.microsoft.com/office/drawing/2014/main" id="{903A9A18-93E0-4615-B7AA-B8C8FBB14464}"/>
+              </a:ext>
+            </a:extLst>
+          </p:cNvPr>
+          <p:cNvSpPr>
+            <a:spLocks noGrp="1"/>
+          </p:cNvSpPr>
+          <p:nvPr>
+            <p:ph type="title"/>
+          </p:nvPr>
+        </p:nvSpPr>
+        <p:spPr>
+          <a:xfrm>
+            <a:off x="515938" y="246621"/>
+            <a:ext cx="11150600" cy="920336"/>
+          </a:xfrm>
+        </p:spPr>
+        <p:txBody>
+          <a:bodyPr anchor="b">
+            <a:normAutofit/>
+          </a:bodyPr>
+          <a:lstStyle/>
+          <a:p>
+            <a:r>
+              <a:rPr lang="en-US" dirty="0"/>
+              <a:t>Work-Flow</a:t>
+            </a:r>
           </a:p>
         </p:txBody>
       </p:sp>
     </p:spTree>
     <p:extLst>
       <p:ext uri="{BB962C8B-B14F-4D97-AF65-F5344CB8AC3E}">
-        <p14:creationId xmlns:p14="http://schemas.microsoft.com/office/powerpoint/2010/main" val="2970485623"/>
+        <p14:creationId xmlns:p14="http://schemas.microsoft.com/office/powerpoint/2010/main" val="961730162"/>
       </p:ext>
     </p:extLst>
   </p:cSld>
@@ -17346,10 +17345,10 @@
       </p:grpSpPr>
       <p:sp>
         <p:nvSpPr>
-          <p:cNvPr id="17" name="Slide Number Placeholder 1">
-            <a:extLst>
-              <a:ext uri="{FF2B5EF4-FFF2-40B4-BE49-F238E27FC236}">
-                <a16:creationId xmlns:a16="http://schemas.microsoft.com/office/drawing/2014/main" id="{49ABE35A-BB82-5C1C-2B37-CAA754582F56}"/>
+          <p:cNvPr id="4" name="Title 3">
+            <a:extLst>
+              <a:ext uri="{FF2B5EF4-FFF2-40B4-BE49-F238E27FC236}">
+                <a16:creationId xmlns:a16="http://schemas.microsoft.com/office/drawing/2014/main" id="{2E0C54B5-6876-DE29-A5F3-B88D01DEC8B1}"/>
               </a:ext>
             </a:extLst>
           </p:cNvPr>
@@ -17357,86 +17356,13 @@
             <a:spLocks noGrp="1"/>
           </p:cNvSpPr>
           <p:nvPr>
-            <p:ph type="sldNum" sz="quarter" idx="12"/>
+            <p:ph type="ctrTitle"/>
           </p:nvPr>
         </p:nvSpPr>
         <p:spPr>
           <a:xfrm>
-            <a:off x="11363696" y="6455739"/>
-            <a:ext cx="294460" cy="187367"/>
-          </a:xfrm>
-        </p:spPr>
-        <p:txBody>
-          <a:bodyPr/>
-          <a:lstStyle/>
-          <a:p>
-            <a:pPr>
-              <a:spcAft>
-                <a:spcPts val="600"/>
-              </a:spcAft>
-            </a:pPr>
-            <a:fld id="{9EC71654-96A5-4280-94F3-931C61A9F92C}" type="slidenum">
-              <a:rPr lang="en-US" noProof="0" smtClean="0"/>
-              <a:pPr>
-                <a:spcAft>
-                  <a:spcPts val="600"/>
-                </a:spcAft>
-              </a:pPr>
-              <a:t>11</a:t>
-            </a:fld>
-            <a:endParaRPr lang="en-US" noProof="0"/>
-          </a:p>
-        </p:txBody>
-      </p:sp>
-      <p:pic>
-        <p:nvPicPr>
-          <p:cNvPr id="7" name="Content Placeholder 6">
-            <a:extLst>
-              <a:ext uri="{FF2B5EF4-FFF2-40B4-BE49-F238E27FC236}">
-                <a16:creationId xmlns:a16="http://schemas.microsoft.com/office/drawing/2014/main" id="{DE6DCD29-CEE6-72BC-E86C-C62C70EEFDBA}"/>
-              </a:ext>
-            </a:extLst>
-          </p:cNvPr>
-          <p:cNvPicPr>
-            <a:picLocks noGrp="1" noChangeAspect="1"/>
-          </p:cNvPicPr>
-          <p:nvPr>
-            <p:ph sz="half" idx="1"/>
-          </p:nvPr>
-        </p:nvPicPr>
-        <p:blipFill>
-          <a:blip r:embed="rId2"/>
-          <a:srcRect/>
-          <a:stretch/>
-        </p:blipFill>
-        <p:spPr>
-          <a:xfrm>
-            <a:off x="9834381" y="3128404"/>
-            <a:ext cx="552812" cy="606425"/>
-          </a:xfrm>
-          <a:noFill/>
-        </p:spPr>
-      </p:pic>
-      <p:sp>
-        <p:nvSpPr>
-          <p:cNvPr id="2" name="Title 1">
-            <a:extLst>
-              <a:ext uri="{FF2B5EF4-FFF2-40B4-BE49-F238E27FC236}">
-                <a16:creationId xmlns:a16="http://schemas.microsoft.com/office/drawing/2014/main" id="{CC0C50D1-1B66-9C4E-DD7B-5221A23FD1F5}"/>
-              </a:ext>
-            </a:extLst>
-          </p:cNvPr>
-          <p:cNvSpPr>
-            <a:spLocks noGrp="1"/>
-          </p:cNvSpPr>
-          <p:nvPr>
-            <p:ph type="title"/>
-          </p:nvPr>
-        </p:nvSpPr>
-        <p:spPr>
-          <a:xfrm>
-            <a:off x="515938" y="246621"/>
-            <a:ext cx="11150600" cy="920336"/>
+            <a:off x="6337300" y="2971800"/>
+            <a:ext cx="5143500" cy="1292296"/>
           </a:xfrm>
         </p:spPr>
         <p:txBody>
@@ -17447,17 +17373,47 @@
           <a:p>
             <a:r>
               <a:rPr lang="en-US" dirty="0"/>
-              <a:t>Future Work</a:t>
+              <a:t>Challenges</a:t>
             </a:r>
           </a:p>
         </p:txBody>
       </p:sp>
+      <p:pic>
+        <p:nvPicPr>
+          <p:cNvPr id="6" name="Picture Placeholder 5" descr="A person holding a baby&#10;&#10;Description automatically generated with low confidence">
+            <a:extLst>
+              <a:ext uri="{FF2B5EF4-FFF2-40B4-BE49-F238E27FC236}">
+                <a16:creationId xmlns:a16="http://schemas.microsoft.com/office/drawing/2014/main" id="{BBD507E0-C445-45A5-000D-A42E3C8A8362}"/>
+              </a:ext>
+            </a:extLst>
+          </p:cNvPr>
+          <p:cNvPicPr>
+            <a:picLocks noGrp="1" noChangeAspect="1"/>
+          </p:cNvPicPr>
+          <p:nvPr>
+            <p:ph type="pic" sz="quarter" idx="10"/>
+          </p:nvPr>
+        </p:nvPicPr>
+        <p:blipFill>
+          <a:blip r:embed="rId2"/>
+          <a:srcRect l="16684" r="16684"/>
+          <a:stretch>
+            <a:fillRect/>
+          </a:stretch>
+        </p:blipFill>
+        <p:spPr>
+          <a:xfrm>
+            <a:off x="711200" y="728663"/>
+            <a:ext cx="5305425" cy="5305425"/>
+          </a:xfrm>
+        </p:spPr>
+      </p:pic>
       <p:sp>
         <p:nvSpPr>
-          <p:cNvPr id="3" name="Slide Number Placeholder 2" hidden="1">
-            <a:extLst>
-              <a:ext uri="{FF2B5EF4-FFF2-40B4-BE49-F238E27FC236}">
-                <a16:creationId xmlns:a16="http://schemas.microsoft.com/office/drawing/2014/main" id="{24471D0A-2A75-5210-E90F-6C5B83FF9FEE}"/>
+          <p:cNvPr id="2" name="Slide Number Placeholder 1" hidden="1">
+            <a:extLst>
+              <a:ext uri="{FF2B5EF4-FFF2-40B4-BE49-F238E27FC236}">
+                <a16:creationId xmlns:a16="http://schemas.microsoft.com/office/drawing/2014/main" id="{CDA0EE6B-EE8E-9469-CA34-4A27CB4D7D0C}"/>
               </a:ext>
             </a:extLst>
           </p:cNvPr>
@@ -17504,317 +17460,10 @@
           </a:p>
         </p:txBody>
       </p:sp>
-      <p:pic>
-        <p:nvPicPr>
-          <p:cNvPr id="5" name="Picture 4">
-            <a:extLst>
-              <a:ext uri="{FF2B5EF4-FFF2-40B4-BE49-F238E27FC236}">
-                <a16:creationId xmlns:a16="http://schemas.microsoft.com/office/drawing/2014/main" id="{FC62146B-8F3F-FBBA-B170-9B5114E23759}"/>
-              </a:ext>
-            </a:extLst>
-          </p:cNvPr>
-          <p:cNvPicPr>
-            <a:picLocks noChangeAspect="1"/>
-          </p:cNvPicPr>
-          <p:nvPr/>
-        </p:nvPicPr>
-        <p:blipFill>
-          <a:blip r:embed="rId3"/>
-          <a:srcRect/>
-          <a:stretch/>
-        </p:blipFill>
-        <p:spPr>
-          <a:xfrm>
-            <a:off x="7614323" y="3128404"/>
-            <a:ext cx="601191" cy="601191"/>
-          </a:xfrm>
-          <a:prstGeom prst="rect">
-            <a:avLst/>
-          </a:prstGeom>
-        </p:spPr>
-      </p:pic>
-      <p:pic>
-        <p:nvPicPr>
-          <p:cNvPr id="8" name="Picture 7">
-            <a:extLst>
-              <a:ext uri="{FF2B5EF4-FFF2-40B4-BE49-F238E27FC236}">
-                <a16:creationId xmlns:a16="http://schemas.microsoft.com/office/drawing/2014/main" id="{13E0C9C8-39E9-5C54-FE4C-BAFDCE1B7D0F}"/>
-              </a:ext>
-            </a:extLst>
-          </p:cNvPr>
-          <p:cNvPicPr>
-            <a:picLocks noChangeAspect="1"/>
-          </p:cNvPicPr>
-          <p:nvPr/>
-        </p:nvPicPr>
-        <p:blipFill>
-          <a:blip r:embed="rId4"/>
-          <a:srcRect/>
-          <a:stretch/>
-        </p:blipFill>
-        <p:spPr>
-          <a:xfrm>
-            <a:off x="5376669" y="3136917"/>
-            <a:ext cx="629616" cy="574638"/>
-          </a:xfrm>
-          <a:prstGeom prst="rect">
-            <a:avLst/>
-          </a:prstGeom>
-        </p:spPr>
-      </p:pic>
-      <p:sp>
-        <p:nvSpPr>
-          <p:cNvPr id="10" name="TextBox 9">
-            <a:extLst>
-              <a:ext uri="{FF2B5EF4-FFF2-40B4-BE49-F238E27FC236}">
-                <a16:creationId xmlns:a16="http://schemas.microsoft.com/office/drawing/2014/main" id="{D1794A21-E128-104B-BC5E-57415EA90165}"/>
-              </a:ext>
-            </a:extLst>
-          </p:cNvPr>
-          <p:cNvSpPr txBox="1"/>
-          <p:nvPr/>
-        </p:nvSpPr>
-        <p:spPr>
-          <a:xfrm>
-            <a:off x="9151543" y="3977598"/>
-            <a:ext cx="1935634" cy="400110"/>
-          </a:xfrm>
-          <a:prstGeom prst="rect">
-            <a:avLst/>
-          </a:prstGeom>
-          <a:noFill/>
-        </p:spPr>
-        <p:txBody>
-          <a:bodyPr wrap="square" rtlCol="0">
-            <a:spAutoFit/>
-          </a:bodyPr>
-          <a:lstStyle/>
-          <a:p>
-            <a:pPr algn="ctr"/>
-            <a:r>
-              <a:rPr lang="en-US" sz="2000" b="1" dirty="0"/>
-              <a:t>Mobile Model</a:t>
-            </a:r>
-          </a:p>
-        </p:txBody>
-      </p:sp>
-      <p:sp>
-        <p:nvSpPr>
-          <p:cNvPr id="14" name="TextBox 13">
-            <a:extLst>
-              <a:ext uri="{FF2B5EF4-FFF2-40B4-BE49-F238E27FC236}">
-                <a16:creationId xmlns:a16="http://schemas.microsoft.com/office/drawing/2014/main" id="{5CC1F818-39F8-B166-405C-C7975400ED44}"/>
-              </a:ext>
-            </a:extLst>
-          </p:cNvPr>
-          <p:cNvSpPr txBox="1"/>
-          <p:nvPr/>
-        </p:nvSpPr>
-        <p:spPr>
-          <a:xfrm>
-            <a:off x="6641869" y="3977598"/>
-            <a:ext cx="2558011" cy="707886"/>
-          </a:xfrm>
-          <a:prstGeom prst="rect">
-            <a:avLst/>
-          </a:prstGeom>
-          <a:noFill/>
-        </p:spPr>
-        <p:txBody>
-          <a:bodyPr wrap="square" rtlCol="0">
-            <a:spAutoFit/>
-          </a:bodyPr>
-          <a:lstStyle/>
-          <a:p>
-            <a:pPr algn="ctr"/>
-            <a:r>
-              <a:rPr lang="en-US" sz="2000" b="1" dirty="0"/>
-              <a:t>All In One</a:t>
-            </a:r>
-          </a:p>
-          <a:p>
-            <a:pPr algn="ctr"/>
-            <a:endParaRPr lang="en-US" sz="2000" b="1" dirty="0"/>
-          </a:p>
-        </p:txBody>
-      </p:sp>
-      <p:sp>
-        <p:nvSpPr>
-          <p:cNvPr id="15" name="TextBox 14">
-            <a:extLst>
-              <a:ext uri="{FF2B5EF4-FFF2-40B4-BE49-F238E27FC236}">
-                <a16:creationId xmlns:a16="http://schemas.microsoft.com/office/drawing/2014/main" id="{FBAB8646-ECD4-83B3-C925-659CD4BCBB5B}"/>
-              </a:ext>
-            </a:extLst>
-          </p:cNvPr>
-          <p:cNvSpPr txBox="1"/>
-          <p:nvPr/>
-        </p:nvSpPr>
-        <p:spPr>
-          <a:xfrm>
-            <a:off x="4724601" y="3977598"/>
-            <a:ext cx="2009525" cy="707886"/>
-          </a:xfrm>
-          <a:prstGeom prst="rect">
-            <a:avLst/>
-          </a:prstGeom>
-          <a:noFill/>
-        </p:spPr>
-        <p:txBody>
-          <a:bodyPr wrap="square" rtlCol="0">
-            <a:spAutoFit/>
-          </a:bodyPr>
-          <a:lstStyle/>
-          <a:p>
-            <a:pPr algn="ctr"/>
-            <a:r>
-              <a:rPr lang="en-US" sz="2000" b="1" dirty="0"/>
-              <a:t>Night Vision</a:t>
-            </a:r>
-          </a:p>
-          <a:p>
-            <a:pPr algn="ctr"/>
-            <a:r>
-              <a:rPr lang="en-US" sz="2000" b="1" dirty="0"/>
-              <a:t>Model </a:t>
-            </a:r>
-          </a:p>
-        </p:txBody>
-      </p:sp>
-      <p:pic>
-        <p:nvPicPr>
-          <p:cNvPr id="25" name="Picture 24">
-            <a:extLst>
-              <a:ext uri="{FF2B5EF4-FFF2-40B4-BE49-F238E27FC236}">
-                <a16:creationId xmlns:a16="http://schemas.microsoft.com/office/drawing/2014/main" id="{172F869C-8254-E6CD-9F39-742519C87B5F}"/>
-              </a:ext>
-            </a:extLst>
-          </p:cNvPr>
-          <p:cNvPicPr>
-            <a:picLocks noChangeAspect="1"/>
-          </p:cNvPicPr>
-          <p:nvPr/>
-        </p:nvPicPr>
-        <p:blipFill>
-          <a:blip r:embed="rId5"/>
-          <a:srcRect/>
-          <a:stretch/>
-        </p:blipFill>
-        <p:spPr>
-          <a:xfrm>
-            <a:off x="3271686" y="3216271"/>
-            <a:ext cx="495284" cy="495284"/>
-          </a:xfrm>
-          <a:prstGeom prst="rect">
-            <a:avLst/>
-          </a:prstGeom>
-        </p:spPr>
-      </p:pic>
-      <p:sp>
-        <p:nvSpPr>
-          <p:cNvPr id="26" name="TextBox 25">
-            <a:extLst>
-              <a:ext uri="{FF2B5EF4-FFF2-40B4-BE49-F238E27FC236}">
-                <a16:creationId xmlns:a16="http://schemas.microsoft.com/office/drawing/2014/main" id="{3F77A819-E442-CBA1-3C7E-CF082B21FEEE}"/>
-              </a:ext>
-            </a:extLst>
-          </p:cNvPr>
-          <p:cNvSpPr txBox="1"/>
-          <p:nvPr/>
-        </p:nvSpPr>
-        <p:spPr>
-          <a:xfrm>
-            <a:off x="2633921" y="3977598"/>
-            <a:ext cx="1763944" cy="707886"/>
-          </a:xfrm>
-          <a:prstGeom prst="rect">
-            <a:avLst/>
-          </a:prstGeom>
-          <a:noFill/>
-        </p:spPr>
-        <p:txBody>
-          <a:bodyPr wrap="square" rtlCol="0">
-            <a:spAutoFit/>
-          </a:bodyPr>
-          <a:lstStyle/>
-          <a:p>
-            <a:pPr algn="ctr"/>
-            <a:r>
-              <a:rPr lang="en-US" sz="2000" b="1" dirty="0"/>
-              <a:t>Driver Distraction</a:t>
-            </a:r>
-          </a:p>
-        </p:txBody>
-      </p:sp>
-      <p:pic>
-        <p:nvPicPr>
-          <p:cNvPr id="28" name="Picture 27">
-            <a:extLst>
-              <a:ext uri="{FF2B5EF4-FFF2-40B4-BE49-F238E27FC236}">
-                <a16:creationId xmlns:a16="http://schemas.microsoft.com/office/drawing/2014/main" id="{B8699F91-9EA2-BCA9-C123-DE28870C5719}"/>
-              </a:ext>
-            </a:extLst>
-          </p:cNvPr>
-          <p:cNvPicPr>
-            <a:picLocks noChangeAspect="1"/>
-          </p:cNvPicPr>
-          <p:nvPr/>
-        </p:nvPicPr>
-        <p:blipFill>
-          <a:blip r:embed="rId6"/>
-          <a:srcRect/>
-          <a:stretch/>
-        </p:blipFill>
-        <p:spPr>
-          <a:xfrm>
-            <a:off x="988909" y="3086258"/>
-            <a:ext cx="690716" cy="690716"/>
-          </a:xfrm>
-          <a:prstGeom prst="rect">
-            <a:avLst/>
-          </a:prstGeom>
-        </p:spPr>
-      </p:pic>
-      <p:sp>
-        <p:nvSpPr>
-          <p:cNvPr id="29" name="TextBox 28">
-            <a:extLst>
-              <a:ext uri="{FF2B5EF4-FFF2-40B4-BE49-F238E27FC236}">
-                <a16:creationId xmlns:a16="http://schemas.microsoft.com/office/drawing/2014/main" id="{CB5EF82F-24FF-CA97-F380-4D41120EE2BA}"/>
-              </a:ext>
-            </a:extLst>
-          </p:cNvPr>
-          <p:cNvSpPr txBox="1"/>
-          <p:nvPr/>
-        </p:nvSpPr>
-        <p:spPr>
-          <a:xfrm>
-            <a:off x="317441" y="3977598"/>
-            <a:ext cx="2316480" cy="400110"/>
-          </a:xfrm>
-          <a:prstGeom prst="rect">
-            <a:avLst/>
-          </a:prstGeom>
-          <a:noFill/>
-        </p:spPr>
-        <p:txBody>
-          <a:bodyPr wrap="square" rtlCol="0">
-            <a:spAutoFit/>
-          </a:bodyPr>
-          <a:lstStyle/>
-          <a:p>
-            <a:pPr algn="ctr"/>
-            <a:r>
-              <a:rPr lang="en-US" sz="2000" b="1" dirty="0"/>
-              <a:t>Lane Detection</a:t>
-            </a:r>
-          </a:p>
-        </p:txBody>
-      </p:sp>
     </p:spTree>
     <p:extLst>
       <p:ext uri="{BB962C8B-B14F-4D97-AF65-F5344CB8AC3E}">
-        <p14:creationId xmlns:p14="http://schemas.microsoft.com/office/powerpoint/2010/main" val="3482772454"/>
+        <p14:creationId xmlns:p14="http://schemas.microsoft.com/office/powerpoint/2010/main" val="108566944"/>
       </p:ext>
     </p:extLst>
   </p:cSld>
@@ -17843,10 +17492,10 @@
       </p:grpSpPr>
       <p:sp>
         <p:nvSpPr>
-          <p:cNvPr id="4" name="Title 3">
-            <a:extLst>
-              <a:ext uri="{FF2B5EF4-FFF2-40B4-BE49-F238E27FC236}">
-                <a16:creationId xmlns:a16="http://schemas.microsoft.com/office/drawing/2014/main" id="{2E0C54B5-6876-DE29-A5F3-B88D01DEC8B1}"/>
+          <p:cNvPr id="17" name="Slide Number Placeholder 1">
+            <a:extLst>
+              <a:ext uri="{FF2B5EF4-FFF2-40B4-BE49-F238E27FC236}">
+                <a16:creationId xmlns:a16="http://schemas.microsoft.com/office/drawing/2014/main" id="{49ABE35A-BB82-5C1C-2B37-CAA754582F56}"/>
               </a:ext>
             </a:extLst>
           </p:cNvPr>
@@ -17854,13 +17503,85 @@
             <a:spLocks noGrp="1"/>
           </p:cNvSpPr>
           <p:nvPr>
-            <p:ph type="ctrTitle"/>
+            <p:ph type="sldNum" sz="quarter" idx="12"/>
           </p:nvPr>
         </p:nvSpPr>
         <p:spPr>
           <a:xfrm>
-            <a:off x="6323984" y="3429000"/>
-            <a:ext cx="10970957" cy="850971"/>
+            <a:off x="11363696" y="6455739"/>
+            <a:ext cx="294460" cy="187367"/>
+          </a:xfrm>
+        </p:spPr>
+        <p:txBody>
+          <a:bodyPr/>
+          <a:lstStyle/>
+          <a:p>
+            <a:pPr>
+              <a:spcAft>
+                <a:spcPts val="600"/>
+              </a:spcAft>
+            </a:pPr>
+            <a:fld id="{9EC71654-96A5-4280-94F3-931C61A9F92C}" type="slidenum">
+              <a:rPr lang="en-US" noProof="0" smtClean="0"/>
+              <a:pPr>
+                <a:spcAft>
+                  <a:spcPts val="600"/>
+                </a:spcAft>
+              </a:pPr>
+              <a:t>12</a:t>
+            </a:fld>
+            <a:endParaRPr lang="en-US" noProof="0"/>
+          </a:p>
+        </p:txBody>
+      </p:sp>
+      <p:pic>
+        <p:nvPicPr>
+          <p:cNvPr id="7" name="Content Placeholder 6">
+            <a:extLst>
+              <a:ext uri="{FF2B5EF4-FFF2-40B4-BE49-F238E27FC236}">
+                <a16:creationId xmlns:a16="http://schemas.microsoft.com/office/drawing/2014/main" id="{DE6DCD29-CEE6-72BC-E86C-C62C70EEFDBA}"/>
+              </a:ext>
+            </a:extLst>
+          </p:cNvPr>
+          <p:cNvPicPr>
+            <a:picLocks noGrp="1" noChangeAspect="1"/>
+          </p:cNvPicPr>
+          <p:nvPr>
+            <p:ph sz="half" idx="1"/>
+          </p:nvPr>
+        </p:nvPicPr>
+        <p:blipFill>
+          <a:blip r:embed="rId2"/>
+          <a:stretch/>
+        </p:blipFill>
+        <p:spPr>
+          <a:xfrm>
+            <a:off x="9807575" y="3128404"/>
+            <a:ext cx="606425" cy="606425"/>
+          </a:xfrm>
+          <a:noFill/>
+        </p:spPr>
+      </p:pic>
+      <p:sp>
+        <p:nvSpPr>
+          <p:cNvPr id="2" name="Title 1">
+            <a:extLst>
+              <a:ext uri="{FF2B5EF4-FFF2-40B4-BE49-F238E27FC236}">
+                <a16:creationId xmlns:a16="http://schemas.microsoft.com/office/drawing/2014/main" id="{CC0C50D1-1B66-9C4E-DD7B-5221A23FD1F5}"/>
+              </a:ext>
+            </a:extLst>
+          </p:cNvPr>
+          <p:cNvSpPr>
+            <a:spLocks noGrp="1"/>
+          </p:cNvSpPr>
+          <p:nvPr>
+            <p:ph type="title"/>
+          </p:nvPr>
+        </p:nvSpPr>
+        <p:spPr>
+          <a:xfrm>
+            <a:off x="515938" y="246621"/>
+            <a:ext cx="11150600" cy="920336"/>
           </a:xfrm>
         </p:spPr>
         <p:txBody>
@@ -17871,17 +17592,17 @@
           <a:p>
             <a:r>
               <a:rPr lang="en-US" dirty="0"/>
-              <a:t>Conclusion</a:t>
+              <a:t>Challenges</a:t>
             </a:r>
           </a:p>
         </p:txBody>
       </p:sp>
       <p:sp>
         <p:nvSpPr>
-          <p:cNvPr id="2" name="Slide Number Placeholder 1" hidden="1">
-            <a:extLst>
-              <a:ext uri="{FF2B5EF4-FFF2-40B4-BE49-F238E27FC236}">
-                <a16:creationId xmlns:a16="http://schemas.microsoft.com/office/drawing/2014/main" id="{CDA0EE6B-EE8E-9469-CA34-4A27CB4D7D0C}"/>
+          <p:cNvPr id="3" name="Slide Number Placeholder 2" hidden="1">
+            <a:extLst>
+              <a:ext uri="{FF2B5EF4-FFF2-40B4-BE49-F238E27FC236}">
+                <a16:creationId xmlns:a16="http://schemas.microsoft.com/office/drawing/2014/main" id="{24471D0A-2A75-5210-E90F-6C5B83FF9FEE}"/>
               </a:ext>
             </a:extLst>
           </p:cNvPr>
@@ -17913,7 +17634,7 @@
               </a:spcAft>
             </a:pPr>
             <a:fld id="{9EC71654-96A5-4280-94F3-931C61A9F92C}" type="slidenum">
-              <a:rPr lang="en-US" sz="200" noProof="0" smtClean="0"/>
+              <a:rPr lang="en-US" sz="600" noProof="0" smtClean="0"/>
               <a:pPr>
                 <a:lnSpc>
                   <a:spcPct val="90000"/>
@@ -17924,14 +17645,328 @@
               </a:pPr>
               <a:t>12</a:t>
             </a:fld>
-            <a:endParaRPr lang="en-US" sz="200" noProof="0"/>
+            <a:endParaRPr lang="en-US" sz="600" noProof="0"/>
+          </a:p>
+        </p:txBody>
+      </p:sp>
+      <p:pic>
+        <p:nvPicPr>
+          <p:cNvPr id="5" name="Picture 4" descr="Shape&#10;&#10;Description automatically generated">
+            <a:extLst>
+              <a:ext uri="{FF2B5EF4-FFF2-40B4-BE49-F238E27FC236}">
+                <a16:creationId xmlns:a16="http://schemas.microsoft.com/office/drawing/2014/main" id="{FC62146B-8F3F-FBBA-B170-9B5114E23759}"/>
+              </a:ext>
+            </a:extLst>
+          </p:cNvPr>
+          <p:cNvPicPr>
+            <a:picLocks noChangeAspect="1"/>
+          </p:cNvPicPr>
+          <p:nvPr/>
+        </p:nvPicPr>
+        <p:blipFill>
+          <a:blip r:embed="rId3"/>
+          <a:stretch>
+            <a:fillRect/>
+          </a:stretch>
+        </p:blipFill>
+        <p:spPr>
+          <a:xfrm>
+            <a:off x="7614323" y="3128404"/>
+            <a:ext cx="601191" cy="601191"/>
+          </a:xfrm>
+          <a:prstGeom prst="rect">
+            <a:avLst/>
+          </a:prstGeom>
+        </p:spPr>
+      </p:pic>
+      <p:pic>
+        <p:nvPicPr>
+          <p:cNvPr id="8" name="Picture 7" descr="A picture containing shape&#10;&#10;Description automatically generated">
+            <a:extLst>
+              <a:ext uri="{FF2B5EF4-FFF2-40B4-BE49-F238E27FC236}">
+                <a16:creationId xmlns:a16="http://schemas.microsoft.com/office/drawing/2014/main" id="{13E0C9C8-39E9-5C54-FE4C-BAFDCE1B7D0F}"/>
+              </a:ext>
+            </a:extLst>
+          </p:cNvPr>
+          <p:cNvPicPr>
+            <a:picLocks noChangeAspect="1"/>
+          </p:cNvPicPr>
+          <p:nvPr/>
+        </p:nvPicPr>
+        <p:blipFill>
+          <a:blip r:embed="rId4"/>
+          <a:stretch>
+            <a:fillRect/>
+          </a:stretch>
+        </p:blipFill>
+        <p:spPr>
+          <a:xfrm>
+            <a:off x="5359031" y="3136917"/>
+            <a:ext cx="664892" cy="574638"/>
+          </a:xfrm>
+          <a:prstGeom prst="rect">
+            <a:avLst/>
+          </a:prstGeom>
+        </p:spPr>
+      </p:pic>
+      <p:sp>
+        <p:nvSpPr>
+          <p:cNvPr id="10" name="TextBox 9">
+            <a:extLst>
+              <a:ext uri="{FF2B5EF4-FFF2-40B4-BE49-F238E27FC236}">
+                <a16:creationId xmlns:a16="http://schemas.microsoft.com/office/drawing/2014/main" id="{D1794A21-E128-104B-BC5E-57415EA90165}"/>
+              </a:ext>
+            </a:extLst>
+          </p:cNvPr>
+          <p:cNvSpPr txBox="1"/>
+          <p:nvPr/>
+        </p:nvSpPr>
+        <p:spPr>
+          <a:xfrm>
+            <a:off x="9151543" y="3977598"/>
+            <a:ext cx="1935634" cy="707886"/>
+          </a:xfrm>
+          <a:prstGeom prst="rect">
+            <a:avLst/>
+          </a:prstGeom>
+          <a:noFill/>
+        </p:spPr>
+        <p:txBody>
+          <a:bodyPr wrap="square" rtlCol="0">
+            <a:spAutoFit/>
+          </a:bodyPr>
+          <a:lstStyle/>
+          <a:p>
+            <a:pPr algn="ctr"/>
+            <a:r>
+              <a:rPr lang="en-US" sz="2000" b="1" dirty="0"/>
+              <a:t>Dataset Cleaning</a:t>
+            </a:r>
+          </a:p>
+        </p:txBody>
+      </p:sp>
+      <p:sp>
+        <p:nvSpPr>
+          <p:cNvPr id="14" name="TextBox 13">
+            <a:extLst>
+              <a:ext uri="{FF2B5EF4-FFF2-40B4-BE49-F238E27FC236}">
+                <a16:creationId xmlns:a16="http://schemas.microsoft.com/office/drawing/2014/main" id="{5CC1F818-39F8-B166-405C-C7975400ED44}"/>
+              </a:ext>
+            </a:extLst>
+          </p:cNvPr>
+          <p:cNvSpPr txBox="1"/>
+          <p:nvPr/>
+        </p:nvSpPr>
+        <p:spPr>
+          <a:xfrm>
+            <a:off x="6641869" y="3977598"/>
+            <a:ext cx="2558011" cy="707886"/>
+          </a:xfrm>
+          <a:prstGeom prst="rect">
+            <a:avLst/>
+          </a:prstGeom>
+          <a:noFill/>
+        </p:spPr>
+        <p:txBody>
+          <a:bodyPr wrap="square" rtlCol="0">
+            <a:spAutoFit/>
+          </a:bodyPr>
+          <a:lstStyle/>
+          <a:p>
+            <a:pPr algn="ctr"/>
+            <a:r>
+              <a:rPr lang="en-US" sz="2000" b="1" dirty="0"/>
+              <a:t>Hyperparameters Tuning</a:t>
+            </a:r>
+          </a:p>
+        </p:txBody>
+      </p:sp>
+      <p:sp>
+        <p:nvSpPr>
+          <p:cNvPr id="15" name="TextBox 14">
+            <a:extLst>
+              <a:ext uri="{FF2B5EF4-FFF2-40B4-BE49-F238E27FC236}">
+                <a16:creationId xmlns:a16="http://schemas.microsoft.com/office/drawing/2014/main" id="{FBAB8646-ECD4-83B3-C925-659CD4BCBB5B}"/>
+              </a:ext>
+            </a:extLst>
+          </p:cNvPr>
+          <p:cNvSpPr txBox="1"/>
+          <p:nvPr/>
+        </p:nvSpPr>
+        <p:spPr>
+          <a:xfrm>
+            <a:off x="4724601" y="3977598"/>
+            <a:ext cx="2009525" cy="707886"/>
+          </a:xfrm>
+          <a:prstGeom prst="rect">
+            <a:avLst/>
+          </a:prstGeom>
+          <a:noFill/>
+        </p:spPr>
+        <p:txBody>
+          <a:bodyPr wrap="square" rtlCol="0">
+            <a:spAutoFit/>
+          </a:bodyPr>
+          <a:lstStyle/>
+          <a:p>
+            <a:pPr algn="ctr"/>
+            <a:r>
+              <a:rPr lang="en-US" sz="2000" b="1" dirty="0"/>
+              <a:t>Dataset Imbalance</a:t>
+            </a:r>
+          </a:p>
+        </p:txBody>
+      </p:sp>
+      <p:pic>
+        <p:nvPicPr>
+          <p:cNvPr id="25" name="Picture 24" descr="Shape&#10;&#10;Description automatically generated with low confidence">
+            <a:extLst>
+              <a:ext uri="{FF2B5EF4-FFF2-40B4-BE49-F238E27FC236}">
+                <a16:creationId xmlns:a16="http://schemas.microsoft.com/office/drawing/2014/main" id="{172F869C-8254-E6CD-9F39-742519C87B5F}"/>
+              </a:ext>
+            </a:extLst>
+          </p:cNvPr>
+          <p:cNvPicPr>
+            <a:picLocks noChangeAspect="1"/>
+          </p:cNvPicPr>
+          <p:nvPr/>
+        </p:nvPicPr>
+        <p:blipFill>
+          <a:blip r:embed="rId5"/>
+          <a:stretch>
+            <a:fillRect/>
+          </a:stretch>
+        </p:blipFill>
+        <p:spPr>
+          <a:xfrm>
+            <a:off x="3271686" y="3216271"/>
+            <a:ext cx="495284" cy="495284"/>
+          </a:xfrm>
+          <a:prstGeom prst="rect">
+            <a:avLst/>
+          </a:prstGeom>
+        </p:spPr>
+      </p:pic>
+      <p:sp>
+        <p:nvSpPr>
+          <p:cNvPr id="26" name="TextBox 25">
+            <a:extLst>
+              <a:ext uri="{FF2B5EF4-FFF2-40B4-BE49-F238E27FC236}">
+                <a16:creationId xmlns:a16="http://schemas.microsoft.com/office/drawing/2014/main" id="{3F77A819-E442-CBA1-3C7E-CF082B21FEEE}"/>
+              </a:ext>
+            </a:extLst>
+          </p:cNvPr>
+          <p:cNvSpPr txBox="1"/>
+          <p:nvPr/>
+        </p:nvSpPr>
+        <p:spPr>
+          <a:xfrm>
+            <a:off x="2633921" y="3977598"/>
+            <a:ext cx="1763944" cy="707886"/>
+          </a:xfrm>
+          <a:prstGeom prst="rect">
+            <a:avLst/>
+          </a:prstGeom>
+          <a:noFill/>
+        </p:spPr>
+        <p:txBody>
+          <a:bodyPr wrap="square" rtlCol="0">
+            <a:spAutoFit/>
+          </a:bodyPr>
+          <a:lstStyle/>
+          <a:p>
+            <a:pPr algn="ctr"/>
+            <a:r>
+              <a:rPr lang="en-US" sz="2000" b="1" dirty="0"/>
+              <a:t>Code Complexity</a:t>
+            </a:r>
+          </a:p>
+        </p:txBody>
+      </p:sp>
+      <p:pic>
+        <p:nvPicPr>
+          <p:cNvPr id="28" name="Picture 27" descr="Icon&#10;&#10;Description automatically generated">
+            <a:extLst>
+              <a:ext uri="{FF2B5EF4-FFF2-40B4-BE49-F238E27FC236}">
+                <a16:creationId xmlns:a16="http://schemas.microsoft.com/office/drawing/2014/main" id="{B8699F91-9EA2-BCA9-C123-DE28870C5719}"/>
+              </a:ext>
+            </a:extLst>
+          </p:cNvPr>
+          <p:cNvPicPr>
+            <a:picLocks noChangeAspect="1"/>
+          </p:cNvPicPr>
+          <p:nvPr/>
+        </p:nvPicPr>
+        <p:blipFill>
+          <a:blip r:embed="rId6"/>
+          <a:stretch>
+            <a:fillRect/>
+          </a:stretch>
+        </p:blipFill>
+        <p:spPr>
+          <a:xfrm>
+            <a:off x="988909" y="3086258"/>
+            <a:ext cx="690716" cy="690716"/>
+          </a:xfrm>
+          <a:prstGeom prst="rect">
+            <a:avLst/>
+          </a:prstGeom>
+        </p:spPr>
+      </p:pic>
+      <p:sp>
+        <p:nvSpPr>
+          <p:cNvPr id="29" name="TextBox 28">
+            <a:extLst>
+              <a:ext uri="{FF2B5EF4-FFF2-40B4-BE49-F238E27FC236}">
+                <a16:creationId xmlns:a16="http://schemas.microsoft.com/office/drawing/2014/main" id="{CB5EF82F-24FF-CA97-F380-4D41120EE2BA}"/>
+              </a:ext>
+            </a:extLst>
+          </p:cNvPr>
+          <p:cNvSpPr txBox="1"/>
+          <p:nvPr/>
+        </p:nvSpPr>
+        <p:spPr>
+          <a:xfrm>
+            <a:off x="317441" y="3977598"/>
+            <a:ext cx="2316480" cy="1015663"/>
+          </a:xfrm>
+          <a:prstGeom prst="rect">
+            <a:avLst/>
+          </a:prstGeom>
+          <a:noFill/>
+        </p:spPr>
+        <p:txBody>
+          <a:bodyPr wrap="square" rtlCol="0">
+            <a:spAutoFit/>
+          </a:bodyPr>
+          <a:lstStyle/>
+          <a:p>
+            <a:pPr algn="ctr"/>
+            <a:r>
+              <a:rPr lang="en-US" sz="2000" b="1" dirty="0"/>
+              <a:t>Testing </a:t>
+            </a:r>
+          </a:p>
+          <a:p>
+            <a:pPr algn="ctr"/>
+            <a:r>
+              <a:rPr lang="en-US" sz="2000" b="1" dirty="0"/>
+              <a:t>and </a:t>
+            </a:r>
+          </a:p>
+          <a:p>
+            <a:pPr algn="ctr"/>
+            <a:r>
+              <a:rPr lang="en-US" sz="2000" b="1" dirty="0"/>
+              <a:t>Debugging</a:t>
+            </a:r>
           </a:p>
         </p:txBody>
       </p:sp>
     </p:spTree>
     <p:extLst>
       <p:ext uri="{BB962C8B-B14F-4D97-AF65-F5344CB8AC3E}">
-        <p14:creationId xmlns:p14="http://schemas.microsoft.com/office/powerpoint/2010/main" val="1024629035"/>
+        <p14:creationId xmlns:p14="http://schemas.microsoft.com/office/powerpoint/2010/main" val="588504511"/>
       </p:ext>
     </p:extLst>
   </p:cSld>
@@ -17976,8 +18011,8 @@
         </p:nvSpPr>
         <p:spPr>
           <a:xfrm>
-            <a:off x="6323984" y="3429000"/>
-            <a:ext cx="10970957" cy="850971"/>
+            <a:off x="6337300" y="2971800"/>
+            <a:ext cx="5143500" cy="1292296"/>
           </a:xfrm>
         </p:spPr>
         <p:txBody>
@@ -17988,7 +18023,649 @@
           <a:p>
             <a:r>
               <a:rPr lang="en-US" dirty="0"/>
-              <a:t>Thank You</a:t>
+              <a:t>Future Work</a:t>
+            </a:r>
+          </a:p>
+        </p:txBody>
+      </p:sp>
+      <p:pic>
+        <p:nvPicPr>
+          <p:cNvPr id="6" name="Picture Placeholder 5">
+            <a:extLst>
+              <a:ext uri="{FF2B5EF4-FFF2-40B4-BE49-F238E27FC236}">
+                <a16:creationId xmlns:a16="http://schemas.microsoft.com/office/drawing/2014/main" id="{BBD507E0-C445-45A5-000D-A42E3C8A8362}"/>
+              </a:ext>
+            </a:extLst>
+          </p:cNvPr>
+          <p:cNvPicPr>
+            <a:picLocks noGrp="1" noChangeAspect="1"/>
+          </p:cNvPicPr>
+          <p:nvPr>
+            <p:ph type="pic" sz="quarter" idx="10"/>
+          </p:nvPr>
+        </p:nvPicPr>
+        <p:blipFill>
+          <a:blip r:embed="rId2"/>
+          <a:srcRect l="22778" r="22778"/>
+          <a:stretch/>
+        </p:blipFill>
+        <p:spPr>
+          <a:xfrm>
+            <a:off x="711200" y="728663"/>
+            <a:ext cx="5305425" cy="5305425"/>
+          </a:xfrm>
+        </p:spPr>
+      </p:pic>
+      <p:sp>
+        <p:nvSpPr>
+          <p:cNvPr id="2" name="Slide Number Placeholder 1" hidden="1">
+            <a:extLst>
+              <a:ext uri="{FF2B5EF4-FFF2-40B4-BE49-F238E27FC236}">
+                <a16:creationId xmlns:a16="http://schemas.microsoft.com/office/drawing/2014/main" id="{CDA0EE6B-EE8E-9469-CA34-4A27CB4D7D0C}"/>
+              </a:ext>
+            </a:extLst>
+          </p:cNvPr>
+          <p:cNvSpPr>
+            <a:spLocks noGrp="1"/>
+          </p:cNvSpPr>
+          <p:nvPr>
+            <p:ph type="sldNum" sz="quarter" idx="4294967295"/>
+          </p:nvPr>
+        </p:nvSpPr>
+        <p:spPr>
+          <a:xfrm>
+            <a:off x="11363696" y="6455739"/>
+            <a:ext cx="294460" cy="187367"/>
+          </a:xfrm>
+        </p:spPr>
+        <p:txBody>
+          <a:bodyPr anchor="ctr">
+            <a:normAutofit/>
+          </a:bodyPr>
+          <a:lstStyle/>
+          <a:p>
+            <a:pPr>
+              <a:lnSpc>
+                <a:spcPct val="90000"/>
+              </a:lnSpc>
+              <a:spcAft>
+                <a:spcPts val="600"/>
+              </a:spcAft>
+            </a:pPr>
+            <a:fld id="{9EC71654-96A5-4280-94F3-931C61A9F92C}" type="slidenum">
+              <a:rPr lang="en-US" sz="600" noProof="0" smtClean="0"/>
+              <a:pPr>
+                <a:lnSpc>
+                  <a:spcPct val="90000"/>
+                </a:lnSpc>
+                <a:spcAft>
+                  <a:spcPts val="600"/>
+                </a:spcAft>
+              </a:pPr>
+              <a:t>13</a:t>
+            </a:fld>
+            <a:endParaRPr lang="en-US" sz="600" noProof="0"/>
+          </a:p>
+        </p:txBody>
+      </p:sp>
+    </p:spTree>
+    <p:extLst>
+      <p:ext uri="{BB962C8B-B14F-4D97-AF65-F5344CB8AC3E}">
+        <p14:creationId xmlns:p14="http://schemas.microsoft.com/office/powerpoint/2010/main" val="2970485623"/>
+      </p:ext>
+    </p:extLst>
+  </p:cSld>
+  <p:clrMapOvr>
+    <a:masterClrMapping/>
+  </p:clrMapOvr>
+</p:sld>
+</file>
+
+<file path=ppt/slides/slide14.xml><?xml version="1.0" encoding="utf-8"?>
+<p:sld xmlns:a="http://schemas.openxmlformats.org/drawingml/2006/main" xmlns:r="http://schemas.openxmlformats.org/officeDocument/2006/relationships" xmlns:p="http://schemas.openxmlformats.org/presentationml/2006/main">
+  <p:cSld>
+    <p:spTree>
+      <p:nvGrpSpPr>
+        <p:cNvPr id="1" name=""/>
+        <p:cNvGrpSpPr/>
+        <p:nvPr/>
+      </p:nvGrpSpPr>
+      <p:grpSpPr>
+        <a:xfrm>
+          <a:off x="0" y="0"/>
+          <a:ext cx="0" cy="0"/>
+          <a:chOff x="0" y="0"/>
+          <a:chExt cx="0" cy="0"/>
+        </a:xfrm>
+      </p:grpSpPr>
+      <p:sp>
+        <p:nvSpPr>
+          <p:cNvPr id="17" name="Slide Number Placeholder 1">
+            <a:extLst>
+              <a:ext uri="{FF2B5EF4-FFF2-40B4-BE49-F238E27FC236}">
+                <a16:creationId xmlns:a16="http://schemas.microsoft.com/office/drawing/2014/main" id="{49ABE35A-BB82-5C1C-2B37-CAA754582F56}"/>
+              </a:ext>
+            </a:extLst>
+          </p:cNvPr>
+          <p:cNvSpPr>
+            <a:spLocks noGrp="1"/>
+          </p:cNvSpPr>
+          <p:nvPr>
+            <p:ph type="sldNum" sz="quarter" idx="12"/>
+          </p:nvPr>
+        </p:nvSpPr>
+        <p:spPr>
+          <a:xfrm>
+            <a:off x="11363696" y="6455739"/>
+            <a:ext cx="294460" cy="187367"/>
+          </a:xfrm>
+        </p:spPr>
+        <p:txBody>
+          <a:bodyPr/>
+          <a:lstStyle/>
+          <a:p>
+            <a:pPr>
+              <a:spcAft>
+                <a:spcPts val="600"/>
+              </a:spcAft>
+            </a:pPr>
+            <a:fld id="{9EC71654-96A5-4280-94F3-931C61A9F92C}" type="slidenum">
+              <a:rPr lang="en-US" noProof="0" smtClean="0"/>
+              <a:pPr>
+                <a:spcAft>
+                  <a:spcPts val="600"/>
+                </a:spcAft>
+              </a:pPr>
+              <a:t>14</a:t>
+            </a:fld>
+            <a:endParaRPr lang="en-US" noProof="0"/>
+          </a:p>
+        </p:txBody>
+      </p:sp>
+      <p:pic>
+        <p:nvPicPr>
+          <p:cNvPr id="7" name="Content Placeholder 6">
+            <a:extLst>
+              <a:ext uri="{FF2B5EF4-FFF2-40B4-BE49-F238E27FC236}">
+                <a16:creationId xmlns:a16="http://schemas.microsoft.com/office/drawing/2014/main" id="{DE6DCD29-CEE6-72BC-E86C-C62C70EEFDBA}"/>
+              </a:ext>
+            </a:extLst>
+          </p:cNvPr>
+          <p:cNvPicPr>
+            <a:picLocks noGrp="1" noChangeAspect="1"/>
+          </p:cNvPicPr>
+          <p:nvPr>
+            <p:ph sz="half" idx="1"/>
+          </p:nvPr>
+        </p:nvPicPr>
+        <p:blipFill>
+          <a:blip r:embed="rId2"/>
+          <a:srcRect/>
+          <a:stretch/>
+        </p:blipFill>
+        <p:spPr>
+          <a:xfrm>
+            <a:off x="9834381" y="3128404"/>
+            <a:ext cx="552812" cy="606425"/>
+          </a:xfrm>
+          <a:noFill/>
+        </p:spPr>
+      </p:pic>
+      <p:sp>
+        <p:nvSpPr>
+          <p:cNvPr id="2" name="Title 1">
+            <a:extLst>
+              <a:ext uri="{FF2B5EF4-FFF2-40B4-BE49-F238E27FC236}">
+                <a16:creationId xmlns:a16="http://schemas.microsoft.com/office/drawing/2014/main" id="{CC0C50D1-1B66-9C4E-DD7B-5221A23FD1F5}"/>
+              </a:ext>
+            </a:extLst>
+          </p:cNvPr>
+          <p:cNvSpPr>
+            <a:spLocks noGrp="1"/>
+          </p:cNvSpPr>
+          <p:nvPr>
+            <p:ph type="title"/>
+          </p:nvPr>
+        </p:nvSpPr>
+        <p:spPr>
+          <a:xfrm>
+            <a:off x="515938" y="246621"/>
+            <a:ext cx="11150600" cy="920336"/>
+          </a:xfrm>
+        </p:spPr>
+        <p:txBody>
+          <a:bodyPr anchor="b">
+            <a:normAutofit/>
+          </a:bodyPr>
+          <a:lstStyle/>
+          <a:p>
+            <a:r>
+              <a:rPr lang="en-US" dirty="0"/>
+              <a:t>Future Work</a:t>
+            </a:r>
+          </a:p>
+        </p:txBody>
+      </p:sp>
+      <p:sp>
+        <p:nvSpPr>
+          <p:cNvPr id="3" name="Slide Number Placeholder 2" hidden="1">
+            <a:extLst>
+              <a:ext uri="{FF2B5EF4-FFF2-40B4-BE49-F238E27FC236}">
+                <a16:creationId xmlns:a16="http://schemas.microsoft.com/office/drawing/2014/main" id="{24471D0A-2A75-5210-E90F-6C5B83FF9FEE}"/>
+              </a:ext>
+            </a:extLst>
+          </p:cNvPr>
+          <p:cNvSpPr>
+            <a:spLocks noGrp="1"/>
+          </p:cNvSpPr>
+          <p:nvPr>
+            <p:ph type="sldNum" sz="quarter" idx="4294967295"/>
+          </p:nvPr>
+        </p:nvSpPr>
+        <p:spPr>
+          <a:xfrm>
+            <a:off x="11363696" y="6455739"/>
+            <a:ext cx="294460" cy="187367"/>
+          </a:xfrm>
+        </p:spPr>
+        <p:txBody>
+          <a:bodyPr anchor="ctr">
+            <a:normAutofit/>
+          </a:bodyPr>
+          <a:lstStyle/>
+          <a:p>
+            <a:pPr>
+              <a:lnSpc>
+                <a:spcPct val="90000"/>
+              </a:lnSpc>
+              <a:spcAft>
+                <a:spcPts val="600"/>
+              </a:spcAft>
+            </a:pPr>
+            <a:fld id="{9EC71654-96A5-4280-94F3-931C61A9F92C}" type="slidenum">
+              <a:rPr lang="en-US" sz="600" noProof="0" smtClean="0"/>
+              <a:pPr>
+                <a:lnSpc>
+                  <a:spcPct val="90000"/>
+                </a:lnSpc>
+                <a:spcAft>
+                  <a:spcPts val="600"/>
+                </a:spcAft>
+              </a:pPr>
+              <a:t>14</a:t>
+            </a:fld>
+            <a:endParaRPr lang="en-US" sz="600" noProof="0"/>
+          </a:p>
+        </p:txBody>
+      </p:sp>
+      <p:pic>
+        <p:nvPicPr>
+          <p:cNvPr id="5" name="Picture 4">
+            <a:extLst>
+              <a:ext uri="{FF2B5EF4-FFF2-40B4-BE49-F238E27FC236}">
+                <a16:creationId xmlns:a16="http://schemas.microsoft.com/office/drawing/2014/main" id="{FC62146B-8F3F-FBBA-B170-9B5114E23759}"/>
+              </a:ext>
+            </a:extLst>
+          </p:cNvPr>
+          <p:cNvPicPr>
+            <a:picLocks noChangeAspect="1"/>
+          </p:cNvPicPr>
+          <p:nvPr/>
+        </p:nvPicPr>
+        <p:blipFill>
+          <a:blip r:embed="rId3"/>
+          <a:srcRect/>
+          <a:stretch/>
+        </p:blipFill>
+        <p:spPr>
+          <a:xfrm>
+            <a:off x="7614323" y="3128404"/>
+            <a:ext cx="601191" cy="601191"/>
+          </a:xfrm>
+          <a:prstGeom prst="rect">
+            <a:avLst/>
+          </a:prstGeom>
+        </p:spPr>
+      </p:pic>
+      <p:pic>
+        <p:nvPicPr>
+          <p:cNvPr id="8" name="Picture 7">
+            <a:extLst>
+              <a:ext uri="{FF2B5EF4-FFF2-40B4-BE49-F238E27FC236}">
+                <a16:creationId xmlns:a16="http://schemas.microsoft.com/office/drawing/2014/main" id="{13E0C9C8-39E9-5C54-FE4C-BAFDCE1B7D0F}"/>
+              </a:ext>
+            </a:extLst>
+          </p:cNvPr>
+          <p:cNvPicPr>
+            <a:picLocks noChangeAspect="1"/>
+          </p:cNvPicPr>
+          <p:nvPr/>
+        </p:nvPicPr>
+        <p:blipFill>
+          <a:blip r:embed="rId4"/>
+          <a:srcRect/>
+          <a:stretch/>
+        </p:blipFill>
+        <p:spPr>
+          <a:xfrm>
+            <a:off x="5376669" y="3136917"/>
+            <a:ext cx="629616" cy="574638"/>
+          </a:xfrm>
+          <a:prstGeom prst="rect">
+            <a:avLst/>
+          </a:prstGeom>
+        </p:spPr>
+      </p:pic>
+      <p:sp>
+        <p:nvSpPr>
+          <p:cNvPr id="10" name="TextBox 9">
+            <a:extLst>
+              <a:ext uri="{FF2B5EF4-FFF2-40B4-BE49-F238E27FC236}">
+                <a16:creationId xmlns:a16="http://schemas.microsoft.com/office/drawing/2014/main" id="{D1794A21-E128-104B-BC5E-57415EA90165}"/>
+              </a:ext>
+            </a:extLst>
+          </p:cNvPr>
+          <p:cNvSpPr txBox="1"/>
+          <p:nvPr/>
+        </p:nvSpPr>
+        <p:spPr>
+          <a:xfrm>
+            <a:off x="9151543" y="3977598"/>
+            <a:ext cx="1935634" cy="400110"/>
+          </a:xfrm>
+          <a:prstGeom prst="rect">
+            <a:avLst/>
+          </a:prstGeom>
+          <a:noFill/>
+        </p:spPr>
+        <p:txBody>
+          <a:bodyPr wrap="square" rtlCol="0">
+            <a:spAutoFit/>
+          </a:bodyPr>
+          <a:lstStyle/>
+          <a:p>
+            <a:pPr algn="ctr"/>
+            <a:r>
+              <a:rPr lang="en-US" sz="2000" b="1" dirty="0"/>
+              <a:t>Mobile Model</a:t>
+            </a:r>
+          </a:p>
+        </p:txBody>
+      </p:sp>
+      <p:sp>
+        <p:nvSpPr>
+          <p:cNvPr id="14" name="TextBox 13">
+            <a:extLst>
+              <a:ext uri="{FF2B5EF4-FFF2-40B4-BE49-F238E27FC236}">
+                <a16:creationId xmlns:a16="http://schemas.microsoft.com/office/drawing/2014/main" id="{5CC1F818-39F8-B166-405C-C7975400ED44}"/>
+              </a:ext>
+            </a:extLst>
+          </p:cNvPr>
+          <p:cNvSpPr txBox="1"/>
+          <p:nvPr/>
+        </p:nvSpPr>
+        <p:spPr>
+          <a:xfrm>
+            <a:off x="6641869" y="3977598"/>
+            <a:ext cx="2558011" cy="707886"/>
+          </a:xfrm>
+          <a:prstGeom prst="rect">
+            <a:avLst/>
+          </a:prstGeom>
+          <a:noFill/>
+        </p:spPr>
+        <p:txBody>
+          <a:bodyPr wrap="square" rtlCol="0">
+            <a:spAutoFit/>
+          </a:bodyPr>
+          <a:lstStyle/>
+          <a:p>
+            <a:pPr algn="ctr"/>
+            <a:r>
+              <a:rPr lang="en-US" sz="2000" b="1" dirty="0"/>
+              <a:t>All In One</a:t>
+            </a:r>
+          </a:p>
+          <a:p>
+            <a:pPr algn="ctr"/>
+            <a:endParaRPr lang="en-US" sz="2000" b="1" dirty="0"/>
+          </a:p>
+        </p:txBody>
+      </p:sp>
+      <p:sp>
+        <p:nvSpPr>
+          <p:cNvPr id="15" name="TextBox 14">
+            <a:extLst>
+              <a:ext uri="{FF2B5EF4-FFF2-40B4-BE49-F238E27FC236}">
+                <a16:creationId xmlns:a16="http://schemas.microsoft.com/office/drawing/2014/main" id="{FBAB8646-ECD4-83B3-C925-659CD4BCBB5B}"/>
+              </a:ext>
+            </a:extLst>
+          </p:cNvPr>
+          <p:cNvSpPr txBox="1"/>
+          <p:nvPr/>
+        </p:nvSpPr>
+        <p:spPr>
+          <a:xfrm>
+            <a:off x="4724601" y="3977598"/>
+            <a:ext cx="2009525" cy="707886"/>
+          </a:xfrm>
+          <a:prstGeom prst="rect">
+            <a:avLst/>
+          </a:prstGeom>
+          <a:noFill/>
+        </p:spPr>
+        <p:txBody>
+          <a:bodyPr wrap="square" rtlCol="0">
+            <a:spAutoFit/>
+          </a:bodyPr>
+          <a:lstStyle/>
+          <a:p>
+            <a:pPr algn="ctr"/>
+            <a:r>
+              <a:rPr lang="en-US" sz="2000" b="1" dirty="0"/>
+              <a:t>Night Vision</a:t>
+            </a:r>
+          </a:p>
+          <a:p>
+            <a:pPr algn="ctr"/>
+            <a:r>
+              <a:rPr lang="en-US" sz="2000" b="1" dirty="0"/>
+              <a:t>Model </a:t>
+            </a:r>
+          </a:p>
+        </p:txBody>
+      </p:sp>
+      <p:pic>
+        <p:nvPicPr>
+          <p:cNvPr id="25" name="Picture 24">
+            <a:extLst>
+              <a:ext uri="{FF2B5EF4-FFF2-40B4-BE49-F238E27FC236}">
+                <a16:creationId xmlns:a16="http://schemas.microsoft.com/office/drawing/2014/main" id="{172F869C-8254-E6CD-9F39-742519C87B5F}"/>
+              </a:ext>
+            </a:extLst>
+          </p:cNvPr>
+          <p:cNvPicPr>
+            <a:picLocks noChangeAspect="1"/>
+          </p:cNvPicPr>
+          <p:nvPr/>
+        </p:nvPicPr>
+        <p:blipFill>
+          <a:blip r:embed="rId5"/>
+          <a:srcRect/>
+          <a:stretch/>
+        </p:blipFill>
+        <p:spPr>
+          <a:xfrm>
+            <a:off x="3271686" y="3216271"/>
+            <a:ext cx="495284" cy="495284"/>
+          </a:xfrm>
+          <a:prstGeom prst="rect">
+            <a:avLst/>
+          </a:prstGeom>
+        </p:spPr>
+      </p:pic>
+      <p:sp>
+        <p:nvSpPr>
+          <p:cNvPr id="26" name="TextBox 25">
+            <a:extLst>
+              <a:ext uri="{FF2B5EF4-FFF2-40B4-BE49-F238E27FC236}">
+                <a16:creationId xmlns:a16="http://schemas.microsoft.com/office/drawing/2014/main" id="{3F77A819-E442-CBA1-3C7E-CF082B21FEEE}"/>
+              </a:ext>
+            </a:extLst>
+          </p:cNvPr>
+          <p:cNvSpPr txBox="1"/>
+          <p:nvPr/>
+        </p:nvSpPr>
+        <p:spPr>
+          <a:xfrm>
+            <a:off x="2633921" y="3977598"/>
+            <a:ext cx="1763944" cy="707886"/>
+          </a:xfrm>
+          <a:prstGeom prst="rect">
+            <a:avLst/>
+          </a:prstGeom>
+          <a:noFill/>
+        </p:spPr>
+        <p:txBody>
+          <a:bodyPr wrap="square" rtlCol="0">
+            <a:spAutoFit/>
+          </a:bodyPr>
+          <a:lstStyle/>
+          <a:p>
+            <a:pPr algn="ctr"/>
+            <a:r>
+              <a:rPr lang="en-US" sz="2000" b="1" dirty="0"/>
+              <a:t>Driver Distraction</a:t>
+            </a:r>
+          </a:p>
+        </p:txBody>
+      </p:sp>
+      <p:pic>
+        <p:nvPicPr>
+          <p:cNvPr id="28" name="Picture 27">
+            <a:extLst>
+              <a:ext uri="{FF2B5EF4-FFF2-40B4-BE49-F238E27FC236}">
+                <a16:creationId xmlns:a16="http://schemas.microsoft.com/office/drawing/2014/main" id="{B8699F91-9EA2-BCA9-C123-DE28870C5719}"/>
+              </a:ext>
+            </a:extLst>
+          </p:cNvPr>
+          <p:cNvPicPr>
+            <a:picLocks noChangeAspect="1"/>
+          </p:cNvPicPr>
+          <p:nvPr/>
+        </p:nvPicPr>
+        <p:blipFill>
+          <a:blip r:embed="rId6"/>
+          <a:srcRect/>
+          <a:stretch/>
+        </p:blipFill>
+        <p:spPr>
+          <a:xfrm>
+            <a:off x="988909" y="3086258"/>
+            <a:ext cx="690716" cy="690716"/>
+          </a:xfrm>
+          <a:prstGeom prst="rect">
+            <a:avLst/>
+          </a:prstGeom>
+        </p:spPr>
+      </p:pic>
+      <p:sp>
+        <p:nvSpPr>
+          <p:cNvPr id="29" name="TextBox 28">
+            <a:extLst>
+              <a:ext uri="{FF2B5EF4-FFF2-40B4-BE49-F238E27FC236}">
+                <a16:creationId xmlns:a16="http://schemas.microsoft.com/office/drawing/2014/main" id="{CB5EF82F-24FF-CA97-F380-4D41120EE2BA}"/>
+              </a:ext>
+            </a:extLst>
+          </p:cNvPr>
+          <p:cNvSpPr txBox="1"/>
+          <p:nvPr/>
+        </p:nvSpPr>
+        <p:spPr>
+          <a:xfrm>
+            <a:off x="317441" y="3977598"/>
+            <a:ext cx="2316480" cy="400110"/>
+          </a:xfrm>
+          <a:prstGeom prst="rect">
+            <a:avLst/>
+          </a:prstGeom>
+          <a:noFill/>
+        </p:spPr>
+        <p:txBody>
+          <a:bodyPr wrap="square" rtlCol="0">
+            <a:spAutoFit/>
+          </a:bodyPr>
+          <a:lstStyle/>
+          <a:p>
+            <a:pPr algn="ctr"/>
+            <a:r>
+              <a:rPr lang="en-US" sz="2000" b="1" dirty="0"/>
+              <a:t>Lane Detection</a:t>
+            </a:r>
+          </a:p>
+        </p:txBody>
+      </p:sp>
+    </p:spTree>
+    <p:extLst>
+      <p:ext uri="{BB962C8B-B14F-4D97-AF65-F5344CB8AC3E}">
+        <p14:creationId xmlns:p14="http://schemas.microsoft.com/office/powerpoint/2010/main" val="3482772454"/>
+      </p:ext>
+    </p:extLst>
+  </p:cSld>
+  <p:clrMapOvr>
+    <a:masterClrMapping/>
+  </p:clrMapOvr>
+</p:sld>
+</file>
+
+<file path=ppt/slides/slide15.xml><?xml version="1.0" encoding="utf-8"?>
+<p:sld xmlns:a="http://schemas.openxmlformats.org/drawingml/2006/main" xmlns:r="http://schemas.openxmlformats.org/officeDocument/2006/relationships" xmlns:p="http://schemas.openxmlformats.org/presentationml/2006/main">
+  <p:cSld>
+    <p:spTree>
+      <p:nvGrpSpPr>
+        <p:cNvPr id="1" name=""/>
+        <p:cNvGrpSpPr/>
+        <p:nvPr/>
+      </p:nvGrpSpPr>
+      <p:grpSpPr>
+        <a:xfrm>
+          <a:off x="0" y="0"/>
+          <a:ext cx="0" cy="0"/>
+          <a:chOff x="0" y="0"/>
+          <a:chExt cx="0" cy="0"/>
+        </a:xfrm>
+      </p:grpSpPr>
+      <p:sp>
+        <p:nvSpPr>
+          <p:cNvPr id="4" name="Title 3">
+            <a:extLst>
+              <a:ext uri="{FF2B5EF4-FFF2-40B4-BE49-F238E27FC236}">
+                <a16:creationId xmlns:a16="http://schemas.microsoft.com/office/drawing/2014/main" id="{2E0C54B5-6876-DE29-A5F3-B88D01DEC8B1}"/>
+              </a:ext>
+            </a:extLst>
+          </p:cNvPr>
+          <p:cNvSpPr>
+            <a:spLocks noGrp="1"/>
+          </p:cNvSpPr>
+          <p:nvPr>
+            <p:ph type="ctrTitle"/>
+          </p:nvPr>
+        </p:nvSpPr>
+        <p:spPr>
+          <a:xfrm>
+            <a:off x="6323984" y="3429000"/>
+            <a:ext cx="10970957" cy="850971"/>
+          </a:xfrm>
+        </p:spPr>
+        <p:txBody>
+          <a:bodyPr anchor="b">
+            <a:normAutofit/>
+          </a:bodyPr>
+          <a:lstStyle/>
+          <a:p>
+            <a:r>
+              <a:rPr lang="en-US" dirty="0"/>
+              <a:t>Conclusion</a:t>
             </a:r>
           </a:p>
         </p:txBody>
@@ -18039,7 +18716,621 @@
                   <a:spcPts val="600"/>
                 </a:spcAft>
               </a:pPr>
-              <a:t>13</a:t>
+              <a:t>15</a:t>
+            </a:fld>
+            <a:endParaRPr lang="en-US" sz="200" noProof="0"/>
+          </a:p>
+        </p:txBody>
+      </p:sp>
+    </p:spTree>
+    <p:extLst>
+      <p:ext uri="{BB962C8B-B14F-4D97-AF65-F5344CB8AC3E}">
+        <p14:creationId xmlns:p14="http://schemas.microsoft.com/office/powerpoint/2010/main" val="1024629035"/>
+      </p:ext>
+    </p:extLst>
+  </p:cSld>
+  <p:clrMapOvr>
+    <a:masterClrMapping/>
+  </p:clrMapOvr>
+</p:sld>
+</file>
+
+<file path=ppt/slides/slide16.xml><?xml version="1.0" encoding="utf-8"?>
+<p:sld xmlns:a="http://schemas.openxmlformats.org/drawingml/2006/main" xmlns:r="http://schemas.openxmlformats.org/officeDocument/2006/relationships" xmlns:p="http://schemas.openxmlformats.org/presentationml/2006/main">
+  <p:cSld>
+    <p:spTree>
+      <p:nvGrpSpPr>
+        <p:cNvPr id="1" name=""/>
+        <p:cNvGrpSpPr/>
+        <p:nvPr/>
+      </p:nvGrpSpPr>
+      <p:grpSpPr>
+        <a:xfrm>
+          <a:off x="0" y="0"/>
+          <a:ext cx="0" cy="0"/>
+          <a:chOff x="0" y="0"/>
+          <a:chExt cx="0" cy="0"/>
+        </a:xfrm>
+      </p:grpSpPr>
+      <p:sp>
+        <p:nvSpPr>
+          <p:cNvPr id="17" name="Slide Number Placeholder 1">
+            <a:extLst>
+              <a:ext uri="{FF2B5EF4-FFF2-40B4-BE49-F238E27FC236}">
+                <a16:creationId xmlns:a16="http://schemas.microsoft.com/office/drawing/2014/main" id="{49ABE35A-BB82-5C1C-2B37-CAA754582F56}"/>
+              </a:ext>
+            </a:extLst>
+          </p:cNvPr>
+          <p:cNvSpPr>
+            <a:spLocks noGrp="1"/>
+          </p:cNvSpPr>
+          <p:nvPr>
+            <p:ph type="sldNum" sz="quarter" idx="12"/>
+          </p:nvPr>
+        </p:nvSpPr>
+        <p:spPr>
+          <a:xfrm>
+            <a:off x="11363696" y="6455739"/>
+            <a:ext cx="294460" cy="187367"/>
+          </a:xfrm>
+        </p:spPr>
+        <p:txBody>
+          <a:bodyPr/>
+          <a:lstStyle/>
+          <a:p>
+            <a:pPr>
+              <a:spcAft>
+                <a:spcPts val="600"/>
+              </a:spcAft>
+            </a:pPr>
+            <a:fld id="{9EC71654-96A5-4280-94F3-931C61A9F92C}" type="slidenum">
+              <a:rPr lang="en-US" noProof="0" smtClean="0"/>
+              <a:pPr>
+                <a:spcAft>
+                  <a:spcPts val="600"/>
+                </a:spcAft>
+              </a:pPr>
+              <a:t>16</a:t>
+            </a:fld>
+            <a:endParaRPr lang="en-US" noProof="0"/>
+          </a:p>
+        </p:txBody>
+      </p:sp>
+      <p:pic>
+        <p:nvPicPr>
+          <p:cNvPr id="7" name="Content Placeholder 6">
+            <a:extLst>
+              <a:ext uri="{FF2B5EF4-FFF2-40B4-BE49-F238E27FC236}">
+                <a16:creationId xmlns:a16="http://schemas.microsoft.com/office/drawing/2014/main" id="{DE6DCD29-CEE6-72BC-E86C-C62C70EEFDBA}"/>
+              </a:ext>
+            </a:extLst>
+          </p:cNvPr>
+          <p:cNvPicPr>
+            <a:picLocks noGrp="1" noChangeAspect="1"/>
+          </p:cNvPicPr>
+          <p:nvPr>
+            <p:ph sz="half" idx="1"/>
+          </p:nvPr>
+        </p:nvPicPr>
+        <p:blipFill>
+          <a:blip r:embed="rId2"/>
+          <a:srcRect/>
+          <a:stretch/>
+        </p:blipFill>
+        <p:spPr>
+          <a:xfrm>
+            <a:off x="9834381" y="3128404"/>
+            <a:ext cx="552812" cy="606425"/>
+          </a:xfrm>
+          <a:noFill/>
+        </p:spPr>
+      </p:pic>
+      <p:sp>
+        <p:nvSpPr>
+          <p:cNvPr id="2" name="Title 1">
+            <a:extLst>
+              <a:ext uri="{FF2B5EF4-FFF2-40B4-BE49-F238E27FC236}">
+                <a16:creationId xmlns:a16="http://schemas.microsoft.com/office/drawing/2014/main" id="{CC0C50D1-1B66-9C4E-DD7B-5221A23FD1F5}"/>
+              </a:ext>
+            </a:extLst>
+          </p:cNvPr>
+          <p:cNvSpPr>
+            <a:spLocks noGrp="1"/>
+          </p:cNvSpPr>
+          <p:nvPr>
+            <p:ph type="title"/>
+          </p:nvPr>
+        </p:nvSpPr>
+        <p:spPr>
+          <a:xfrm>
+            <a:off x="515938" y="246621"/>
+            <a:ext cx="11150600" cy="920336"/>
+          </a:xfrm>
+        </p:spPr>
+        <p:txBody>
+          <a:bodyPr anchor="b">
+            <a:normAutofit/>
+          </a:bodyPr>
+          <a:lstStyle/>
+          <a:p>
+            <a:r>
+              <a:rPr lang="en-US" dirty="0"/>
+              <a:t>Conclusion</a:t>
+            </a:r>
+          </a:p>
+        </p:txBody>
+      </p:sp>
+      <p:sp>
+        <p:nvSpPr>
+          <p:cNvPr id="3" name="Slide Number Placeholder 2" hidden="1">
+            <a:extLst>
+              <a:ext uri="{FF2B5EF4-FFF2-40B4-BE49-F238E27FC236}">
+                <a16:creationId xmlns:a16="http://schemas.microsoft.com/office/drawing/2014/main" id="{24471D0A-2A75-5210-E90F-6C5B83FF9FEE}"/>
+              </a:ext>
+            </a:extLst>
+          </p:cNvPr>
+          <p:cNvSpPr>
+            <a:spLocks noGrp="1"/>
+          </p:cNvSpPr>
+          <p:nvPr>
+            <p:ph type="sldNum" sz="quarter" idx="4294967295"/>
+          </p:nvPr>
+        </p:nvSpPr>
+        <p:spPr>
+          <a:xfrm>
+            <a:off x="11363696" y="6455739"/>
+            <a:ext cx="294460" cy="187367"/>
+          </a:xfrm>
+        </p:spPr>
+        <p:txBody>
+          <a:bodyPr anchor="ctr">
+            <a:normAutofit/>
+          </a:bodyPr>
+          <a:lstStyle/>
+          <a:p>
+            <a:pPr>
+              <a:lnSpc>
+                <a:spcPct val="90000"/>
+              </a:lnSpc>
+              <a:spcAft>
+                <a:spcPts val="600"/>
+              </a:spcAft>
+            </a:pPr>
+            <a:fld id="{9EC71654-96A5-4280-94F3-931C61A9F92C}" type="slidenum">
+              <a:rPr lang="en-US" sz="600" noProof="0" smtClean="0"/>
+              <a:pPr>
+                <a:lnSpc>
+                  <a:spcPct val="90000"/>
+                </a:lnSpc>
+                <a:spcAft>
+                  <a:spcPts val="600"/>
+                </a:spcAft>
+              </a:pPr>
+              <a:t>16</a:t>
+            </a:fld>
+            <a:endParaRPr lang="en-US" sz="600" noProof="0"/>
+          </a:p>
+        </p:txBody>
+      </p:sp>
+      <p:pic>
+        <p:nvPicPr>
+          <p:cNvPr id="5" name="Picture 4">
+            <a:extLst>
+              <a:ext uri="{FF2B5EF4-FFF2-40B4-BE49-F238E27FC236}">
+                <a16:creationId xmlns:a16="http://schemas.microsoft.com/office/drawing/2014/main" id="{FC62146B-8F3F-FBBA-B170-9B5114E23759}"/>
+              </a:ext>
+            </a:extLst>
+          </p:cNvPr>
+          <p:cNvPicPr>
+            <a:picLocks noChangeAspect="1"/>
+          </p:cNvPicPr>
+          <p:nvPr/>
+        </p:nvPicPr>
+        <p:blipFill>
+          <a:blip r:embed="rId3"/>
+          <a:srcRect/>
+          <a:stretch/>
+        </p:blipFill>
+        <p:spPr>
+          <a:xfrm>
+            <a:off x="7614323" y="3128404"/>
+            <a:ext cx="601191" cy="601191"/>
+          </a:xfrm>
+          <a:prstGeom prst="rect">
+            <a:avLst/>
+          </a:prstGeom>
+        </p:spPr>
+      </p:pic>
+      <p:pic>
+        <p:nvPicPr>
+          <p:cNvPr id="8" name="Picture 7">
+            <a:extLst>
+              <a:ext uri="{FF2B5EF4-FFF2-40B4-BE49-F238E27FC236}">
+                <a16:creationId xmlns:a16="http://schemas.microsoft.com/office/drawing/2014/main" id="{13E0C9C8-39E9-5C54-FE4C-BAFDCE1B7D0F}"/>
+              </a:ext>
+            </a:extLst>
+          </p:cNvPr>
+          <p:cNvPicPr>
+            <a:picLocks noChangeAspect="1"/>
+          </p:cNvPicPr>
+          <p:nvPr/>
+        </p:nvPicPr>
+        <p:blipFill>
+          <a:blip r:embed="rId4"/>
+          <a:srcRect/>
+          <a:stretch/>
+        </p:blipFill>
+        <p:spPr>
+          <a:xfrm>
+            <a:off x="5376669" y="3136917"/>
+            <a:ext cx="629616" cy="574638"/>
+          </a:xfrm>
+          <a:prstGeom prst="rect">
+            <a:avLst/>
+          </a:prstGeom>
+        </p:spPr>
+      </p:pic>
+      <p:sp>
+        <p:nvSpPr>
+          <p:cNvPr id="10" name="TextBox 9">
+            <a:extLst>
+              <a:ext uri="{FF2B5EF4-FFF2-40B4-BE49-F238E27FC236}">
+                <a16:creationId xmlns:a16="http://schemas.microsoft.com/office/drawing/2014/main" id="{D1794A21-E128-104B-BC5E-57415EA90165}"/>
+              </a:ext>
+            </a:extLst>
+          </p:cNvPr>
+          <p:cNvSpPr txBox="1"/>
+          <p:nvPr/>
+        </p:nvSpPr>
+        <p:spPr>
+          <a:xfrm>
+            <a:off x="9151543" y="3977598"/>
+            <a:ext cx="1935634" cy="400110"/>
+          </a:xfrm>
+          <a:prstGeom prst="rect">
+            <a:avLst/>
+          </a:prstGeom>
+          <a:noFill/>
+        </p:spPr>
+        <p:txBody>
+          <a:bodyPr wrap="square" rtlCol="0">
+            <a:spAutoFit/>
+          </a:bodyPr>
+          <a:lstStyle/>
+          <a:p>
+            <a:pPr algn="ctr"/>
+            <a:r>
+              <a:rPr lang="en-US" sz="2000" b="1" dirty="0"/>
+              <a:t>Mobile Model</a:t>
+            </a:r>
+          </a:p>
+        </p:txBody>
+      </p:sp>
+      <p:sp>
+        <p:nvSpPr>
+          <p:cNvPr id="14" name="TextBox 13">
+            <a:extLst>
+              <a:ext uri="{FF2B5EF4-FFF2-40B4-BE49-F238E27FC236}">
+                <a16:creationId xmlns:a16="http://schemas.microsoft.com/office/drawing/2014/main" id="{5CC1F818-39F8-B166-405C-C7975400ED44}"/>
+              </a:ext>
+            </a:extLst>
+          </p:cNvPr>
+          <p:cNvSpPr txBox="1"/>
+          <p:nvPr/>
+        </p:nvSpPr>
+        <p:spPr>
+          <a:xfrm>
+            <a:off x="6641869" y="3977598"/>
+            <a:ext cx="2558011" cy="707886"/>
+          </a:xfrm>
+          <a:prstGeom prst="rect">
+            <a:avLst/>
+          </a:prstGeom>
+          <a:noFill/>
+        </p:spPr>
+        <p:txBody>
+          <a:bodyPr wrap="square" rtlCol="0">
+            <a:spAutoFit/>
+          </a:bodyPr>
+          <a:lstStyle/>
+          <a:p>
+            <a:pPr algn="ctr"/>
+            <a:r>
+              <a:rPr lang="en-US" sz="2000" b="1" dirty="0"/>
+              <a:t>All In One</a:t>
+            </a:r>
+          </a:p>
+          <a:p>
+            <a:pPr algn="ctr"/>
+            <a:endParaRPr lang="en-US" sz="2000" b="1" dirty="0"/>
+          </a:p>
+        </p:txBody>
+      </p:sp>
+      <p:sp>
+        <p:nvSpPr>
+          <p:cNvPr id="15" name="TextBox 14">
+            <a:extLst>
+              <a:ext uri="{FF2B5EF4-FFF2-40B4-BE49-F238E27FC236}">
+                <a16:creationId xmlns:a16="http://schemas.microsoft.com/office/drawing/2014/main" id="{FBAB8646-ECD4-83B3-C925-659CD4BCBB5B}"/>
+              </a:ext>
+            </a:extLst>
+          </p:cNvPr>
+          <p:cNvSpPr txBox="1"/>
+          <p:nvPr/>
+        </p:nvSpPr>
+        <p:spPr>
+          <a:xfrm>
+            <a:off x="4724601" y="3977598"/>
+            <a:ext cx="2009525" cy="707886"/>
+          </a:xfrm>
+          <a:prstGeom prst="rect">
+            <a:avLst/>
+          </a:prstGeom>
+          <a:noFill/>
+        </p:spPr>
+        <p:txBody>
+          <a:bodyPr wrap="square" rtlCol="0">
+            <a:spAutoFit/>
+          </a:bodyPr>
+          <a:lstStyle/>
+          <a:p>
+            <a:pPr algn="ctr"/>
+            <a:r>
+              <a:rPr lang="en-US" sz="2000" b="1" dirty="0"/>
+              <a:t>Night Vision</a:t>
+            </a:r>
+          </a:p>
+          <a:p>
+            <a:pPr algn="ctr"/>
+            <a:r>
+              <a:rPr lang="en-US" sz="2000" b="1" dirty="0"/>
+              <a:t>Model </a:t>
+            </a:r>
+          </a:p>
+        </p:txBody>
+      </p:sp>
+      <p:pic>
+        <p:nvPicPr>
+          <p:cNvPr id="25" name="Picture 24">
+            <a:extLst>
+              <a:ext uri="{FF2B5EF4-FFF2-40B4-BE49-F238E27FC236}">
+                <a16:creationId xmlns:a16="http://schemas.microsoft.com/office/drawing/2014/main" id="{172F869C-8254-E6CD-9F39-742519C87B5F}"/>
+              </a:ext>
+            </a:extLst>
+          </p:cNvPr>
+          <p:cNvPicPr>
+            <a:picLocks noChangeAspect="1"/>
+          </p:cNvPicPr>
+          <p:nvPr/>
+        </p:nvPicPr>
+        <p:blipFill>
+          <a:blip r:embed="rId5"/>
+          <a:srcRect/>
+          <a:stretch/>
+        </p:blipFill>
+        <p:spPr>
+          <a:xfrm>
+            <a:off x="3271686" y="3216271"/>
+            <a:ext cx="495284" cy="495284"/>
+          </a:xfrm>
+          <a:prstGeom prst="rect">
+            <a:avLst/>
+          </a:prstGeom>
+        </p:spPr>
+      </p:pic>
+      <p:sp>
+        <p:nvSpPr>
+          <p:cNvPr id="26" name="TextBox 25">
+            <a:extLst>
+              <a:ext uri="{FF2B5EF4-FFF2-40B4-BE49-F238E27FC236}">
+                <a16:creationId xmlns:a16="http://schemas.microsoft.com/office/drawing/2014/main" id="{3F77A819-E442-CBA1-3C7E-CF082B21FEEE}"/>
+              </a:ext>
+            </a:extLst>
+          </p:cNvPr>
+          <p:cNvSpPr txBox="1"/>
+          <p:nvPr/>
+        </p:nvSpPr>
+        <p:spPr>
+          <a:xfrm>
+            <a:off x="2633921" y="3977598"/>
+            <a:ext cx="1763944" cy="707886"/>
+          </a:xfrm>
+          <a:prstGeom prst="rect">
+            <a:avLst/>
+          </a:prstGeom>
+          <a:noFill/>
+        </p:spPr>
+        <p:txBody>
+          <a:bodyPr wrap="square" rtlCol="0">
+            <a:spAutoFit/>
+          </a:bodyPr>
+          <a:lstStyle/>
+          <a:p>
+            <a:pPr algn="ctr"/>
+            <a:r>
+              <a:rPr lang="en-US" sz="2000" b="1" dirty="0"/>
+              <a:t>Driver Distraction</a:t>
+            </a:r>
+          </a:p>
+        </p:txBody>
+      </p:sp>
+      <p:pic>
+        <p:nvPicPr>
+          <p:cNvPr id="28" name="Picture 27">
+            <a:extLst>
+              <a:ext uri="{FF2B5EF4-FFF2-40B4-BE49-F238E27FC236}">
+                <a16:creationId xmlns:a16="http://schemas.microsoft.com/office/drawing/2014/main" id="{B8699F91-9EA2-BCA9-C123-DE28870C5719}"/>
+              </a:ext>
+            </a:extLst>
+          </p:cNvPr>
+          <p:cNvPicPr>
+            <a:picLocks noChangeAspect="1"/>
+          </p:cNvPicPr>
+          <p:nvPr/>
+        </p:nvPicPr>
+        <p:blipFill>
+          <a:blip r:embed="rId6"/>
+          <a:srcRect/>
+          <a:stretch/>
+        </p:blipFill>
+        <p:spPr>
+          <a:xfrm>
+            <a:off x="988909" y="3086258"/>
+            <a:ext cx="690716" cy="690716"/>
+          </a:xfrm>
+          <a:prstGeom prst="rect">
+            <a:avLst/>
+          </a:prstGeom>
+        </p:spPr>
+      </p:pic>
+      <p:sp>
+        <p:nvSpPr>
+          <p:cNvPr id="29" name="TextBox 28">
+            <a:extLst>
+              <a:ext uri="{FF2B5EF4-FFF2-40B4-BE49-F238E27FC236}">
+                <a16:creationId xmlns:a16="http://schemas.microsoft.com/office/drawing/2014/main" id="{CB5EF82F-24FF-CA97-F380-4D41120EE2BA}"/>
+              </a:ext>
+            </a:extLst>
+          </p:cNvPr>
+          <p:cNvSpPr txBox="1"/>
+          <p:nvPr/>
+        </p:nvSpPr>
+        <p:spPr>
+          <a:xfrm>
+            <a:off x="317441" y="3977598"/>
+            <a:ext cx="2316480" cy="400110"/>
+          </a:xfrm>
+          <a:prstGeom prst="rect">
+            <a:avLst/>
+          </a:prstGeom>
+          <a:noFill/>
+        </p:spPr>
+        <p:txBody>
+          <a:bodyPr wrap="square" rtlCol="0">
+            <a:spAutoFit/>
+          </a:bodyPr>
+          <a:lstStyle/>
+          <a:p>
+            <a:pPr algn="ctr"/>
+            <a:r>
+              <a:rPr lang="en-US" sz="2000" b="1" dirty="0"/>
+              <a:t>Lane Detection</a:t>
+            </a:r>
+          </a:p>
+        </p:txBody>
+      </p:sp>
+    </p:spTree>
+    <p:extLst>
+      <p:ext uri="{BB962C8B-B14F-4D97-AF65-F5344CB8AC3E}">
+        <p14:creationId xmlns:p14="http://schemas.microsoft.com/office/powerpoint/2010/main" val="2588278257"/>
+      </p:ext>
+    </p:extLst>
+  </p:cSld>
+  <p:clrMapOvr>
+    <a:masterClrMapping/>
+  </p:clrMapOvr>
+</p:sld>
+</file>
+
+<file path=ppt/slides/slide17.xml><?xml version="1.0" encoding="utf-8"?>
+<p:sld xmlns:a="http://schemas.openxmlformats.org/drawingml/2006/main" xmlns:r="http://schemas.openxmlformats.org/officeDocument/2006/relationships" xmlns:p="http://schemas.openxmlformats.org/presentationml/2006/main">
+  <p:cSld>
+    <p:spTree>
+      <p:nvGrpSpPr>
+        <p:cNvPr id="1" name=""/>
+        <p:cNvGrpSpPr/>
+        <p:nvPr/>
+      </p:nvGrpSpPr>
+      <p:grpSpPr>
+        <a:xfrm>
+          <a:off x="0" y="0"/>
+          <a:ext cx="0" cy="0"/>
+          <a:chOff x="0" y="0"/>
+          <a:chExt cx="0" cy="0"/>
+        </a:xfrm>
+      </p:grpSpPr>
+      <p:sp>
+        <p:nvSpPr>
+          <p:cNvPr id="4" name="Title 3">
+            <a:extLst>
+              <a:ext uri="{FF2B5EF4-FFF2-40B4-BE49-F238E27FC236}">
+                <a16:creationId xmlns:a16="http://schemas.microsoft.com/office/drawing/2014/main" id="{2E0C54B5-6876-DE29-A5F3-B88D01DEC8B1}"/>
+              </a:ext>
+            </a:extLst>
+          </p:cNvPr>
+          <p:cNvSpPr>
+            <a:spLocks noGrp="1"/>
+          </p:cNvSpPr>
+          <p:nvPr>
+            <p:ph type="ctrTitle"/>
+          </p:nvPr>
+        </p:nvSpPr>
+        <p:spPr>
+          <a:xfrm>
+            <a:off x="6323984" y="3429000"/>
+            <a:ext cx="10970957" cy="850971"/>
+          </a:xfrm>
+        </p:spPr>
+        <p:txBody>
+          <a:bodyPr anchor="b">
+            <a:normAutofit/>
+          </a:bodyPr>
+          <a:lstStyle/>
+          <a:p>
+            <a:r>
+              <a:rPr lang="en-US" dirty="0"/>
+              <a:t>Thank You</a:t>
+            </a:r>
+          </a:p>
+        </p:txBody>
+      </p:sp>
+      <p:sp>
+        <p:nvSpPr>
+          <p:cNvPr id="2" name="Slide Number Placeholder 1" hidden="1">
+            <a:extLst>
+              <a:ext uri="{FF2B5EF4-FFF2-40B4-BE49-F238E27FC236}">
+                <a16:creationId xmlns:a16="http://schemas.microsoft.com/office/drawing/2014/main" id="{CDA0EE6B-EE8E-9469-CA34-4A27CB4D7D0C}"/>
+              </a:ext>
+            </a:extLst>
+          </p:cNvPr>
+          <p:cNvSpPr>
+            <a:spLocks noGrp="1"/>
+          </p:cNvSpPr>
+          <p:nvPr>
+            <p:ph type="sldNum" sz="quarter" idx="4294967295"/>
+          </p:nvPr>
+        </p:nvSpPr>
+        <p:spPr>
+          <a:xfrm>
+            <a:off x="11363696" y="6455739"/>
+            <a:ext cx="294460" cy="187367"/>
+          </a:xfrm>
+        </p:spPr>
+        <p:txBody>
+          <a:bodyPr anchor="ctr">
+            <a:normAutofit/>
+          </a:bodyPr>
+          <a:lstStyle/>
+          <a:p>
+            <a:pPr>
+              <a:lnSpc>
+                <a:spcPct val="90000"/>
+              </a:lnSpc>
+              <a:spcAft>
+                <a:spcPts val="600"/>
+              </a:spcAft>
+            </a:pPr>
+            <a:fld id="{9EC71654-96A5-4280-94F3-931C61A9F92C}" type="slidenum">
+              <a:rPr lang="en-US" sz="200" noProof="0" smtClean="0"/>
+              <a:pPr>
+                <a:lnSpc>
+                  <a:spcPct val="90000"/>
+                </a:lnSpc>
+                <a:spcAft>
+                  <a:spcPts val="600"/>
+                </a:spcAft>
+              </a:pPr>
+              <a:t>17</a:t>
             </a:fld>
             <a:endParaRPr lang="en-US" sz="200" noProof="0"/>
           </a:p>
@@ -18596,36 +19887,6 @@
           <a:chExt cx="0" cy="0"/>
         </a:xfrm>
       </p:grpSpPr>
-      <p:pic>
-        <p:nvPicPr>
-          <p:cNvPr id="9" name="Picture 8">
-            <a:extLst>
-              <a:ext uri="{FF2B5EF4-FFF2-40B4-BE49-F238E27FC236}">
-                <a16:creationId xmlns:a16="http://schemas.microsoft.com/office/drawing/2014/main" id="{F8BDB462-7E7E-84C3-3173-8E9BBD0D8B71}"/>
-              </a:ext>
-            </a:extLst>
-          </p:cNvPr>
-          <p:cNvPicPr>
-            <a:picLocks noChangeAspect="1"/>
-          </p:cNvPicPr>
-          <p:nvPr/>
-        </p:nvPicPr>
-        <p:blipFill>
-          <a:blip r:embed="rId2"/>
-          <a:srcRect/>
-          <a:stretch/>
-        </p:blipFill>
-        <p:spPr>
-          <a:xfrm>
-            <a:off x="413172" y="971551"/>
-            <a:ext cx="10710627" cy="5577872"/>
-          </a:xfrm>
-          <a:prstGeom prst="rect">
-            <a:avLst/>
-          </a:prstGeom>
-          <a:noFill/>
-        </p:spPr>
-      </p:pic>
       <p:sp>
         <p:nvSpPr>
           <p:cNvPr id="3" name="Slide Number Placeholder 2">
@@ -18707,6 +19968,36 @@
           </a:p>
         </p:txBody>
       </p:sp>
+      <p:pic>
+        <p:nvPicPr>
+          <p:cNvPr id="4" name="Picture 3" descr="Graphical user interface, text, application&#10;&#10;Description automatically generated">
+            <a:extLst>
+              <a:ext uri="{FF2B5EF4-FFF2-40B4-BE49-F238E27FC236}">
+                <a16:creationId xmlns:a16="http://schemas.microsoft.com/office/drawing/2014/main" id="{1BAAB45B-8202-6A1F-8757-C51FCE620BC2}"/>
+              </a:ext>
+            </a:extLst>
+          </p:cNvPr>
+          <p:cNvPicPr>
+            <a:picLocks noChangeAspect="1"/>
+          </p:cNvPicPr>
+          <p:nvPr/>
+        </p:nvPicPr>
+        <p:blipFill>
+          <a:blip r:embed="rId2"/>
+          <a:stretch>
+            <a:fillRect/>
+          </a:stretch>
+        </p:blipFill>
+        <p:spPr>
+          <a:xfrm>
+            <a:off x="547249" y="3521363"/>
+            <a:ext cx="11097501" cy="2491509"/>
+          </a:xfrm>
+          <a:prstGeom prst="rect">
+            <a:avLst/>
+          </a:prstGeom>
+        </p:spPr>
+      </p:pic>
     </p:spTree>
     <p:extLst>
       <p:ext uri="{BB962C8B-B14F-4D97-AF65-F5344CB8AC3E}">
@@ -18739,10 +20030,10 @@
       </p:grpSpPr>
       <p:sp>
         <p:nvSpPr>
-          <p:cNvPr id="3" name="Slide Number Placeholder 2">
-            <a:extLst>
-              <a:ext uri="{FF2B5EF4-FFF2-40B4-BE49-F238E27FC236}">
-                <a16:creationId xmlns:a16="http://schemas.microsoft.com/office/drawing/2014/main" id="{BA9DE796-AEEF-8377-7A18-A6D74B26218E}"/>
+          <p:cNvPr id="2" name="Slide Number Placeholder 1">
+            <a:extLst>
+              <a:ext uri="{FF2B5EF4-FFF2-40B4-BE49-F238E27FC236}">
+                <a16:creationId xmlns:a16="http://schemas.microsoft.com/office/drawing/2014/main" id="{9BF83745-348F-A678-DFFD-057D466170C9}"/>
               </a:ext>
             </a:extLst>
           </p:cNvPr>
@@ -18753,49 +20044,35 @@
             <p:ph type="sldNum" sz="quarter" idx="12"/>
           </p:nvPr>
         </p:nvSpPr>
-        <p:spPr>
-          <a:xfrm>
-            <a:off x="11363696" y="6455739"/>
-            <a:ext cx="294460" cy="187367"/>
-          </a:xfrm>
-        </p:spPr>
+        <p:spPr/>
         <p:txBody>
-          <a:bodyPr anchor="ctr">
-            <a:normAutofit/>
-          </a:bodyPr>
+          <a:bodyPr/>
           <a:lstStyle/>
           <a:p>
-            <a:pPr>
-              <a:spcAft>
-                <a:spcPts val="600"/>
-              </a:spcAft>
-            </a:pPr>
             <a:fld id="{9EC71654-96A5-4280-94F3-931C61A9F92C}" type="slidenum">
               <a:rPr lang="en-US" noProof="0" smtClean="0"/>
-              <a:pPr>
-                <a:spcAft>
-                  <a:spcPts val="600"/>
-                </a:spcAft>
-              </a:pPr>
+              <a:pPr/>
               <a:t>6</a:t>
             </a:fld>
-            <a:endParaRPr lang="en-US" noProof="0"/>
+            <a:endParaRPr lang="en-US" noProof="0" dirty="0"/>
           </a:p>
         </p:txBody>
       </p:sp>
       <p:pic>
         <p:nvPicPr>
-          <p:cNvPr id="4" name="Picture 3" descr="Diagram&#10;&#10;Description automatically generated">
-            <a:extLst>
-              <a:ext uri="{FF2B5EF4-FFF2-40B4-BE49-F238E27FC236}">
-                <a16:creationId xmlns:a16="http://schemas.microsoft.com/office/drawing/2014/main" id="{D1D94198-A7B7-A1FF-FAC4-7063C3F2E1AC}"/>
+          <p:cNvPr id="6" name="Content Placeholder 5" descr="Graphical user interface, application&#10;&#10;Description automatically generated">
+            <a:extLst>
+              <a:ext uri="{FF2B5EF4-FFF2-40B4-BE49-F238E27FC236}">
+                <a16:creationId xmlns:a16="http://schemas.microsoft.com/office/drawing/2014/main" id="{167992B9-756B-6B2F-A570-74FF017FB9D8}"/>
               </a:ext>
             </a:extLst>
           </p:cNvPr>
           <p:cNvPicPr>
-            <a:picLocks noChangeAspect="1"/>
+            <a:picLocks noGrp="1" noChangeAspect="1"/>
           </p:cNvPicPr>
-          <p:nvPr/>
+          <p:nvPr>
+            <p:ph idx="1"/>
+          </p:nvPr>
         </p:nvPicPr>
         <p:blipFill>
           <a:blip r:embed="rId2"/>
@@ -18805,21 +20082,17 @@
         </p:blipFill>
         <p:spPr>
           <a:xfrm>
-            <a:off x="221477" y="2188329"/>
-            <a:ext cx="11815909" cy="3325780"/>
-          </a:xfrm>
-          <a:prstGeom prst="rect">
-            <a:avLst/>
-          </a:prstGeom>
-          <a:noFill/>
+            <a:off x="1496219" y="1848644"/>
+            <a:ext cx="8877300" cy="4305300"/>
+          </a:xfrm>
         </p:spPr>
       </p:pic>
       <p:sp>
         <p:nvSpPr>
-          <p:cNvPr id="12" name="Title 3">
-            <a:extLst>
-              <a:ext uri="{FF2B5EF4-FFF2-40B4-BE49-F238E27FC236}">
-                <a16:creationId xmlns:a16="http://schemas.microsoft.com/office/drawing/2014/main" id="{5F27F202-37DA-2389-C323-0E40D13B7C38}"/>
+          <p:cNvPr id="4" name="Title 3">
+            <a:extLst>
+              <a:ext uri="{FF2B5EF4-FFF2-40B4-BE49-F238E27FC236}">
+                <a16:creationId xmlns:a16="http://schemas.microsoft.com/office/drawing/2014/main" id="{4F2385C9-0856-8484-61EB-AEF0842B69D4}"/>
               </a:ext>
             </a:extLst>
           </p:cNvPr>
@@ -18830,16 +20103,9 @@
             <p:ph type="title"/>
           </p:nvPr>
         </p:nvSpPr>
-        <p:spPr>
-          <a:xfrm>
-            <a:off x="515938" y="246621"/>
-            <a:ext cx="11150600" cy="920336"/>
-          </a:xfrm>
-        </p:spPr>
+        <p:spPr/>
         <p:txBody>
-          <a:bodyPr anchor="b">
-            <a:normAutofit/>
-          </a:bodyPr>
+          <a:bodyPr/>
           <a:lstStyle/>
           <a:p>
             <a:r>
@@ -18852,7 +20118,7 @@
     </p:spTree>
     <p:extLst>
       <p:ext uri="{BB962C8B-B14F-4D97-AF65-F5344CB8AC3E}">
-        <p14:creationId xmlns:p14="http://schemas.microsoft.com/office/powerpoint/2010/main" val="336334053"/>
+        <p14:creationId xmlns:p14="http://schemas.microsoft.com/office/powerpoint/2010/main" val="3288796059"/>
       </p:ext>
     </p:extLst>
   </p:cSld>
@@ -18881,10 +20147,10 @@
       </p:grpSpPr>
       <p:sp>
         <p:nvSpPr>
-          <p:cNvPr id="4" name="Slide Number Placeholder 3">
-            <a:extLst>
-              <a:ext uri="{FF2B5EF4-FFF2-40B4-BE49-F238E27FC236}">
-                <a16:creationId xmlns:a16="http://schemas.microsoft.com/office/drawing/2014/main" id="{0BDDBFEE-BC50-46CF-AB8F-D145B99B57A6}"/>
+          <p:cNvPr id="2" name="Slide Number Placeholder 1">
+            <a:extLst>
+              <a:ext uri="{FF2B5EF4-FFF2-40B4-BE49-F238E27FC236}">
+                <a16:creationId xmlns:a16="http://schemas.microsoft.com/office/drawing/2014/main" id="{0F33641D-FD80-5A92-B6D5-BDAE3DA375C9}"/>
               </a:ext>
             </a:extLst>
           </p:cNvPr>
@@ -18895,42 +20161,26 @@
             <p:ph type="sldNum" sz="quarter" idx="12"/>
           </p:nvPr>
         </p:nvSpPr>
-        <p:spPr>
-          <a:xfrm>
-            <a:off x="11363696" y="6455739"/>
-            <a:ext cx="294460" cy="187367"/>
-          </a:xfrm>
-        </p:spPr>
+        <p:spPr/>
         <p:txBody>
-          <a:bodyPr anchor="ctr">
-            <a:normAutofit/>
-          </a:bodyPr>
+          <a:bodyPr/>
           <a:lstStyle/>
           <a:p>
-            <a:pPr>
-              <a:spcAft>
-                <a:spcPts val="600"/>
-              </a:spcAft>
-            </a:pPr>
             <a:fld id="{9EC71654-96A5-4280-94F3-931C61A9F92C}" type="slidenum">
-              <a:rPr lang="en-US" smtClean="0"/>
-              <a:pPr>
-                <a:spcAft>
-                  <a:spcPts val="600"/>
-                </a:spcAft>
-              </a:pPr>
+              <a:rPr lang="en-US" noProof="0" smtClean="0"/>
+              <a:pPr/>
               <a:t>7</a:t>
             </a:fld>
-            <a:endParaRPr lang="en-US"/>
+            <a:endParaRPr lang="en-US" noProof="0" dirty="0"/>
           </a:p>
         </p:txBody>
       </p:sp>
       <p:pic>
         <p:nvPicPr>
-          <p:cNvPr id="21" name="Content Placeholder 20">
-            <a:extLst>
-              <a:ext uri="{FF2B5EF4-FFF2-40B4-BE49-F238E27FC236}">
-                <a16:creationId xmlns:a16="http://schemas.microsoft.com/office/drawing/2014/main" id="{BA3FC335-A445-ADFE-9653-DC5C4F2093ED}"/>
+          <p:cNvPr id="6" name="Content Placeholder 5" descr="Graphical user interface, application&#10;&#10;Description automatically generated">
+            <a:extLst>
+              <a:ext uri="{FF2B5EF4-FFF2-40B4-BE49-F238E27FC236}">
+                <a16:creationId xmlns:a16="http://schemas.microsoft.com/office/drawing/2014/main" id="{4F7B0E4F-F9B1-601D-9D01-56FC982AC565}"/>
               </a:ext>
             </a:extLst>
           </p:cNvPr>
@@ -18942,24 +20192,24 @@
           </p:nvPr>
         </p:nvPicPr>
         <p:blipFill>
-          <a:blip r:embed="rId3"/>
-          <a:srcRect t="180" b="180"/>
-          <a:stretch/>
+          <a:blip r:embed="rId2"/>
+          <a:stretch>
+            <a:fillRect/>
+          </a:stretch>
         </p:blipFill>
         <p:spPr>
           <a:xfrm>
-            <a:off x="859772" y="1266825"/>
-            <a:ext cx="10834528" cy="4920293"/>
-          </a:xfrm>
-          <a:noFill/>
+            <a:off x="1496219" y="1896269"/>
+            <a:ext cx="8877300" cy="4210050"/>
+          </a:xfrm>
         </p:spPr>
       </p:pic>
       <p:sp>
         <p:nvSpPr>
-          <p:cNvPr id="2" name="Title 1">
-            <a:extLst>
-              <a:ext uri="{FF2B5EF4-FFF2-40B4-BE49-F238E27FC236}">
-                <a16:creationId xmlns:a16="http://schemas.microsoft.com/office/drawing/2014/main" id="{903A9A18-93E0-4615-B7AA-B8C8FBB14464}"/>
+          <p:cNvPr id="4" name="Title 3">
+            <a:extLst>
+              <a:ext uri="{FF2B5EF4-FFF2-40B4-BE49-F238E27FC236}">
+                <a16:creationId xmlns:a16="http://schemas.microsoft.com/office/drawing/2014/main" id="{EE82DCF6-21CE-FDA2-3064-14C03464FF46}"/>
               </a:ext>
             </a:extLst>
           </p:cNvPr>
@@ -18970,21 +20220,14 @@
             <p:ph type="title"/>
           </p:nvPr>
         </p:nvSpPr>
-        <p:spPr>
-          <a:xfrm>
-            <a:off x="515938" y="246621"/>
-            <a:ext cx="11150600" cy="920336"/>
-          </a:xfrm>
-        </p:spPr>
+        <p:spPr/>
         <p:txBody>
-          <a:bodyPr anchor="b">
-            <a:normAutofit/>
-          </a:bodyPr>
+          <a:bodyPr/>
           <a:lstStyle/>
           <a:p>
             <a:r>
               <a:rPr lang="en-US" dirty="0"/>
-              <a:t>Work-Flow</a:t>
+              <a:t>Architecture</a:t>
             </a:r>
           </a:p>
         </p:txBody>
@@ -18992,7 +20235,7 @@
     </p:spTree>
     <p:extLst>
       <p:ext uri="{BB962C8B-B14F-4D97-AF65-F5344CB8AC3E}">
-        <p14:creationId xmlns:p14="http://schemas.microsoft.com/office/powerpoint/2010/main" val="961730162"/>
+        <p14:creationId xmlns:p14="http://schemas.microsoft.com/office/powerpoint/2010/main" val="4083003984"/>
       </p:ext>
     </p:extLst>
   </p:cSld>
@@ -19021,10 +20264,10 @@
       </p:grpSpPr>
       <p:sp>
         <p:nvSpPr>
-          <p:cNvPr id="4" name="Title 3">
-            <a:extLst>
-              <a:ext uri="{FF2B5EF4-FFF2-40B4-BE49-F238E27FC236}">
-                <a16:creationId xmlns:a16="http://schemas.microsoft.com/office/drawing/2014/main" id="{2E0C54B5-6876-DE29-A5F3-B88D01DEC8B1}"/>
+          <p:cNvPr id="2" name="Slide Number Placeholder 1">
+            <a:extLst>
+              <a:ext uri="{FF2B5EF4-FFF2-40B4-BE49-F238E27FC236}">
+                <a16:creationId xmlns:a16="http://schemas.microsoft.com/office/drawing/2014/main" id="{C6DDCE2E-DB39-C5CF-213C-34A1A0CFD40F}"/>
               </a:ext>
             </a:extLst>
           </p:cNvPr>
@@ -19032,34 +20275,29 @@
             <a:spLocks noGrp="1"/>
           </p:cNvSpPr>
           <p:nvPr>
-            <p:ph type="ctrTitle"/>
+            <p:ph type="sldNum" sz="quarter" idx="12"/>
           </p:nvPr>
         </p:nvSpPr>
-        <p:spPr>
-          <a:xfrm>
-            <a:off x="6337300" y="2971800"/>
-            <a:ext cx="5143500" cy="1292296"/>
-          </a:xfrm>
-        </p:spPr>
+        <p:spPr/>
         <p:txBody>
-          <a:bodyPr anchor="b">
-            <a:normAutofit/>
-          </a:bodyPr>
+          <a:bodyPr/>
           <a:lstStyle/>
           <a:p>
-            <a:r>
-              <a:rPr lang="en-US" dirty="0"/>
-              <a:t>Challenges</a:t>
-            </a:r>
+            <a:fld id="{9EC71654-96A5-4280-94F3-931C61A9F92C}" type="slidenum">
+              <a:rPr lang="en-US" noProof="0" smtClean="0"/>
+              <a:pPr/>
+              <a:t>8</a:t>
+            </a:fld>
+            <a:endParaRPr lang="en-US" noProof="0" dirty="0"/>
           </a:p>
         </p:txBody>
       </p:sp>
       <p:pic>
         <p:nvPicPr>
-          <p:cNvPr id="6" name="Picture Placeholder 5" descr="A person holding a baby&#10;&#10;Description automatically generated with low confidence">
-            <a:extLst>
-              <a:ext uri="{FF2B5EF4-FFF2-40B4-BE49-F238E27FC236}">
-                <a16:creationId xmlns:a16="http://schemas.microsoft.com/office/drawing/2014/main" id="{BBD507E0-C445-45A5-000D-A42E3C8A8362}"/>
+          <p:cNvPr id="6" name="Content Placeholder 5" descr="Graphical user interface&#10;&#10;Description automatically generated">
+            <a:extLst>
+              <a:ext uri="{FF2B5EF4-FFF2-40B4-BE49-F238E27FC236}">
+                <a16:creationId xmlns:a16="http://schemas.microsoft.com/office/drawing/2014/main" id="{C82BFDB4-0BBA-1D76-367D-3037D02391BD}"/>
               </a:ext>
             </a:extLst>
           </p:cNvPr>
@@ -19067,29 +20305,28 @@
             <a:picLocks noGrp="1" noChangeAspect="1"/>
           </p:cNvPicPr>
           <p:nvPr>
-            <p:ph type="pic" sz="quarter" idx="10"/>
+            <p:ph idx="1"/>
           </p:nvPr>
         </p:nvPicPr>
         <p:blipFill>
           <a:blip r:embed="rId2"/>
-          <a:srcRect l="16684" r="16684"/>
           <a:stretch>
             <a:fillRect/>
           </a:stretch>
         </p:blipFill>
         <p:spPr>
           <a:xfrm>
-            <a:off x="711200" y="728663"/>
-            <a:ext cx="5305425" cy="5305425"/>
+            <a:off x="515937" y="1867631"/>
+            <a:ext cx="11176703" cy="4400741"/>
           </a:xfrm>
         </p:spPr>
       </p:pic>
       <p:sp>
         <p:nvSpPr>
-          <p:cNvPr id="2" name="Slide Number Placeholder 1" hidden="1">
-            <a:extLst>
-              <a:ext uri="{FF2B5EF4-FFF2-40B4-BE49-F238E27FC236}">
-                <a16:creationId xmlns:a16="http://schemas.microsoft.com/office/drawing/2014/main" id="{CDA0EE6B-EE8E-9469-CA34-4A27CB4D7D0C}"/>
+          <p:cNvPr id="4" name="Title 3">
+            <a:extLst>
+              <a:ext uri="{FF2B5EF4-FFF2-40B4-BE49-F238E27FC236}">
+                <a16:creationId xmlns:a16="http://schemas.microsoft.com/office/drawing/2014/main" id="{5539E4F2-FEA6-EDAF-95E5-3D9E7224E583}"/>
               </a:ext>
             </a:extLst>
           </p:cNvPr>
@@ -19097,49 +20334,25 @@
             <a:spLocks noGrp="1"/>
           </p:cNvSpPr>
           <p:nvPr>
-            <p:ph type="sldNum" sz="quarter" idx="4294967295"/>
+            <p:ph type="title"/>
           </p:nvPr>
         </p:nvSpPr>
-        <p:spPr>
-          <a:xfrm>
-            <a:off x="11363696" y="6455739"/>
-            <a:ext cx="294460" cy="187367"/>
-          </a:xfrm>
-        </p:spPr>
+        <p:spPr/>
         <p:txBody>
-          <a:bodyPr anchor="ctr">
-            <a:normAutofit/>
-          </a:bodyPr>
+          <a:bodyPr/>
           <a:lstStyle/>
           <a:p>
-            <a:pPr>
-              <a:lnSpc>
-                <a:spcPct val="90000"/>
-              </a:lnSpc>
-              <a:spcAft>
-                <a:spcPts val="600"/>
-              </a:spcAft>
-            </a:pPr>
-            <a:fld id="{9EC71654-96A5-4280-94F3-931C61A9F92C}" type="slidenum">
-              <a:rPr lang="en-US" sz="600" noProof="0" smtClean="0"/>
-              <a:pPr>
-                <a:lnSpc>
-                  <a:spcPct val="90000"/>
-                </a:lnSpc>
-                <a:spcAft>
-                  <a:spcPts val="600"/>
-                </a:spcAft>
-              </a:pPr>
-              <a:t>8</a:t>
-            </a:fld>
-            <a:endParaRPr lang="en-US" sz="600" noProof="0"/>
+            <a:r>
+              <a:rPr lang="en-US" dirty="0"/>
+              <a:t>Architecture</a:t>
+            </a:r>
           </a:p>
         </p:txBody>
       </p:sp>
     </p:spTree>
     <p:extLst>
       <p:ext uri="{BB962C8B-B14F-4D97-AF65-F5344CB8AC3E}">
-        <p14:creationId xmlns:p14="http://schemas.microsoft.com/office/powerpoint/2010/main" val="108566944"/>
+        <p14:creationId xmlns:p14="http://schemas.microsoft.com/office/powerpoint/2010/main" val="2350462750"/>
       </p:ext>
     </p:extLst>
   </p:cSld>
@@ -19168,10 +20381,10 @@
       </p:grpSpPr>
       <p:sp>
         <p:nvSpPr>
-          <p:cNvPr id="17" name="Slide Number Placeholder 1">
-            <a:extLst>
-              <a:ext uri="{FF2B5EF4-FFF2-40B4-BE49-F238E27FC236}">
-                <a16:creationId xmlns:a16="http://schemas.microsoft.com/office/drawing/2014/main" id="{49ABE35A-BB82-5C1C-2B37-CAA754582F56}"/>
+          <p:cNvPr id="3" name="Slide Number Placeholder 2">
+            <a:extLst>
+              <a:ext uri="{FF2B5EF4-FFF2-40B4-BE49-F238E27FC236}">
+                <a16:creationId xmlns:a16="http://schemas.microsoft.com/office/drawing/2014/main" id="{BA9DE796-AEEF-8377-7A18-A6D74B26218E}"/>
               </a:ext>
             </a:extLst>
           </p:cNvPr>
@@ -19189,7 +20402,9 @@
           </a:xfrm>
         </p:spPr>
         <p:txBody>
-          <a:bodyPr/>
+          <a:bodyPr anchor="ctr">
+            <a:normAutofit/>
+          </a:bodyPr>
           <a:lstStyle/>
           <a:p>
             <a:pPr>
@@ -19212,38 +20427,41 @@
       </p:sp>
       <p:pic>
         <p:nvPicPr>
-          <p:cNvPr id="7" name="Content Placeholder 6">
-            <a:extLst>
-              <a:ext uri="{FF2B5EF4-FFF2-40B4-BE49-F238E27FC236}">
-                <a16:creationId xmlns:a16="http://schemas.microsoft.com/office/drawing/2014/main" id="{DE6DCD29-CEE6-72BC-E86C-C62C70EEFDBA}"/>
+          <p:cNvPr id="4" name="Picture 3" descr="Diagram&#10;&#10;Description automatically generated">
+            <a:extLst>
+              <a:ext uri="{FF2B5EF4-FFF2-40B4-BE49-F238E27FC236}">
+                <a16:creationId xmlns:a16="http://schemas.microsoft.com/office/drawing/2014/main" id="{D1D94198-A7B7-A1FF-FAC4-7063C3F2E1AC}"/>
               </a:ext>
             </a:extLst>
           </p:cNvPr>
           <p:cNvPicPr>
-            <a:picLocks noGrp="1" noChangeAspect="1"/>
+            <a:picLocks noChangeAspect="1"/>
           </p:cNvPicPr>
-          <p:nvPr>
-            <p:ph sz="half" idx="1"/>
-          </p:nvPr>
+          <p:nvPr/>
         </p:nvPicPr>
         <p:blipFill>
           <a:blip r:embed="rId2"/>
-          <a:stretch/>
+          <a:stretch>
+            <a:fillRect/>
+          </a:stretch>
         </p:blipFill>
         <p:spPr>
           <a:xfrm>
-            <a:off x="9807575" y="3128404"/>
-            <a:ext cx="606425" cy="606425"/>
-          </a:xfrm>
+            <a:off x="221477" y="2188329"/>
+            <a:ext cx="11815909" cy="3325780"/>
+          </a:xfrm>
+          <a:prstGeom prst="rect">
+            <a:avLst/>
+          </a:prstGeom>
           <a:noFill/>
         </p:spPr>
       </p:pic>
       <p:sp>
         <p:nvSpPr>
-          <p:cNvPr id="2" name="Title 1">
-            <a:extLst>
-              <a:ext uri="{FF2B5EF4-FFF2-40B4-BE49-F238E27FC236}">
-                <a16:creationId xmlns:a16="http://schemas.microsoft.com/office/drawing/2014/main" id="{CC0C50D1-1B66-9C4E-DD7B-5221A23FD1F5}"/>
+          <p:cNvPr id="12" name="Title 3">
+            <a:extLst>
+              <a:ext uri="{FF2B5EF4-FFF2-40B4-BE49-F238E27FC236}">
+                <a16:creationId xmlns:a16="http://schemas.microsoft.com/office/drawing/2014/main" id="{5F27F202-37DA-2389-C323-0E40D13B7C38}"/>
               </a:ext>
             </a:extLst>
           </p:cNvPr>
@@ -19268,373 +20486,7 @@
           <a:p>
             <a:r>
               <a:rPr lang="en-US" dirty="0"/>
-              <a:t>Challenges</a:t>
-            </a:r>
-          </a:p>
-        </p:txBody>
-      </p:sp>
-      <p:sp>
-        <p:nvSpPr>
-          <p:cNvPr id="3" name="Slide Number Placeholder 2" hidden="1">
-            <a:extLst>
-              <a:ext uri="{FF2B5EF4-FFF2-40B4-BE49-F238E27FC236}">
-                <a16:creationId xmlns:a16="http://schemas.microsoft.com/office/drawing/2014/main" id="{24471D0A-2A75-5210-E90F-6C5B83FF9FEE}"/>
-              </a:ext>
-            </a:extLst>
-          </p:cNvPr>
-          <p:cNvSpPr>
-            <a:spLocks noGrp="1"/>
-          </p:cNvSpPr>
-          <p:nvPr>
-            <p:ph type="sldNum" sz="quarter" idx="4294967295"/>
-          </p:nvPr>
-        </p:nvSpPr>
-        <p:spPr>
-          <a:xfrm>
-            <a:off x="11363696" y="6455739"/>
-            <a:ext cx="294460" cy="187367"/>
-          </a:xfrm>
-        </p:spPr>
-        <p:txBody>
-          <a:bodyPr anchor="ctr">
-            <a:normAutofit/>
-          </a:bodyPr>
-          <a:lstStyle/>
-          <a:p>
-            <a:pPr>
-              <a:lnSpc>
-                <a:spcPct val="90000"/>
-              </a:lnSpc>
-              <a:spcAft>
-                <a:spcPts val="600"/>
-              </a:spcAft>
-            </a:pPr>
-            <a:fld id="{9EC71654-96A5-4280-94F3-931C61A9F92C}" type="slidenum">
-              <a:rPr lang="en-US" sz="600" noProof="0" smtClean="0"/>
-              <a:pPr>
-                <a:lnSpc>
-                  <a:spcPct val="90000"/>
-                </a:lnSpc>
-                <a:spcAft>
-                  <a:spcPts val="600"/>
-                </a:spcAft>
-              </a:pPr>
-              <a:t>9</a:t>
-            </a:fld>
-            <a:endParaRPr lang="en-US" sz="600" noProof="0"/>
-          </a:p>
-        </p:txBody>
-      </p:sp>
-      <p:pic>
-        <p:nvPicPr>
-          <p:cNvPr id="5" name="Picture 4" descr="Shape&#10;&#10;Description automatically generated">
-            <a:extLst>
-              <a:ext uri="{FF2B5EF4-FFF2-40B4-BE49-F238E27FC236}">
-                <a16:creationId xmlns:a16="http://schemas.microsoft.com/office/drawing/2014/main" id="{FC62146B-8F3F-FBBA-B170-9B5114E23759}"/>
-              </a:ext>
-            </a:extLst>
-          </p:cNvPr>
-          <p:cNvPicPr>
-            <a:picLocks noChangeAspect="1"/>
-          </p:cNvPicPr>
-          <p:nvPr/>
-        </p:nvPicPr>
-        <p:blipFill>
-          <a:blip r:embed="rId3"/>
-          <a:stretch>
-            <a:fillRect/>
-          </a:stretch>
-        </p:blipFill>
-        <p:spPr>
-          <a:xfrm>
-            <a:off x="7614323" y="3128404"/>
-            <a:ext cx="601191" cy="601191"/>
-          </a:xfrm>
-          <a:prstGeom prst="rect">
-            <a:avLst/>
-          </a:prstGeom>
-        </p:spPr>
-      </p:pic>
-      <p:pic>
-        <p:nvPicPr>
-          <p:cNvPr id="8" name="Picture 7" descr="A picture containing shape&#10;&#10;Description automatically generated">
-            <a:extLst>
-              <a:ext uri="{FF2B5EF4-FFF2-40B4-BE49-F238E27FC236}">
-                <a16:creationId xmlns:a16="http://schemas.microsoft.com/office/drawing/2014/main" id="{13E0C9C8-39E9-5C54-FE4C-BAFDCE1B7D0F}"/>
-              </a:ext>
-            </a:extLst>
-          </p:cNvPr>
-          <p:cNvPicPr>
-            <a:picLocks noChangeAspect="1"/>
-          </p:cNvPicPr>
-          <p:nvPr/>
-        </p:nvPicPr>
-        <p:blipFill>
-          <a:blip r:embed="rId4"/>
-          <a:stretch>
-            <a:fillRect/>
-          </a:stretch>
-        </p:blipFill>
-        <p:spPr>
-          <a:xfrm>
-            <a:off x="5359031" y="3136917"/>
-            <a:ext cx="664892" cy="574638"/>
-          </a:xfrm>
-          <a:prstGeom prst="rect">
-            <a:avLst/>
-          </a:prstGeom>
-        </p:spPr>
-      </p:pic>
-      <p:sp>
-        <p:nvSpPr>
-          <p:cNvPr id="10" name="TextBox 9">
-            <a:extLst>
-              <a:ext uri="{FF2B5EF4-FFF2-40B4-BE49-F238E27FC236}">
-                <a16:creationId xmlns:a16="http://schemas.microsoft.com/office/drawing/2014/main" id="{D1794A21-E128-104B-BC5E-57415EA90165}"/>
-              </a:ext>
-            </a:extLst>
-          </p:cNvPr>
-          <p:cNvSpPr txBox="1"/>
-          <p:nvPr/>
-        </p:nvSpPr>
-        <p:spPr>
-          <a:xfrm>
-            <a:off x="9151543" y="3977598"/>
-            <a:ext cx="1935634" cy="707886"/>
-          </a:xfrm>
-          <a:prstGeom prst="rect">
-            <a:avLst/>
-          </a:prstGeom>
-          <a:noFill/>
-        </p:spPr>
-        <p:txBody>
-          <a:bodyPr wrap="square" rtlCol="0">
-            <a:spAutoFit/>
-          </a:bodyPr>
-          <a:lstStyle/>
-          <a:p>
-            <a:pPr algn="ctr"/>
-            <a:r>
-              <a:rPr lang="en-US" sz="2000" b="1" dirty="0"/>
-              <a:t>Dataset Cleaning</a:t>
-            </a:r>
-          </a:p>
-        </p:txBody>
-      </p:sp>
-      <p:sp>
-        <p:nvSpPr>
-          <p:cNvPr id="14" name="TextBox 13">
-            <a:extLst>
-              <a:ext uri="{FF2B5EF4-FFF2-40B4-BE49-F238E27FC236}">
-                <a16:creationId xmlns:a16="http://schemas.microsoft.com/office/drawing/2014/main" id="{5CC1F818-39F8-B166-405C-C7975400ED44}"/>
-              </a:ext>
-            </a:extLst>
-          </p:cNvPr>
-          <p:cNvSpPr txBox="1"/>
-          <p:nvPr/>
-        </p:nvSpPr>
-        <p:spPr>
-          <a:xfrm>
-            <a:off x="6641869" y="3977598"/>
-            <a:ext cx="2558011" cy="707886"/>
-          </a:xfrm>
-          <a:prstGeom prst="rect">
-            <a:avLst/>
-          </a:prstGeom>
-          <a:noFill/>
-        </p:spPr>
-        <p:txBody>
-          <a:bodyPr wrap="square" rtlCol="0">
-            <a:spAutoFit/>
-          </a:bodyPr>
-          <a:lstStyle/>
-          <a:p>
-            <a:pPr algn="ctr"/>
-            <a:r>
-              <a:rPr lang="en-US" sz="2000" b="1" dirty="0"/>
-              <a:t>Hyperparameters Tuning</a:t>
-            </a:r>
-          </a:p>
-        </p:txBody>
-      </p:sp>
-      <p:sp>
-        <p:nvSpPr>
-          <p:cNvPr id="15" name="TextBox 14">
-            <a:extLst>
-              <a:ext uri="{FF2B5EF4-FFF2-40B4-BE49-F238E27FC236}">
-                <a16:creationId xmlns:a16="http://schemas.microsoft.com/office/drawing/2014/main" id="{FBAB8646-ECD4-83B3-C925-659CD4BCBB5B}"/>
-              </a:ext>
-            </a:extLst>
-          </p:cNvPr>
-          <p:cNvSpPr txBox="1"/>
-          <p:nvPr/>
-        </p:nvSpPr>
-        <p:spPr>
-          <a:xfrm>
-            <a:off x="4724601" y="3977598"/>
-            <a:ext cx="2009525" cy="707886"/>
-          </a:xfrm>
-          <a:prstGeom prst="rect">
-            <a:avLst/>
-          </a:prstGeom>
-          <a:noFill/>
-        </p:spPr>
-        <p:txBody>
-          <a:bodyPr wrap="square" rtlCol="0">
-            <a:spAutoFit/>
-          </a:bodyPr>
-          <a:lstStyle/>
-          <a:p>
-            <a:pPr algn="ctr"/>
-            <a:r>
-              <a:rPr lang="en-US" sz="2000" b="1" dirty="0"/>
-              <a:t>Dataset Imbalance</a:t>
-            </a:r>
-          </a:p>
-        </p:txBody>
-      </p:sp>
-      <p:pic>
-        <p:nvPicPr>
-          <p:cNvPr id="25" name="Picture 24" descr="Shape&#10;&#10;Description automatically generated with low confidence">
-            <a:extLst>
-              <a:ext uri="{FF2B5EF4-FFF2-40B4-BE49-F238E27FC236}">
-                <a16:creationId xmlns:a16="http://schemas.microsoft.com/office/drawing/2014/main" id="{172F869C-8254-E6CD-9F39-742519C87B5F}"/>
-              </a:ext>
-            </a:extLst>
-          </p:cNvPr>
-          <p:cNvPicPr>
-            <a:picLocks noChangeAspect="1"/>
-          </p:cNvPicPr>
-          <p:nvPr/>
-        </p:nvPicPr>
-        <p:blipFill>
-          <a:blip r:embed="rId5"/>
-          <a:stretch>
-            <a:fillRect/>
-          </a:stretch>
-        </p:blipFill>
-        <p:spPr>
-          <a:xfrm>
-            <a:off x="3271686" y="3216271"/>
-            <a:ext cx="495284" cy="495284"/>
-          </a:xfrm>
-          <a:prstGeom prst="rect">
-            <a:avLst/>
-          </a:prstGeom>
-        </p:spPr>
-      </p:pic>
-      <p:sp>
-        <p:nvSpPr>
-          <p:cNvPr id="26" name="TextBox 25">
-            <a:extLst>
-              <a:ext uri="{FF2B5EF4-FFF2-40B4-BE49-F238E27FC236}">
-                <a16:creationId xmlns:a16="http://schemas.microsoft.com/office/drawing/2014/main" id="{3F77A819-E442-CBA1-3C7E-CF082B21FEEE}"/>
-              </a:ext>
-            </a:extLst>
-          </p:cNvPr>
-          <p:cNvSpPr txBox="1"/>
-          <p:nvPr/>
-        </p:nvSpPr>
-        <p:spPr>
-          <a:xfrm>
-            <a:off x="2633921" y="3977598"/>
-            <a:ext cx="1763944" cy="707886"/>
-          </a:xfrm>
-          <a:prstGeom prst="rect">
-            <a:avLst/>
-          </a:prstGeom>
-          <a:noFill/>
-        </p:spPr>
-        <p:txBody>
-          <a:bodyPr wrap="square" rtlCol="0">
-            <a:spAutoFit/>
-          </a:bodyPr>
-          <a:lstStyle/>
-          <a:p>
-            <a:pPr algn="ctr"/>
-            <a:r>
-              <a:rPr lang="en-US" sz="2000" b="1" dirty="0"/>
-              <a:t>Code Complexity</a:t>
-            </a:r>
-          </a:p>
-        </p:txBody>
-      </p:sp>
-      <p:pic>
-        <p:nvPicPr>
-          <p:cNvPr id="28" name="Picture 27" descr="Icon&#10;&#10;Description automatically generated">
-            <a:extLst>
-              <a:ext uri="{FF2B5EF4-FFF2-40B4-BE49-F238E27FC236}">
-                <a16:creationId xmlns:a16="http://schemas.microsoft.com/office/drawing/2014/main" id="{B8699F91-9EA2-BCA9-C123-DE28870C5719}"/>
-              </a:ext>
-            </a:extLst>
-          </p:cNvPr>
-          <p:cNvPicPr>
-            <a:picLocks noChangeAspect="1"/>
-          </p:cNvPicPr>
-          <p:nvPr/>
-        </p:nvPicPr>
-        <p:blipFill>
-          <a:blip r:embed="rId6"/>
-          <a:stretch>
-            <a:fillRect/>
-          </a:stretch>
-        </p:blipFill>
-        <p:spPr>
-          <a:xfrm>
-            <a:off x="988909" y="3086258"/>
-            <a:ext cx="690716" cy="690716"/>
-          </a:xfrm>
-          <a:prstGeom prst="rect">
-            <a:avLst/>
-          </a:prstGeom>
-        </p:spPr>
-      </p:pic>
-      <p:sp>
-        <p:nvSpPr>
-          <p:cNvPr id="29" name="TextBox 28">
-            <a:extLst>
-              <a:ext uri="{FF2B5EF4-FFF2-40B4-BE49-F238E27FC236}">
-                <a16:creationId xmlns:a16="http://schemas.microsoft.com/office/drawing/2014/main" id="{CB5EF82F-24FF-CA97-F380-4D41120EE2BA}"/>
-              </a:ext>
-            </a:extLst>
-          </p:cNvPr>
-          <p:cNvSpPr txBox="1"/>
-          <p:nvPr/>
-        </p:nvSpPr>
-        <p:spPr>
-          <a:xfrm>
-            <a:off x="317441" y="3977598"/>
-            <a:ext cx="2316480" cy="1015663"/>
-          </a:xfrm>
-          <a:prstGeom prst="rect">
-            <a:avLst/>
-          </a:prstGeom>
-          <a:noFill/>
-        </p:spPr>
-        <p:txBody>
-          <a:bodyPr wrap="square" rtlCol="0">
-            <a:spAutoFit/>
-          </a:bodyPr>
-          <a:lstStyle/>
-          <a:p>
-            <a:pPr algn="ctr"/>
-            <a:r>
-              <a:rPr lang="en-US" sz="2000" b="1" dirty="0"/>
-              <a:t>Testing </a:t>
-            </a:r>
-          </a:p>
-          <a:p>
-            <a:pPr algn="ctr"/>
-            <a:r>
-              <a:rPr lang="en-US" sz="2000" b="1" dirty="0"/>
-              <a:t>and </a:t>
-            </a:r>
-          </a:p>
-          <a:p>
-            <a:pPr algn="ctr"/>
-            <a:r>
-              <a:rPr lang="en-US" sz="2000" b="1" dirty="0"/>
-              <a:t>Debugging</a:t>
+              <a:t>Architecture</a:t>
             </a:r>
           </a:p>
         </p:txBody>
@@ -19642,7 +20494,7 @@
     </p:spTree>
     <p:extLst>
       <p:ext uri="{BB962C8B-B14F-4D97-AF65-F5344CB8AC3E}">
-        <p14:creationId xmlns:p14="http://schemas.microsoft.com/office/powerpoint/2010/main" val="588504511"/>
+        <p14:creationId xmlns:p14="http://schemas.microsoft.com/office/powerpoint/2010/main" val="336334053"/>
       </p:ext>
     </p:extLst>
   </p:cSld>
@@ -20444,14 +21296,6 @@
 </file>
 
 <file path=customXml/item1.xml><?xml version="1.0" encoding="utf-8"?>
-<p:properties xmlns:p="http://schemas.microsoft.com/office/2006/metadata/properties" xmlns:xsi="http://www.w3.org/2001/XMLSchema-instance" xmlns:pc="http://schemas.microsoft.com/office/infopath/2007/PartnerControls">
-  <documentManagement>
-    <MediaServiceKeyPoints xmlns="71af3243-3dd4-4a8d-8c0d-dd76da1f02a5" xsi:nil="true"/>
-  </documentManagement>
-</p:properties>
-</file>
-
-<file path=customXml/item2.xml><?xml version="1.0" encoding="utf-8"?>
 <ct:contentTypeSchema xmlns:ct="http://schemas.microsoft.com/office/2006/metadata/contentType" xmlns:ma="http://schemas.microsoft.com/office/2006/metadata/properties/metaAttributes" ct:_="" ma:_="" ma:contentTypeName="Document" ma:contentTypeID="0x01010079F111ED35F8CC479449609E8A0923A6" ma:contentTypeVersion="11" ma:contentTypeDescription="Create a new document." ma:contentTypeScope="" ma:versionID="9677210f24a1be23c92c90fd886aa0aa">
   <xsd:schema xmlns:xsd="http://www.w3.org/2001/XMLSchema" xmlns:xs="http://www.w3.org/2001/XMLSchema" xmlns:p="http://schemas.microsoft.com/office/2006/metadata/properties" xmlns:ns2="71af3243-3dd4-4a8d-8c0d-dd76da1f02a5" xmlns:ns3="16c05727-aa75-4e4a-9b5f-8a80a1165891" targetNamespace="http://schemas.microsoft.com/office/2006/metadata/properties" ma:root="true" ma:fieldsID="60e05723c5c1908df1a1a4ebf11d344e" ns2:_="" ns3:_="">
     <xsd:import namespace="71af3243-3dd4-4a8d-8c0d-dd76da1f02a5"/>
@@ -20662,6 +21506,14 @@
 </ct:contentTypeSchema>
 </file>
 
+<file path=customXml/item2.xml><?xml version="1.0" encoding="utf-8"?>
+<p:properties xmlns:p="http://schemas.microsoft.com/office/2006/metadata/properties" xmlns:xsi="http://www.w3.org/2001/XMLSchema-instance" xmlns:pc="http://schemas.microsoft.com/office/infopath/2007/PartnerControls">
+  <documentManagement>
+    <MediaServiceKeyPoints xmlns="71af3243-3dd4-4a8d-8c0d-dd76da1f02a5" xsi:nil="true"/>
+  </documentManagement>
+</p:properties>
+</file>
+
 <file path=customXml/item3.xml><?xml version="1.0" encoding="utf-8"?>
 <?mso-contentType ?>
 <FormTemplates xmlns="http://schemas.microsoft.com/sharepoint/v3/contenttype/forms">
@@ -20672,16 +21524,6 @@
 </file>
 
 <file path=customXml/itemProps1.xml><?xml version="1.0" encoding="utf-8"?>
-<ds:datastoreItem xmlns:ds="http://schemas.openxmlformats.org/officeDocument/2006/customXml" ds:itemID="{CEA9B47F-3DD8-4645-81DC-B88780643C07}">
-  <ds:schemaRefs>
-    <ds:schemaRef ds:uri="http://schemas.microsoft.com/office/2006/metadata/properties"/>
-    <ds:schemaRef ds:uri="http://schemas.microsoft.com/office/infopath/2007/PartnerControls"/>
-    <ds:schemaRef ds:uri="71af3243-3dd4-4a8d-8c0d-dd76da1f02a5"/>
-  </ds:schemaRefs>
-</ds:datastoreItem>
-</file>
-
-<file path=customXml/itemProps2.xml><?xml version="1.0" encoding="utf-8"?>
 <ds:datastoreItem xmlns:ds="http://schemas.openxmlformats.org/officeDocument/2006/customXml" ds:itemID="{631071E6-22AE-499A-B09C-BF21CF5F7483}">
   <ds:schemaRefs>
     <ds:schemaRef ds:uri="http://schemas.microsoft.com/office/2006/metadata/contentType"/>
@@ -20700,6 +21542,16 @@
 </ds:datastoreItem>
 </file>
 
+<file path=customXml/itemProps2.xml><?xml version="1.0" encoding="utf-8"?>
+<ds:datastoreItem xmlns:ds="http://schemas.openxmlformats.org/officeDocument/2006/customXml" ds:itemID="{CEA9B47F-3DD8-4645-81DC-B88780643C07}">
+  <ds:schemaRefs>
+    <ds:schemaRef ds:uri="http://schemas.microsoft.com/office/2006/metadata/properties"/>
+    <ds:schemaRef ds:uri="http://schemas.microsoft.com/office/infopath/2007/PartnerControls"/>
+    <ds:schemaRef ds:uri="71af3243-3dd4-4a8d-8c0d-dd76da1f02a5"/>
+  </ds:schemaRefs>
+</ds:datastoreItem>
+</file>
+
 <file path=customXml/itemProps3.xml><?xml version="1.0" encoding="utf-8"?>
 <ds:datastoreItem xmlns:ds="http://schemas.openxmlformats.org/officeDocument/2006/customXml" ds:itemID="{B0C07E3D-60A7-4F4E-8208-D9CCD01982CB}">
   <ds:schemaRefs>

--- a/HawkEye.pptx
+++ b/HawkEye.pptx
@@ -5,29 +5,32 @@
     <p:sldMasterId id="2147483648" r:id="rId4"/>
   </p:sldMasterIdLst>
   <p:notesMasterIdLst>
-    <p:notesMasterId r:id="rId22"/>
+    <p:notesMasterId r:id="rId25"/>
   </p:notesMasterIdLst>
   <p:handoutMasterIdLst>
-    <p:handoutMasterId r:id="rId23"/>
+    <p:handoutMasterId r:id="rId26"/>
   </p:handoutMasterIdLst>
   <p:sldIdLst>
     <p:sldId id="257" r:id="rId5"/>
     <p:sldId id="258" r:id="rId6"/>
     <p:sldId id="268" r:id="rId7"/>
     <p:sldId id="284" r:id="rId8"/>
-    <p:sldId id="277" r:id="rId9"/>
-    <p:sldId id="290" r:id="rId10"/>
-    <p:sldId id="291" r:id="rId11"/>
-    <p:sldId id="292" r:id="rId12"/>
+    <p:sldId id="292" r:id="rId9"/>
+    <p:sldId id="277" r:id="rId10"/>
+    <p:sldId id="290" r:id="rId11"/>
+    <p:sldId id="291" r:id="rId12"/>
     <p:sldId id="278" r:id="rId13"/>
     <p:sldId id="270" r:id="rId14"/>
-    <p:sldId id="279" r:id="rId15"/>
-    <p:sldId id="283" r:id="rId16"/>
-    <p:sldId id="285" r:id="rId17"/>
-    <p:sldId id="286" r:id="rId18"/>
-    <p:sldId id="289" r:id="rId19"/>
-    <p:sldId id="294" r:id="rId20"/>
-    <p:sldId id="287" r:id="rId21"/>
+    <p:sldId id="295" r:id="rId15"/>
+    <p:sldId id="296" r:id="rId16"/>
+    <p:sldId id="297" r:id="rId17"/>
+    <p:sldId id="279" r:id="rId18"/>
+    <p:sldId id="283" r:id="rId19"/>
+    <p:sldId id="285" r:id="rId20"/>
+    <p:sldId id="286" r:id="rId21"/>
+    <p:sldId id="289" r:id="rId22"/>
+    <p:sldId id="294" r:id="rId23"/>
+    <p:sldId id="287" r:id="rId24"/>
   </p:sldIdLst>
   <p:sldSz cx="12192000" cy="6858000"/>
   <p:notesSz cx="6858000" cy="9144000"/>
@@ -242,7 +245,7 @@
           <a:p>
             <a:fld id="{97AB3EA8-A58D-4C92-A3AB-D271CCC294C7}" type="datetimeFigureOut">
               <a:rPr lang="en-US" smtClean="0"/>
-              <a:t>6/18/2022</a:t>
+              <a:t>6/19/2022</a:t>
             </a:fld>
             <a:endParaRPr lang="en-US" dirty="0"/>
           </a:p>
@@ -419,7 +422,7 @@
           <a:p>
             <a:fld id="{0AEFB4FA-E877-413E-B608-88789D806C57}" type="datetimeFigureOut">
               <a:rPr lang="en-US" noProof="0" smtClean="0"/>
-              <a:t>6/18/2022</a:t>
+              <a:t>6/19/2022</a:t>
             </a:fld>
             <a:endParaRPr lang="en-US" noProof="0" dirty="0"/>
           </a:p>
@@ -16511,7 +16514,7 @@
           <a:p>
             <a:fld id="{D951F27F-98F9-A147-8986-34441C7B752D}" type="datetime1">
               <a:rPr lang="en-US" noProof="0" smtClean="0"/>
-              <a:t>6/18/2022</a:t>
+              <a:t>6/19/2022</a:t>
             </a:fld>
             <a:endParaRPr lang="en-US" noProof="0" dirty="0"/>
           </a:p>
@@ -17361,26 +17364,26 @@
         </p:nvSpPr>
         <p:spPr>
           <a:xfrm>
-            <a:off x="6337300" y="2971800"/>
-            <a:ext cx="5143500" cy="1292296"/>
+            <a:off x="6337299" y="3094182"/>
+            <a:ext cx="5466773" cy="1025236"/>
           </a:xfrm>
         </p:spPr>
         <p:txBody>
           <a:bodyPr anchor="b">
-            <a:normAutofit/>
+            <a:normAutofit fontScale="90000"/>
           </a:bodyPr>
           <a:lstStyle/>
           <a:p>
             <a:r>
               <a:rPr lang="en-US" dirty="0"/>
-              <a:t>Challenges</a:t>
+              <a:t>Implementation</a:t>
             </a:r>
           </a:p>
         </p:txBody>
       </p:sp>
       <p:pic>
         <p:nvPicPr>
-          <p:cNvPr id="6" name="Picture Placeholder 5" descr="A person holding a baby&#10;&#10;Description automatically generated with low confidence">
+          <p:cNvPr id="6" name="Picture Placeholder 5">
             <a:extLst>
               <a:ext uri="{FF2B5EF4-FFF2-40B4-BE49-F238E27FC236}">
                 <a16:creationId xmlns:a16="http://schemas.microsoft.com/office/drawing/2014/main" id="{BBD507E0-C445-45A5-000D-A42E3C8A8362}"/>
@@ -17396,14 +17399,12 @@
         </p:nvPicPr>
         <p:blipFill>
           <a:blip r:embed="rId2"/>
-          <a:srcRect l="16684" r="16684"/>
-          <a:stretch>
-            <a:fillRect/>
-          </a:stretch>
+          <a:srcRect l="16400" r="16400"/>
+          <a:stretch/>
         </p:blipFill>
         <p:spPr>
           <a:xfrm>
-            <a:off x="711200" y="728663"/>
+            <a:off x="673493" y="700382"/>
             <a:ext cx="5305425" cy="5305425"/>
           </a:xfrm>
         </p:spPr>
@@ -17463,7 +17464,7 @@
     </p:spTree>
     <p:extLst>
       <p:ext uri="{BB962C8B-B14F-4D97-AF65-F5344CB8AC3E}">
-        <p14:creationId xmlns:p14="http://schemas.microsoft.com/office/powerpoint/2010/main" val="108566944"/>
+        <p14:creationId xmlns:p14="http://schemas.microsoft.com/office/powerpoint/2010/main" val="3455253347"/>
       </p:ext>
     </p:extLst>
   </p:cSld>
@@ -17492,10 +17493,10 @@
       </p:grpSpPr>
       <p:sp>
         <p:nvSpPr>
-          <p:cNvPr id="17" name="Slide Number Placeholder 1">
-            <a:extLst>
-              <a:ext uri="{FF2B5EF4-FFF2-40B4-BE49-F238E27FC236}">
-                <a16:creationId xmlns:a16="http://schemas.microsoft.com/office/drawing/2014/main" id="{49ABE35A-BB82-5C1C-2B37-CAA754582F56}"/>
+          <p:cNvPr id="9" name="Slide Number Placeholder 1">
+            <a:extLst>
+              <a:ext uri="{FF2B5EF4-FFF2-40B4-BE49-F238E27FC236}">
+                <a16:creationId xmlns:a16="http://schemas.microsoft.com/office/drawing/2014/main" id="{71590825-AFC0-19D9-6993-BC682234E23D}"/>
               </a:ext>
             </a:extLst>
           </p:cNvPr>
@@ -17536,10 +17537,10 @@
       </p:sp>
       <p:pic>
         <p:nvPicPr>
-          <p:cNvPr id="7" name="Content Placeholder 6">
-            <a:extLst>
-              <a:ext uri="{FF2B5EF4-FFF2-40B4-BE49-F238E27FC236}">
-                <a16:creationId xmlns:a16="http://schemas.microsoft.com/office/drawing/2014/main" id="{DE6DCD29-CEE6-72BC-E86C-C62C70EEFDBA}"/>
+          <p:cNvPr id="6" name="Content Placeholder 5">
+            <a:extLst>
+              <a:ext uri="{FF2B5EF4-FFF2-40B4-BE49-F238E27FC236}">
+                <a16:creationId xmlns:a16="http://schemas.microsoft.com/office/drawing/2014/main" id="{902A6372-9DEB-9FB0-34EC-AE51AF51E623}"/>
               </a:ext>
             </a:extLst>
           </p:cNvPr>
@@ -17547,27 +17548,27 @@
             <a:picLocks noGrp="1" noChangeAspect="1"/>
           </p:cNvPicPr>
           <p:nvPr>
-            <p:ph sz="half" idx="1"/>
+            <p:ph idx="1"/>
           </p:nvPr>
         </p:nvPicPr>
         <p:blipFill>
           <a:blip r:embed="rId2"/>
+          <a:srcRect/>
           <a:stretch/>
         </p:blipFill>
         <p:spPr>
           <a:xfrm>
-            <a:off x="9807575" y="3128404"/>
-            <a:ext cx="606425" cy="606425"/>
-          </a:xfrm>
-          <a:noFill/>
+            <a:off x="1099128" y="1775474"/>
+            <a:ext cx="9638976" cy="4692483"/>
+          </a:xfrm>
         </p:spPr>
       </p:pic>
       <p:sp>
         <p:nvSpPr>
-          <p:cNvPr id="2" name="Title 1">
-            <a:extLst>
-              <a:ext uri="{FF2B5EF4-FFF2-40B4-BE49-F238E27FC236}">
-                <a16:creationId xmlns:a16="http://schemas.microsoft.com/office/drawing/2014/main" id="{CC0C50D1-1B66-9C4E-DD7B-5221A23FD1F5}"/>
+          <p:cNvPr id="13" name="Title 3">
+            <a:extLst>
+              <a:ext uri="{FF2B5EF4-FFF2-40B4-BE49-F238E27FC236}">
+                <a16:creationId xmlns:a16="http://schemas.microsoft.com/office/drawing/2014/main" id="{5BD06F64-C10A-9B05-B5B4-F10B142840E9}"/>
               </a:ext>
             </a:extLst>
           </p:cNvPr>
@@ -17585,380 +17586,12 @@
           </a:xfrm>
         </p:spPr>
         <p:txBody>
-          <a:bodyPr anchor="b">
-            <a:normAutofit/>
-          </a:bodyPr>
+          <a:bodyPr/>
           <a:lstStyle/>
           <a:p>
             <a:r>
               <a:rPr lang="en-US" dirty="0"/>
-              <a:t>Challenges</a:t>
-            </a:r>
-          </a:p>
-        </p:txBody>
-      </p:sp>
-      <p:sp>
-        <p:nvSpPr>
-          <p:cNvPr id="3" name="Slide Number Placeholder 2" hidden="1">
-            <a:extLst>
-              <a:ext uri="{FF2B5EF4-FFF2-40B4-BE49-F238E27FC236}">
-                <a16:creationId xmlns:a16="http://schemas.microsoft.com/office/drawing/2014/main" id="{24471D0A-2A75-5210-E90F-6C5B83FF9FEE}"/>
-              </a:ext>
-            </a:extLst>
-          </p:cNvPr>
-          <p:cNvSpPr>
-            <a:spLocks noGrp="1"/>
-          </p:cNvSpPr>
-          <p:nvPr>
-            <p:ph type="sldNum" sz="quarter" idx="4294967295"/>
-          </p:nvPr>
-        </p:nvSpPr>
-        <p:spPr>
-          <a:xfrm>
-            <a:off x="11363696" y="6455739"/>
-            <a:ext cx="294460" cy="187367"/>
-          </a:xfrm>
-        </p:spPr>
-        <p:txBody>
-          <a:bodyPr anchor="ctr">
-            <a:normAutofit/>
-          </a:bodyPr>
-          <a:lstStyle/>
-          <a:p>
-            <a:pPr>
-              <a:lnSpc>
-                <a:spcPct val="90000"/>
-              </a:lnSpc>
-              <a:spcAft>
-                <a:spcPts val="600"/>
-              </a:spcAft>
-            </a:pPr>
-            <a:fld id="{9EC71654-96A5-4280-94F3-931C61A9F92C}" type="slidenum">
-              <a:rPr lang="en-US" sz="600" noProof="0" smtClean="0"/>
-              <a:pPr>
-                <a:lnSpc>
-                  <a:spcPct val="90000"/>
-                </a:lnSpc>
-                <a:spcAft>
-                  <a:spcPts val="600"/>
-                </a:spcAft>
-              </a:pPr>
-              <a:t>12</a:t>
-            </a:fld>
-            <a:endParaRPr lang="en-US" sz="600" noProof="0"/>
-          </a:p>
-        </p:txBody>
-      </p:sp>
-      <p:pic>
-        <p:nvPicPr>
-          <p:cNvPr id="5" name="Picture 4" descr="Shape&#10;&#10;Description automatically generated">
-            <a:extLst>
-              <a:ext uri="{FF2B5EF4-FFF2-40B4-BE49-F238E27FC236}">
-                <a16:creationId xmlns:a16="http://schemas.microsoft.com/office/drawing/2014/main" id="{FC62146B-8F3F-FBBA-B170-9B5114E23759}"/>
-              </a:ext>
-            </a:extLst>
-          </p:cNvPr>
-          <p:cNvPicPr>
-            <a:picLocks noChangeAspect="1"/>
-          </p:cNvPicPr>
-          <p:nvPr/>
-        </p:nvPicPr>
-        <p:blipFill>
-          <a:blip r:embed="rId3"/>
-          <a:stretch>
-            <a:fillRect/>
-          </a:stretch>
-        </p:blipFill>
-        <p:spPr>
-          <a:xfrm>
-            <a:off x="7614323" y="3128404"/>
-            <a:ext cx="601191" cy="601191"/>
-          </a:xfrm>
-          <a:prstGeom prst="rect">
-            <a:avLst/>
-          </a:prstGeom>
-        </p:spPr>
-      </p:pic>
-      <p:pic>
-        <p:nvPicPr>
-          <p:cNvPr id="8" name="Picture 7" descr="A picture containing shape&#10;&#10;Description automatically generated">
-            <a:extLst>
-              <a:ext uri="{FF2B5EF4-FFF2-40B4-BE49-F238E27FC236}">
-                <a16:creationId xmlns:a16="http://schemas.microsoft.com/office/drawing/2014/main" id="{13E0C9C8-39E9-5C54-FE4C-BAFDCE1B7D0F}"/>
-              </a:ext>
-            </a:extLst>
-          </p:cNvPr>
-          <p:cNvPicPr>
-            <a:picLocks noChangeAspect="1"/>
-          </p:cNvPicPr>
-          <p:nvPr/>
-        </p:nvPicPr>
-        <p:blipFill>
-          <a:blip r:embed="rId4"/>
-          <a:stretch>
-            <a:fillRect/>
-          </a:stretch>
-        </p:blipFill>
-        <p:spPr>
-          <a:xfrm>
-            <a:off x="5359031" y="3136917"/>
-            <a:ext cx="664892" cy="574638"/>
-          </a:xfrm>
-          <a:prstGeom prst="rect">
-            <a:avLst/>
-          </a:prstGeom>
-        </p:spPr>
-      </p:pic>
-      <p:sp>
-        <p:nvSpPr>
-          <p:cNvPr id="10" name="TextBox 9">
-            <a:extLst>
-              <a:ext uri="{FF2B5EF4-FFF2-40B4-BE49-F238E27FC236}">
-                <a16:creationId xmlns:a16="http://schemas.microsoft.com/office/drawing/2014/main" id="{D1794A21-E128-104B-BC5E-57415EA90165}"/>
-              </a:ext>
-            </a:extLst>
-          </p:cNvPr>
-          <p:cNvSpPr txBox="1"/>
-          <p:nvPr/>
-        </p:nvSpPr>
-        <p:spPr>
-          <a:xfrm>
-            <a:off x="9151543" y="3977598"/>
-            <a:ext cx="1935634" cy="707886"/>
-          </a:xfrm>
-          <a:prstGeom prst="rect">
-            <a:avLst/>
-          </a:prstGeom>
-          <a:noFill/>
-        </p:spPr>
-        <p:txBody>
-          <a:bodyPr wrap="square" rtlCol="0">
-            <a:spAutoFit/>
-          </a:bodyPr>
-          <a:lstStyle/>
-          <a:p>
-            <a:pPr algn="ctr"/>
-            <a:r>
-              <a:rPr lang="en-US" sz="2000" b="1" dirty="0"/>
-              <a:t>Dataset Cleaning</a:t>
-            </a:r>
-          </a:p>
-        </p:txBody>
-      </p:sp>
-      <p:sp>
-        <p:nvSpPr>
-          <p:cNvPr id="14" name="TextBox 13">
-            <a:extLst>
-              <a:ext uri="{FF2B5EF4-FFF2-40B4-BE49-F238E27FC236}">
-                <a16:creationId xmlns:a16="http://schemas.microsoft.com/office/drawing/2014/main" id="{5CC1F818-39F8-B166-405C-C7975400ED44}"/>
-              </a:ext>
-            </a:extLst>
-          </p:cNvPr>
-          <p:cNvSpPr txBox="1"/>
-          <p:nvPr/>
-        </p:nvSpPr>
-        <p:spPr>
-          <a:xfrm>
-            <a:off x="6641869" y="3977598"/>
-            <a:ext cx="2558011" cy="707886"/>
-          </a:xfrm>
-          <a:prstGeom prst="rect">
-            <a:avLst/>
-          </a:prstGeom>
-          <a:noFill/>
-        </p:spPr>
-        <p:txBody>
-          <a:bodyPr wrap="square" rtlCol="0">
-            <a:spAutoFit/>
-          </a:bodyPr>
-          <a:lstStyle/>
-          <a:p>
-            <a:pPr algn="ctr"/>
-            <a:r>
-              <a:rPr lang="en-US" sz="2000" b="1" dirty="0"/>
-              <a:t>Hyperparameters Tuning</a:t>
-            </a:r>
-          </a:p>
-        </p:txBody>
-      </p:sp>
-      <p:sp>
-        <p:nvSpPr>
-          <p:cNvPr id="15" name="TextBox 14">
-            <a:extLst>
-              <a:ext uri="{FF2B5EF4-FFF2-40B4-BE49-F238E27FC236}">
-                <a16:creationId xmlns:a16="http://schemas.microsoft.com/office/drawing/2014/main" id="{FBAB8646-ECD4-83B3-C925-659CD4BCBB5B}"/>
-              </a:ext>
-            </a:extLst>
-          </p:cNvPr>
-          <p:cNvSpPr txBox="1"/>
-          <p:nvPr/>
-        </p:nvSpPr>
-        <p:spPr>
-          <a:xfrm>
-            <a:off x="4724601" y="3977598"/>
-            <a:ext cx="2009525" cy="707886"/>
-          </a:xfrm>
-          <a:prstGeom prst="rect">
-            <a:avLst/>
-          </a:prstGeom>
-          <a:noFill/>
-        </p:spPr>
-        <p:txBody>
-          <a:bodyPr wrap="square" rtlCol="0">
-            <a:spAutoFit/>
-          </a:bodyPr>
-          <a:lstStyle/>
-          <a:p>
-            <a:pPr algn="ctr"/>
-            <a:r>
-              <a:rPr lang="en-US" sz="2000" b="1" dirty="0"/>
-              <a:t>Dataset Imbalance</a:t>
-            </a:r>
-          </a:p>
-        </p:txBody>
-      </p:sp>
-      <p:pic>
-        <p:nvPicPr>
-          <p:cNvPr id="25" name="Picture 24" descr="Shape&#10;&#10;Description automatically generated with low confidence">
-            <a:extLst>
-              <a:ext uri="{FF2B5EF4-FFF2-40B4-BE49-F238E27FC236}">
-                <a16:creationId xmlns:a16="http://schemas.microsoft.com/office/drawing/2014/main" id="{172F869C-8254-E6CD-9F39-742519C87B5F}"/>
-              </a:ext>
-            </a:extLst>
-          </p:cNvPr>
-          <p:cNvPicPr>
-            <a:picLocks noChangeAspect="1"/>
-          </p:cNvPicPr>
-          <p:nvPr/>
-        </p:nvPicPr>
-        <p:blipFill>
-          <a:blip r:embed="rId5"/>
-          <a:stretch>
-            <a:fillRect/>
-          </a:stretch>
-        </p:blipFill>
-        <p:spPr>
-          <a:xfrm>
-            <a:off x="3271686" y="3216271"/>
-            <a:ext cx="495284" cy="495284"/>
-          </a:xfrm>
-          <a:prstGeom prst="rect">
-            <a:avLst/>
-          </a:prstGeom>
-        </p:spPr>
-      </p:pic>
-      <p:sp>
-        <p:nvSpPr>
-          <p:cNvPr id="26" name="TextBox 25">
-            <a:extLst>
-              <a:ext uri="{FF2B5EF4-FFF2-40B4-BE49-F238E27FC236}">
-                <a16:creationId xmlns:a16="http://schemas.microsoft.com/office/drawing/2014/main" id="{3F77A819-E442-CBA1-3C7E-CF082B21FEEE}"/>
-              </a:ext>
-            </a:extLst>
-          </p:cNvPr>
-          <p:cNvSpPr txBox="1"/>
-          <p:nvPr/>
-        </p:nvSpPr>
-        <p:spPr>
-          <a:xfrm>
-            <a:off x="2633921" y="3977598"/>
-            <a:ext cx="1763944" cy="707886"/>
-          </a:xfrm>
-          <a:prstGeom prst="rect">
-            <a:avLst/>
-          </a:prstGeom>
-          <a:noFill/>
-        </p:spPr>
-        <p:txBody>
-          <a:bodyPr wrap="square" rtlCol="0">
-            <a:spAutoFit/>
-          </a:bodyPr>
-          <a:lstStyle/>
-          <a:p>
-            <a:pPr algn="ctr"/>
-            <a:r>
-              <a:rPr lang="en-US" sz="2000" b="1" dirty="0"/>
-              <a:t>Code Complexity</a:t>
-            </a:r>
-          </a:p>
-        </p:txBody>
-      </p:sp>
-      <p:pic>
-        <p:nvPicPr>
-          <p:cNvPr id="28" name="Picture 27" descr="Icon&#10;&#10;Description automatically generated">
-            <a:extLst>
-              <a:ext uri="{FF2B5EF4-FFF2-40B4-BE49-F238E27FC236}">
-                <a16:creationId xmlns:a16="http://schemas.microsoft.com/office/drawing/2014/main" id="{B8699F91-9EA2-BCA9-C123-DE28870C5719}"/>
-              </a:ext>
-            </a:extLst>
-          </p:cNvPr>
-          <p:cNvPicPr>
-            <a:picLocks noChangeAspect="1"/>
-          </p:cNvPicPr>
-          <p:nvPr/>
-        </p:nvPicPr>
-        <p:blipFill>
-          <a:blip r:embed="rId6"/>
-          <a:stretch>
-            <a:fillRect/>
-          </a:stretch>
-        </p:blipFill>
-        <p:spPr>
-          <a:xfrm>
-            <a:off x="988909" y="3086258"/>
-            <a:ext cx="690716" cy="690716"/>
-          </a:xfrm>
-          <a:prstGeom prst="rect">
-            <a:avLst/>
-          </a:prstGeom>
-        </p:spPr>
-      </p:pic>
-      <p:sp>
-        <p:nvSpPr>
-          <p:cNvPr id="29" name="TextBox 28">
-            <a:extLst>
-              <a:ext uri="{FF2B5EF4-FFF2-40B4-BE49-F238E27FC236}">
-                <a16:creationId xmlns:a16="http://schemas.microsoft.com/office/drawing/2014/main" id="{CB5EF82F-24FF-CA97-F380-4D41120EE2BA}"/>
-              </a:ext>
-            </a:extLst>
-          </p:cNvPr>
-          <p:cNvSpPr txBox="1"/>
-          <p:nvPr/>
-        </p:nvSpPr>
-        <p:spPr>
-          <a:xfrm>
-            <a:off x="317441" y="3977598"/>
-            <a:ext cx="2316480" cy="1015663"/>
-          </a:xfrm>
-          <a:prstGeom prst="rect">
-            <a:avLst/>
-          </a:prstGeom>
-          <a:noFill/>
-        </p:spPr>
-        <p:txBody>
-          <a:bodyPr wrap="square" rtlCol="0">
-            <a:spAutoFit/>
-          </a:bodyPr>
-          <a:lstStyle/>
-          <a:p>
-            <a:pPr algn="ctr"/>
-            <a:r>
-              <a:rPr lang="en-US" sz="2000" b="1" dirty="0"/>
-              <a:t>Testing </a:t>
-            </a:r>
-          </a:p>
-          <a:p>
-            <a:pPr algn="ctr"/>
-            <a:r>
-              <a:rPr lang="en-US" sz="2000" b="1" dirty="0"/>
-              <a:t>and </a:t>
-            </a:r>
-          </a:p>
-          <a:p>
-            <a:pPr algn="ctr"/>
-            <a:r>
-              <a:rPr lang="en-US" sz="2000" b="1" dirty="0"/>
-              <a:t>Debugging</a:t>
+              <a:t>Implementation</a:t>
             </a:r>
           </a:p>
         </p:txBody>
@@ -17966,7 +17599,7 @@
     </p:spTree>
     <p:extLst>
       <p:ext uri="{BB962C8B-B14F-4D97-AF65-F5344CB8AC3E}">
-        <p14:creationId xmlns:p14="http://schemas.microsoft.com/office/powerpoint/2010/main" val="588504511"/>
+        <p14:creationId xmlns:p14="http://schemas.microsoft.com/office/powerpoint/2010/main" val="1863498446"/>
       </p:ext>
     </p:extLst>
   </p:cSld>
@@ -17977,7 +17610,7 @@
 </file>
 
 <file path=ppt/slides/slide13.xml><?xml version="1.0" encoding="utf-8"?>
-<p:sld xmlns:a="http://schemas.openxmlformats.org/drawingml/2006/main" xmlns:r="http://schemas.openxmlformats.org/officeDocument/2006/relationships" xmlns:p="http://schemas.openxmlformats.org/presentationml/2006/main">
+<p:sld xmlns:a="http://schemas.openxmlformats.org/drawingml/2006/main" xmlns:r="http://schemas.openxmlformats.org/officeDocument/2006/relationships" xmlns:p="http://schemas.openxmlformats.org/presentationml/2006/main" show="0">
   <p:cSld>
     <p:spTree>
       <p:nvGrpSpPr>
@@ -17995,10 +17628,10 @@
       </p:grpSpPr>
       <p:sp>
         <p:nvSpPr>
-          <p:cNvPr id="4" name="Title 3">
-            <a:extLst>
-              <a:ext uri="{FF2B5EF4-FFF2-40B4-BE49-F238E27FC236}">
-                <a16:creationId xmlns:a16="http://schemas.microsoft.com/office/drawing/2014/main" id="{2E0C54B5-6876-DE29-A5F3-B88D01DEC8B1}"/>
+          <p:cNvPr id="2" name="Slide Number Placeholder 1">
+            <a:extLst>
+              <a:ext uri="{FF2B5EF4-FFF2-40B4-BE49-F238E27FC236}">
+                <a16:creationId xmlns:a16="http://schemas.microsoft.com/office/drawing/2014/main" id="{4D671E3F-14DF-1A6D-DF90-F71ED4ED77DB}"/>
               </a:ext>
             </a:extLst>
           </p:cNvPr>
@@ -18006,70 +17639,7 @@
             <a:spLocks noGrp="1"/>
           </p:cNvSpPr>
           <p:nvPr>
-            <p:ph type="ctrTitle"/>
-          </p:nvPr>
-        </p:nvSpPr>
-        <p:spPr>
-          <a:xfrm>
-            <a:off x="6337300" y="2971800"/>
-            <a:ext cx="5143500" cy="1292296"/>
-          </a:xfrm>
-        </p:spPr>
-        <p:txBody>
-          <a:bodyPr anchor="b">
-            <a:normAutofit/>
-          </a:bodyPr>
-          <a:lstStyle/>
-          <a:p>
-            <a:r>
-              <a:rPr lang="en-US" dirty="0"/>
-              <a:t>Future Work</a:t>
-            </a:r>
-          </a:p>
-        </p:txBody>
-      </p:sp>
-      <p:pic>
-        <p:nvPicPr>
-          <p:cNvPr id="6" name="Picture Placeholder 5">
-            <a:extLst>
-              <a:ext uri="{FF2B5EF4-FFF2-40B4-BE49-F238E27FC236}">
-                <a16:creationId xmlns:a16="http://schemas.microsoft.com/office/drawing/2014/main" id="{BBD507E0-C445-45A5-000D-A42E3C8A8362}"/>
-              </a:ext>
-            </a:extLst>
-          </p:cNvPr>
-          <p:cNvPicPr>
-            <a:picLocks noGrp="1" noChangeAspect="1"/>
-          </p:cNvPicPr>
-          <p:nvPr>
-            <p:ph type="pic" sz="quarter" idx="10"/>
-          </p:nvPr>
-        </p:nvPicPr>
-        <p:blipFill>
-          <a:blip r:embed="rId2"/>
-          <a:srcRect l="22778" r="22778"/>
-          <a:stretch/>
-        </p:blipFill>
-        <p:spPr>
-          <a:xfrm>
-            <a:off x="711200" y="728663"/>
-            <a:ext cx="5305425" cy="5305425"/>
-          </a:xfrm>
-        </p:spPr>
-      </p:pic>
-      <p:sp>
-        <p:nvSpPr>
-          <p:cNvPr id="2" name="Slide Number Placeholder 1" hidden="1">
-            <a:extLst>
-              <a:ext uri="{FF2B5EF4-FFF2-40B4-BE49-F238E27FC236}">
-                <a16:creationId xmlns:a16="http://schemas.microsoft.com/office/drawing/2014/main" id="{CDA0EE6B-EE8E-9469-CA34-4A27CB4D7D0C}"/>
-              </a:ext>
-            </a:extLst>
-          </p:cNvPr>
-          <p:cNvSpPr>
-            <a:spLocks noGrp="1"/>
-          </p:cNvSpPr>
-          <p:nvPr>
-            <p:ph type="sldNum" sz="quarter" idx="4294967295"/>
+            <p:ph type="sldNum" sz="quarter" idx="12"/>
           </p:nvPr>
         </p:nvSpPr>
         <p:spPr>
@@ -18085,33 +17655,92 @@
           <a:lstStyle/>
           <a:p>
             <a:pPr>
-              <a:lnSpc>
-                <a:spcPct val="90000"/>
-              </a:lnSpc>
               <a:spcAft>
                 <a:spcPts val="600"/>
               </a:spcAft>
             </a:pPr>
             <a:fld id="{9EC71654-96A5-4280-94F3-931C61A9F92C}" type="slidenum">
-              <a:rPr lang="en-US" sz="600" noProof="0" smtClean="0"/>
+              <a:rPr lang="en-US" noProof="0" smtClean="0"/>
               <a:pPr>
-                <a:lnSpc>
-                  <a:spcPct val="90000"/>
-                </a:lnSpc>
                 <a:spcAft>
                   <a:spcPts val="600"/>
                 </a:spcAft>
               </a:pPr>
               <a:t>13</a:t>
             </a:fld>
-            <a:endParaRPr lang="en-US" sz="600" noProof="0"/>
+            <a:endParaRPr lang="en-US" noProof="0"/>
+          </a:p>
+        </p:txBody>
+      </p:sp>
+      <p:pic>
+        <p:nvPicPr>
+          <p:cNvPr id="6" name="Content Placeholder 5" descr="Graphical user interface, application&#10;&#10;Description automatically generated">
+            <a:extLst>
+              <a:ext uri="{FF2B5EF4-FFF2-40B4-BE49-F238E27FC236}">
+                <a16:creationId xmlns:a16="http://schemas.microsoft.com/office/drawing/2014/main" id="{80D08444-C802-44F1-10AB-22D84AF6676B}"/>
+              </a:ext>
+            </a:extLst>
+          </p:cNvPr>
+          <p:cNvPicPr>
+            <a:picLocks noGrp="1" noChangeAspect="1"/>
+          </p:cNvPicPr>
+          <p:nvPr>
+            <p:ph idx="1"/>
+          </p:nvPr>
+        </p:nvPicPr>
+        <p:blipFill>
+          <a:blip r:embed="rId2"/>
+          <a:stretch>
+            <a:fillRect/>
+          </a:stretch>
+        </p:blipFill>
+        <p:spPr>
+          <a:xfrm>
+            <a:off x="515938" y="2172406"/>
+            <a:ext cx="10837862" cy="3657776"/>
+          </a:xfrm>
+          <a:noFill/>
+        </p:spPr>
+      </p:pic>
+      <p:sp>
+        <p:nvSpPr>
+          <p:cNvPr id="4" name="Title 3">
+            <a:extLst>
+              <a:ext uri="{FF2B5EF4-FFF2-40B4-BE49-F238E27FC236}">
+                <a16:creationId xmlns:a16="http://schemas.microsoft.com/office/drawing/2014/main" id="{A420D208-41D6-4A26-84B0-1EDC1F346C27}"/>
+              </a:ext>
+            </a:extLst>
+          </p:cNvPr>
+          <p:cNvSpPr>
+            <a:spLocks noGrp="1"/>
+          </p:cNvSpPr>
+          <p:nvPr>
+            <p:ph type="title"/>
+          </p:nvPr>
+        </p:nvSpPr>
+        <p:spPr>
+          <a:xfrm>
+            <a:off x="515938" y="246621"/>
+            <a:ext cx="11150600" cy="920336"/>
+          </a:xfrm>
+        </p:spPr>
+        <p:txBody>
+          <a:bodyPr anchor="b">
+            <a:normAutofit/>
+          </a:bodyPr>
+          <a:lstStyle/>
+          <a:p>
+            <a:r>
+              <a:rPr lang="en-US" dirty="0"/>
+              <a:t>Implementation</a:t>
+            </a:r>
           </a:p>
         </p:txBody>
       </p:sp>
     </p:spTree>
     <p:extLst>
       <p:ext uri="{BB962C8B-B14F-4D97-AF65-F5344CB8AC3E}">
-        <p14:creationId xmlns:p14="http://schemas.microsoft.com/office/powerpoint/2010/main" val="2970485623"/>
+        <p14:creationId xmlns:p14="http://schemas.microsoft.com/office/powerpoint/2010/main" val="2914177955"/>
       </p:ext>
     </p:extLst>
   </p:cSld>
@@ -18140,10 +17769,10 @@
       </p:grpSpPr>
       <p:sp>
         <p:nvSpPr>
-          <p:cNvPr id="17" name="Slide Number Placeholder 1">
-            <a:extLst>
-              <a:ext uri="{FF2B5EF4-FFF2-40B4-BE49-F238E27FC236}">
-                <a16:creationId xmlns:a16="http://schemas.microsoft.com/office/drawing/2014/main" id="{49ABE35A-BB82-5C1C-2B37-CAA754582F56}"/>
+          <p:cNvPr id="4" name="Title 3">
+            <a:extLst>
+              <a:ext uri="{FF2B5EF4-FFF2-40B4-BE49-F238E27FC236}">
+                <a16:creationId xmlns:a16="http://schemas.microsoft.com/office/drawing/2014/main" id="{2E0C54B5-6876-DE29-A5F3-B88D01DEC8B1}"/>
               </a:ext>
             </a:extLst>
           </p:cNvPr>
@@ -18151,86 +17780,13 @@
             <a:spLocks noGrp="1"/>
           </p:cNvSpPr>
           <p:nvPr>
-            <p:ph type="sldNum" sz="quarter" idx="12"/>
+            <p:ph type="ctrTitle"/>
           </p:nvPr>
         </p:nvSpPr>
         <p:spPr>
           <a:xfrm>
-            <a:off x="11363696" y="6455739"/>
-            <a:ext cx="294460" cy="187367"/>
-          </a:xfrm>
-        </p:spPr>
-        <p:txBody>
-          <a:bodyPr/>
-          <a:lstStyle/>
-          <a:p>
-            <a:pPr>
-              <a:spcAft>
-                <a:spcPts val="600"/>
-              </a:spcAft>
-            </a:pPr>
-            <a:fld id="{9EC71654-96A5-4280-94F3-931C61A9F92C}" type="slidenum">
-              <a:rPr lang="en-US" noProof="0" smtClean="0"/>
-              <a:pPr>
-                <a:spcAft>
-                  <a:spcPts val="600"/>
-                </a:spcAft>
-              </a:pPr>
-              <a:t>14</a:t>
-            </a:fld>
-            <a:endParaRPr lang="en-US" noProof="0"/>
-          </a:p>
-        </p:txBody>
-      </p:sp>
-      <p:pic>
-        <p:nvPicPr>
-          <p:cNvPr id="7" name="Content Placeholder 6">
-            <a:extLst>
-              <a:ext uri="{FF2B5EF4-FFF2-40B4-BE49-F238E27FC236}">
-                <a16:creationId xmlns:a16="http://schemas.microsoft.com/office/drawing/2014/main" id="{DE6DCD29-CEE6-72BC-E86C-C62C70EEFDBA}"/>
-              </a:ext>
-            </a:extLst>
-          </p:cNvPr>
-          <p:cNvPicPr>
-            <a:picLocks noGrp="1" noChangeAspect="1"/>
-          </p:cNvPicPr>
-          <p:nvPr>
-            <p:ph sz="half" idx="1"/>
-          </p:nvPr>
-        </p:nvPicPr>
-        <p:blipFill>
-          <a:blip r:embed="rId2"/>
-          <a:srcRect/>
-          <a:stretch/>
-        </p:blipFill>
-        <p:spPr>
-          <a:xfrm>
-            <a:off x="9834381" y="3128404"/>
-            <a:ext cx="552812" cy="606425"/>
-          </a:xfrm>
-          <a:noFill/>
-        </p:spPr>
-      </p:pic>
-      <p:sp>
-        <p:nvSpPr>
-          <p:cNvPr id="2" name="Title 1">
-            <a:extLst>
-              <a:ext uri="{FF2B5EF4-FFF2-40B4-BE49-F238E27FC236}">
-                <a16:creationId xmlns:a16="http://schemas.microsoft.com/office/drawing/2014/main" id="{CC0C50D1-1B66-9C4E-DD7B-5221A23FD1F5}"/>
-              </a:ext>
-            </a:extLst>
-          </p:cNvPr>
-          <p:cNvSpPr>
-            <a:spLocks noGrp="1"/>
-          </p:cNvSpPr>
-          <p:nvPr>
-            <p:ph type="title"/>
-          </p:nvPr>
-        </p:nvSpPr>
-        <p:spPr>
-          <a:xfrm>
-            <a:off x="515938" y="246621"/>
-            <a:ext cx="11150600" cy="920336"/>
+            <a:off x="6337300" y="2971800"/>
+            <a:ext cx="5143500" cy="1292296"/>
           </a:xfrm>
         </p:spPr>
         <p:txBody>
@@ -18241,17 +17797,47 @@
           <a:p>
             <a:r>
               <a:rPr lang="en-US" dirty="0"/>
-              <a:t>Future Work</a:t>
+              <a:t>Challenges</a:t>
             </a:r>
           </a:p>
         </p:txBody>
       </p:sp>
+      <p:pic>
+        <p:nvPicPr>
+          <p:cNvPr id="6" name="Picture Placeholder 5" descr="A person holding a baby&#10;&#10;Description automatically generated with low confidence">
+            <a:extLst>
+              <a:ext uri="{FF2B5EF4-FFF2-40B4-BE49-F238E27FC236}">
+                <a16:creationId xmlns:a16="http://schemas.microsoft.com/office/drawing/2014/main" id="{BBD507E0-C445-45A5-000D-A42E3C8A8362}"/>
+              </a:ext>
+            </a:extLst>
+          </p:cNvPr>
+          <p:cNvPicPr>
+            <a:picLocks noGrp="1" noChangeAspect="1"/>
+          </p:cNvPicPr>
+          <p:nvPr>
+            <p:ph type="pic" sz="quarter" idx="10"/>
+          </p:nvPr>
+        </p:nvPicPr>
+        <p:blipFill>
+          <a:blip r:embed="rId2"/>
+          <a:srcRect l="16684" r="16684"/>
+          <a:stretch>
+            <a:fillRect/>
+          </a:stretch>
+        </p:blipFill>
+        <p:spPr>
+          <a:xfrm>
+            <a:off x="711200" y="728663"/>
+            <a:ext cx="5305425" cy="5305425"/>
+          </a:xfrm>
+        </p:spPr>
+      </p:pic>
       <p:sp>
         <p:nvSpPr>
-          <p:cNvPr id="3" name="Slide Number Placeholder 2" hidden="1">
-            <a:extLst>
-              <a:ext uri="{FF2B5EF4-FFF2-40B4-BE49-F238E27FC236}">
-                <a16:creationId xmlns:a16="http://schemas.microsoft.com/office/drawing/2014/main" id="{24471D0A-2A75-5210-E90F-6C5B83FF9FEE}"/>
+          <p:cNvPr id="2" name="Slide Number Placeholder 1" hidden="1">
+            <a:extLst>
+              <a:ext uri="{FF2B5EF4-FFF2-40B4-BE49-F238E27FC236}">
+                <a16:creationId xmlns:a16="http://schemas.microsoft.com/office/drawing/2014/main" id="{CDA0EE6B-EE8E-9469-CA34-4A27CB4D7D0C}"/>
               </a:ext>
             </a:extLst>
           </p:cNvPr>
@@ -18298,317 +17884,10 @@
           </a:p>
         </p:txBody>
       </p:sp>
-      <p:pic>
-        <p:nvPicPr>
-          <p:cNvPr id="5" name="Picture 4">
-            <a:extLst>
-              <a:ext uri="{FF2B5EF4-FFF2-40B4-BE49-F238E27FC236}">
-                <a16:creationId xmlns:a16="http://schemas.microsoft.com/office/drawing/2014/main" id="{FC62146B-8F3F-FBBA-B170-9B5114E23759}"/>
-              </a:ext>
-            </a:extLst>
-          </p:cNvPr>
-          <p:cNvPicPr>
-            <a:picLocks noChangeAspect="1"/>
-          </p:cNvPicPr>
-          <p:nvPr/>
-        </p:nvPicPr>
-        <p:blipFill>
-          <a:blip r:embed="rId3"/>
-          <a:srcRect/>
-          <a:stretch/>
-        </p:blipFill>
-        <p:spPr>
-          <a:xfrm>
-            <a:off x="7614323" y="3128404"/>
-            <a:ext cx="601191" cy="601191"/>
-          </a:xfrm>
-          <a:prstGeom prst="rect">
-            <a:avLst/>
-          </a:prstGeom>
-        </p:spPr>
-      </p:pic>
-      <p:pic>
-        <p:nvPicPr>
-          <p:cNvPr id="8" name="Picture 7">
-            <a:extLst>
-              <a:ext uri="{FF2B5EF4-FFF2-40B4-BE49-F238E27FC236}">
-                <a16:creationId xmlns:a16="http://schemas.microsoft.com/office/drawing/2014/main" id="{13E0C9C8-39E9-5C54-FE4C-BAFDCE1B7D0F}"/>
-              </a:ext>
-            </a:extLst>
-          </p:cNvPr>
-          <p:cNvPicPr>
-            <a:picLocks noChangeAspect="1"/>
-          </p:cNvPicPr>
-          <p:nvPr/>
-        </p:nvPicPr>
-        <p:blipFill>
-          <a:blip r:embed="rId4"/>
-          <a:srcRect/>
-          <a:stretch/>
-        </p:blipFill>
-        <p:spPr>
-          <a:xfrm>
-            <a:off x="5376669" y="3136917"/>
-            <a:ext cx="629616" cy="574638"/>
-          </a:xfrm>
-          <a:prstGeom prst="rect">
-            <a:avLst/>
-          </a:prstGeom>
-        </p:spPr>
-      </p:pic>
-      <p:sp>
-        <p:nvSpPr>
-          <p:cNvPr id="10" name="TextBox 9">
-            <a:extLst>
-              <a:ext uri="{FF2B5EF4-FFF2-40B4-BE49-F238E27FC236}">
-                <a16:creationId xmlns:a16="http://schemas.microsoft.com/office/drawing/2014/main" id="{D1794A21-E128-104B-BC5E-57415EA90165}"/>
-              </a:ext>
-            </a:extLst>
-          </p:cNvPr>
-          <p:cNvSpPr txBox="1"/>
-          <p:nvPr/>
-        </p:nvSpPr>
-        <p:spPr>
-          <a:xfrm>
-            <a:off x="9151543" y="3977598"/>
-            <a:ext cx="1935634" cy="400110"/>
-          </a:xfrm>
-          <a:prstGeom prst="rect">
-            <a:avLst/>
-          </a:prstGeom>
-          <a:noFill/>
-        </p:spPr>
-        <p:txBody>
-          <a:bodyPr wrap="square" rtlCol="0">
-            <a:spAutoFit/>
-          </a:bodyPr>
-          <a:lstStyle/>
-          <a:p>
-            <a:pPr algn="ctr"/>
-            <a:r>
-              <a:rPr lang="en-US" sz="2000" b="1" dirty="0"/>
-              <a:t>Mobile Model</a:t>
-            </a:r>
-          </a:p>
-        </p:txBody>
-      </p:sp>
-      <p:sp>
-        <p:nvSpPr>
-          <p:cNvPr id="14" name="TextBox 13">
-            <a:extLst>
-              <a:ext uri="{FF2B5EF4-FFF2-40B4-BE49-F238E27FC236}">
-                <a16:creationId xmlns:a16="http://schemas.microsoft.com/office/drawing/2014/main" id="{5CC1F818-39F8-B166-405C-C7975400ED44}"/>
-              </a:ext>
-            </a:extLst>
-          </p:cNvPr>
-          <p:cNvSpPr txBox="1"/>
-          <p:nvPr/>
-        </p:nvSpPr>
-        <p:spPr>
-          <a:xfrm>
-            <a:off x="6641869" y="3977598"/>
-            <a:ext cx="2558011" cy="707886"/>
-          </a:xfrm>
-          <a:prstGeom prst="rect">
-            <a:avLst/>
-          </a:prstGeom>
-          <a:noFill/>
-        </p:spPr>
-        <p:txBody>
-          <a:bodyPr wrap="square" rtlCol="0">
-            <a:spAutoFit/>
-          </a:bodyPr>
-          <a:lstStyle/>
-          <a:p>
-            <a:pPr algn="ctr"/>
-            <a:r>
-              <a:rPr lang="en-US" sz="2000" b="1" dirty="0"/>
-              <a:t>All In One</a:t>
-            </a:r>
-          </a:p>
-          <a:p>
-            <a:pPr algn="ctr"/>
-            <a:endParaRPr lang="en-US" sz="2000" b="1" dirty="0"/>
-          </a:p>
-        </p:txBody>
-      </p:sp>
-      <p:sp>
-        <p:nvSpPr>
-          <p:cNvPr id="15" name="TextBox 14">
-            <a:extLst>
-              <a:ext uri="{FF2B5EF4-FFF2-40B4-BE49-F238E27FC236}">
-                <a16:creationId xmlns:a16="http://schemas.microsoft.com/office/drawing/2014/main" id="{FBAB8646-ECD4-83B3-C925-659CD4BCBB5B}"/>
-              </a:ext>
-            </a:extLst>
-          </p:cNvPr>
-          <p:cNvSpPr txBox="1"/>
-          <p:nvPr/>
-        </p:nvSpPr>
-        <p:spPr>
-          <a:xfrm>
-            <a:off x="4724601" y="3977598"/>
-            <a:ext cx="2009525" cy="707886"/>
-          </a:xfrm>
-          <a:prstGeom prst="rect">
-            <a:avLst/>
-          </a:prstGeom>
-          <a:noFill/>
-        </p:spPr>
-        <p:txBody>
-          <a:bodyPr wrap="square" rtlCol="0">
-            <a:spAutoFit/>
-          </a:bodyPr>
-          <a:lstStyle/>
-          <a:p>
-            <a:pPr algn="ctr"/>
-            <a:r>
-              <a:rPr lang="en-US" sz="2000" b="1" dirty="0"/>
-              <a:t>Night Vision</a:t>
-            </a:r>
-          </a:p>
-          <a:p>
-            <a:pPr algn="ctr"/>
-            <a:r>
-              <a:rPr lang="en-US" sz="2000" b="1" dirty="0"/>
-              <a:t>Model </a:t>
-            </a:r>
-          </a:p>
-        </p:txBody>
-      </p:sp>
-      <p:pic>
-        <p:nvPicPr>
-          <p:cNvPr id="25" name="Picture 24">
-            <a:extLst>
-              <a:ext uri="{FF2B5EF4-FFF2-40B4-BE49-F238E27FC236}">
-                <a16:creationId xmlns:a16="http://schemas.microsoft.com/office/drawing/2014/main" id="{172F869C-8254-E6CD-9F39-742519C87B5F}"/>
-              </a:ext>
-            </a:extLst>
-          </p:cNvPr>
-          <p:cNvPicPr>
-            <a:picLocks noChangeAspect="1"/>
-          </p:cNvPicPr>
-          <p:nvPr/>
-        </p:nvPicPr>
-        <p:blipFill>
-          <a:blip r:embed="rId5"/>
-          <a:srcRect/>
-          <a:stretch/>
-        </p:blipFill>
-        <p:spPr>
-          <a:xfrm>
-            <a:off x="3271686" y="3216271"/>
-            <a:ext cx="495284" cy="495284"/>
-          </a:xfrm>
-          <a:prstGeom prst="rect">
-            <a:avLst/>
-          </a:prstGeom>
-        </p:spPr>
-      </p:pic>
-      <p:sp>
-        <p:nvSpPr>
-          <p:cNvPr id="26" name="TextBox 25">
-            <a:extLst>
-              <a:ext uri="{FF2B5EF4-FFF2-40B4-BE49-F238E27FC236}">
-                <a16:creationId xmlns:a16="http://schemas.microsoft.com/office/drawing/2014/main" id="{3F77A819-E442-CBA1-3C7E-CF082B21FEEE}"/>
-              </a:ext>
-            </a:extLst>
-          </p:cNvPr>
-          <p:cNvSpPr txBox="1"/>
-          <p:nvPr/>
-        </p:nvSpPr>
-        <p:spPr>
-          <a:xfrm>
-            <a:off x="2633921" y="3977598"/>
-            <a:ext cx="1763944" cy="707886"/>
-          </a:xfrm>
-          <a:prstGeom prst="rect">
-            <a:avLst/>
-          </a:prstGeom>
-          <a:noFill/>
-        </p:spPr>
-        <p:txBody>
-          <a:bodyPr wrap="square" rtlCol="0">
-            <a:spAutoFit/>
-          </a:bodyPr>
-          <a:lstStyle/>
-          <a:p>
-            <a:pPr algn="ctr"/>
-            <a:r>
-              <a:rPr lang="en-US" sz="2000" b="1" dirty="0"/>
-              <a:t>Driver Distraction</a:t>
-            </a:r>
-          </a:p>
-        </p:txBody>
-      </p:sp>
-      <p:pic>
-        <p:nvPicPr>
-          <p:cNvPr id="28" name="Picture 27">
-            <a:extLst>
-              <a:ext uri="{FF2B5EF4-FFF2-40B4-BE49-F238E27FC236}">
-                <a16:creationId xmlns:a16="http://schemas.microsoft.com/office/drawing/2014/main" id="{B8699F91-9EA2-BCA9-C123-DE28870C5719}"/>
-              </a:ext>
-            </a:extLst>
-          </p:cNvPr>
-          <p:cNvPicPr>
-            <a:picLocks noChangeAspect="1"/>
-          </p:cNvPicPr>
-          <p:nvPr/>
-        </p:nvPicPr>
-        <p:blipFill>
-          <a:blip r:embed="rId6"/>
-          <a:srcRect/>
-          <a:stretch/>
-        </p:blipFill>
-        <p:spPr>
-          <a:xfrm>
-            <a:off x="988909" y="3086258"/>
-            <a:ext cx="690716" cy="690716"/>
-          </a:xfrm>
-          <a:prstGeom prst="rect">
-            <a:avLst/>
-          </a:prstGeom>
-        </p:spPr>
-      </p:pic>
-      <p:sp>
-        <p:nvSpPr>
-          <p:cNvPr id="29" name="TextBox 28">
-            <a:extLst>
-              <a:ext uri="{FF2B5EF4-FFF2-40B4-BE49-F238E27FC236}">
-                <a16:creationId xmlns:a16="http://schemas.microsoft.com/office/drawing/2014/main" id="{CB5EF82F-24FF-CA97-F380-4D41120EE2BA}"/>
-              </a:ext>
-            </a:extLst>
-          </p:cNvPr>
-          <p:cNvSpPr txBox="1"/>
-          <p:nvPr/>
-        </p:nvSpPr>
-        <p:spPr>
-          <a:xfrm>
-            <a:off x="317441" y="3977598"/>
-            <a:ext cx="2316480" cy="400110"/>
-          </a:xfrm>
-          <a:prstGeom prst="rect">
-            <a:avLst/>
-          </a:prstGeom>
-          <a:noFill/>
-        </p:spPr>
-        <p:txBody>
-          <a:bodyPr wrap="square" rtlCol="0">
-            <a:spAutoFit/>
-          </a:bodyPr>
-          <a:lstStyle/>
-          <a:p>
-            <a:pPr algn="ctr"/>
-            <a:r>
-              <a:rPr lang="en-US" sz="2000" b="1" dirty="0"/>
-              <a:t>Lane Detection</a:t>
-            </a:r>
-          </a:p>
-        </p:txBody>
-      </p:sp>
     </p:spTree>
     <p:extLst>
       <p:ext uri="{BB962C8B-B14F-4D97-AF65-F5344CB8AC3E}">
-        <p14:creationId xmlns:p14="http://schemas.microsoft.com/office/powerpoint/2010/main" val="3482772454"/>
+        <p14:creationId xmlns:p14="http://schemas.microsoft.com/office/powerpoint/2010/main" val="108566944"/>
       </p:ext>
     </p:extLst>
   </p:cSld>
@@ -18637,10 +17916,10 @@
       </p:grpSpPr>
       <p:sp>
         <p:nvSpPr>
-          <p:cNvPr id="4" name="Title 3">
-            <a:extLst>
-              <a:ext uri="{FF2B5EF4-FFF2-40B4-BE49-F238E27FC236}">
-                <a16:creationId xmlns:a16="http://schemas.microsoft.com/office/drawing/2014/main" id="{2E0C54B5-6876-DE29-A5F3-B88D01DEC8B1}"/>
+          <p:cNvPr id="17" name="Slide Number Placeholder 1">
+            <a:extLst>
+              <a:ext uri="{FF2B5EF4-FFF2-40B4-BE49-F238E27FC236}">
+                <a16:creationId xmlns:a16="http://schemas.microsoft.com/office/drawing/2014/main" id="{49ABE35A-BB82-5C1C-2B37-CAA754582F56}"/>
               </a:ext>
             </a:extLst>
           </p:cNvPr>
@@ -18648,13 +17927,85 @@
             <a:spLocks noGrp="1"/>
           </p:cNvSpPr>
           <p:nvPr>
-            <p:ph type="ctrTitle"/>
+            <p:ph type="sldNum" sz="quarter" idx="12"/>
           </p:nvPr>
         </p:nvSpPr>
         <p:spPr>
           <a:xfrm>
-            <a:off x="6323984" y="3429000"/>
-            <a:ext cx="10970957" cy="850971"/>
+            <a:off x="11363696" y="6455739"/>
+            <a:ext cx="294460" cy="187367"/>
+          </a:xfrm>
+        </p:spPr>
+        <p:txBody>
+          <a:bodyPr/>
+          <a:lstStyle/>
+          <a:p>
+            <a:pPr>
+              <a:spcAft>
+                <a:spcPts val="600"/>
+              </a:spcAft>
+            </a:pPr>
+            <a:fld id="{9EC71654-96A5-4280-94F3-931C61A9F92C}" type="slidenum">
+              <a:rPr lang="en-US" noProof="0" smtClean="0"/>
+              <a:pPr>
+                <a:spcAft>
+                  <a:spcPts val="600"/>
+                </a:spcAft>
+              </a:pPr>
+              <a:t>15</a:t>
+            </a:fld>
+            <a:endParaRPr lang="en-US" noProof="0"/>
+          </a:p>
+        </p:txBody>
+      </p:sp>
+      <p:pic>
+        <p:nvPicPr>
+          <p:cNvPr id="7" name="Content Placeholder 6">
+            <a:extLst>
+              <a:ext uri="{FF2B5EF4-FFF2-40B4-BE49-F238E27FC236}">
+                <a16:creationId xmlns:a16="http://schemas.microsoft.com/office/drawing/2014/main" id="{DE6DCD29-CEE6-72BC-E86C-C62C70EEFDBA}"/>
+              </a:ext>
+            </a:extLst>
+          </p:cNvPr>
+          <p:cNvPicPr>
+            <a:picLocks noGrp="1" noChangeAspect="1"/>
+          </p:cNvPicPr>
+          <p:nvPr>
+            <p:ph sz="half" idx="1"/>
+          </p:nvPr>
+        </p:nvPicPr>
+        <p:blipFill>
+          <a:blip r:embed="rId2"/>
+          <a:stretch/>
+        </p:blipFill>
+        <p:spPr>
+          <a:xfrm>
+            <a:off x="9807575" y="3128404"/>
+            <a:ext cx="606425" cy="606425"/>
+          </a:xfrm>
+          <a:noFill/>
+        </p:spPr>
+      </p:pic>
+      <p:sp>
+        <p:nvSpPr>
+          <p:cNvPr id="2" name="Title 1">
+            <a:extLst>
+              <a:ext uri="{FF2B5EF4-FFF2-40B4-BE49-F238E27FC236}">
+                <a16:creationId xmlns:a16="http://schemas.microsoft.com/office/drawing/2014/main" id="{CC0C50D1-1B66-9C4E-DD7B-5221A23FD1F5}"/>
+              </a:ext>
+            </a:extLst>
+          </p:cNvPr>
+          <p:cNvSpPr>
+            <a:spLocks noGrp="1"/>
+          </p:cNvSpPr>
+          <p:nvPr>
+            <p:ph type="title"/>
+          </p:nvPr>
+        </p:nvSpPr>
+        <p:spPr>
+          <a:xfrm>
+            <a:off x="515938" y="246621"/>
+            <a:ext cx="11150600" cy="920336"/>
           </a:xfrm>
         </p:spPr>
         <p:txBody>
@@ -18665,17 +18016,17 @@
           <a:p>
             <a:r>
               <a:rPr lang="en-US" dirty="0"/>
-              <a:t>Conclusion</a:t>
+              <a:t>Challenges</a:t>
             </a:r>
           </a:p>
         </p:txBody>
       </p:sp>
       <p:sp>
         <p:nvSpPr>
-          <p:cNvPr id="2" name="Slide Number Placeholder 1" hidden="1">
-            <a:extLst>
-              <a:ext uri="{FF2B5EF4-FFF2-40B4-BE49-F238E27FC236}">
-                <a16:creationId xmlns:a16="http://schemas.microsoft.com/office/drawing/2014/main" id="{CDA0EE6B-EE8E-9469-CA34-4A27CB4D7D0C}"/>
+          <p:cNvPr id="3" name="Slide Number Placeholder 2" hidden="1">
+            <a:extLst>
+              <a:ext uri="{FF2B5EF4-FFF2-40B4-BE49-F238E27FC236}">
+                <a16:creationId xmlns:a16="http://schemas.microsoft.com/office/drawing/2014/main" id="{24471D0A-2A75-5210-E90F-6C5B83FF9FEE}"/>
               </a:ext>
             </a:extLst>
           </p:cNvPr>
@@ -18707,7 +18058,7 @@
               </a:spcAft>
             </a:pPr>
             <a:fld id="{9EC71654-96A5-4280-94F3-931C61A9F92C}" type="slidenum">
-              <a:rPr lang="en-US" sz="200" noProof="0" smtClean="0"/>
+              <a:rPr lang="en-US" sz="600" noProof="0" smtClean="0"/>
               <a:pPr>
                 <a:lnSpc>
                   <a:spcPct val="90000"/>
@@ -18718,14 +18069,328 @@
               </a:pPr>
               <a:t>15</a:t>
             </a:fld>
-            <a:endParaRPr lang="en-US" sz="200" noProof="0"/>
+            <a:endParaRPr lang="en-US" sz="600" noProof="0"/>
+          </a:p>
+        </p:txBody>
+      </p:sp>
+      <p:pic>
+        <p:nvPicPr>
+          <p:cNvPr id="5" name="Picture 4" descr="Shape&#10;&#10;Description automatically generated">
+            <a:extLst>
+              <a:ext uri="{FF2B5EF4-FFF2-40B4-BE49-F238E27FC236}">
+                <a16:creationId xmlns:a16="http://schemas.microsoft.com/office/drawing/2014/main" id="{FC62146B-8F3F-FBBA-B170-9B5114E23759}"/>
+              </a:ext>
+            </a:extLst>
+          </p:cNvPr>
+          <p:cNvPicPr>
+            <a:picLocks noChangeAspect="1"/>
+          </p:cNvPicPr>
+          <p:nvPr/>
+        </p:nvPicPr>
+        <p:blipFill>
+          <a:blip r:embed="rId3"/>
+          <a:stretch>
+            <a:fillRect/>
+          </a:stretch>
+        </p:blipFill>
+        <p:spPr>
+          <a:xfrm>
+            <a:off x="7614323" y="3128404"/>
+            <a:ext cx="601191" cy="601191"/>
+          </a:xfrm>
+          <a:prstGeom prst="rect">
+            <a:avLst/>
+          </a:prstGeom>
+        </p:spPr>
+      </p:pic>
+      <p:pic>
+        <p:nvPicPr>
+          <p:cNvPr id="8" name="Picture 7" descr="A picture containing shape&#10;&#10;Description automatically generated">
+            <a:extLst>
+              <a:ext uri="{FF2B5EF4-FFF2-40B4-BE49-F238E27FC236}">
+                <a16:creationId xmlns:a16="http://schemas.microsoft.com/office/drawing/2014/main" id="{13E0C9C8-39E9-5C54-FE4C-BAFDCE1B7D0F}"/>
+              </a:ext>
+            </a:extLst>
+          </p:cNvPr>
+          <p:cNvPicPr>
+            <a:picLocks noChangeAspect="1"/>
+          </p:cNvPicPr>
+          <p:nvPr/>
+        </p:nvPicPr>
+        <p:blipFill>
+          <a:blip r:embed="rId4"/>
+          <a:stretch>
+            <a:fillRect/>
+          </a:stretch>
+        </p:blipFill>
+        <p:spPr>
+          <a:xfrm>
+            <a:off x="5359031" y="3136917"/>
+            <a:ext cx="664892" cy="574638"/>
+          </a:xfrm>
+          <a:prstGeom prst="rect">
+            <a:avLst/>
+          </a:prstGeom>
+        </p:spPr>
+      </p:pic>
+      <p:sp>
+        <p:nvSpPr>
+          <p:cNvPr id="10" name="TextBox 9">
+            <a:extLst>
+              <a:ext uri="{FF2B5EF4-FFF2-40B4-BE49-F238E27FC236}">
+                <a16:creationId xmlns:a16="http://schemas.microsoft.com/office/drawing/2014/main" id="{D1794A21-E128-104B-BC5E-57415EA90165}"/>
+              </a:ext>
+            </a:extLst>
+          </p:cNvPr>
+          <p:cNvSpPr txBox="1"/>
+          <p:nvPr/>
+        </p:nvSpPr>
+        <p:spPr>
+          <a:xfrm>
+            <a:off x="9151543" y="3977598"/>
+            <a:ext cx="1935634" cy="707886"/>
+          </a:xfrm>
+          <a:prstGeom prst="rect">
+            <a:avLst/>
+          </a:prstGeom>
+          <a:noFill/>
+        </p:spPr>
+        <p:txBody>
+          <a:bodyPr wrap="square" rtlCol="0">
+            <a:spAutoFit/>
+          </a:bodyPr>
+          <a:lstStyle/>
+          <a:p>
+            <a:pPr algn="ctr"/>
+            <a:r>
+              <a:rPr lang="en-US" sz="2000" b="1" dirty="0"/>
+              <a:t>Dataset Cleaning</a:t>
+            </a:r>
+          </a:p>
+        </p:txBody>
+      </p:sp>
+      <p:sp>
+        <p:nvSpPr>
+          <p:cNvPr id="14" name="TextBox 13">
+            <a:extLst>
+              <a:ext uri="{FF2B5EF4-FFF2-40B4-BE49-F238E27FC236}">
+                <a16:creationId xmlns:a16="http://schemas.microsoft.com/office/drawing/2014/main" id="{5CC1F818-39F8-B166-405C-C7975400ED44}"/>
+              </a:ext>
+            </a:extLst>
+          </p:cNvPr>
+          <p:cNvSpPr txBox="1"/>
+          <p:nvPr/>
+        </p:nvSpPr>
+        <p:spPr>
+          <a:xfrm>
+            <a:off x="6641869" y="3977598"/>
+            <a:ext cx="2558011" cy="707886"/>
+          </a:xfrm>
+          <a:prstGeom prst="rect">
+            <a:avLst/>
+          </a:prstGeom>
+          <a:noFill/>
+        </p:spPr>
+        <p:txBody>
+          <a:bodyPr wrap="square" rtlCol="0">
+            <a:spAutoFit/>
+          </a:bodyPr>
+          <a:lstStyle/>
+          <a:p>
+            <a:pPr algn="ctr"/>
+            <a:r>
+              <a:rPr lang="en-US" sz="2000" b="1" dirty="0"/>
+              <a:t>Hyperparameters Tuning</a:t>
+            </a:r>
+          </a:p>
+        </p:txBody>
+      </p:sp>
+      <p:sp>
+        <p:nvSpPr>
+          <p:cNvPr id="15" name="TextBox 14">
+            <a:extLst>
+              <a:ext uri="{FF2B5EF4-FFF2-40B4-BE49-F238E27FC236}">
+                <a16:creationId xmlns:a16="http://schemas.microsoft.com/office/drawing/2014/main" id="{FBAB8646-ECD4-83B3-C925-659CD4BCBB5B}"/>
+              </a:ext>
+            </a:extLst>
+          </p:cNvPr>
+          <p:cNvSpPr txBox="1"/>
+          <p:nvPr/>
+        </p:nvSpPr>
+        <p:spPr>
+          <a:xfrm>
+            <a:off x="4724601" y="3977598"/>
+            <a:ext cx="2009525" cy="707886"/>
+          </a:xfrm>
+          <a:prstGeom prst="rect">
+            <a:avLst/>
+          </a:prstGeom>
+          <a:noFill/>
+        </p:spPr>
+        <p:txBody>
+          <a:bodyPr wrap="square" rtlCol="0">
+            <a:spAutoFit/>
+          </a:bodyPr>
+          <a:lstStyle/>
+          <a:p>
+            <a:pPr algn="ctr"/>
+            <a:r>
+              <a:rPr lang="en-US" sz="2000" b="1" dirty="0"/>
+              <a:t>Dataset Imbalance</a:t>
+            </a:r>
+          </a:p>
+        </p:txBody>
+      </p:sp>
+      <p:pic>
+        <p:nvPicPr>
+          <p:cNvPr id="25" name="Picture 24" descr="Shape&#10;&#10;Description automatically generated with low confidence">
+            <a:extLst>
+              <a:ext uri="{FF2B5EF4-FFF2-40B4-BE49-F238E27FC236}">
+                <a16:creationId xmlns:a16="http://schemas.microsoft.com/office/drawing/2014/main" id="{172F869C-8254-E6CD-9F39-742519C87B5F}"/>
+              </a:ext>
+            </a:extLst>
+          </p:cNvPr>
+          <p:cNvPicPr>
+            <a:picLocks noChangeAspect="1"/>
+          </p:cNvPicPr>
+          <p:nvPr/>
+        </p:nvPicPr>
+        <p:blipFill>
+          <a:blip r:embed="rId5"/>
+          <a:stretch>
+            <a:fillRect/>
+          </a:stretch>
+        </p:blipFill>
+        <p:spPr>
+          <a:xfrm>
+            <a:off x="3271686" y="3216271"/>
+            <a:ext cx="495284" cy="495284"/>
+          </a:xfrm>
+          <a:prstGeom prst="rect">
+            <a:avLst/>
+          </a:prstGeom>
+        </p:spPr>
+      </p:pic>
+      <p:sp>
+        <p:nvSpPr>
+          <p:cNvPr id="26" name="TextBox 25">
+            <a:extLst>
+              <a:ext uri="{FF2B5EF4-FFF2-40B4-BE49-F238E27FC236}">
+                <a16:creationId xmlns:a16="http://schemas.microsoft.com/office/drawing/2014/main" id="{3F77A819-E442-CBA1-3C7E-CF082B21FEEE}"/>
+              </a:ext>
+            </a:extLst>
+          </p:cNvPr>
+          <p:cNvSpPr txBox="1"/>
+          <p:nvPr/>
+        </p:nvSpPr>
+        <p:spPr>
+          <a:xfrm>
+            <a:off x="2633921" y="3977598"/>
+            <a:ext cx="1763944" cy="707886"/>
+          </a:xfrm>
+          <a:prstGeom prst="rect">
+            <a:avLst/>
+          </a:prstGeom>
+          <a:noFill/>
+        </p:spPr>
+        <p:txBody>
+          <a:bodyPr wrap="square" rtlCol="0">
+            <a:spAutoFit/>
+          </a:bodyPr>
+          <a:lstStyle/>
+          <a:p>
+            <a:pPr algn="ctr"/>
+            <a:r>
+              <a:rPr lang="en-US" sz="2000" b="1" dirty="0"/>
+              <a:t>Code Complexity</a:t>
+            </a:r>
+          </a:p>
+        </p:txBody>
+      </p:sp>
+      <p:pic>
+        <p:nvPicPr>
+          <p:cNvPr id="28" name="Picture 27" descr="Icon&#10;&#10;Description automatically generated">
+            <a:extLst>
+              <a:ext uri="{FF2B5EF4-FFF2-40B4-BE49-F238E27FC236}">
+                <a16:creationId xmlns:a16="http://schemas.microsoft.com/office/drawing/2014/main" id="{B8699F91-9EA2-BCA9-C123-DE28870C5719}"/>
+              </a:ext>
+            </a:extLst>
+          </p:cNvPr>
+          <p:cNvPicPr>
+            <a:picLocks noChangeAspect="1"/>
+          </p:cNvPicPr>
+          <p:nvPr/>
+        </p:nvPicPr>
+        <p:blipFill>
+          <a:blip r:embed="rId6"/>
+          <a:stretch>
+            <a:fillRect/>
+          </a:stretch>
+        </p:blipFill>
+        <p:spPr>
+          <a:xfrm>
+            <a:off x="988909" y="3086258"/>
+            <a:ext cx="690716" cy="690716"/>
+          </a:xfrm>
+          <a:prstGeom prst="rect">
+            <a:avLst/>
+          </a:prstGeom>
+        </p:spPr>
+      </p:pic>
+      <p:sp>
+        <p:nvSpPr>
+          <p:cNvPr id="29" name="TextBox 28">
+            <a:extLst>
+              <a:ext uri="{FF2B5EF4-FFF2-40B4-BE49-F238E27FC236}">
+                <a16:creationId xmlns:a16="http://schemas.microsoft.com/office/drawing/2014/main" id="{CB5EF82F-24FF-CA97-F380-4D41120EE2BA}"/>
+              </a:ext>
+            </a:extLst>
+          </p:cNvPr>
+          <p:cNvSpPr txBox="1"/>
+          <p:nvPr/>
+        </p:nvSpPr>
+        <p:spPr>
+          <a:xfrm>
+            <a:off x="317441" y="3977598"/>
+            <a:ext cx="2316480" cy="1015663"/>
+          </a:xfrm>
+          <a:prstGeom prst="rect">
+            <a:avLst/>
+          </a:prstGeom>
+          <a:noFill/>
+        </p:spPr>
+        <p:txBody>
+          <a:bodyPr wrap="square" rtlCol="0">
+            <a:spAutoFit/>
+          </a:bodyPr>
+          <a:lstStyle/>
+          <a:p>
+            <a:pPr algn="ctr"/>
+            <a:r>
+              <a:rPr lang="en-US" sz="2000" b="1" dirty="0"/>
+              <a:t>Testing </a:t>
+            </a:r>
+          </a:p>
+          <a:p>
+            <a:pPr algn="ctr"/>
+            <a:r>
+              <a:rPr lang="en-US" sz="2000" b="1" dirty="0"/>
+              <a:t>and </a:t>
+            </a:r>
+          </a:p>
+          <a:p>
+            <a:pPr algn="ctr"/>
+            <a:r>
+              <a:rPr lang="en-US" sz="2000" b="1" dirty="0"/>
+              <a:t>Debugging</a:t>
+            </a:r>
           </a:p>
         </p:txBody>
       </p:sp>
     </p:spTree>
     <p:extLst>
       <p:ext uri="{BB962C8B-B14F-4D97-AF65-F5344CB8AC3E}">
-        <p14:creationId xmlns:p14="http://schemas.microsoft.com/office/powerpoint/2010/main" val="1024629035"/>
+        <p14:creationId xmlns:p14="http://schemas.microsoft.com/office/powerpoint/2010/main" val="588504511"/>
       </p:ext>
     </p:extLst>
   </p:cSld>
@@ -18754,10 +18419,10 @@
       </p:grpSpPr>
       <p:sp>
         <p:nvSpPr>
-          <p:cNvPr id="17" name="Slide Number Placeholder 1">
-            <a:extLst>
-              <a:ext uri="{FF2B5EF4-FFF2-40B4-BE49-F238E27FC236}">
-                <a16:creationId xmlns:a16="http://schemas.microsoft.com/office/drawing/2014/main" id="{49ABE35A-BB82-5C1C-2B37-CAA754582F56}"/>
+          <p:cNvPr id="4" name="Title 3">
+            <a:extLst>
+              <a:ext uri="{FF2B5EF4-FFF2-40B4-BE49-F238E27FC236}">
+                <a16:creationId xmlns:a16="http://schemas.microsoft.com/office/drawing/2014/main" id="{2E0C54B5-6876-DE29-A5F3-B88D01DEC8B1}"/>
               </a:ext>
             </a:extLst>
           </p:cNvPr>
@@ -18765,86 +18430,13 @@
             <a:spLocks noGrp="1"/>
           </p:cNvSpPr>
           <p:nvPr>
-            <p:ph type="sldNum" sz="quarter" idx="12"/>
+            <p:ph type="ctrTitle"/>
           </p:nvPr>
         </p:nvSpPr>
         <p:spPr>
           <a:xfrm>
-            <a:off x="11363696" y="6455739"/>
-            <a:ext cx="294460" cy="187367"/>
-          </a:xfrm>
-        </p:spPr>
-        <p:txBody>
-          <a:bodyPr/>
-          <a:lstStyle/>
-          <a:p>
-            <a:pPr>
-              <a:spcAft>
-                <a:spcPts val="600"/>
-              </a:spcAft>
-            </a:pPr>
-            <a:fld id="{9EC71654-96A5-4280-94F3-931C61A9F92C}" type="slidenum">
-              <a:rPr lang="en-US" noProof="0" smtClean="0"/>
-              <a:pPr>
-                <a:spcAft>
-                  <a:spcPts val="600"/>
-                </a:spcAft>
-              </a:pPr>
-              <a:t>16</a:t>
-            </a:fld>
-            <a:endParaRPr lang="en-US" noProof="0"/>
-          </a:p>
-        </p:txBody>
-      </p:sp>
-      <p:pic>
-        <p:nvPicPr>
-          <p:cNvPr id="7" name="Content Placeholder 6">
-            <a:extLst>
-              <a:ext uri="{FF2B5EF4-FFF2-40B4-BE49-F238E27FC236}">
-                <a16:creationId xmlns:a16="http://schemas.microsoft.com/office/drawing/2014/main" id="{DE6DCD29-CEE6-72BC-E86C-C62C70EEFDBA}"/>
-              </a:ext>
-            </a:extLst>
-          </p:cNvPr>
-          <p:cNvPicPr>
-            <a:picLocks noGrp="1" noChangeAspect="1"/>
-          </p:cNvPicPr>
-          <p:nvPr>
-            <p:ph sz="half" idx="1"/>
-          </p:nvPr>
-        </p:nvPicPr>
-        <p:blipFill>
-          <a:blip r:embed="rId2"/>
-          <a:srcRect/>
-          <a:stretch/>
-        </p:blipFill>
-        <p:spPr>
-          <a:xfrm>
-            <a:off x="9834381" y="3128404"/>
-            <a:ext cx="552812" cy="606425"/>
-          </a:xfrm>
-          <a:noFill/>
-        </p:spPr>
-      </p:pic>
-      <p:sp>
-        <p:nvSpPr>
-          <p:cNvPr id="2" name="Title 1">
-            <a:extLst>
-              <a:ext uri="{FF2B5EF4-FFF2-40B4-BE49-F238E27FC236}">
-                <a16:creationId xmlns:a16="http://schemas.microsoft.com/office/drawing/2014/main" id="{CC0C50D1-1B66-9C4E-DD7B-5221A23FD1F5}"/>
-              </a:ext>
-            </a:extLst>
-          </p:cNvPr>
-          <p:cNvSpPr>
-            <a:spLocks noGrp="1"/>
-          </p:cNvSpPr>
-          <p:nvPr>
-            <p:ph type="title"/>
-          </p:nvPr>
-        </p:nvSpPr>
-        <p:spPr>
-          <a:xfrm>
-            <a:off x="515938" y="246621"/>
-            <a:ext cx="11150600" cy="920336"/>
+            <a:off x="6337300" y="2971800"/>
+            <a:ext cx="5143500" cy="1292296"/>
           </a:xfrm>
         </p:spPr>
         <p:txBody>
@@ -18855,17 +18447,45 @@
           <a:p>
             <a:r>
               <a:rPr lang="en-US" dirty="0"/>
-              <a:t>Conclusion</a:t>
+              <a:t>Future Work</a:t>
             </a:r>
           </a:p>
         </p:txBody>
       </p:sp>
+      <p:pic>
+        <p:nvPicPr>
+          <p:cNvPr id="6" name="Picture Placeholder 5">
+            <a:extLst>
+              <a:ext uri="{FF2B5EF4-FFF2-40B4-BE49-F238E27FC236}">
+                <a16:creationId xmlns:a16="http://schemas.microsoft.com/office/drawing/2014/main" id="{BBD507E0-C445-45A5-000D-A42E3C8A8362}"/>
+              </a:ext>
+            </a:extLst>
+          </p:cNvPr>
+          <p:cNvPicPr>
+            <a:picLocks noGrp="1" noChangeAspect="1"/>
+          </p:cNvPicPr>
+          <p:nvPr>
+            <p:ph type="pic" sz="quarter" idx="10"/>
+          </p:nvPr>
+        </p:nvPicPr>
+        <p:blipFill>
+          <a:blip r:embed="rId2"/>
+          <a:srcRect l="22778" r="22778"/>
+          <a:stretch/>
+        </p:blipFill>
+        <p:spPr>
+          <a:xfrm>
+            <a:off x="711200" y="728663"/>
+            <a:ext cx="5305425" cy="5305425"/>
+          </a:xfrm>
+        </p:spPr>
+      </p:pic>
       <p:sp>
         <p:nvSpPr>
-          <p:cNvPr id="3" name="Slide Number Placeholder 2" hidden="1">
-            <a:extLst>
-              <a:ext uri="{FF2B5EF4-FFF2-40B4-BE49-F238E27FC236}">
-                <a16:creationId xmlns:a16="http://schemas.microsoft.com/office/drawing/2014/main" id="{24471D0A-2A75-5210-E90F-6C5B83FF9FEE}"/>
+          <p:cNvPr id="2" name="Slide Number Placeholder 1" hidden="1">
+            <a:extLst>
+              <a:ext uri="{FF2B5EF4-FFF2-40B4-BE49-F238E27FC236}">
+                <a16:creationId xmlns:a16="http://schemas.microsoft.com/office/drawing/2014/main" id="{CDA0EE6B-EE8E-9469-CA34-4A27CB4D7D0C}"/>
               </a:ext>
             </a:extLst>
           </p:cNvPr>
@@ -18912,317 +18532,10 @@
           </a:p>
         </p:txBody>
       </p:sp>
-      <p:pic>
-        <p:nvPicPr>
-          <p:cNvPr id="5" name="Picture 4">
-            <a:extLst>
-              <a:ext uri="{FF2B5EF4-FFF2-40B4-BE49-F238E27FC236}">
-                <a16:creationId xmlns:a16="http://schemas.microsoft.com/office/drawing/2014/main" id="{FC62146B-8F3F-FBBA-B170-9B5114E23759}"/>
-              </a:ext>
-            </a:extLst>
-          </p:cNvPr>
-          <p:cNvPicPr>
-            <a:picLocks noChangeAspect="1"/>
-          </p:cNvPicPr>
-          <p:nvPr/>
-        </p:nvPicPr>
-        <p:blipFill>
-          <a:blip r:embed="rId3"/>
-          <a:srcRect/>
-          <a:stretch/>
-        </p:blipFill>
-        <p:spPr>
-          <a:xfrm>
-            <a:off x="7614323" y="3128404"/>
-            <a:ext cx="601191" cy="601191"/>
-          </a:xfrm>
-          <a:prstGeom prst="rect">
-            <a:avLst/>
-          </a:prstGeom>
-        </p:spPr>
-      </p:pic>
-      <p:pic>
-        <p:nvPicPr>
-          <p:cNvPr id="8" name="Picture 7">
-            <a:extLst>
-              <a:ext uri="{FF2B5EF4-FFF2-40B4-BE49-F238E27FC236}">
-                <a16:creationId xmlns:a16="http://schemas.microsoft.com/office/drawing/2014/main" id="{13E0C9C8-39E9-5C54-FE4C-BAFDCE1B7D0F}"/>
-              </a:ext>
-            </a:extLst>
-          </p:cNvPr>
-          <p:cNvPicPr>
-            <a:picLocks noChangeAspect="1"/>
-          </p:cNvPicPr>
-          <p:nvPr/>
-        </p:nvPicPr>
-        <p:blipFill>
-          <a:blip r:embed="rId4"/>
-          <a:srcRect/>
-          <a:stretch/>
-        </p:blipFill>
-        <p:spPr>
-          <a:xfrm>
-            <a:off x="5376669" y="3136917"/>
-            <a:ext cx="629616" cy="574638"/>
-          </a:xfrm>
-          <a:prstGeom prst="rect">
-            <a:avLst/>
-          </a:prstGeom>
-        </p:spPr>
-      </p:pic>
-      <p:sp>
-        <p:nvSpPr>
-          <p:cNvPr id="10" name="TextBox 9">
-            <a:extLst>
-              <a:ext uri="{FF2B5EF4-FFF2-40B4-BE49-F238E27FC236}">
-                <a16:creationId xmlns:a16="http://schemas.microsoft.com/office/drawing/2014/main" id="{D1794A21-E128-104B-BC5E-57415EA90165}"/>
-              </a:ext>
-            </a:extLst>
-          </p:cNvPr>
-          <p:cNvSpPr txBox="1"/>
-          <p:nvPr/>
-        </p:nvSpPr>
-        <p:spPr>
-          <a:xfrm>
-            <a:off x="9151543" y="3977598"/>
-            <a:ext cx="1935634" cy="400110"/>
-          </a:xfrm>
-          <a:prstGeom prst="rect">
-            <a:avLst/>
-          </a:prstGeom>
-          <a:noFill/>
-        </p:spPr>
-        <p:txBody>
-          <a:bodyPr wrap="square" rtlCol="0">
-            <a:spAutoFit/>
-          </a:bodyPr>
-          <a:lstStyle/>
-          <a:p>
-            <a:pPr algn="ctr"/>
-            <a:r>
-              <a:rPr lang="en-US" sz="2000" b="1" dirty="0"/>
-              <a:t>Mobile Model</a:t>
-            </a:r>
-          </a:p>
-        </p:txBody>
-      </p:sp>
-      <p:sp>
-        <p:nvSpPr>
-          <p:cNvPr id="14" name="TextBox 13">
-            <a:extLst>
-              <a:ext uri="{FF2B5EF4-FFF2-40B4-BE49-F238E27FC236}">
-                <a16:creationId xmlns:a16="http://schemas.microsoft.com/office/drawing/2014/main" id="{5CC1F818-39F8-B166-405C-C7975400ED44}"/>
-              </a:ext>
-            </a:extLst>
-          </p:cNvPr>
-          <p:cNvSpPr txBox="1"/>
-          <p:nvPr/>
-        </p:nvSpPr>
-        <p:spPr>
-          <a:xfrm>
-            <a:off x="6641869" y="3977598"/>
-            <a:ext cx="2558011" cy="707886"/>
-          </a:xfrm>
-          <a:prstGeom prst="rect">
-            <a:avLst/>
-          </a:prstGeom>
-          <a:noFill/>
-        </p:spPr>
-        <p:txBody>
-          <a:bodyPr wrap="square" rtlCol="0">
-            <a:spAutoFit/>
-          </a:bodyPr>
-          <a:lstStyle/>
-          <a:p>
-            <a:pPr algn="ctr"/>
-            <a:r>
-              <a:rPr lang="en-US" sz="2000" b="1" dirty="0"/>
-              <a:t>All In One</a:t>
-            </a:r>
-          </a:p>
-          <a:p>
-            <a:pPr algn="ctr"/>
-            <a:endParaRPr lang="en-US" sz="2000" b="1" dirty="0"/>
-          </a:p>
-        </p:txBody>
-      </p:sp>
-      <p:sp>
-        <p:nvSpPr>
-          <p:cNvPr id="15" name="TextBox 14">
-            <a:extLst>
-              <a:ext uri="{FF2B5EF4-FFF2-40B4-BE49-F238E27FC236}">
-                <a16:creationId xmlns:a16="http://schemas.microsoft.com/office/drawing/2014/main" id="{FBAB8646-ECD4-83B3-C925-659CD4BCBB5B}"/>
-              </a:ext>
-            </a:extLst>
-          </p:cNvPr>
-          <p:cNvSpPr txBox="1"/>
-          <p:nvPr/>
-        </p:nvSpPr>
-        <p:spPr>
-          <a:xfrm>
-            <a:off x="4724601" y="3977598"/>
-            <a:ext cx="2009525" cy="707886"/>
-          </a:xfrm>
-          <a:prstGeom prst="rect">
-            <a:avLst/>
-          </a:prstGeom>
-          <a:noFill/>
-        </p:spPr>
-        <p:txBody>
-          <a:bodyPr wrap="square" rtlCol="0">
-            <a:spAutoFit/>
-          </a:bodyPr>
-          <a:lstStyle/>
-          <a:p>
-            <a:pPr algn="ctr"/>
-            <a:r>
-              <a:rPr lang="en-US" sz="2000" b="1" dirty="0"/>
-              <a:t>Night Vision</a:t>
-            </a:r>
-          </a:p>
-          <a:p>
-            <a:pPr algn="ctr"/>
-            <a:r>
-              <a:rPr lang="en-US" sz="2000" b="1" dirty="0"/>
-              <a:t>Model </a:t>
-            </a:r>
-          </a:p>
-        </p:txBody>
-      </p:sp>
-      <p:pic>
-        <p:nvPicPr>
-          <p:cNvPr id="25" name="Picture 24">
-            <a:extLst>
-              <a:ext uri="{FF2B5EF4-FFF2-40B4-BE49-F238E27FC236}">
-                <a16:creationId xmlns:a16="http://schemas.microsoft.com/office/drawing/2014/main" id="{172F869C-8254-E6CD-9F39-742519C87B5F}"/>
-              </a:ext>
-            </a:extLst>
-          </p:cNvPr>
-          <p:cNvPicPr>
-            <a:picLocks noChangeAspect="1"/>
-          </p:cNvPicPr>
-          <p:nvPr/>
-        </p:nvPicPr>
-        <p:blipFill>
-          <a:blip r:embed="rId5"/>
-          <a:srcRect/>
-          <a:stretch/>
-        </p:blipFill>
-        <p:spPr>
-          <a:xfrm>
-            <a:off x="3271686" y="3216271"/>
-            <a:ext cx="495284" cy="495284"/>
-          </a:xfrm>
-          <a:prstGeom prst="rect">
-            <a:avLst/>
-          </a:prstGeom>
-        </p:spPr>
-      </p:pic>
-      <p:sp>
-        <p:nvSpPr>
-          <p:cNvPr id="26" name="TextBox 25">
-            <a:extLst>
-              <a:ext uri="{FF2B5EF4-FFF2-40B4-BE49-F238E27FC236}">
-                <a16:creationId xmlns:a16="http://schemas.microsoft.com/office/drawing/2014/main" id="{3F77A819-E442-CBA1-3C7E-CF082B21FEEE}"/>
-              </a:ext>
-            </a:extLst>
-          </p:cNvPr>
-          <p:cNvSpPr txBox="1"/>
-          <p:nvPr/>
-        </p:nvSpPr>
-        <p:spPr>
-          <a:xfrm>
-            <a:off x="2633921" y="3977598"/>
-            <a:ext cx="1763944" cy="707886"/>
-          </a:xfrm>
-          <a:prstGeom prst="rect">
-            <a:avLst/>
-          </a:prstGeom>
-          <a:noFill/>
-        </p:spPr>
-        <p:txBody>
-          <a:bodyPr wrap="square" rtlCol="0">
-            <a:spAutoFit/>
-          </a:bodyPr>
-          <a:lstStyle/>
-          <a:p>
-            <a:pPr algn="ctr"/>
-            <a:r>
-              <a:rPr lang="en-US" sz="2000" b="1" dirty="0"/>
-              <a:t>Driver Distraction</a:t>
-            </a:r>
-          </a:p>
-        </p:txBody>
-      </p:sp>
-      <p:pic>
-        <p:nvPicPr>
-          <p:cNvPr id="28" name="Picture 27">
-            <a:extLst>
-              <a:ext uri="{FF2B5EF4-FFF2-40B4-BE49-F238E27FC236}">
-                <a16:creationId xmlns:a16="http://schemas.microsoft.com/office/drawing/2014/main" id="{B8699F91-9EA2-BCA9-C123-DE28870C5719}"/>
-              </a:ext>
-            </a:extLst>
-          </p:cNvPr>
-          <p:cNvPicPr>
-            <a:picLocks noChangeAspect="1"/>
-          </p:cNvPicPr>
-          <p:nvPr/>
-        </p:nvPicPr>
-        <p:blipFill>
-          <a:blip r:embed="rId6"/>
-          <a:srcRect/>
-          <a:stretch/>
-        </p:blipFill>
-        <p:spPr>
-          <a:xfrm>
-            <a:off x="988909" y="3086258"/>
-            <a:ext cx="690716" cy="690716"/>
-          </a:xfrm>
-          <a:prstGeom prst="rect">
-            <a:avLst/>
-          </a:prstGeom>
-        </p:spPr>
-      </p:pic>
-      <p:sp>
-        <p:nvSpPr>
-          <p:cNvPr id="29" name="TextBox 28">
-            <a:extLst>
-              <a:ext uri="{FF2B5EF4-FFF2-40B4-BE49-F238E27FC236}">
-                <a16:creationId xmlns:a16="http://schemas.microsoft.com/office/drawing/2014/main" id="{CB5EF82F-24FF-CA97-F380-4D41120EE2BA}"/>
-              </a:ext>
-            </a:extLst>
-          </p:cNvPr>
-          <p:cNvSpPr txBox="1"/>
-          <p:nvPr/>
-        </p:nvSpPr>
-        <p:spPr>
-          <a:xfrm>
-            <a:off x="317441" y="3977598"/>
-            <a:ext cx="2316480" cy="400110"/>
-          </a:xfrm>
-          <a:prstGeom prst="rect">
-            <a:avLst/>
-          </a:prstGeom>
-          <a:noFill/>
-        </p:spPr>
-        <p:txBody>
-          <a:bodyPr wrap="square" rtlCol="0">
-            <a:spAutoFit/>
-          </a:bodyPr>
-          <a:lstStyle/>
-          <a:p>
-            <a:pPr algn="ctr"/>
-            <a:r>
-              <a:rPr lang="en-US" sz="2000" b="1" dirty="0"/>
-              <a:t>Lane Detection</a:t>
-            </a:r>
-          </a:p>
-        </p:txBody>
-      </p:sp>
     </p:spTree>
     <p:extLst>
       <p:ext uri="{BB962C8B-B14F-4D97-AF65-F5344CB8AC3E}">
-        <p14:creationId xmlns:p14="http://schemas.microsoft.com/office/powerpoint/2010/main" val="2588278257"/>
+        <p14:creationId xmlns:p14="http://schemas.microsoft.com/office/powerpoint/2010/main" val="2970485623"/>
       </p:ext>
     </p:extLst>
   </p:cSld>
@@ -19251,6 +18564,503 @@
       </p:grpSpPr>
       <p:sp>
         <p:nvSpPr>
+          <p:cNvPr id="17" name="Slide Number Placeholder 1">
+            <a:extLst>
+              <a:ext uri="{FF2B5EF4-FFF2-40B4-BE49-F238E27FC236}">
+                <a16:creationId xmlns:a16="http://schemas.microsoft.com/office/drawing/2014/main" id="{49ABE35A-BB82-5C1C-2B37-CAA754582F56}"/>
+              </a:ext>
+            </a:extLst>
+          </p:cNvPr>
+          <p:cNvSpPr>
+            <a:spLocks noGrp="1"/>
+          </p:cNvSpPr>
+          <p:nvPr>
+            <p:ph type="sldNum" sz="quarter" idx="12"/>
+          </p:nvPr>
+        </p:nvSpPr>
+        <p:spPr>
+          <a:xfrm>
+            <a:off x="11363696" y="6455739"/>
+            <a:ext cx="294460" cy="187367"/>
+          </a:xfrm>
+        </p:spPr>
+        <p:txBody>
+          <a:bodyPr/>
+          <a:lstStyle/>
+          <a:p>
+            <a:pPr>
+              <a:spcAft>
+                <a:spcPts val="600"/>
+              </a:spcAft>
+            </a:pPr>
+            <a:fld id="{9EC71654-96A5-4280-94F3-931C61A9F92C}" type="slidenum">
+              <a:rPr lang="en-US" noProof="0" smtClean="0"/>
+              <a:pPr>
+                <a:spcAft>
+                  <a:spcPts val="600"/>
+                </a:spcAft>
+              </a:pPr>
+              <a:t>17</a:t>
+            </a:fld>
+            <a:endParaRPr lang="en-US" noProof="0"/>
+          </a:p>
+        </p:txBody>
+      </p:sp>
+      <p:pic>
+        <p:nvPicPr>
+          <p:cNvPr id="7" name="Content Placeholder 6">
+            <a:extLst>
+              <a:ext uri="{FF2B5EF4-FFF2-40B4-BE49-F238E27FC236}">
+                <a16:creationId xmlns:a16="http://schemas.microsoft.com/office/drawing/2014/main" id="{DE6DCD29-CEE6-72BC-E86C-C62C70EEFDBA}"/>
+              </a:ext>
+            </a:extLst>
+          </p:cNvPr>
+          <p:cNvPicPr>
+            <a:picLocks noGrp="1" noChangeAspect="1"/>
+          </p:cNvPicPr>
+          <p:nvPr>
+            <p:ph sz="half" idx="1"/>
+          </p:nvPr>
+        </p:nvPicPr>
+        <p:blipFill>
+          <a:blip r:embed="rId2"/>
+          <a:srcRect/>
+          <a:stretch/>
+        </p:blipFill>
+        <p:spPr>
+          <a:xfrm>
+            <a:off x="9834381" y="3128404"/>
+            <a:ext cx="552812" cy="606425"/>
+          </a:xfrm>
+          <a:noFill/>
+        </p:spPr>
+      </p:pic>
+      <p:sp>
+        <p:nvSpPr>
+          <p:cNvPr id="2" name="Title 1">
+            <a:extLst>
+              <a:ext uri="{FF2B5EF4-FFF2-40B4-BE49-F238E27FC236}">
+                <a16:creationId xmlns:a16="http://schemas.microsoft.com/office/drawing/2014/main" id="{CC0C50D1-1B66-9C4E-DD7B-5221A23FD1F5}"/>
+              </a:ext>
+            </a:extLst>
+          </p:cNvPr>
+          <p:cNvSpPr>
+            <a:spLocks noGrp="1"/>
+          </p:cNvSpPr>
+          <p:nvPr>
+            <p:ph type="title"/>
+          </p:nvPr>
+        </p:nvSpPr>
+        <p:spPr>
+          <a:xfrm>
+            <a:off x="515938" y="246621"/>
+            <a:ext cx="11150600" cy="920336"/>
+          </a:xfrm>
+        </p:spPr>
+        <p:txBody>
+          <a:bodyPr anchor="b">
+            <a:normAutofit/>
+          </a:bodyPr>
+          <a:lstStyle/>
+          <a:p>
+            <a:r>
+              <a:rPr lang="en-US" dirty="0"/>
+              <a:t>Future Work</a:t>
+            </a:r>
+          </a:p>
+        </p:txBody>
+      </p:sp>
+      <p:sp>
+        <p:nvSpPr>
+          <p:cNvPr id="3" name="Slide Number Placeholder 2" hidden="1">
+            <a:extLst>
+              <a:ext uri="{FF2B5EF4-FFF2-40B4-BE49-F238E27FC236}">
+                <a16:creationId xmlns:a16="http://schemas.microsoft.com/office/drawing/2014/main" id="{24471D0A-2A75-5210-E90F-6C5B83FF9FEE}"/>
+              </a:ext>
+            </a:extLst>
+          </p:cNvPr>
+          <p:cNvSpPr>
+            <a:spLocks noGrp="1"/>
+          </p:cNvSpPr>
+          <p:nvPr>
+            <p:ph type="sldNum" sz="quarter" idx="4294967295"/>
+          </p:nvPr>
+        </p:nvSpPr>
+        <p:spPr>
+          <a:xfrm>
+            <a:off x="11363696" y="6455739"/>
+            <a:ext cx="294460" cy="187367"/>
+          </a:xfrm>
+        </p:spPr>
+        <p:txBody>
+          <a:bodyPr anchor="ctr">
+            <a:normAutofit/>
+          </a:bodyPr>
+          <a:lstStyle/>
+          <a:p>
+            <a:pPr>
+              <a:lnSpc>
+                <a:spcPct val="90000"/>
+              </a:lnSpc>
+              <a:spcAft>
+                <a:spcPts val="600"/>
+              </a:spcAft>
+            </a:pPr>
+            <a:fld id="{9EC71654-96A5-4280-94F3-931C61A9F92C}" type="slidenum">
+              <a:rPr lang="en-US" sz="600" noProof="0" smtClean="0"/>
+              <a:pPr>
+                <a:lnSpc>
+                  <a:spcPct val="90000"/>
+                </a:lnSpc>
+                <a:spcAft>
+                  <a:spcPts val="600"/>
+                </a:spcAft>
+              </a:pPr>
+              <a:t>17</a:t>
+            </a:fld>
+            <a:endParaRPr lang="en-US" sz="600" noProof="0"/>
+          </a:p>
+        </p:txBody>
+      </p:sp>
+      <p:pic>
+        <p:nvPicPr>
+          <p:cNvPr id="5" name="Picture 4">
+            <a:extLst>
+              <a:ext uri="{FF2B5EF4-FFF2-40B4-BE49-F238E27FC236}">
+                <a16:creationId xmlns:a16="http://schemas.microsoft.com/office/drawing/2014/main" id="{FC62146B-8F3F-FBBA-B170-9B5114E23759}"/>
+              </a:ext>
+            </a:extLst>
+          </p:cNvPr>
+          <p:cNvPicPr>
+            <a:picLocks noChangeAspect="1"/>
+          </p:cNvPicPr>
+          <p:nvPr/>
+        </p:nvPicPr>
+        <p:blipFill>
+          <a:blip r:embed="rId3"/>
+          <a:srcRect/>
+          <a:stretch/>
+        </p:blipFill>
+        <p:spPr>
+          <a:xfrm>
+            <a:off x="7614323" y="3128404"/>
+            <a:ext cx="601191" cy="601191"/>
+          </a:xfrm>
+          <a:prstGeom prst="rect">
+            <a:avLst/>
+          </a:prstGeom>
+        </p:spPr>
+      </p:pic>
+      <p:pic>
+        <p:nvPicPr>
+          <p:cNvPr id="8" name="Picture 7">
+            <a:extLst>
+              <a:ext uri="{FF2B5EF4-FFF2-40B4-BE49-F238E27FC236}">
+                <a16:creationId xmlns:a16="http://schemas.microsoft.com/office/drawing/2014/main" id="{13E0C9C8-39E9-5C54-FE4C-BAFDCE1B7D0F}"/>
+              </a:ext>
+            </a:extLst>
+          </p:cNvPr>
+          <p:cNvPicPr>
+            <a:picLocks noChangeAspect="1"/>
+          </p:cNvPicPr>
+          <p:nvPr/>
+        </p:nvPicPr>
+        <p:blipFill>
+          <a:blip r:embed="rId4"/>
+          <a:srcRect/>
+          <a:stretch/>
+        </p:blipFill>
+        <p:spPr>
+          <a:xfrm>
+            <a:off x="5376669" y="3136917"/>
+            <a:ext cx="629616" cy="574638"/>
+          </a:xfrm>
+          <a:prstGeom prst="rect">
+            <a:avLst/>
+          </a:prstGeom>
+        </p:spPr>
+      </p:pic>
+      <p:sp>
+        <p:nvSpPr>
+          <p:cNvPr id="10" name="TextBox 9">
+            <a:extLst>
+              <a:ext uri="{FF2B5EF4-FFF2-40B4-BE49-F238E27FC236}">
+                <a16:creationId xmlns:a16="http://schemas.microsoft.com/office/drawing/2014/main" id="{D1794A21-E128-104B-BC5E-57415EA90165}"/>
+              </a:ext>
+            </a:extLst>
+          </p:cNvPr>
+          <p:cNvSpPr txBox="1"/>
+          <p:nvPr/>
+        </p:nvSpPr>
+        <p:spPr>
+          <a:xfrm>
+            <a:off x="9151543" y="3977598"/>
+            <a:ext cx="1935634" cy="400110"/>
+          </a:xfrm>
+          <a:prstGeom prst="rect">
+            <a:avLst/>
+          </a:prstGeom>
+          <a:noFill/>
+        </p:spPr>
+        <p:txBody>
+          <a:bodyPr wrap="square" rtlCol="0">
+            <a:spAutoFit/>
+          </a:bodyPr>
+          <a:lstStyle/>
+          <a:p>
+            <a:pPr algn="ctr"/>
+            <a:r>
+              <a:rPr lang="en-US" sz="2000" b="1" dirty="0"/>
+              <a:t>Mobile Model</a:t>
+            </a:r>
+          </a:p>
+        </p:txBody>
+      </p:sp>
+      <p:sp>
+        <p:nvSpPr>
+          <p:cNvPr id="14" name="TextBox 13">
+            <a:extLst>
+              <a:ext uri="{FF2B5EF4-FFF2-40B4-BE49-F238E27FC236}">
+                <a16:creationId xmlns:a16="http://schemas.microsoft.com/office/drawing/2014/main" id="{5CC1F818-39F8-B166-405C-C7975400ED44}"/>
+              </a:ext>
+            </a:extLst>
+          </p:cNvPr>
+          <p:cNvSpPr txBox="1"/>
+          <p:nvPr/>
+        </p:nvSpPr>
+        <p:spPr>
+          <a:xfrm>
+            <a:off x="6641869" y="3977598"/>
+            <a:ext cx="2558011" cy="707886"/>
+          </a:xfrm>
+          <a:prstGeom prst="rect">
+            <a:avLst/>
+          </a:prstGeom>
+          <a:noFill/>
+        </p:spPr>
+        <p:txBody>
+          <a:bodyPr wrap="square" rtlCol="0">
+            <a:spAutoFit/>
+          </a:bodyPr>
+          <a:lstStyle/>
+          <a:p>
+            <a:pPr algn="ctr"/>
+            <a:r>
+              <a:rPr lang="en-US" sz="2000" b="1" dirty="0"/>
+              <a:t>All In One</a:t>
+            </a:r>
+          </a:p>
+          <a:p>
+            <a:pPr algn="ctr"/>
+            <a:endParaRPr lang="en-US" sz="2000" b="1" dirty="0"/>
+          </a:p>
+        </p:txBody>
+      </p:sp>
+      <p:sp>
+        <p:nvSpPr>
+          <p:cNvPr id="15" name="TextBox 14">
+            <a:extLst>
+              <a:ext uri="{FF2B5EF4-FFF2-40B4-BE49-F238E27FC236}">
+                <a16:creationId xmlns:a16="http://schemas.microsoft.com/office/drawing/2014/main" id="{FBAB8646-ECD4-83B3-C925-659CD4BCBB5B}"/>
+              </a:ext>
+            </a:extLst>
+          </p:cNvPr>
+          <p:cNvSpPr txBox="1"/>
+          <p:nvPr/>
+        </p:nvSpPr>
+        <p:spPr>
+          <a:xfrm>
+            <a:off x="4724601" y="3977598"/>
+            <a:ext cx="2009525" cy="707886"/>
+          </a:xfrm>
+          <a:prstGeom prst="rect">
+            <a:avLst/>
+          </a:prstGeom>
+          <a:noFill/>
+        </p:spPr>
+        <p:txBody>
+          <a:bodyPr wrap="square" rtlCol="0">
+            <a:spAutoFit/>
+          </a:bodyPr>
+          <a:lstStyle/>
+          <a:p>
+            <a:pPr algn="ctr"/>
+            <a:r>
+              <a:rPr lang="en-US" sz="2000" b="1" dirty="0"/>
+              <a:t>Night Vision</a:t>
+            </a:r>
+          </a:p>
+          <a:p>
+            <a:pPr algn="ctr"/>
+            <a:r>
+              <a:rPr lang="en-US" sz="2000" b="1" dirty="0"/>
+              <a:t>Model </a:t>
+            </a:r>
+          </a:p>
+        </p:txBody>
+      </p:sp>
+      <p:pic>
+        <p:nvPicPr>
+          <p:cNvPr id="25" name="Picture 24">
+            <a:extLst>
+              <a:ext uri="{FF2B5EF4-FFF2-40B4-BE49-F238E27FC236}">
+                <a16:creationId xmlns:a16="http://schemas.microsoft.com/office/drawing/2014/main" id="{172F869C-8254-E6CD-9F39-742519C87B5F}"/>
+              </a:ext>
+            </a:extLst>
+          </p:cNvPr>
+          <p:cNvPicPr>
+            <a:picLocks noChangeAspect="1"/>
+          </p:cNvPicPr>
+          <p:nvPr/>
+        </p:nvPicPr>
+        <p:blipFill>
+          <a:blip r:embed="rId5"/>
+          <a:srcRect/>
+          <a:stretch/>
+        </p:blipFill>
+        <p:spPr>
+          <a:xfrm>
+            <a:off x="3271686" y="3216271"/>
+            <a:ext cx="495284" cy="495284"/>
+          </a:xfrm>
+          <a:prstGeom prst="rect">
+            <a:avLst/>
+          </a:prstGeom>
+        </p:spPr>
+      </p:pic>
+      <p:sp>
+        <p:nvSpPr>
+          <p:cNvPr id="26" name="TextBox 25">
+            <a:extLst>
+              <a:ext uri="{FF2B5EF4-FFF2-40B4-BE49-F238E27FC236}">
+                <a16:creationId xmlns:a16="http://schemas.microsoft.com/office/drawing/2014/main" id="{3F77A819-E442-CBA1-3C7E-CF082B21FEEE}"/>
+              </a:ext>
+            </a:extLst>
+          </p:cNvPr>
+          <p:cNvSpPr txBox="1"/>
+          <p:nvPr/>
+        </p:nvSpPr>
+        <p:spPr>
+          <a:xfrm>
+            <a:off x="2633921" y="3977598"/>
+            <a:ext cx="1763944" cy="707886"/>
+          </a:xfrm>
+          <a:prstGeom prst="rect">
+            <a:avLst/>
+          </a:prstGeom>
+          <a:noFill/>
+        </p:spPr>
+        <p:txBody>
+          <a:bodyPr wrap="square" rtlCol="0">
+            <a:spAutoFit/>
+          </a:bodyPr>
+          <a:lstStyle/>
+          <a:p>
+            <a:pPr algn="ctr"/>
+            <a:r>
+              <a:rPr lang="en-US" sz="2000" b="1" dirty="0"/>
+              <a:t>Driver Distraction</a:t>
+            </a:r>
+          </a:p>
+        </p:txBody>
+      </p:sp>
+      <p:pic>
+        <p:nvPicPr>
+          <p:cNvPr id="28" name="Picture 27">
+            <a:extLst>
+              <a:ext uri="{FF2B5EF4-FFF2-40B4-BE49-F238E27FC236}">
+                <a16:creationId xmlns:a16="http://schemas.microsoft.com/office/drawing/2014/main" id="{B8699F91-9EA2-BCA9-C123-DE28870C5719}"/>
+              </a:ext>
+            </a:extLst>
+          </p:cNvPr>
+          <p:cNvPicPr>
+            <a:picLocks noChangeAspect="1"/>
+          </p:cNvPicPr>
+          <p:nvPr/>
+        </p:nvPicPr>
+        <p:blipFill>
+          <a:blip r:embed="rId6"/>
+          <a:srcRect/>
+          <a:stretch/>
+        </p:blipFill>
+        <p:spPr>
+          <a:xfrm>
+            <a:off x="988909" y="3086258"/>
+            <a:ext cx="690716" cy="690716"/>
+          </a:xfrm>
+          <a:prstGeom prst="rect">
+            <a:avLst/>
+          </a:prstGeom>
+        </p:spPr>
+      </p:pic>
+      <p:sp>
+        <p:nvSpPr>
+          <p:cNvPr id="29" name="TextBox 28">
+            <a:extLst>
+              <a:ext uri="{FF2B5EF4-FFF2-40B4-BE49-F238E27FC236}">
+                <a16:creationId xmlns:a16="http://schemas.microsoft.com/office/drawing/2014/main" id="{CB5EF82F-24FF-CA97-F380-4D41120EE2BA}"/>
+              </a:ext>
+            </a:extLst>
+          </p:cNvPr>
+          <p:cNvSpPr txBox="1"/>
+          <p:nvPr/>
+        </p:nvSpPr>
+        <p:spPr>
+          <a:xfrm>
+            <a:off x="317441" y="3977598"/>
+            <a:ext cx="2316480" cy="400110"/>
+          </a:xfrm>
+          <a:prstGeom prst="rect">
+            <a:avLst/>
+          </a:prstGeom>
+          <a:noFill/>
+        </p:spPr>
+        <p:txBody>
+          <a:bodyPr wrap="square" rtlCol="0">
+            <a:spAutoFit/>
+          </a:bodyPr>
+          <a:lstStyle/>
+          <a:p>
+            <a:pPr algn="ctr"/>
+            <a:r>
+              <a:rPr lang="en-US" sz="2000" b="1" dirty="0"/>
+              <a:t>Lane Detection</a:t>
+            </a:r>
+          </a:p>
+        </p:txBody>
+      </p:sp>
+    </p:spTree>
+    <p:extLst>
+      <p:ext uri="{BB962C8B-B14F-4D97-AF65-F5344CB8AC3E}">
+        <p14:creationId xmlns:p14="http://schemas.microsoft.com/office/powerpoint/2010/main" val="3482772454"/>
+      </p:ext>
+    </p:extLst>
+  </p:cSld>
+  <p:clrMapOvr>
+    <a:masterClrMapping/>
+  </p:clrMapOvr>
+</p:sld>
+</file>
+
+<file path=ppt/slides/slide18.xml><?xml version="1.0" encoding="utf-8"?>
+<p:sld xmlns:a="http://schemas.openxmlformats.org/drawingml/2006/main" xmlns:r="http://schemas.openxmlformats.org/officeDocument/2006/relationships" xmlns:p="http://schemas.openxmlformats.org/presentationml/2006/main">
+  <p:cSld>
+    <p:spTree>
+      <p:nvGrpSpPr>
+        <p:cNvPr id="1" name=""/>
+        <p:cNvGrpSpPr/>
+        <p:nvPr/>
+      </p:nvGrpSpPr>
+      <p:grpSpPr>
+        <a:xfrm>
+          <a:off x="0" y="0"/>
+          <a:ext cx="0" cy="0"/>
+          <a:chOff x="0" y="0"/>
+          <a:chExt cx="0" cy="0"/>
+        </a:xfrm>
+      </p:grpSpPr>
+      <p:sp>
+        <p:nvSpPr>
           <p:cNvPr id="4" name="Title 3">
             <a:extLst>
               <a:ext uri="{FF2B5EF4-FFF2-40B4-BE49-F238E27FC236}">
@@ -19279,7 +19089,7 @@
           <a:p>
             <a:r>
               <a:rPr lang="en-US" dirty="0"/>
-              <a:t>Thank You</a:t>
+              <a:t>Conclusion</a:t>
             </a:r>
           </a:p>
         </p:txBody>
@@ -19330,7 +19140,7 @@
                   <a:spcPts val="600"/>
                 </a:spcAft>
               </a:pPr>
-              <a:t>17</a:t>
+              <a:t>18</a:t>
             </a:fld>
             <a:endParaRPr lang="en-US" sz="200" noProof="0"/>
           </a:p>
@@ -19339,7 +19149,504 @@
     </p:spTree>
     <p:extLst>
       <p:ext uri="{BB962C8B-B14F-4D97-AF65-F5344CB8AC3E}">
-        <p14:creationId xmlns:p14="http://schemas.microsoft.com/office/powerpoint/2010/main" val="1773024617"/>
+        <p14:creationId xmlns:p14="http://schemas.microsoft.com/office/powerpoint/2010/main" val="1024629035"/>
+      </p:ext>
+    </p:extLst>
+  </p:cSld>
+  <p:clrMapOvr>
+    <a:masterClrMapping/>
+  </p:clrMapOvr>
+</p:sld>
+</file>
+
+<file path=ppt/slides/slide19.xml><?xml version="1.0" encoding="utf-8"?>
+<p:sld xmlns:a="http://schemas.openxmlformats.org/drawingml/2006/main" xmlns:r="http://schemas.openxmlformats.org/officeDocument/2006/relationships" xmlns:p="http://schemas.openxmlformats.org/presentationml/2006/main">
+  <p:cSld>
+    <p:spTree>
+      <p:nvGrpSpPr>
+        <p:cNvPr id="1" name=""/>
+        <p:cNvGrpSpPr/>
+        <p:nvPr/>
+      </p:nvGrpSpPr>
+      <p:grpSpPr>
+        <a:xfrm>
+          <a:off x="0" y="0"/>
+          <a:ext cx="0" cy="0"/>
+          <a:chOff x="0" y="0"/>
+          <a:chExt cx="0" cy="0"/>
+        </a:xfrm>
+      </p:grpSpPr>
+      <p:sp>
+        <p:nvSpPr>
+          <p:cNvPr id="17" name="Slide Number Placeholder 1">
+            <a:extLst>
+              <a:ext uri="{FF2B5EF4-FFF2-40B4-BE49-F238E27FC236}">
+                <a16:creationId xmlns:a16="http://schemas.microsoft.com/office/drawing/2014/main" id="{49ABE35A-BB82-5C1C-2B37-CAA754582F56}"/>
+              </a:ext>
+            </a:extLst>
+          </p:cNvPr>
+          <p:cNvSpPr>
+            <a:spLocks noGrp="1"/>
+          </p:cNvSpPr>
+          <p:nvPr>
+            <p:ph type="sldNum" sz="quarter" idx="12"/>
+          </p:nvPr>
+        </p:nvSpPr>
+        <p:spPr>
+          <a:xfrm>
+            <a:off x="11363696" y="6455739"/>
+            <a:ext cx="294460" cy="187367"/>
+          </a:xfrm>
+        </p:spPr>
+        <p:txBody>
+          <a:bodyPr/>
+          <a:lstStyle/>
+          <a:p>
+            <a:pPr>
+              <a:spcAft>
+                <a:spcPts val="600"/>
+              </a:spcAft>
+            </a:pPr>
+            <a:fld id="{9EC71654-96A5-4280-94F3-931C61A9F92C}" type="slidenum">
+              <a:rPr lang="en-US" noProof="0" smtClean="0"/>
+              <a:pPr>
+                <a:spcAft>
+                  <a:spcPts val="600"/>
+                </a:spcAft>
+              </a:pPr>
+              <a:t>19</a:t>
+            </a:fld>
+            <a:endParaRPr lang="en-US" noProof="0"/>
+          </a:p>
+        </p:txBody>
+      </p:sp>
+      <p:pic>
+        <p:nvPicPr>
+          <p:cNvPr id="7" name="Content Placeholder 6">
+            <a:extLst>
+              <a:ext uri="{FF2B5EF4-FFF2-40B4-BE49-F238E27FC236}">
+                <a16:creationId xmlns:a16="http://schemas.microsoft.com/office/drawing/2014/main" id="{DE6DCD29-CEE6-72BC-E86C-C62C70EEFDBA}"/>
+              </a:ext>
+            </a:extLst>
+          </p:cNvPr>
+          <p:cNvPicPr>
+            <a:picLocks noGrp="1" noChangeAspect="1"/>
+          </p:cNvPicPr>
+          <p:nvPr>
+            <p:ph sz="half" idx="1"/>
+          </p:nvPr>
+        </p:nvPicPr>
+        <p:blipFill>
+          <a:blip r:embed="rId2"/>
+          <a:srcRect/>
+          <a:stretch/>
+        </p:blipFill>
+        <p:spPr>
+          <a:xfrm>
+            <a:off x="9834381" y="3128404"/>
+            <a:ext cx="552812" cy="606425"/>
+          </a:xfrm>
+          <a:noFill/>
+        </p:spPr>
+      </p:pic>
+      <p:sp>
+        <p:nvSpPr>
+          <p:cNvPr id="2" name="Title 1">
+            <a:extLst>
+              <a:ext uri="{FF2B5EF4-FFF2-40B4-BE49-F238E27FC236}">
+                <a16:creationId xmlns:a16="http://schemas.microsoft.com/office/drawing/2014/main" id="{CC0C50D1-1B66-9C4E-DD7B-5221A23FD1F5}"/>
+              </a:ext>
+            </a:extLst>
+          </p:cNvPr>
+          <p:cNvSpPr>
+            <a:spLocks noGrp="1"/>
+          </p:cNvSpPr>
+          <p:nvPr>
+            <p:ph type="title"/>
+          </p:nvPr>
+        </p:nvSpPr>
+        <p:spPr>
+          <a:xfrm>
+            <a:off x="515938" y="246621"/>
+            <a:ext cx="11150600" cy="920336"/>
+          </a:xfrm>
+        </p:spPr>
+        <p:txBody>
+          <a:bodyPr anchor="b">
+            <a:normAutofit/>
+          </a:bodyPr>
+          <a:lstStyle/>
+          <a:p>
+            <a:r>
+              <a:rPr lang="en-US" dirty="0"/>
+              <a:t>Conclusion</a:t>
+            </a:r>
+          </a:p>
+        </p:txBody>
+      </p:sp>
+      <p:sp>
+        <p:nvSpPr>
+          <p:cNvPr id="3" name="Slide Number Placeholder 2" hidden="1">
+            <a:extLst>
+              <a:ext uri="{FF2B5EF4-FFF2-40B4-BE49-F238E27FC236}">
+                <a16:creationId xmlns:a16="http://schemas.microsoft.com/office/drawing/2014/main" id="{24471D0A-2A75-5210-E90F-6C5B83FF9FEE}"/>
+              </a:ext>
+            </a:extLst>
+          </p:cNvPr>
+          <p:cNvSpPr>
+            <a:spLocks noGrp="1"/>
+          </p:cNvSpPr>
+          <p:nvPr>
+            <p:ph type="sldNum" sz="quarter" idx="4294967295"/>
+          </p:nvPr>
+        </p:nvSpPr>
+        <p:spPr>
+          <a:xfrm>
+            <a:off x="11363696" y="6455739"/>
+            <a:ext cx="294460" cy="187367"/>
+          </a:xfrm>
+        </p:spPr>
+        <p:txBody>
+          <a:bodyPr anchor="ctr">
+            <a:normAutofit/>
+          </a:bodyPr>
+          <a:lstStyle/>
+          <a:p>
+            <a:pPr>
+              <a:lnSpc>
+                <a:spcPct val="90000"/>
+              </a:lnSpc>
+              <a:spcAft>
+                <a:spcPts val="600"/>
+              </a:spcAft>
+            </a:pPr>
+            <a:fld id="{9EC71654-96A5-4280-94F3-931C61A9F92C}" type="slidenum">
+              <a:rPr lang="en-US" sz="600" noProof="0" smtClean="0"/>
+              <a:pPr>
+                <a:lnSpc>
+                  <a:spcPct val="90000"/>
+                </a:lnSpc>
+                <a:spcAft>
+                  <a:spcPts val="600"/>
+                </a:spcAft>
+              </a:pPr>
+              <a:t>19</a:t>
+            </a:fld>
+            <a:endParaRPr lang="en-US" sz="600" noProof="0"/>
+          </a:p>
+        </p:txBody>
+      </p:sp>
+      <p:pic>
+        <p:nvPicPr>
+          <p:cNvPr id="5" name="Picture 4">
+            <a:extLst>
+              <a:ext uri="{FF2B5EF4-FFF2-40B4-BE49-F238E27FC236}">
+                <a16:creationId xmlns:a16="http://schemas.microsoft.com/office/drawing/2014/main" id="{FC62146B-8F3F-FBBA-B170-9B5114E23759}"/>
+              </a:ext>
+            </a:extLst>
+          </p:cNvPr>
+          <p:cNvPicPr>
+            <a:picLocks noChangeAspect="1"/>
+          </p:cNvPicPr>
+          <p:nvPr/>
+        </p:nvPicPr>
+        <p:blipFill>
+          <a:blip r:embed="rId3"/>
+          <a:srcRect/>
+          <a:stretch/>
+        </p:blipFill>
+        <p:spPr>
+          <a:xfrm>
+            <a:off x="7614323" y="3128404"/>
+            <a:ext cx="601191" cy="601191"/>
+          </a:xfrm>
+          <a:prstGeom prst="rect">
+            <a:avLst/>
+          </a:prstGeom>
+        </p:spPr>
+      </p:pic>
+      <p:pic>
+        <p:nvPicPr>
+          <p:cNvPr id="8" name="Picture 7">
+            <a:extLst>
+              <a:ext uri="{FF2B5EF4-FFF2-40B4-BE49-F238E27FC236}">
+                <a16:creationId xmlns:a16="http://schemas.microsoft.com/office/drawing/2014/main" id="{13E0C9C8-39E9-5C54-FE4C-BAFDCE1B7D0F}"/>
+              </a:ext>
+            </a:extLst>
+          </p:cNvPr>
+          <p:cNvPicPr>
+            <a:picLocks noChangeAspect="1"/>
+          </p:cNvPicPr>
+          <p:nvPr/>
+        </p:nvPicPr>
+        <p:blipFill>
+          <a:blip r:embed="rId4"/>
+          <a:srcRect/>
+          <a:stretch/>
+        </p:blipFill>
+        <p:spPr>
+          <a:xfrm>
+            <a:off x="5376669" y="3136917"/>
+            <a:ext cx="629616" cy="574638"/>
+          </a:xfrm>
+          <a:prstGeom prst="rect">
+            <a:avLst/>
+          </a:prstGeom>
+        </p:spPr>
+      </p:pic>
+      <p:sp>
+        <p:nvSpPr>
+          <p:cNvPr id="10" name="TextBox 9">
+            <a:extLst>
+              <a:ext uri="{FF2B5EF4-FFF2-40B4-BE49-F238E27FC236}">
+                <a16:creationId xmlns:a16="http://schemas.microsoft.com/office/drawing/2014/main" id="{D1794A21-E128-104B-BC5E-57415EA90165}"/>
+              </a:ext>
+            </a:extLst>
+          </p:cNvPr>
+          <p:cNvSpPr txBox="1"/>
+          <p:nvPr/>
+        </p:nvSpPr>
+        <p:spPr>
+          <a:xfrm>
+            <a:off x="9151543" y="3977598"/>
+            <a:ext cx="1935634" cy="400110"/>
+          </a:xfrm>
+          <a:prstGeom prst="rect">
+            <a:avLst/>
+          </a:prstGeom>
+          <a:noFill/>
+        </p:spPr>
+        <p:txBody>
+          <a:bodyPr wrap="square" rtlCol="0">
+            <a:spAutoFit/>
+          </a:bodyPr>
+          <a:lstStyle/>
+          <a:p>
+            <a:pPr algn="ctr"/>
+            <a:r>
+              <a:rPr lang="en-US" sz="2000" b="1" dirty="0"/>
+              <a:t>Mobile Model</a:t>
+            </a:r>
+          </a:p>
+        </p:txBody>
+      </p:sp>
+      <p:sp>
+        <p:nvSpPr>
+          <p:cNvPr id="14" name="TextBox 13">
+            <a:extLst>
+              <a:ext uri="{FF2B5EF4-FFF2-40B4-BE49-F238E27FC236}">
+                <a16:creationId xmlns:a16="http://schemas.microsoft.com/office/drawing/2014/main" id="{5CC1F818-39F8-B166-405C-C7975400ED44}"/>
+              </a:ext>
+            </a:extLst>
+          </p:cNvPr>
+          <p:cNvSpPr txBox="1"/>
+          <p:nvPr/>
+        </p:nvSpPr>
+        <p:spPr>
+          <a:xfrm>
+            <a:off x="6641869" y="3977598"/>
+            <a:ext cx="2558011" cy="707886"/>
+          </a:xfrm>
+          <a:prstGeom prst="rect">
+            <a:avLst/>
+          </a:prstGeom>
+          <a:noFill/>
+        </p:spPr>
+        <p:txBody>
+          <a:bodyPr wrap="square" rtlCol="0">
+            <a:spAutoFit/>
+          </a:bodyPr>
+          <a:lstStyle/>
+          <a:p>
+            <a:pPr algn="ctr"/>
+            <a:r>
+              <a:rPr lang="en-US" sz="2000" b="1" dirty="0"/>
+              <a:t>All In One</a:t>
+            </a:r>
+          </a:p>
+          <a:p>
+            <a:pPr algn="ctr"/>
+            <a:endParaRPr lang="en-US" sz="2000" b="1" dirty="0"/>
+          </a:p>
+        </p:txBody>
+      </p:sp>
+      <p:sp>
+        <p:nvSpPr>
+          <p:cNvPr id="15" name="TextBox 14">
+            <a:extLst>
+              <a:ext uri="{FF2B5EF4-FFF2-40B4-BE49-F238E27FC236}">
+                <a16:creationId xmlns:a16="http://schemas.microsoft.com/office/drawing/2014/main" id="{FBAB8646-ECD4-83B3-C925-659CD4BCBB5B}"/>
+              </a:ext>
+            </a:extLst>
+          </p:cNvPr>
+          <p:cNvSpPr txBox="1"/>
+          <p:nvPr/>
+        </p:nvSpPr>
+        <p:spPr>
+          <a:xfrm>
+            <a:off x="4724601" y="3977598"/>
+            <a:ext cx="2009525" cy="707886"/>
+          </a:xfrm>
+          <a:prstGeom prst="rect">
+            <a:avLst/>
+          </a:prstGeom>
+          <a:noFill/>
+        </p:spPr>
+        <p:txBody>
+          <a:bodyPr wrap="square" rtlCol="0">
+            <a:spAutoFit/>
+          </a:bodyPr>
+          <a:lstStyle/>
+          <a:p>
+            <a:pPr algn="ctr"/>
+            <a:r>
+              <a:rPr lang="en-US" sz="2000" b="1" dirty="0"/>
+              <a:t>Night Vision</a:t>
+            </a:r>
+          </a:p>
+          <a:p>
+            <a:pPr algn="ctr"/>
+            <a:r>
+              <a:rPr lang="en-US" sz="2000" b="1" dirty="0"/>
+              <a:t>Model </a:t>
+            </a:r>
+          </a:p>
+        </p:txBody>
+      </p:sp>
+      <p:pic>
+        <p:nvPicPr>
+          <p:cNvPr id="25" name="Picture 24">
+            <a:extLst>
+              <a:ext uri="{FF2B5EF4-FFF2-40B4-BE49-F238E27FC236}">
+                <a16:creationId xmlns:a16="http://schemas.microsoft.com/office/drawing/2014/main" id="{172F869C-8254-E6CD-9F39-742519C87B5F}"/>
+              </a:ext>
+            </a:extLst>
+          </p:cNvPr>
+          <p:cNvPicPr>
+            <a:picLocks noChangeAspect="1"/>
+          </p:cNvPicPr>
+          <p:nvPr/>
+        </p:nvPicPr>
+        <p:blipFill>
+          <a:blip r:embed="rId5"/>
+          <a:srcRect/>
+          <a:stretch/>
+        </p:blipFill>
+        <p:spPr>
+          <a:xfrm>
+            <a:off x="3271686" y="3216271"/>
+            <a:ext cx="495284" cy="495284"/>
+          </a:xfrm>
+          <a:prstGeom prst="rect">
+            <a:avLst/>
+          </a:prstGeom>
+        </p:spPr>
+      </p:pic>
+      <p:sp>
+        <p:nvSpPr>
+          <p:cNvPr id="26" name="TextBox 25">
+            <a:extLst>
+              <a:ext uri="{FF2B5EF4-FFF2-40B4-BE49-F238E27FC236}">
+                <a16:creationId xmlns:a16="http://schemas.microsoft.com/office/drawing/2014/main" id="{3F77A819-E442-CBA1-3C7E-CF082B21FEEE}"/>
+              </a:ext>
+            </a:extLst>
+          </p:cNvPr>
+          <p:cNvSpPr txBox="1"/>
+          <p:nvPr/>
+        </p:nvSpPr>
+        <p:spPr>
+          <a:xfrm>
+            <a:off x="2633921" y="3977598"/>
+            <a:ext cx="1763944" cy="707886"/>
+          </a:xfrm>
+          <a:prstGeom prst="rect">
+            <a:avLst/>
+          </a:prstGeom>
+          <a:noFill/>
+        </p:spPr>
+        <p:txBody>
+          <a:bodyPr wrap="square" rtlCol="0">
+            <a:spAutoFit/>
+          </a:bodyPr>
+          <a:lstStyle/>
+          <a:p>
+            <a:pPr algn="ctr"/>
+            <a:r>
+              <a:rPr lang="en-US" sz="2000" b="1" dirty="0"/>
+              <a:t>Driver Distraction</a:t>
+            </a:r>
+          </a:p>
+        </p:txBody>
+      </p:sp>
+      <p:pic>
+        <p:nvPicPr>
+          <p:cNvPr id="28" name="Picture 27">
+            <a:extLst>
+              <a:ext uri="{FF2B5EF4-FFF2-40B4-BE49-F238E27FC236}">
+                <a16:creationId xmlns:a16="http://schemas.microsoft.com/office/drawing/2014/main" id="{B8699F91-9EA2-BCA9-C123-DE28870C5719}"/>
+              </a:ext>
+            </a:extLst>
+          </p:cNvPr>
+          <p:cNvPicPr>
+            <a:picLocks noChangeAspect="1"/>
+          </p:cNvPicPr>
+          <p:nvPr/>
+        </p:nvPicPr>
+        <p:blipFill>
+          <a:blip r:embed="rId6"/>
+          <a:srcRect/>
+          <a:stretch/>
+        </p:blipFill>
+        <p:spPr>
+          <a:xfrm>
+            <a:off x="988909" y="3086258"/>
+            <a:ext cx="690716" cy="690716"/>
+          </a:xfrm>
+          <a:prstGeom prst="rect">
+            <a:avLst/>
+          </a:prstGeom>
+        </p:spPr>
+      </p:pic>
+      <p:sp>
+        <p:nvSpPr>
+          <p:cNvPr id="29" name="TextBox 28">
+            <a:extLst>
+              <a:ext uri="{FF2B5EF4-FFF2-40B4-BE49-F238E27FC236}">
+                <a16:creationId xmlns:a16="http://schemas.microsoft.com/office/drawing/2014/main" id="{CB5EF82F-24FF-CA97-F380-4D41120EE2BA}"/>
+              </a:ext>
+            </a:extLst>
+          </p:cNvPr>
+          <p:cNvSpPr txBox="1"/>
+          <p:nvPr/>
+        </p:nvSpPr>
+        <p:spPr>
+          <a:xfrm>
+            <a:off x="317441" y="3977598"/>
+            <a:ext cx="2316480" cy="400110"/>
+          </a:xfrm>
+          <a:prstGeom prst="rect">
+            <a:avLst/>
+          </a:prstGeom>
+          <a:noFill/>
+        </p:spPr>
+        <p:txBody>
+          <a:bodyPr wrap="square" rtlCol="0">
+            <a:spAutoFit/>
+          </a:bodyPr>
+          <a:lstStyle/>
+          <a:p>
+            <a:pPr algn="ctr"/>
+            <a:r>
+              <a:rPr lang="en-US" sz="2000" b="1" dirty="0"/>
+              <a:t>Lane Detection</a:t>
+            </a:r>
+          </a:p>
+        </p:txBody>
+      </p:sp>
+    </p:spTree>
+    <p:extLst>
+      <p:ext uri="{BB962C8B-B14F-4D97-AF65-F5344CB8AC3E}">
+        <p14:creationId xmlns:p14="http://schemas.microsoft.com/office/powerpoint/2010/main" val="2588278257"/>
       </p:ext>
     </p:extLst>
   </p:cSld>
@@ -19522,6 +19829,123 @@
     <p:extLst>
       <p:ext uri="{BB962C8B-B14F-4D97-AF65-F5344CB8AC3E}">
         <p14:creationId xmlns:p14="http://schemas.microsoft.com/office/powerpoint/2010/main" val="3167172060"/>
+      </p:ext>
+    </p:extLst>
+  </p:cSld>
+  <p:clrMapOvr>
+    <a:masterClrMapping/>
+  </p:clrMapOvr>
+</p:sld>
+</file>
+
+<file path=ppt/slides/slide20.xml><?xml version="1.0" encoding="utf-8"?>
+<p:sld xmlns:a="http://schemas.openxmlformats.org/drawingml/2006/main" xmlns:r="http://schemas.openxmlformats.org/officeDocument/2006/relationships" xmlns:p="http://schemas.openxmlformats.org/presentationml/2006/main">
+  <p:cSld>
+    <p:spTree>
+      <p:nvGrpSpPr>
+        <p:cNvPr id="1" name=""/>
+        <p:cNvGrpSpPr/>
+        <p:nvPr/>
+      </p:nvGrpSpPr>
+      <p:grpSpPr>
+        <a:xfrm>
+          <a:off x="0" y="0"/>
+          <a:ext cx="0" cy="0"/>
+          <a:chOff x="0" y="0"/>
+          <a:chExt cx="0" cy="0"/>
+        </a:xfrm>
+      </p:grpSpPr>
+      <p:sp>
+        <p:nvSpPr>
+          <p:cNvPr id="4" name="Title 3">
+            <a:extLst>
+              <a:ext uri="{FF2B5EF4-FFF2-40B4-BE49-F238E27FC236}">
+                <a16:creationId xmlns:a16="http://schemas.microsoft.com/office/drawing/2014/main" id="{2E0C54B5-6876-DE29-A5F3-B88D01DEC8B1}"/>
+              </a:ext>
+            </a:extLst>
+          </p:cNvPr>
+          <p:cNvSpPr>
+            <a:spLocks noGrp="1"/>
+          </p:cNvSpPr>
+          <p:nvPr>
+            <p:ph type="ctrTitle"/>
+          </p:nvPr>
+        </p:nvSpPr>
+        <p:spPr>
+          <a:xfrm>
+            <a:off x="6323984" y="3429000"/>
+            <a:ext cx="10970957" cy="850971"/>
+          </a:xfrm>
+        </p:spPr>
+        <p:txBody>
+          <a:bodyPr anchor="b">
+            <a:normAutofit/>
+          </a:bodyPr>
+          <a:lstStyle/>
+          <a:p>
+            <a:r>
+              <a:rPr lang="en-US" dirty="0"/>
+              <a:t>Thank You</a:t>
+            </a:r>
+          </a:p>
+        </p:txBody>
+      </p:sp>
+      <p:sp>
+        <p:nvSpPr>
+          <p:cNvPr id="2" name="Slide Number Placeholder 1" hidden="1">
+            <a:extLst>
+              <a:ext uri="{FF2B5EF4-FFF2-40B4-BE49-F238E27FC236}">
+                <a16:creationId xmlns:a16="http://schemas.microsoft.com/office/drawing/2014/main" id="{CDA0EE6B-EE8E-9469-CA34-4A27CB4D7D0C}"/>
+              </a:ext>
+            </a:extLst>
+          </p:cNvPr>
+          <p:cNvSpPr>
+            <a:spLocks noGrp="1"/>
+          </p:cNvSpPr>
+          <p:nvPr>
+            <p:ph type="sldNum" sz="quarter" idx="4294967295"/>
+          </p:nvPr>
+        </p:nvSpPr>
+        <p:spPr>
+          <a:xfrm>
+            <a:off x="11363696" y="6455739"/>
+            <a:ext cx="294460" cy="187367"/>
+          </a:xfrm>
+        </p:spPr>
+        <p:txBody>
+          <a:bodyPr anchor="ctr">
+            <a:normAutofit/>
+          </a:bodyPr>
+          <a:lstStyle/>
+          <a:p>
+            <a:pPr>
+              <a:lnSpc>
+                <a:spcPct val="90000"/>
+              </a:lnSpc>
+              <a:spcAft>
+                <a:spcPts val="600"/>
+              </a:spcAft>
+            </a:pPr>
+            <a:fld id="{9EC71654-96A5-4280-94F3-931C61A9F92C}" type="slidenum">
+              <a:rPr lang="en-US" sz="200" noProof="0" smtClean="0"/>
+              <a:pPr>
+                <a:lnSpc>
+                  <a:spcPct val="90000"/>
+                </a:lnSpc>
+                <a:spcAft>
+                  <a:spcPts val="600"/>
+                </a:spcAft>
+              </a:pPr>
+              <a:t>20</a:t>
+            </a:fld>
+            <a:endParaRPr lang="en-US" sz="200" noProof="0"/>
+          </a:p>
+        </p:txBody>
+      </p:sp>
+    </p:spTree>
+    <p:extLst>
+      <p:ext uri="{BB962C8B-B14F-4D97-AF65-F5344CB8AC3E}">
+        <p14:creationId xmlns:p14="http://schemas.microsoft.com/office/powerpoint/2010/main" val="1773024617"/>
       </p:ext>
     </p:extLst>
   </p:cSld>
@@ -19889,10 +20313,10 @@
       </p:grpSpPr>
       <p:sp>
         <p:nvSpPr>
-          <p:cNvPr id="3" name="Slide Number Placeholder 2">
-            <a:extLst>
-              <a:ext uri="{FF2B5EF4-FFF2-40B4-BE49-F238E27FC236}">
-                <a16:creationId xmlns:a16="http://schemas.microsoft.com/office/drawing/2014/main" id="{BA9DE796-AEEF-8377-7A18-A6D74B26218E}"/>
+          <p:cNvPr id="2" name="Slide Number Placeholder 1">
+            <a:extLst>
+              <a:ext uri="{FF2B5EF4-FFF2-40B4-BE49-F238E27FC236}">
+                <a16:creationId xmlns:a16="http://schemas.microsoft.com/office/drawing/2014/main" id="{C6DDCE2E-DB39-C5CF-213C-34A1A0CFD40F}"/>
               </a:ext>
             </a:extLst>
           </p:cNvPr>
@@ -19903,42 +20327,55 @@
             <p:ph type="sldNum" sz="quarter" idx="12"/>
           </p:nvPr>
         </p:nvSpPr>
-        <p:spPr>
-          <a:xfrm>
-            <a:off x="11363696" y="6455739"/>
-            <a:ext cx="294460" cy="187367"/>
-          </a:xfrm>
-        </p:spPr>
+        <p:spPr/>
         <p:txBody>
-          <a:bodyPr anchor="ctr">
-            <a:normAutofit/>
-          </a:bodyPr>
+          <a:bodyPr/>
           <a:lstStyle/>
           <a:p>
-            <a:pPr>
-              <a:spcAft>
-                <a:spcPts val="600"/>
-              </a:spcAft>
-            </a:pPr>
             <a:fld id="{9EC71654-96A5-4280-94F3-931C61A9F92C}" type="slidenum">
               <a:rPr lang="en-US" noProof="0" smtClean="0"/>
-              <a:pPr>
-                <a:spcAft>
-                  <a:spcPts val="600"/>
-                </a:spcAft>
-              </a:pPr>
+              <a:pPr/>
               <a:t>5</a:t>
             </a:fld>
-            <a:endParaRPr lang="en-US" noProof="0"/>
+            <a:endParaRPr lang="en-US" noProof="0" dirty="0"/>
           </a:p>
         </p:txBody>
       </p:sp>
+      <p:pic>
+        <p:nvPicPr>
+          <p:cNvPr id="6" name="Content Placeholder 5" descr="Graphical user interface&#10;&#10;Description automatically generated">
+            <a:extLst>
+              <a:ext uri="{FF2B5EF4-FFF2-40B4-BE49-F238E27FC236}">
+                <a16:creationId xmlns:a16="http://schemas.microsoft.com/office/drawing/2014/main" id="{C82BFDB4-0BBA-1D76-367D-3037D02391BD}"/>
+              </a:ext>
+            </a:extLst>
+          </p:cNvPr>
+          <p:cNvPicPr>
+            <a:picLocks noGrp="1" noChangeAspect="1"/>
+          </p:cNvPicPr>
+          <p:nvPr>
+            <p:ph idx="1"/>
+          </p:nvPr>
+        </p:nvPicPr>
+        <p:blipFill>
+          <a:blip r:embed="rId2"/>
+          <a:stretch>
+            <a:fillRect/>
+          </a:stretch>
+        </p:blipFill>
+        <p:spPr>
+          <a:xfrm>
+            <a:off x="515937" y="1867631"/>
+            <a:ext cx="11176703" cy="4400741"/>
+          </a:xfrm>
+        </p:spPr>
+      </p:pic>
       <p:sp>
         <p:nvSpPr>
-          <p:cNvPr id="12" name="Title 3">
-            <a:extLst>
-              <a:ext uri="{FF2B5EF4-FFF2-40B4-BE49-F238E27FC236}">
-                <a16:creationId xmlns:a16="http://schemas.microsoft.com/office/drawing/2014/main" id="{5F27F202-37DA-2389-C323-0E40D13B7C38}"/>
+          <p:cNvPr id="4" name="Title 3">
+            <a:extLst>
+              <a:ext uri="{FF2B5EF4-FFF2-40B4-BE49-F238E27FC236}">
+                <a16:creationId xmlns:a16="http://schemas.microsoft.com/office/drawing/2014/main" id="{5539E4F2-FEA6-EDAF-95E5-3D9E7224E583}"/>
               </a:ext>
             </a:extLst>
           </p:cNvPr>
@@ -19949,16 +20386,9 @@
             <p:ph type="title"/>
           </p:nvPr>
         </p:nvSpPr>
-        <p:spPr>
-          <a:xfrm>
-            <a:off x="515938" y="246621"/>
-            <a:ext cx="11150600" cy="920336"/>
-          </a:xfrm>
-        </p:spPr>
+        <p:spPr/>
         <p:txBody>
-          <a:bodyPr anchor="b">
-            <a:normAutofit/>
-          </a:bodyPr>
+          <a:bodyPr/>
           <a:lstStyle/>
           <a:p>
             <a:r>
@@ -19968,40 +20398,10 @@
           </a:p>
         </p:txBody>
       </p:sp>
-      <p:pic>
-        <p:nvPicPr>
-          <p:cNvPr id="4" name="Picture 3" descr="Graphical user interface, text, application&#10;&#10;Description automatically generated">
-            <a:extLst>
-              <a:ext uri="{FF2B5EF4-FFF2-40B4-BE49-F238E27FC236}">
-                <a16:creationId xmlns:a16="http://schemas.microsoft.com/office/drawing/2014/main" id="{1BAAB45B-8202-6A1F-8757-C51FCE620BC2}"/>
-              </a:ext>
-            </a:extLst>
-          </p:cNvPr>
-          <p:cNvPicPr>
-            <a:picLocks noChangeAspect="1"/>
-          </p:cNvPicPr>
-          <p:nvPr/>
-        </p:nvPicPr>
-        <p:blipFill>
-          <a:blip r:embed="rId2"/>
-          <a:stretch>
-            <a:fillRect/>
-          </a:stretch>
-        </p:blipFill>
-        <p:spPr>
-          <a:xfrm>
-            <a:off x="547249" y="3521363"/>
-            <a:ext cx="11097501" cy="2491509"/>
-          </a:xfrm>
-          <a:prstGeom prst="rect">
-            <a:avLst/>
-          </a:prstGeom>
-        </p:spPr>
-      </p:pic>
     </p:spTree>
     <p:extLst>
       <p:ext uri="{BB962C8B-B14F-4D97-AF65-F5344CB8AC3E}">
-        <p14:creationId xmlns:p14="http://schemas.microsoft.com/office/powerpoint/2010/main" val="3122867381"/>
+        <p14:creationId xmlns:p14="http://schemas.microsoft.com/office/powerpoint/2010/main" val="2350462750"/>
       </p:ext>
     </p:extLst>
   </p:cSld>
@@ -20030,10 +20430,10 @@
       </p:grpSpPr>
       <p:sp>
         <p:nvSpPr>
-          <p:cNvPr id="2" name="Slide Number Placeholder 1">
-            <a:extLst>
-              <a:ext uri="{FF2B5EF4-FFF2-40B4-BE49-F238E27FC236}">
-                <a16:creationId xmlns:a16="http://schemas.microsoft.com/office/drawing/2014/main" id="{9BF83745-348F-A678-DFFD-057D466170C9}"/>
+          <p:cNvPr id="3" name="Slide Number Placeholder 2">
+            <a:extLst>
+              <a:ext uri="{FF2B5EF4-FFF2-40B4-BE49-F238E27FC236}">
+                <a16:creationId xmlns:a16="http://schemas.microsoft.com/office/drawing/2014/main" id="{BA9DE796-AEEF-8377-7A18-A6D74B26218E}"/>
               </a:ext>
             </a:extLst>
           </p:cNvPr>
@@ -20044,35 +20444,84 @@
             <p:ph type="sldNum" sz="quarter" idx="12"/>
           </p:nvPr>
         </p:nvSpPr>
-        <p:spPr/>
+        <p:spPr>
+          <a:xfrm>
+            <a:off x="11363696" y="6455739"/>
+            <a:ext cx="294460" cy="187367"/>
+          </a:xfrm>
+        </p:spPr>
         <p:txBody>
-          <a:bodyPr/>
+          <a:bodyPr anchor="ctr">
+            <a:normAutofit/>
+          </a:bodyPr>
           <a:lstStyle/>
           <a:p>
+            <a:pPr>
+              <a:spcAft>
+                <a:spcPts val="600"/>
+              </a:spcAft>
+            </a:pPr>
             <a:fld id="{9EC71654-96A5-4280-94F3-931C61A9F92C}" type="slidenum">
               <a:rPr lang="en-US" noProof="0" smtClean="0"/>
-              <a:pPr/>
+              <a:pPr>
+                <a:spcAft>
+                  <a:spcPts val="600"/>
+                </a:spcAft>
+              </a:pPr>
               <a:t>6</a:t>
             </a:fld>
-            <a:endParaRPr lang="en-US" noProof="0" dirty="0"/>
+            <a:endParaRPr lang="en-US" noProof="0"/>
+          </a:p>
+        </p:txBody>
+      </p:sp>
+      <p:sp>
+        <p:nvSpPr>
+          <p:cNvPr id="12" name="Title 3">
+            <a:extLst>
+              <a:ext uri="{FF2B5EF4-FFF2-40B4-BE49-F238E27FC236}">
+                <a16:creationId xmlns:a16="http://schemas.microsoft.com/office/drawing/2014/main" id="{5F27F202-37DA-2389-C323-0E40D13B7C38}"/>
+              </a:ext>
+            </a:extLst>
+          </p:cNvPr>
+          <p:cNvSpPr>
+            <a:spLocks noGrp="1"/>
+          </p:cNvSpPr>
+          <p:nvPr>
+            <p:ph type="title"/>
+          </p:nvPr>
+        </p:nvSpPr>
+        <p:spPr>
+          <a:xfrm>
+            <a:off x="515938" y="246621"/>
+            <a:ext cx="11150600" cy="920336"/>
+          </a:xfrm>
+        </p:spPr>
+        <p:txBody>
+          <a:bodyPr anchor="b">
+            <a:normAutofit/>
+          </a:bodyPr>
+          <a:lstStyle/>
+          <a:p>
+            <a:r>
+              <a:rPr lang="en-US" dirty="0"/>
+              <a:t>Architecture</a:t>
+            </a:r>
           </a:p>
         </p:txBody>
       </p:sp>
       <p:pic>
         <p:nvPicPr>
-          <p:cNvPr id="6" name="Content Placeholder 5" descr="Graphical user interface, application&#10;&#10;Description automatically generated">
-            <a:extLst>
-              <a:ext uri="{FF2B5EF4-FFF2-40B4-BE49-F238E27FC236}">
-                <a16:creationId xmlns:a16="http://schemas.microsoft.com/office/drawing/2014/main" id="{167992B9-756B-6B2F-A570-74FF017FB9D8}"/>
+          <p:cNvPr id="4" name="Picture 3" descr="Graphical user interface, text, application&#10;&#10;Description automatically generated">
+            <a:extLst>
+              <a:ext uri="{FF2B5EF4-FFF2-40B4-BE49-F238E27FC236}">
+                <a16:creationId xmlns:a16="http://schemas.microsoft.com/office/drawing/2014/main" id="{1BAAB45B-8202-6A1F-8757-C51FCE620BC2}"/>
               </a:ext>
             </a:extLst>
           </p:cNvPr>
           <p:cNvPicPr>
-            <a:picLocks noGrp="1" noChangeAspect="1"/>
+            <a:picLocks noChangeAspect="1"/>
           </p:cNvPicPr>
-          <p:nvPr>
-            <p:ph idx="1"/>
-          </p:nvPr>
+          <p:nvPr/>
         </p:nvPicPr>
         <p:blipFill>
           <a:blip r:embed="rId2"/>
@@ -20082,43 +20531,18 @@
         </p:blipFill>
         <p:spPr>
           <a:xfrm>
-            <a:off x="1496219" y="1848644"/>
-            <a:ext cx="8877300" cy="4305300"/>
-          </a:xfrm>
+            <a:off x="547249" y="3521363"/>
+            <a:ext cx="11097501" cy="2491509"/>
+          </a:xfrm>
+          <a:prstGeom prst="rect">
+            <a:avLst/>
+          </a:prstGeom>
         </p:spPr>
       </p:pic>
-      <p:sp>
-        <p:nvSpPr>
-          <p:cNvPr id="4" name="Title 3">
-            <a:extLst>
-              <a:ext uri="{FF2B5EF4-FFF2-40B4-BE49-F238E27FC236}">
-                <a16:creationId xmlns:a16="http://schemas.microsoft.com/office/drawing/2014/main" id="{4F2385C9-0856-8484-61EB-AEF0842B69D4}"/>
-              </a:ext>
-            </a:extLst>
-          </p:cNvPr>
-          <p:cNvSpPr>
-            <a:spLocks noGrp="1"/>
-          </p:cNvSpPr>
-          <p:nvPr>
-            <p:ph type="title"/>
-          </p:nvPr>
-        </p:nvSpPr>
-        <p:spPr/>
-        <p:txBody>
-          <a:bodyPr/>
-          <a:lstStyle/>
-          <a:p>
-            <a:r>
-              <a:rPr lang="en-US" dirty="0"/>
-              <a:t>Architecture</a:t>
-            </a:r>
-          </a:p>
-        </p:txBody>
-      </p:sp>
     </p:spTree>
     <p:extLst>
       <p:ext uri="{BB962C8B-B14F-4D97-AF65-F5344CB8AC3E}">
-        <p14:creationId xmlns:p14="http://schemas.microsoft.com/office/powerpoint/2010/main" val="3288796059"/>
+        <p14:creationId xmlns:p14="http://schemas.microsoft.com/office/powerpoint/2010/main" val="3122867381"/>
       </p:ext>
     </p:extLst>
   </p:cSld>
@@ -20150,7 +20574,7 @@
           <p:cNvPr id="2" name="Slide Number Placeholder 1">
             <a:extLst>
               <a:ext uri="{FF2B5EF4-FFF2-40B4-BE49-F238E27FC236}">
-                <a16:creationId xmlns:a16="http://schemas.microsoft.com/office/drawing/2014/main" id="{0F33641D-FD80-5A92-B6D5-BDAE3DA375C9}"/>
+                <a16:creationId xmlns:a16="http://schemas.microsoft.com/office/drawing/2014/main" id="{9BF83745-348F-A678-DFFD-057D466170C9}"/>
               </a:ext>
             </a:extLst>
           </p:cNvPr>
@@ -20180,7 +20604,7 @@
           <p:cNvPr id="6" name="Content Placeholder 5" descr="Graphical user interface, application&#10;&#10;Description automatically generated">
             <a:extLst>
               <a:ext uri="{FF2B5EF4-FFF2-40B4-BE49-F238E27FC236}">
-                <a16:creationId xmlns:a16="http://schemas.microsoft.com/office/drawing/2014/main" id="{4F7B0E4F-F9B1-601D-9D01-56FC982AC565}"/>
+                <a16:creationId xmlns:a16="http://schemas.microsoft.com/office/drawing/2014/main" id="{167992B9-756B-6B2F-A570-74FF017FB9D8}"/>
               </a:ext>
             </a:extLst>
           </p:cNvPr>
@@ -20199,8 +20623,8 @@
         </p:blipFill>
         <p:spPr>
           <a:xfrm>
-            <a:off x="1496219" y="1896269"/>
-            <a:ext cx="8877300" cy="4210050"/>
+            <a:off x="1496219" y="1848644"/>
+            <a:ext cx="8877300" cy="4305300"/>
           </a:xfrm>
         </p:spPr>
       </p:pic>
@@ -20209,7 +20633,7 @@
           <p:cNvPr id="4" name="Title 3">
             <a:extLst>
               <a:ext uri="{FF2B5EF4-FFF2-40B4-BE49-F238E27FC236}">
-                <a16:creationId xmlns:a16="http://schemas.microsoft.com/office/drawing/2014/main" id="{EE82DCF6-21CE-FDA2-3064-14C03464FF46}"/>
+                <a16:creationId xmlns:a16="http://schemas.microsoft.com/office/drawing/2014/main" id="{4F2385C9-0856-8484-61EB-AEF0842B69D4}"/>
               </a:ext>
             </a:extLst>
           </p:cNvPr>
@@ -20235,7 +20659,7 @@
     </p:spTree>
     <p:extLst>
       <p:ext uri="{BB962C8B-B14F-4D97-AF65-F5344CB8AC3E}">
-        <p14:creationId xmlns:p14="http://schemas.microsoft.com/office/powerpoint/2010/main" val="4083003984"/>
+        <p14:creationId xmlns:p14="http://schemas.microsoft.com/office/powerpoint/2010/main" val="3288796059"/>
       </p:ext>
     </p:extLst>
   </p:cSld>
@@ -20267,7 +20691,7 @@
           <p:cNvPr id="2" name="Slide Number Placeholder 1">
             <a:extLst>
               <a:ext uri="{FF2B5EF4-FFF2-40B4-BE49-F238E27FC236}">
-                <a16:creationId xmlns:a16="http://schemas.microsoft.com/office/drawing/2014/main" id="{C6DDCE2E-DB39-C5CF-213C-34A1A0CFD40F}"/>
+                <a16:creationId xmlns:a16="http://schemas.microsoft.com/office/drawing/2014/main" id="{0F33641D-FD80-5A92-B6D5-BDAE3DA375C9}"/>
               </a:ext>
             </a:extLst>
           </p:cNvPr>
@@ -20294,10 +20718,10 @@
       </p:sp>
       <p:pic>
         <p:nvPicPr>
-          <p:cNvPr id="6" name="Content Placeholder 5" descr="Graphical user interface&#10;&#10;Description automatically generated">
-            <a:extLst>
-              <a:ext uri="{FF2B5EF4-FFF2-40B4-BE49-F238E27FC236}">
-                <a16:creationId xmlns:a16="http://schemas.microsoft.com/office/drawing/2014/main" id="{C82BFDB4-0BBA-1D76-367D-3037D02391BD}"/>
+          <p:cNvPr id="6" name="Content Placeholder 5" descr="Graphical user interface, application&#10;&#10;Description automatically generated">
+            <a:extLst>
+              <a:ext uri="{FF2B5EF4-FFF2-40B4-BE49-F238E27FC236}">
+                <a16:creationId xmlns:a16="http://schemas.microsoft.com/office/drawing/2014/main" id="{4F7B0E4F-F9B1-601D-9D01-56FC982AC565}"/>
               </a:ext>
             </a:extLst>
           </p:cNvPr>
@@ -20316,8 +20740,8 @@
         </p:blipFill>
         <p:spPr>
           <a:xfrm>
-            <a:off x="515937" y="1867631"/>
-            <a:ext cx="11176703" cy="4400741"/>
+            <a:off x="1496219" y="1896269"/>
+            <a:ext cx="8877300" cy="4210050"/>
           </a:xfrm>
         </p:spPr>
       </p:pic>
@@ -20326,7 +20750,7 @@
           <p:cNvPr id="4" name="Title 3">
             <a:extLst>
               <a:ext uri="{FF2B5EF4-FFF2-40B4-BE49-F238E27FC236}">
-                <a16:creationId xmlns:a16="http://schemas.microsoft.com/office/drawing/2014/main" id="{5539E4F2-FEA6-EDAF-95E5-3D9E7224E583}"/>
+                <a16:creationId xmlns:a16="http://schemas.microsoft.com/office/drawing/2014/main" id="{EE82DCF6-21CE-FDA2-3064-14C03464FF46}"/>
               </a:ext>
             </a:extLst>
           </p:cNvPr>
@@ -20352,7 +20776,7 @@
     </p:spTree>
     <p:extLst>
       <p:ext uri="{BB962C8B-B14F-4D97-AF65-F5344CB8AC3E}">
-        <p14:creationId xmlns:p14="http://schemas.microsoft.com/office/powerpoint/2010/main" val="2350462750"/>
+        <p14:creationId xmlns:p14="http://schemas.microsoft.com/office/powerpoint/2010/main" val="4083003984"/>
       </p:ext>
     </p:extLst>
   </p:cSld>
@@ -21296,6 +21720,14 @@
 </file>
 
 <file path=customXml/item1.xml><?xml version="1.0" encoding="utf-8"?>
+<p:properties xmlns:p="http://schemas.microsoft.com/office/2006/metadata/properties" xmlns:xsi="http://www.w3.org/2001/XMLSchema-instance" xmlns:pc="http://schemas.microsoft.com/office/infopath/2007/PartnerControls">
+  <documentManagement>
+    <MediaServiceKeyPoints xmlns="71af3243-3dd4-4a8d-8c0d-dd76da1f02a5" xsi:nil="true"/>
+  </documentManagement>
+</p:properties>
+</file>
+
+<file path=customXml/item2.xml><?xml version="1.0" encoding="utf-8"?>
 <ct:contentTypeSchema xmlns:ct="http://schemas.microsoft.com/office/2006/metadata/contentType" xmlns:ma="http://schemas.microsoft.com/office/2006/metadata/properties/metaAttributes" ct:_="" ma:_="" ma:contentTypeName="Document" ma:contentTypeID="0x01010079F111ED35F8CC479449609E8A0923A6" ma:contentTypeVersion="11" ma:contentTypeDescription="Create a new document." ma:contentTypeScope="" ma:versionID="9677210f24a1be23c92c90fd886aa0aa">
   <xsd:schema xmlns:xsd="http://www.w3.org/2001/XMLSchema" xmlns:xs="http://www.w3.org/2001/XMLSchema" xmlns:p="http://schemas.microsoft.com/office/2006/metadata/properties" xmlns:ns2="71af3243-3dd4-4a8d-8c0d-dd76da1f02a5" xmlns:ns3="16c05727-aa75-4e4a-9b5f-8a80a1165891" targetNamespace="http://schemas.microsoft.com/office/2006/metadata/properties" ma:root="true" ma:fieldsID="60e05723c5c1908df1a1a4ebf11d344e" ns2:_="" ns3:_="">
     <xsd:import namespace="71af3243-3dd4-4a8d-8c0d-dd76da1f02a5"/>
@@ -21506,14 +21938,6 @@
 </ct:contentTypeSchema>
 </file>
 
-<file path=customXml/item2.xml><?xml version="1.0" encoding="utf-8"?>
-<p:properties xmlns:p="http://schemas.microsoft.com/office/2006/metadata/properties" xmlns:xsi="http://www.w3.org/2001/XMLSchema-instance" xmlns:pc="http://schemas.microsoft.com/office/infopath/2007/PartnerControls">
-  <documentManagement>
-    <MediaServiceKeyPoints xmlns="71af3243-3dd4-4a8d-8c0d-dd76da1f02a5" xsi:nil="true"/>
-  </documentManagement>
-</p:properties>
-</file>
-
 <file path=customXml/item3.xml><?xml version="1.0" encoding="utf-8"?>
 <?mso-contentType ?>
 <FormTemplates xmlns="http://schemas.microsoft.com/sharepoint/v3/contenttype/forms">
@@ -21524,6 +21948,16 @@
 </file>
 
 <file path=customXml/itemProps1.xml><?xml version="1.0" encoding="utf-8"?>
+<ds:datastoreItem xmlns:ds="http://schemas.openxmlformats.org/officeDocument/2006/customXml" ds:itemID="{CEA9B47F-3DD8-4645-81DC-B88780643C07}">
+  <ds:schemaRefs>
+    <ds:schemaRef ds:uri="http://schemas.microsoft.com/office/2006/metadata/properties"/>
+    <ds:schemaRef ds:uri="http://schemas.microsoft.com/office/infopath/2007/PartnerControls"/>
+    <ds:schemaRef ds:uri="71af3243-3dd4-4a8d-8c0d-dd76da1f02a5"/>
+  </ds:schemaRefs>
+</ds:datastoreItem>
+</file>
+
+<file path=customXml/itemProps2.xml><?xml version="1.0" encoding="utf-8"?>
 <ds:datastoreItem xmlns:ds="http://schemas.openxmlformats.org/officeDocument/2006/customXml" ds:itemID="{631071E6-22AE-499A-B09C-BF21CF5F7483}">
   <ds:schemaRefs>
     <ds:schemaRef ds:uri="http://schemas.microsoft.com/office/2006/metadata/contentType"/>
@@ -21542,16 +21976,6 @@
 </ds:datastoreItem>
 </file>
 
-<file path=customXml/itemProps2.xml><?xml version="1.0" encoding="utf-8"?>
-<ds:datastoreItem xmlns:ds="http://schemas.openxmlformats.org/officeDocument/2006/customXml" ds:itemID="{CEA9B47F-3DD8-4645-81DC-B88780643C07}">
-  <ds:schemaRefs>
-    <ds:schemaRef ds:uri="http://schemas.microsoft.com/office/2006/metadata/properties"/>
-    <ds:schemaRef ds:uri="http://schemas.microsoft.com/office/infopath/2007/PartnerControls"/>
-    <ds:schemaRef ds:uri="71af3243-3dd4-4a8d-8c0d-dd76da1f02a5"/>
-  </ds:schemaRefs>
-</ds:datastoreItem>
-</file>
-
 <file path=customXml/itemProps3.xml><?xml version="1.0" encoding="utf-8"?>
 <ds:datastoreItem xmlns:ds="http://schemas.openxmlformats.org/officeDocument/2006/customXml" ds:itemID="{B0C07E3D-60A7-4F4E-8208-D9CCD01982CB}">
   <ds:schemaRefs>

--- a/HawkEye.pptx
+++ b/HawkEye.pptx
@@ -5,10 +5,10 @@
     <p:sldMasterId id="2147483648" r:id="rId4"/>
   </p:sldMasterIdLst>
   <p:notesMasterIdLst>
-    <p:notesMasterId r:id="rId25"/>
+    <p:notesMasterId r:id="rId26"/>
   </p:notesMasterIdLst>
   <p:handoutMasterIdLst>
-    <p:handoutMasterId r:id="rId26"/>
+    <p:handoutMasterId r:id="rId27"/>
   </p:handoutMasterIdLst>
   <p:sldIdLst>
     <p:sldId id="257" r:id="rId5"/>
@@ -17,20 +17,21 @@
     <p:sldId id="284" r:id="rId8"/>
     <p:sldId id="292" r:id="rId9"/>
     <p:sldId id="277" r:id="rId10"/>
-    <p:sldId id="290" r:id="rId11"/>
-    <p:sldId id="291" r:id="rId12"/>
+    <p:sldId id="291" r:id="rId11"/>
+    <p:sldId id="290" r:id="rId12"/>
     <p:sldId id="278" r:id="rId13"/>
-    <p:sldId id="270" r:id="rId14"/>
-    <p:sldId id="295" r:id="rId15"/>
-    <p:sldId id="296" r:id="rId16"/>
-    <p:sldId id="297" r:id="rId17"/>
-    <p:sldId id="279" r:id="rId18"/>
-    <p:sldId id="283" r:id="rId19"/>
-    <p:sldId id="285" r:id="rId20"/>
-    <p:sldId id="286" r:id="rId21"/>
-    <p:sldId id="289" r:id="rId22"/>
-    <p:sldId id="294" r:id="rId23"/>
-    <p:sldId id="287" r:id="rId24"/>
+    <p:sldId id="298" r:id="rId14"/>
+    <p:sldId id="270" r:id="rId15"/>
+    <p:sldId id="295" r:id="rId16"/>
+    <p:sldId id="296" r:id="rId17"/>
+    <p:sldId id="297" r:id="rId18"/>
+    <p:sldId id="279" r:id="rId19"/>
+    <p:sldId id="283" r:id="rId20"/>
+    <p:sldId id="285" r:id="rId21"/>
+    <p:sldId id="286" r:id="rId22"/>
+    <p:sldId id="289" r:id="rId23"/>
+    <p:sldId id="294" r:id="rId24"/>
+    <p:sldId id="287" r:id="rId25"/>
   </p:sldIdLst>
   <p:sldSz cx="12192000" cy="6858000"/>
   <p:notesSz cx="6858000" cy="9144000"/>
@@ -1006,7 +1007,7 @@
           <a:p>
             <a:fld id="{6336304E-FDE3-4B4F-A3B7-EBE87F3FA5E2}" type="slidenum">
               <a:rPr lang="en-US" smtClean="0"/>
-              <a:t>10</a:t>
+              <a:t>11</a:t>
             </a:fld>
             <a:endParaRPr lang="en-US"/>
           </a:p>
@@ -17208,10 +17209,10 @@
       </p:grpSpPr>
       <p:sp>
         <p:nvSpPr>
-          <p:cNvPr id="4" name="Slide Number Placeholder 3">
-            <a:extLst>
-              <a:ext uri="{FF2B5EF4-FFF2-40B4-BE49-F238E27FC236}">
-                <a16:creationId xmlns:a16="http://schemas.microsoft.com/office/drawing/2014/main" id="{0BDDBFEE-BC50-46CF-AB8F-D145B99B57A6}"/>
+          <p:cNvPr id="4" name="Title 3">
+            <a:extLst>
+              <a:ext uri="{FF2B5EF4-FFF2-40B4-BE49-F238E27FC236}">
+                <a16:creationId xmlns:a16="http://schemas.microsoft.com/office/drawing/2014/main" id="{2E0C54B5-6876-DE29-A5F3-B88D01DEC8B1}"/>
               </a:ext>
             </a:extLst>
           </p:cNvPr>
@@ -17219,7 +17220,70 @@
             <a:spLocks noGrp="1"/>
           </p:cNvSpPr>
           <p:nvPr>
-            <p:ph type="sldNum" sz="quarter" idx="12"/>
+            <p:ph type="ctrTitle"/>
+          </p:nvPr>
+        </p:nvSpPr>
+        <p:spPr>
+          <a:xfrm>
+            <a:off x="6337300" y="2971800"/>
+            <a:ext cx="5143500" cy="1292296"/>
+          </a:xfrm>
+        </p:spPr>
+        <p:txBody>
+          <a:bodyPr anchor="b">
+            <a:normAutofit/>
+          </a:bodyPr>
+          <a:lstStyle/>
+          <a:p>
+            <a:r>
+              <a:rPr lang="en-US" dirty="0"/>
+              <a:t>Workflow</a:t>
+            </a:r>
+          </a:p>
+        </p:txBody>
+      </p:sp>
+      <p:pic>
+        <p:nvPicPr>
+          <p:cNvPr id="6" name="Picture Placeholder 5">
+            <a:extLst>
+              <a:ext uri="{FF2B5EF4-FFF2-40B4-BE49-F238E27FC236}">
+                <a16:creationId xmlns:a16="http://schemas.microsoft.com/office/drawing/2014/main" id="{BBD507E0-C445-45A5-000D-A42E3C8A8362}"/>
+              </a:ext>
+            </a:extLst>
+          </p:cNvPr>
+          <p:cNvPicPr>
+            <a:picLocks noGrp="1" noChangeAspect="1"/>
+          </p:cNvPicPr>
+          <p:nvPr>
+            <p:ph type="pic" sz="quarter" idx="10"/>
+          </p:nvPr>
+        </p:nvPicPr>
+        <p:blipFill>
+          <a:blip r:embed="rId2"/>
+          <a:srcRect l="14615" r="14615"/>
+          <a:stretch/>
+        </p:blipFill>
+        <p:spPr>
+          <a:xfrm>
+            <a:off x="711200" y="728663"/>
+            <a:ext cx="5305425" cy="5305425"/>
+          </a:xfrm>
+        </p:spPr>
+      </p:pic>
+      <p:sp>
+        <p:nvSpPr>
+          <p:cNvPr id="2" name="Slide Number Placeholder 1" hidden="1">
+            <a:extLst>
+              <a:ext uri="{FF2B5EF4-FFF2-40B4-BE49-F238E27FC236}">
+                <a16:creationId xmlns:a16="http://schemas.microsoft.com/office/drawing/2014/main" id="{CDA0EE6B-EE8E-9469-CA34-4A27CB4D7D0C}"/>
+              </a:ext>
+            </a:extLst>
+          </p:cNvPr>
+          <p:cNvSpPr>
+            <a:spLocks noGrp="1"/>
+          </p:cNvSpPr>
+          <p:nvPr>
+            <p:ph type="sldNum" sz="quarter" idx="4294967295"/>
           </p:nvPr>
         </p:nvSpPr>
         <p:spPr>
@@ -17235,91 +17299,33 @@
           <a:lstStyle/>
           <a:p>
             <a:pPr>
+              <a:lnSpc>
+                <a:spcPct val="90000"/>
+              </a:lnSpc>
               <a:spcAft>
                 <a:spcPts val="600"/>
               </a:spcAft>
             </a:pPr>
             <a:fld id="{9EC71654-96A5-4280-94F3-931C61A9F92C}" type="slidenum">
-              <a:rPr lang="en-US" smtClean="0"/>
+              <a:rPr lang="en-US" sz="600" noProof="0" smtClean="0"/>
               <a:pPr>
+                <a:lnSpc>
+                  <a:spcPct val="90000"/>
+                </a:lnSpc>
                 <a:spcAft>
                   <a:spcPts val="600"/>
                 </a:spcAft>
               </a:pPr>
               <a:t>10</a:t>
             </a:fld>
-            <a:endParaRPr lang="en-US"/>
-          </a:p>
-        </p:txBody>
-      </p:sp>
-      <p:pic>
-        <p:nvPicPr>
-          <p:cNvPr id="21" name="Content Placeholder 20">
-            <a:extLst>
-              <a:ext uri="{FF2B5EF4-FFF2-40B4-BE49-F238E27FC236}">
-                <a16:creationId xmlns:a16="http://schemas.microsoft.com/office/drawing/2014/main" id="{BA3FC335-A445-ADFE-9653-DC5C4F2093ED}"/>
-              </a:ext>
-            </a:extLst>
-          </p:cNvPr>
-          <p:cNvPicPr>
-            <a:picLocks noGrp="1" noChangeAspect="1"/>
-          </p:cNvPicPr>
-          <p:nvPr>
-            <p:ph idx="1"/>
-          </p:nvPr>
-        </p:nvPicPr>
-        <p:blipFill>
-          <a:blip r:embed="rId3"/>
-          <a:srcRect t="180" b="180"/>
-          <a:stretch/>
-        </p:blipFill>
-        <p:spPr>
-          <a:xfrm>
-            <a:off x="859772" y="1266825"/>
-            <a:ext cx="10834528" cy="4920293"/>
-          </a:xfrm>
-          <a:noFill/>
-        </p:spPr>
-      </p:pic>
-      <p:sp>
-        <p:nvSpPr>
-          <p:cNvPr id="2" name="Title 1">
-            <a:extLst>
-              <a:ext uri="{FF2B5EF4-FFF2-40B4-BE49-F238E27FC236}">
-                <a16:creationId xmlns:a16="http://schemas.microsoft.com/office/drawing/2014/main" id="{903A9A18-93E0-4615-B7AA-B8C8FBB14464}"/>
-              </a:ext>
-            </a:extLst>
-          </p:cNvPr>
-          <p:cNvSpPr>
-            <a:spLocks noGrp="1"/>
-          </p:cNvSpPr>
-          <p:nvPr>
-            <p:ph type="title"/>
-          </p:nvPr>
-        </p:nvSpPr>
-        <p:spPr>
-          <a:xfrm>
-            <a:off x="515938" y="246621"/>
-            <a:ext cx="11150600" cy="920336"/>
-          </a:xfrm>
-        </p:spPr>
-        <p:txBody>
-          <a:bodyPr anchor="b">
-            <a:normAutofit/>
-          </a:bodyPr>
-          <a:lstStyle/>
-          <a:p>
-            <a:r>
-              <a:rPr lang="en-US" dirty="0"/>
-              <a:t>Work-Flow</a:t>
-            </a:r>
+            <a:endParaRPr lang="en-US" sz="600" noProof="0"/>
           </a:p>
         </p:txBody>
       </p:sp>
     </p:spTree>
     <p:extLst>
       <p:ext uri="{BB962C8B-B14F-4D97-AF65-F5344CB8AC3E}">
-        <p14:creationId xmlns:p14="http://schemas.microsoft.com/office/powerpoint/2010/main" val="961730162"/>
+        <p14:creationId xmlns:p14="http://schemas.microsoft.com/office/powerpoint/2010/main" val="1766479364"/>
       </p:ext>
     </p:extLst>
   </p:cSld>
@@ -17348,6 +17354,146 @@
       </p:grpSpPr>
       <p:sp>
         <p:nvSpPr>
+          <p:cNvPr id="4" name="Slide Number Placeholder 3">
+            <a:extLst>
+              <a:ext uri="{FF2B5EF4-FFF2-40B4-BE49-F238E27FC236}">
+                <a16:creationId xmlns:a16="http://schemas.microsoft.com/office/drawing/2014/main" id="{0BDDBFEE-BC50-46CF-AB8F-D145B99B57A6}"/>
+              </a:ext>
+            </a:extLst>
+          </p:cNvPr>
+          <p:cNvSpPr>
+            <a:spLocks noGrp="1"/>
+          </p:cNvSpPr>
+          <p:nvPr>
+            <p:ph type="sldNum" sz="quarter" idx="12"/>
+          </p:nvPr>
+        </p:nvSpPr>
+        <p:spPr>
+          <a:xfrm>
+            <a:off x="11363696" y="6455739"/>
+            <a:ext cx="294460" cy="187367"/>
+          </a:xfrm>
+        </p:spPr>
+        <p:txBody>
+          <a:bodyPr anchor="ctr">
+            <a:normAutofit/>
+          </a:bodyPr>
+          <a:lstStyle/>
+          <a:p>
+            <a:pPr>
+              <a:spcAft>
+                <a:spcPts val="600"/>
+              </a:spcAft>
+            </a:pPr>
+            <a:fld id="{9EC71654-96A5-4280-94F3-931C61A9F92C}" type="slidenum">
+              <a:rPr lang="en-US" smtClean="0"/>
+              <a:pPr>
+                <a:spcAft>
+                  <a:spcPts val="600"/>
+                </a:spcAft>
+              </a:pPr>
+              <a:t>11</a:t>
+            </a:fld>
+            <a:endParaRPr lang="en-US"/>
+          </a:p>
+        </p:txBody>
+      </p:sp>
+      <p:pic>
+        <p:nvPicPr>
+          <p:cNvPr id="21" name="Content Placeholder 20">
+            <a:extLst>
+              <a:ext uri="{FF2B5EF4-FFF2-40B4-BE49-F238E27FC236}">
+                <a16:creationId xmlns:a16="http://schemas.microsoft.com/office/drawing/2014/main" id="{BA3FC335-A445-ADFE-9653-DC5C4F2093ED}"/>
+              </a:ext>
+            </a:extLst>
+          </p:cNvPr>
+          <p:cNvPicPr>
+            <a:picLocks noGrp="1" noChangeAspect="1"/>
+          </p:cNvPicPr>
+          <p:nvPr>
+            <p:ph idx="1"/>
+          </p:nvPr>
+        </p:nvPicPr>
+        <p:blipFill>
+          <a:blip r:embed="rId3"/>
+          <a:srcRect t="180" b="180"/>
+          <a:stretch/>
+        </p:blipFill>
+        <p:spPr>
+          <a:xfrm>
+            <a:off x="859772" y="1266825"/>
+            <a:ext cx="10834528" cy="4920293"/>
+          </a:xfrm>
+          <a:noFill/>
+        </p:spPr>
+      </p:pic>
+      <p:sp>
+        <p:nvSpPr>
+          <p:cNvPr id="2" name="Title 1">
+            <a:extLst>
+              <a:ext uri="{FF2B5EF4-FFF2-40B4-BE49-F238E27FC236}">
+                <a16:creationId xmlns:a16="http://schemas.microsoft.com/office/drawing/2014/main" id="{903A9A18-93E0-4615-B7AA-B8C8FBB14464}"/>
+              </a:ext>
+            </a:extLst>
+          </p:cNvPr>
+          <p:cNvSpPr>
+            <a:spLocks noGrp="1"/>
+          </p:cNvSpPr>
+          <p:nvPr>
+            <p:ph type="title"/>
+          </p:nvPr>
+        </p:nvSpPr>
+        <p:spPr>
+          <a:xfrm>
+            <a:off x="515938" y="246621"/>
+            <a:ext cx="11150600" cy="920336"/>
+          </a:xfrm>
+        </p:spPr>
+        <p:txBody>
+          <a:bodyPr anchor="b">
+            <a:normAutofit/>
+          </a:bodyPr>
+          <a:lstStyle/>
+          <a:p>
+            <a:r>
+              <a:rPr lang="en-US" dirty="0"/>
+              <a:t>Work-Flow</a:t>
+            </a:r>
+          </a:p>
+        </p:txBody>
+      </p:sp>
+    </p:spTree>
+    <p:extLst>
+      <p:ext uri="{BB962C8B-B14F-4D97-AF65-F5344CB8AC3E}">
+        <p14:creationId xmlns:p14="http://schemas.microsoft.com/office/powerpoint/2010/main" val="961730162"/>
+      </p:ext>
+    </p:extLst>
+  </p:cSld>
+  <p:clrMapOvr>
+    <a:masterClrMapping/>
+  </p:clrMapOvr>
+</p:sld>
+</file>
+
+<file path=ppt/slides/slide12.xml><?xml version="1.0" encoding="utf-8"?>
+<p:sld xmlns:a="http://schemas.openxmlformats.org/drawingml/2006/main" xmlns:r="http://schemas.openxmlformats.org/officeDocument/2006/relationships" xmlns:p="http://schemas.openxmlformats.org/presentationml/2006/main" show="0">
+  <p:cSld>
+    <p:spTree>
+      <p:nvGrpSpPr>
+        <p:cNvPr id="1" name=""/>
+        <p:cNvGrpSpPr/>
+        <p:nvPr/>
+      </p:nvGrpSpPr>
+      <p:grpSpPr>
+        <a:xfrm>
+          <a:off x="0" y="0"/>
+          <a:ext cx="0" cy="0"/>
+          <a:chOff x="0" y="0"/>
+          <a:chExt cx="0" cy="0"/>
+        </a:xfrm>
+      </p:grpSpPr>
+      <p:sp>
+        <p:nvSpPr>
           <p:cNvPr id="4" name="Title 3">
             <a:extLst>
               <a:ext uri="{FF2B5EF4-FFF2-40B4-BE49-F238E27FC236}">
@@ -17455,7 +17601,7 @@
                   <a:spcPts val="600"/>
                 </a:spcAft>
               </a:pPr>
-              <a:t>11</a:t>
+              <a:t>12</a:t>
             </a:fld>
             <a:endParaRPr lang="en-US" sz="600" noProof="0"/>
           </a:p>
@@ -17465,141 +17611,6 @@
     <p:extLst>
       <p:ext uri="{BB962C8B-B14F-4D97-AF65-F5344CB8AC3E}">
         <p14:creationId xmlns:p14="http://schemas.microsoft.com/office/powerpoint/2010/main" val="3455253347"/>
-      </p:ext>
-    </p:extLst>
-  </p:cSld>
-  <p:clrMapOvr>
-    <a:masterClrMapping/>
-  </p:clrMapOvr>
-</p:sld>
-</file>
-
-<file path=ppt/slides/slide12.xml><?xml version="1.0" encoding="utf-8"?>
-<p:sld xmlns:a="http://schemas.openxmlformats.org/drawingml/2006/main" xmlns:r="http://schemas.openxmlformats.org/officeDocument/2006/relationships" xmlns:p="http://schemas.openxmlformats.org/presentationml/2006/main">
-  <p:cSld>
-    <p:spTree>
-      <p:nvGrpSpPr>
-        <p:cNvPr id="1" name=""/>
-        <p:cNvGrpSpPr/>
-        <p:nvPr/>
-      </p:nvGrpSpPr>
-      <p:grpSpPr>
-        <a:xfrm>
-          <a:off x="0" y="0"/>
-          <a:ext cx="0" cy="0"/>
-          <a:chOff x="0" y="0"/>
-          <a:chExt cx="0" cy="0"/>
-        </a:xfrm>
-      </p:grpSpPr>
-      <p:sp>
-        <p:nvSpPr>
-          <p:cNvPr id="9" name="Slide Number Placeholder 1">
-            <a:extLst>
-              <a:ext uri="{FF2B5EF4-FFF2-40B4-BE49-F238E27FC236}">
-                <a16:creationId xmlns:a16="http://schemas.microsoft.com/office/drawing/2014/main" id="{71590825-AFC0-19D9-6993-BC682234E23D}"/>
-              </a:ext>
-            </a:extLst>
-          </p:cNvPr>
-          <p:cNvSpPr>
-            <a:spLocks noGrp="1"/>
-          </p:cNvSpPr>
-          <p:nvPr>
-            <p:ph type="sldNum" sz="quarter" idx="12"/>
-          </p:nvPr>
-        </p:nvSpPr>
-        <p:spPr>
-          <a:xfrm>
-            <a:off x="11363696" y="6455739"/>
-            <a:ext cx="294460" cy="187367"/>
-          </a:xfrm>
-        </p:spPr>
-        <p:txBody>
-          <a:bodyPr/>
-          <a:lstStyle/>
-          <a:p>
-            <a:pPr>
-              <a:spcAft>
-                <a:spcPts val="600"/>
-              </a:spcAft>
-            </a:pPr>
-            <a:fld id="{9EC71654-96A5-4280-94F3-931C61A9F92C}" type="slidenum">
-              <a:rPr lang="en-US" noProof="0" smtClean="0"/>
-              <a:pPr>
-                <a:spcAft>
-                  <a:spcPts val="600"/>
-                </a:spcAft>
-              </a:pPr>
-              <a:t>12</a:t>
-            </a:fld>
-            <a:endParaRPr lang="en-US" noProof="0"/>
-          </a:p>
-        </p:txBody>
-      </p:sp>
-      <p:pic>
-        <p:nvPicPr>
-          <p:cNvPr id="6" name="Content Placeholder 5">
-            <a:extLst>
-              <a:ext uri="{FF2B5EF4-FFF2-40B4-BE49-F238E27FC236}">
-                <a16:creationId xmlns:a16="http://schemas.microsoft.com/office/drawing/2014/main" id="{902A6372-9DEB-9FB0-34EC-AE51AF51E623}"/>
-              </a:ext>
-            </a:extLst>
-          </p:cNvPr>
-          <p:cNvPicPr>
-            <a:picLocks noGrp="1" noChangeAspect="1"/>
-          </p:cNvPicPr>
-          <p:nvPr>
-            <p:ph idx="1"/>
-          </p:nvPr>
-        </p:nvPicPr>
-        <p:blipFill>
-          <a:blip r:embed="rId2"/>
-          <a:srcRect/>
-          <a:stretch/>
-        </p:blipFill>
-        <p:spPr>
-          <a:xfrm>
-            <a:off x="1099128" y="1775474"/>
-            <a:ext cx="9638976" cy="4692483"/>
-          </a:xfrm>
-        </p:spPr>
-      </p:pic>
-      <p:sp>
-        <p:nvSpPr>
-          <p:cNvPr id="13" name="Title 3">
-            <a:extLst>
-              <a:ext uri="{FF2B5EF4-FFF2-40B4-BE49-F238E27FC236}">
-                <a16:creationId xmlns:a16="http://schemas.microsoft.com/office/drawing/2014/main" id="{5BD06F64-C10A-9B05-B5B4-F10B142840E9}"/>
-              </a:ext>
-            </a:extLst>
-          </p:cNvPr>
-          <p:cNvSpPr>
-            <a:spLocks noGrp="1"/>
-          </p:cNvSpPr>
-          <p:nvPr>
-            <p:ph type="title"/>
-          </p:nvPr>
-        </p:nvSpPr>
-        <p:spPr>
-          <a:xfrm>
-            <a:off x="515938" y="246621"/>
-            <a:ext cx="11150600" cy="920336"/>
-          </a:xfrm>
-        </p:spPr>
-        <p:txBody>
-          <a:bodyPr/>
-          <a:lstStyle/>
-          <a:p>
-            <a:r>
-              <a:rPr lang="en-US" dirty="0"/>
-              <a:t>Implementation</a:t>
-            </a:r>
-          </a:p>
-        </p:txBody>
-      </p:sp>
-    </p:spTree>
-    <p:extLst>
-      <p:ext uri="{BB962C8B-B14F-4D97-AF65-F5344CB8AC3E}">
-        <p14:creationId xmlns:p14="http://schemas.microsoft.com/office/powerpoint/2010/main" val="1863498446"/>
       </p:ext>
     </p:extLst>
   </p:cSld>
@@ -17628,10 +17639,10 @@
       </p:grpSpPr>
       <p:sp>
         <p:nvSpPr>
-          <p:cNvPr id="2" name="Slide Number Placeholder 1">
-            <a:extLst>
-              <a:ext uri="{FF2B5EF4-FFF2-40B4-BE49-F238E27FC236}">
-                <a16:creationId xmlns:a16="http://schemas.microsoft.com/office/drawing/2014/main" id="{4D671E3F-14DF-1A6D-DF90-F71ED4ED77DB}"/>
+          <p:cNvPr id="9" name="Slide Number Placeholder 1">
+            <a:extLst>
+              <a:ext uri="{FF2B5EF4-FFF2-40B4-BE49-F238E27FC236}">
+                <a16:creationId xmlns:a16="http://schemas.microsoft.com/office/drawing/2014/main" id="{71590825-AFC0-19D9-6993-BC682234E23D}"/>
               </a:ext>
             </a:extLst>
           </p:cNvPr>
@@ -17649,9 +17660,7 @@
           </a:xfrm>
         </p:spPr>
         <p:txBody>
-          <a:bodyPr anchor="ctr">
-            <a:normAutofit/>
-          </a:bodyPr>
+          <a:bodyPr/>
           <a:lstStyle/>
           <a:p>
             <a:pPr>
@@ -17674,10 +17683,10 @@
       </p:sp>
       <p:pic>
         <p:nvPicPr>
-          <p:cNvPr id="6" name="Content Placeholder 5" descr="Graphical user interface, application&#10;&#10;Description automatically generated">
-            <a:extLst>
-              <a:ext uri="{FF2B5EF4-FFF2-40B4-BE49-F238E27FC236}">
-                <a16:creationId xmlns:a16="http://schemas.microsoft.com/office/drawing/2014/main" id="{80D08444-C802-44F1-10AB-22D84AF6676B}"/>
+          <p:cNvPr id="6" name="Content Placeholder 5">
+            <a:extLst>
+              <a:ext uri="{FF2B5EF4-FFF2-40B4-BE49-F238E27FC236}">
+                <a16:creationId xmlns:a16="http://schemas.microsoft.com/office/drawing/2014/main" id="{902A6372-9DEB-9FB0-34EC-AE51AF51E623}"/>
               </a:ext>
             </a:extLst>
           </p:cNvPr>
@@ -17690,24 +17699,22 @@
         </p:nvPicPr>
         <p:blipFill>
           <a:blip r:embed="rId2"/>
-          <a:stretch>
-            <a:fillRect/>
-          </a:stretch>
+          <a:srcRect/>
+          <a:stretch/>
         </p:blipFill>
         <p:spPr>
           <a:xfrm>
-            <a:off x="515938" y="2172406"/>
-            <a:ext cx="10837862" cy="3657776"/>
-          </a:xfrm>
-          <a:noFill/>
+            <a:off x="1099128" y="1775474"/>
+            <a:ext cx="9638975" cy="4692483"/>
+          </a:xfrm>
         </p:spPr>
       </p:pic>
       <p:sp>
         <p:nvSpPr>
-          <p:cNvPr id="4" name="Title 3">
-            <a:extLst>
-              <a:ext uri="{FF2B5EF4-FFF2-40B4-BE49-F238E27FC236}">
-                <a16:creationId xmlns:a16="http://schemas.microsoft.com/office/drawing/2014/main" id="{A420D208-41D6-4A26-84B0-1EDC1F346C27}"/>
+          <p:cNvPr id="13" name="Title 3">
+            <a:extLst>
+              <a:ext uri="{FF2B5EF4-FFF2-40B4-BE49-F238E27FC236}">
+                <a16:creationId xmlns:a16="http://schemas.microsoft.com/office/drawing/2014/main" id="{5BD06F64-C10A-9B05-B5B4-F10B142840E9}"/>
               </a:ext>
             </a:extLst>
           </p:cNvPr>
@@ -17725,9 +17732,7 @@
           </a:xfrm>
         </p:spPr>
         <p:txBody>
-          <a:bodyPr anchor="b">
-            <a:normAutofit/>
-          </a:bodyPr>
+          <a:bodyPr/>
           <a:lstStyle/>
           <a:p>
             <a:r>
@@ -17740,7 +17745,7 @@
     </p:spTree>
     <p:extLst>
       <p:ext uri="{BB962C8B-B14F-4D97-AF65-F5344CB8AC3E}">
-        <p14:creationId xmlns:p14="http://schemas.microsoft.com/office/powerpoint/2010/main" val="2914177955"/>
+        <p14:creationId xmlns:p14="http://schemas.microsoft.com/office/powerpoint/2010/main" val="1863498446"/>
       </p:ext>
     </p:extLst>
   </p:cSld>
@@ -17751,7 +17756,7 @@
 </file>
 
 <file path=ppt/slides/slide14.xml><?xml version="1.0" encoding="utf-8"?>
-<p:sld xmlns:a="http://schemas.openxmlformats.org/drawingml/2006/main" xmlns:r="http://schemas.openxmlformats.org/officeDocument/2006/relationships" xmlns:p="http://schemas.openxmlformats.org/presentationml/2006/main">
+<p:sld xmlns:a="http://schemas.openxmlformats.org/drawingml/2006/main" xmlns:r="http://schemas.openxmlformats.org/officeDocument/2006/relationships" xmlns:p="http://schemas.openxmlformats.org/presentationml/2006/main" show="0">
   <p:cSld>
     <p:spTree>
       <p:nvGrpSpPr>
@@ -17769,10 +17774,10 @@
       </p:grpSpPr>
       <p:sp>
         <p:nvSpPr>
-          <p:cNvPr id="4" name="Title 3">
-            <a:extLst>
-              <a:ext uri="{FF2B5EF4-FFF2-40B4-BE49-F238E27FC236}">
-                <a16:creationId xmlns:a16="http://schemas.microsoft.com/office/drawing/2014/main" id="{2E0C54B5-6876-DE29-A5F3-B88D01DEC8B1}"/>
+          <p:cNvPr id="2" name="Slide Number Placeholder 1">
+            <a:extLst>
+              <a:ext uri="{FF2B5EF4-FFF2-40B4-BE49-F238E27FC236}">
+                <a16:creationId xmlns:a16="http://schemas.microsoft.com/office/drawing/2014/main" id="{4D671E3F-14DF-1A6D-DF90-F71ED4ED77DB}"/>
               </a:ext>
             </a:extLst>
           </p:cNvPr>
@@ -17780,72 +17785,7 @@
             <a:spLocks noGrp="1"/>
           </p:cNvSpPr>
           <p:nvPr>
-            <p:ph type="ctrTitle"/>
-          </p:nvPr>
-        </p:nvSpPr>
-        <p:spPr>
-          <a:xfrm>
-            <a:off x="6337300" y="2971800"/>
-            <a:ext cx="5143500" cy="1292296"/>
-          </a:xfrm>
-        </p:spPr>
-        <p:txBody>
-          <a:bodyPr anchor="b">
-            <a:normAutofit/>
-          </a:bodyPr>
-          <a:lstStyle/>
-          <a:p>
-            <a:r>
-              <a:rPr lang="en-US" dirty="0"/>
-              <a:t>Challenges</a:t>
-            </a:r>
-          </a:p>
-        </p:txBody>
-      </p:sp>
-      <p:pic>
-        <p:nvPicPr>
-          <p:cNvPr id="6" name="Picture Placeholder 5" descr="A person holding a baby&#10;&#10;Description automatically generated with low confidence">
-            <a:extLst>
-              <a:ext uri="{FF2B5EF4-FFF2-40B4-BE49-F238E27FC236}">
-                <a16:creationId xmlns:a16="http://schemas.microsoft.com/office/drawing/2014/main" id="{BBD507E0-C445-45A5-000D-A42E3C8A8362}"/>
-              </a:ext>
-            </a:extLst>
-          </p:cNvPr>
-          <p:cNvPicPr>
-            <a:picLocks noGrp="1" noChangeAspect="1"/>
-          </p:cNvPicPr>
-          <p:nvPr>
-            <p:ph type="pic" sz="quarter" idx="10"/>
-          </p:nvPr>
-        </p:nvPicPr>
-        <p:blipFill>
-          <a:blip r:embed="rId2"/>
-          <a:srcRect l="16684" r="16684"/>
-          <a:stretch>
-            <a:fillRect/>
-          </a:stretch>
-        </p:blipFill>
-        <p:spPr>
-          <a:xfrm>
-            <a:off x="711200" y="728663"/>
-            <a:ext cx="5305425" cy="5305425"/>
-          </a:xfrm>
-        </p:spPr>
-      </p:pic>
-      <p:sp>
-        <p:nvSpPr>
-          <p:cNvPr id="2" name="Slide Number Placeholder 1" hidden="1">
-            <a:extLst>
-              <a:ext uri="{FF2B5EF4-FFF2-40B4-BE49-F238E27FC236}">
-                <a16:creationId xmlns:a16="http://schemas.microsoft.com/office/drawing/2014/main" id="{CDA0EE6B-EE8E-9469-CA34-4A27CB4D7D0C}"/>
-              </a:ext>
-            </a:extLst>
-          </p:cNvPr>
-          <p:cNvSpPr>
-            <a:spLocks noGrp="1"/>
-          </p:cNvSpPr>
-          <p:nvPr>
-            <p:ph type="sldNum" sz="quarter" idx="4294967295"/>
+            <p:ph type="sldNum" sz="quarter" idx="12"/>
           </p:nvPr>
         </p:nvSpPr>
         <p:spPr>
@@ -17861,33 +17801,92 @@
           <a:lstStyle/>
           <a:p>
             <a:pPr>
-              <a:lnSpc>
-                <a:spcPct val="90000"/>
-              </a:lnSpc>
               <a:spcAft>
                 <a:spcPts val="600"/>
               </a:spcAft>
             </a:pPr>
             <a:fld id="{9EC71654-96A5-4280-94F3-931C61A9F92C}" type="slidenum">
-              <a:rPr lang="en-US" sz="600" noProof="0" smtClean="0"/>
+              <a:rPr lang="en-US" noProof="0" smtClean="0"/>
               <a:pPr>
-                <a:lnSpc>
-                  <a:spcPct val="90000"/>
-                </a:lnSpc>
                 <a:spcAft>
                   <a:spcPts val="600"/>
                 </a:spcAft>
               </a:pPr>
               <a:t>14</a:t>
             </a:fld>
-            <a:endParaRPr lang="en-US" sz="600" noProof="0"/>
+            <a:endParaRPr lang="en-US" noProof="0"/>
+          </a:p>
+        </p:txBody>
+      </p:sp>
+      <p:pic>
+        <p:nvPicPr>
+          <p:cNvPr id="6" name="Content Placeholder 5" descr="Graphical user interface, application&#10;&#10;Description automatically generated">
+            <a:extLst>
+              <a:ext uri="{FF2B5EF4-FFF2-40B4-BE49-F238E27FC236}">
+                <a16:creationId xmlns:a16="http://schemas.microsoft.com/office/drawing/2014/main" id="{80D08444-C802-44F1-10AB-22D84AF6676B}"/>
+              </a:ext>
+            </a:extLst>
+          </p:cNvPr>
+          <p:cNvPicPr>
+            <a:picLocks noGrp="1" noChangeAspect="1"/>
+          </p:cNvPicPr>
+          <p:nvPr>
+            <p:ph idx="1"/>
+          </p:nvPr>
+        </p:nvPicPr>
+        <p:blipFill>
+          <a:blip r:embed="rId2"/>
+          <a:stretch>
+            <a:fillRect/>
+          </a:stretch>
+        </p:blipFill>
+        <p:spPr>
+          <a:xfrm>
+            <a:off x="515938" y="2172406"/>
+            <a:ext cx="10837862" cy="3657776"/>
+          </a:xfrm>
+          <a:noFill/>
+        </p:spPr>
+      </p:pic>
+      <p:sp>
+        <p:nvSpPr>
+          <p:cNvPr id="4" name="Title 3">
+            <a:extLst>
+              <a:ext uri="{FF2B5EF4-FFF2-40B4-BE49-F238E27FC236}">
+                <a16:creationId xmlns:a16="http://schemas.microsoft.com/office/drawing/2014/main" id="{A420D208-41D6-4A26-84B0-1EDC1F346C27}"/>
+              </a:ext>
+            </a:extLst>
+          </p:cNvPr>
+          <p:cNvSpPr>
+            <a:spLocks noGrp="1"/>
+          </p:cNvSpPr>
+          <p:nvPr>
+            <p:ph type="title"/>
+          </p:nvPr>
+        </p:nvSpPr>
+        <p:spPr>
+          <a:xfrm>
+            <a:off x="515938" y="246621"/>
+            <a:ext cx="11150600" cy="920336"/>
+          </a:xfrm>
+        </p:spPr>
+        <p:txBody>
+          <a:bodyPr anchor="b">
+            <a:normAutofit/>
+          </a:bodyPr>
+          <a:lstStyle/>
+          <a:p>
+            <a:r>
+              <a:rPr lang="en-US" dirty="0"/>
+              <a:t>Implementation</a:t>
+            </a:r>
           </a:p>
         </p:txBody>
       </p:sp>
     </p:spTree>
     <p:extLst>
       <p:ext uri="{BB962C8B-B14F-4D97-AF65-F5344CB8AC3E}">
-        <p14:creationId xmlns:p14="http://schemas.microsoft.com/office/powerpoint/2010/main" val="108566944"/>
+        <p14:creationId xmlns:p14="http://schemas.microsoft.com/office/powerpoint/2010/main" val="2914177955"/>
       </p:ext>
     </p:extLst>
   </p:cSld>
@@ -17916,10 +17915,10 @@
       </p:grpSpPr>
       <p:sp>
         <p:nvSpPr>
-          <p:cNvPr id="17" name="Slide Number Placeholder 1">
-            <a:extLst>
-              <a:ext uri="{FF2B5EF4-FFF2-40B4-BE49-F238E27FC236}">
-                <a16:creationId xmlns:a16="http://schemas.microsoft.com/office/drawing/2014/main" id="{49ABE35A-BB82-5C1C-2B37-CAA754582F56}"/>
+          <p:cNvPr id="4" name="Title 3">
+            <a:extLst>
+              <a:ext uri="{FF2B5EF4-FFF2-40B4-BE49-F238E27FC236}">
+                <a16:creationId xmlns:a16="http://schemas.microsoft.com/office/drawing/2014/main" id="{2E0C54B5-6876-DE29-A5F3-B88D01DEC8B1}"/>
               </a:ext>
             </a:extLst>
           </p:cNvPr>
@@ -17927,85 +17926,13 @@
             <a:spLocks noGrp="1"/>
           </p:cNvSpPr>
           <p:nvPr>
-            <p:ph type="sldNum" sz="quarter" idx="12"/>
+            <p:ph type="ctrTitle"/>
           </p:nvPr>
         </p:nvSpPr>
         <p:spPr>
           <a:xfrm>
-            <a:off x="11363696" y="6455739"/>
-            <a:ext cx="294460" cy="187367"/>
-          </a:xfrm>
-        </p:spPr>
-        <p:txBody>
-          <a:bodyPr/>
-          <a:lstStyle/>
-          <a:p>
-            <a:pPr>
-              <a:spcAft>
-                <a:spcPts val="600"/>
-              </a:spcAft>
-            </a:pPr>
-            <a:fld id="{9EC71654-96A5-4280-94F3-931C61A9F92C}" type="slidenum">
-              <a:rPr lang="en-US" noProof="0" smtClean="0"/>
-              <a:pPr>
-                <a:spcAft>
-                  <a:spcPts val="600"/>
-                </a:spcAft>
-              </a:pPr>
-              <a:t>15</a:t>
-            </a:fld>
-            <a:endParaRPr lang="en-US" noProof="0"/>
-          </a:p>
-        </p:txBody>
-      </p:sp>
-      <p:pic>
-        <p:nvPicPr>
-          <p:cNvPr id="7" name="Content Placeholder 6">
-            <a:extLst>
-              <a:ext uri="{FF2B5EF4-FFF2-40B4-BE49-F238E27FC236}">
-                <a16:creationId xmlns:a16="http://schemas.microsoft.com/office/drawing/2014/main" id="{DE6DCD29-CEE6-72BC-E86C-C62C70EEFDBA}"/>
-              </a:ext>
-            </a:extLst>
-          </p:cNvPr>
-          <p:cNvPicPr>
-            <a:picLocks noGrp="1" noChangeAspect="1"/>
-          </p:cNvPicPr>
-          <p:nvPr>
-            <p:ph sz="half" idx="1"/>
-          </p:nvPr>
-        </p:nvPicPr>
-        <p:blipFill>
-          <a:blip r:embed="rId2"/>
-          <a:stretch/>
-        </p:blipFill>
-        <p:spPr>
-          <a:xfrm>
-            <a:off x="9807575" y="3128404"/>
-            <a:ext cx="606425" cy="606425"/>
-          </a:xfrm>
-          <a:noFill/>
-        </p:spPr>
-      </p:pic>
-      <p:sp>
-        <p:nvSpPr>
-          <p:cNvPr id="2" name="Title 1">
-            <a:extLst>
-              <a:ext uri="{FF2B5EF4-FFF2-40B4-BE49-F238E27FC236}">
-                <a16:creationId xmlns:a16="http://schemas.microsoft.com/office/drawing/2014/main" id="{CC0C50D1-1B66-9C4E-DD7B-5221A23FD1F5}"/>
-              </a:ext>
-            </a:extLst>
-          </p:cNvPr>
-          <p:cNvSpPr>
-            <a:spLocks noGrp="1"/>
-          </p:cNvSpPr>
-          <p:nvPr>
-            <p:ph type="title"/>
-          </p:nvPr>
-        </p:nvSpPr>
-        <p:spPr>
-          <a:xfrm>
-            <a:off x="515938" y="246621"/>
-            <a:ext cx="11150600" cy="920336"/>
+            <a:off x="6337300" y="2971800"/>
+            <a:ext cx="5143500" cy="1292296"/>
           </a:xfrm>
         </p:spPr>
         <p:txBody>
@@ -18021,12 +17948,42 @@
           </a:p>
         </p:txBody>
       </p:sp>
+      <p:pic>
+        <p:nvPicPr>
+          <p:cNvPr id="6" name="Picture Placeholder 5" descr="A person holding a baby&#10;&#10;Description automatically generated with low confidence">
+            <a:extLst>
+              <a:ext uri="{FF2B5EF4-FFF2-40B4-BE49-F238E27FC236}">
+                <a16:creationId xmlns:a16="http://schemas.microsoft.com/office/drawing/2014/main" id="{BBD507E0-C445-45A5-000D-A42E3C8A8362}"/>
+              </a:ext>
+            </a:extLst>
+          </p:cNvPr>
+          <p:cNvPicPr>
+            <a:picLocks noGrp="1" noChangeAspect="1"/>
+          </p:cNvPicPr>
+          <p:nvPr>
+            <p:ph type="pic" sz="quarter" idx="10"/>
+          </p:nvPr>
+        </p:nvPicPr>
+        <p:blipFill>
+          <a:blip r:embed="rId2"/>
+          <a:srcRect l="16684" r="16684"/>
+          <a:stretch>
+            <a:fillRect/>
+          </a:stretch>
+        </p:blipFill>
+        <p:spPr>
+          <a:xfrm>
+            <a:off x="711200" y="728663"/>
+            <a:ext cx="5305425" cy="5305425"/>
+          </a:xfrm>
+        </p:spPr>
+      </p:pic>
       <p:sp>
         <p:nvSpPr>
-          <p:cNvPr id="3" name="Slide Number Placeholder 2" hidden="1">
-            <a:extLst>
-              <a:ext uri="{FF2B5EF4-FFF2-40B4-BE49-F238E27FC236}">
-                <a16:creationId xmlns:a16="http://schemas.microsoft.com/office/drawing/2014/main" id="{24471D0A-2A75-5210-E90F-6C5B83FF9FEE}"/>
+          <p:cNvPr id="2" name="Slide Number Placeholder 1" hidden="1">
+            <a:extLst>
+              <a:ext uri="{FF2B5EF4-FFF2-40B4-BE49-F238E27FC236}">
+                <a16:creationId xmlns:a16="http://schemas.microsoft.com/office/drawing/2014/main" id="{CDA0EE6B-EE8E-9469-CA34-4A27CB4D7D0C}"/>
               </a:ext>
             </a:extLst>
           </p:cNvPr>
@@ -18073,324 +18030,10 @@
           </a:p>
         </p:txBody>
       </p:sp>
-      <p:pic>
-        <p:nvPicPr>
-          <p:cNvPr id="5" name="Picture 4" descr="Shape&#10;&#10;Description automatically generated">
-            <a:extLst>
-              <a:ext uri="{FF2B5EF4-FFF2-40B4-BE49-F238E27FC236}">
-                <a16:creationId xmlns:a16="http://schemas.microsoft.com/office/drawing/2014/main" id="{FC62146B-8F3F-FBBA-B170-9B5114E23759}"/>
-              </a:ext>
-            </a:extLst>
-          </p:cNvPr>
-          <p:cNvPicPr>
-            <a:picLocks noChangeAspect="1"/>
-          </p:cNvPicPr>
-          <p:nvPr/>
-        </p:nvPicPr>
-        <p:blipFill>
-          <a:blip r:embed="rId3"/>
-          <a:stretch>
-            <a:fillRect/>
-          </a:stretch>
-        </p:blipFill>
-        <p:spPr>
-          <a:xfrm>
-            <a:off x="7614323" y="3128404"/>
-            <a:ext cx="601191" cy="601191"/>
-          </a:xfrm>
-          <a:prstGeom prst="rect">
-            <a:avLst/>
-          </a:prstGeom>
-        </p:spPr>
-      </p:pic>
-      <p:pic>
-        <p:nvPicPr>
-          <p:cNvPr id="8" name="Picture 7" descr="A picture containing shape&#10;&#10;Description automatically generated">
-            <a:extLst>
-              <a:ext uri="{FF2B5EF4-FFF2-40B4-BE49-F238E27FC236}">
-                <a16:creationId xmlns:a16="http://schemas.microsoft.com/office/drawing/2014/main" id="{13E0C9C8-39E9-5C54-FE4C-BAFDCE1B7D0F}"/>
-              </a:ext>
-            </a:extLst>
-          </p:cNvPr>
-          <p:cNvPicPr>
-            <a:picLocks noChangeAspect="1"/>
-          </p:cNvPicPr>
-          <p:nvPr/>
-        </p:nvPicPr>
-        <p:blipFill>
-          <a:blip r:embed="rId4"/>
-          <a:stretch>
-            <a:fillRect/>
-          </a:stretch>
-        </p:blipFill>
-        <p:spPr>
-          <a:xfrm>
-            <a:off x="5359031" y="3136917"/>
-            <a:ext cx="664892" cy="574638"/>
-          </a:xfrm>
-          <a:prstGeom prst="rect">
-            <a:avLst/>
-          </a:prstGeom>
-        </p:spPr>
-      </p:pic>
-      <p:sp>
-        <p:nvSpPr>
-          <p:cNvPr id="10" name="TextBox 9">
-            <a:extLst>
-              <a:ext uri="{FF2B5EF4-FFF2-40B4-BE49-F238E27FC236}">
-                <a16:creationId xmlns:a16="http://schemas.microsoft.com/office/drawing/2014/main" id="{D1794A21-E128-104B-BC5E-57415EA90165}"/>
-              </a:ext>
-            </a:extLst>
-          </p:cNvPr>
-          <p:cNvSpPr txBox="1"/>
-          <p:nvPr/>
-        </p:nvSpPr>
-        <p:spPr>
-          <a:xfrm>
-            <a:off x="9151543" y="3977598"/>
-            <a:ext cx="1935634" cy="707886"/>
-          </a:xfrm>
-          <a:prstGeom prst="rect">
-            <a:avLst/>
-          </a:prstGeom>
-          <a:noFill/>
-        </p:spPr>
-        <p:txBody>
-          <a:bodyPr wrap="square" rtlCol="0">
-            <a:spAutoFit/>
-          </a:bodyPr>
-          <a:lstStyle/>
-          <a:p>
-            <a:pPr algn="ctr"/>
-            <a:r>
-              <a:rPr lang="en-US" sz="2000" b="1" dirty="0"/>
-              <a:t>Dataset Cleaning</a:t>
-            </a:r>
-          </a:p>
-        </p:txBody>
-      </p:sp>
-      <p:sp>
-        <p:nvSpPr>
-          <p:cNvPr id="14" name="TextBox 13">
-            <a:extLst>
-              <a:ext uri="{FF2B5EF4-FFF2-40B4-BE49-F238E27FC236}">
-                <a16:creationId xmlns:a16="http://schemas.microsoft.com/office/drawing/2014/main" id="{5CC1F818-39F8-B166-405C-C7975400ED44}"/>
-              </a:ext>
-            </a:extLst>
-          </p:cNvPr>
-          <p:cNvSpPr txBox="1"/>
-          <p:nvPr/>
-        </p:nvSpPr>
-        <p:spPr>
-          <a:xfrm>
-            <a:off x="6641869" y="3977598"/>
-            <a:ext cx="2558011" cy="707886"/>
-          </a:xfrm>
-          <a:prstGeom prst="rect">
-            <a:avLst/>
-          </a:prstGeom>
-          <a:noFill/>
-        </p:spPr>
-        <p:txBody>
-          <a:bodyPr wrap="square" rtlCol="0">
-            <a:spAutoFit/>
-          </a:bodyPr>
-          <a:lstStyle/>
-          <a:p>
-            <a:pPr algn="ctr"/>
-            <a:r>
-              <a:rPr lang="en-US" sz="2000" b="1" dirty="0"/>
-              <a:t>Hyperparameters Tuning</a:t>
-            </a:r>
-          </a:p>
-        </p:txBody>
-      </p:sp>
-      <p:sp>
-        <p:nvSpPr>
-          <p:cNvPr id="15" name="TextBox 14">
-            <a:extLst>
-              <a:ext uri="{FF2B5EF4-FFF2-40B4-BE49-F238E27FC236}">
-                <a16:creationId xmlns:a16="http://schemas.microsoft.com/office/drawing/2014/main" id="{FBAB8646-ECD4-83B3-C925-659CD4BCBB5B}"/>
-              </a:ext>
-            </a:extLst>
-          </p:cNvPr>
-          <p:cNvSpPr txBox="1"/>
-          <p:nvPr/>
-        </p:nvSpPr>
-        <p:spPr>
-          <a:xfrm>
-            <a:off x="4724601" y="3977598"/>
-            <a:ext cx="2009525" cy="707886"/>
-          </a:xfrm>
-          <a:prstGeom prst="rect">
-            <a:avLst/>
-          </a:prstGeom>
-          <a:noFill/>
-        </p:spPr>
-        <p:txBody>
-          <a:bodyPr wrap="square" rtlCol="0">
-            <a:spAutoFit/>
-          </a:bodyPr>
-          <a:lstStyle/>
-          <a:p>
-            <a:pPr algn="ctr"/>
-            <a:r>
-              <a:rPr lang="en-US" sz="2000" b="1" dirty="0"/>
-              <a:t>Dataset Imbalance</a:t>
-            </a:r>
-          </a:p>
-        </p:txBody>
-      </p:sp>
-      <p:pic>
-        <p:nvPicPr>
-          <p:cNvPr id="25" name="Picture 24" descr="Shape&#10;&#10;Description automatically generated with low confidence">
-            <a:extLst>
-              <a:ext uri="{FF2B5EF4-FFF2-40B4-BE49-F238E27FC236}">
-                <a16:creationId xmlns:a16="http://schemas.microsoft.com/office/drawing/2014/main" id="{172F869C-8254-E6CD-9F39-742519C87B5F}"/>
-              </a:ext>
-            </a:extLst>
-          </p:cNvPr>
-          <p:cNvPicPr>
-            <a:picLocks noChangeAspect="1"/>
-          </p:cNvPicPr>
-          <p:nvPr/>
-        </p:nvPicPr>
-        <p:blipFill>
-          <a:blip r:embed="rId5"/>
-          <a:stretch>
-            <a:fillRect/>
-          </a:stretch>
-        </p:blipFill>
-        <p:spPr>
-          <a:xfrm>
-            <a:off x="3271686" y="3216271"/>
-            <a:ext cx="495284" cy="495284"/>
-          </a:xfrm>
-          <a:prstGeom prst="rect">
-            <a:avLst/>
-          </a:prstGeom>
-        </p:spPr>
-      </p:pic>
-      <p:sp>
-        <p:nvSpPr>
-          <p:cNvPr id="26" name="TextBox 25">
-            <a:extLst>
-              <a:ext uri="{FF2B5EF4-FFF2-40B4-BE49-F238E27FC236}">
-                <a16:creationId xmlns:a16="http://schemas.microsoft.com/office/drawing/2014/main" id="{3F77A819-E442-CBA1-3C7E-CF082B21FEEE}"/>
-              </a:ext>
-            </a:extLst>
-          </p:cNvPr>
-          <p:cNvSpPr txBox="1"/>
-          <p:nvPr/>
-        </p:nvSpPr>
-        <p:spPr>
-          <a:xfrm>
-            <a:off x="2633921" y="3977598"/>
-            <a:ext cx="1763944" cy="707886"/>
-          </a:xfrm>
-          <a:prstGeom prst="rect">
-            <a:avLst/>
-          </a:prstGeom>
-          <a:noFill/>
-        </p:spPr>
-        <p:txBody>
-          <a:bodyPr wrap="square" rtlCol="0">
-            <a:spAutoFit/>
-          </a:bodyPr>
-          <a:lstStyle/>
-          <a:p>
-            <a:pPr algn="ctr"/>
-            <a:r>
-              <a:rPr lang="en-US" sz="2000" b="1" dirty="0"/>
-              <a:t>Code Complexity</a:t>
-            </a:r>
-          </a:p>
-        </p:txBody>
-      </p:sp>
-      <p:pic>
-        <p:nvPicPr>
-          <p:cNvPr id="28" name="Picture 27" descr="Icon&#10;&#10;Description automatically generated">
-            <a:extLst>
-              <a:ext uri="{FF2B5EF4-FFF2-40B4-BE49-F238E27FC236}">
-                <a16:creationId xmlns:a16="http://schemas.microsoft.com/office/drawing/2014/main" id="{B8699F91-9EA2-BCA9-C123-DE28870C5719}"/>
-              </a:ext>
-            </a:extLst>
-          </p:cNvPr>
-          <p:cNvPicPr>
-            <a:picLocks noChangeAspect="1"/>
-          </p:cNvPicPr>
-          <p:nvPr/>
-        </p:nvPicPr>
-        <p:blipFill>
-          <a:blip r:embed="rId6"/>
-          <a:stretch>
-            <a:fillRect/>
-          </a:stretch>
-        </p:blipFill>
-        <p:spPr>
-          <a:xfrm>
-            <a:off x="988909" y="3086258"/>
-            <a:ext cx="690716" cy="690716"/>
-          </a:xfrm>
-          <a:prstGeom prst="rect">
-            <a:avLst/>
-          </a:prstGeom>
-        </p:spPr>
-      </p:pic>
-      <p:sp>
-        <p:nvSpPr>
-          <p:cNvPr id="29" name="TextBox 28">
-            <a:extLst>
-              <a:ext uri="{FF2B5EF4-FFF2-40B4-BE49-F238E27FC236}">
-                <a16:creationId xmlns:a16="http://schemas.microsoft.com/office/drawing/2014/main" id="{CB5EF82F-24FF-CA97-F380-4D41120EE2BA}"/>
-              </a:ext>
-            </a:extLst>
-          </p:cNvPr>
-          <p:cNvSpPr txBox="1"/>
-          <p:nvPr/>
-        </p:nvSpPr>
-        <p:spPr>
-          <a:xfrm>
-            <a:off x="317441" y="3977598"/>
-            <a:ext cx="2316480" cy="1015663"/>
-          </a:xfrm>
-          <a:prstGeom prst="rect">
-            <a:avLst/>
-          </a:prstGeom>
-          <a:noFill/>
-        </p:spPr>
-        <p:txBody>
-          <a:bodyPr wrap="square" rtlCol="0">
-            <a:spAutoFit/>
-          </a:bodyPr>
-          <a:lstStyle/>
-          <a:p>
-            <a:pPr algn="ctr"/>
-            <a:r>
-              <a:rPr lang="en-US" sz="2000" b="1" dirty="0"/>
-              <a:t>Testing </a:t>
-            </a:r>
-          </a:p>
-          <a:p>
-            <a:pPr algn="ctr"/>
-            <a:r>
-              <a:rPr lang="en-US" sz="2000" b="1" dirty="0"/>
-              <a:t>and </a:t>
-            </a:r>
-          </a:p>
-          <a:p>
-            <a:pPr algn="ctr"/>
-            <a:r>
-              <a:rPr lang="en-US" sz="2000" b="1" dirty="0"/>
-              <a:t>Debugging</a:t>
-            </a:r>
-          </a:p>
-        </p:txBody>
-      </p:sp>
     </p:spTree>
     <p:extLst>
       <p:ext uri="{BB962C8B-B14F-4D97-AF65-F5344CB8AC3E}">
-        <p14:creationId xmlns:p14="http://schemas.microsoft.com/office/powerpoint/2010/main" val="588504511"/>
+        <p14:creationId xmlns:p14="http://schemas.microsoft.com/office/powerpoint/2010/main" val="108566944"/>
       </p:ext>
     </p:extLst>
   </p:cSld>
@@ -18419,10 +18062,10 @@
       </p:grpSpPr>
       <p:sp>
         <p:nvSpPr>
-          <p:cNvPr id="4" name="Title 3">
-            <a:extLst>
-              <a:ext uri="{FF2B5EF4-FFF2-40B4-BE49-F238E27FC236}">
-                <a16:creationId xmlns:a16="http://schemas.microsoft.com/office/drawing/2014/main" id="{2E0C54B5-6876-DE29-A5F3-B88D01DEC8B1}"/>
+          <p:cNvPr id="17" name="Slide Number Placeholder 1">
+            <a:extLst>
+              <a:ext uri="{FF2B5EF4-FFF2-40B4-BE49-F238E27FC236}">
+                <a16:creationId xmlns:a16="http://schemas.microsoft.com/office/drawing/2014/main" id="{49ABE35A-BB82-5C1C-2B37-CAA754582F56}"/>
               </a:ext>
             </a:extLst>
           </p:cNvPr>
@@ -18430,13 +18073,85 @@
             <a:spLocks noGrp="1"/>
           </p:cNvSpPr>
           <p:nvPr>
-            <p:ph type="ctrTitle"/>
+            <p:ph type="sldNum" sz="quarter" idx="12"/>
           </p:nvPr>
         </p:nvSpPr>
         <p:spPr>
           <a:xfrm>
-            <a:off x="6337300" y="2971800"/>
-            <a:ext cx="5143500" cy="1292296"/>
+            <a:off x="11363696" y="6455739"/>
+            <a:ext cx="294460" cy="187367"/>
+          </a:xfrm>
+        </p:spPr>
+        <p:txBody>
+          <a:bodyPr/>
+          <a:lstStyle/>
+          <a:p>
+            <a:pPr>
+              <a:spcAft>
+                <a:spcPts val="600"/>
+              </a:spcAft>
+            </a:pPr>
+            <a:fld id="{9EC71654-96A5-4280-94F3-931C61A9F92C}" type="slidenum">
+              <a:rPr lang="en-US" noProof="0" smtClean="0"/>
+              <a:pPr>
+                <a:spcAft>
+                  <a:spcPts val="600"/>
+                </a:spcAft>
+              </a:pPr>
+              <a:t>16</a:t>
+            </a:fld>
+            <a:endParaRPr lang="en-US" noProof="0"/>
+          </a:p>
+        </p:txBody>
+      </p:sp>
+      <p:pic>
+        <p:nvPicPr>
+          <p:cNvPr id="7" name="Content Placeholder 6">
+            <a:extLst>
+              <a:ext uri="{FF2B5EF4-FFF2-40B4-BE49-F238E27FC236}">
+                <a16:creationId xmlns:a16="http://schemas.microsoft.com/office/drawing/2014/main" id="{DE6DCD29-CEE6-72BC-E86C-C62C70EEFDBA}"/>
+              </a:ext>
+            </a:extLst>
+          </p:cNvPr>
+          <p:cNvPicPr>
+            <a:picLocks noGrp="1" noChangeAspect="1"/>
+          </p:cNvPicPr>
+          <p:nvPr>
+            <p:ph sz="half" idx="1"/>
+          </p:nvPr>
+        </p:nvPicPr>
+        <p:blipFill>
+          <a:blip r:embed="rId2"/>
+          <a:stretch/>
+        </p:blipFill>
+        <p:spPr>
+          <a:xfrm>
+            <a:off x="9807575" y="3128404"/>
+            <a:ext cx="606425" cy="606425"/>
+          </a:xfrm>
+          <a:noFill/>
+        </p:spPr>
+      </p:pic>
+      <p:sp>
+        <p:nvSpPr>
+          <p:cNvPr id="2" name="Title 1">
+            <a:extLst>
+              <a:ext uri="{FF2B5EF4-FFF2-40B4-BE49-F238E27FC236}">
+                <a16:creationId xmlns:a16="http://schemas.microsoft.com/office/drawing/2014/main" id="{CC0C50D1-1B66-9C4E-DD7B-5221A23FD1F5}"/>
+              </a:ext>
+            </a:extLst>
+          </p:cNvPr>
+          <p:cNvSpPr>
+            <a:spLocks noGrp="1"/>
+          </p:cNvSpPr>
+          <p:nvPr>
+            <p:ph type="title"/>
+          </p:nvPr>
+        </p:nvSpPr>
+        <p:spPr>
+          <a:xfrm>
+            <a:off x="515938" y="246621"/>
+            <a:ext cx="11150600" cy="920336"/>
           </a:xfrm>
         </p:spPr>
         <p:txBody>
@@ -18447,45 +18162,17 @@
           <a:p>
             <a:r>
               <a:rPr lang="en-US" dirty="0"/>
-              <a:t>Future Work</a:t>
+              <a:t>Challenges</a:t>
             </a:r>
           </a:p>
         </p:txBody>
       </p:sp>
-      <p:pic>
-        <p:nvPicPr>
-          <p:cNvPr id="6" name="Picture Placeholder 5">
-            <a:extLst>
-              <a:ext uri="{FF2B5EF4-FFF2-40B4-BE49-F238E27FC236}">
-                <a16:creationId xmlns:a16="http://schemas.microsoft.com/office/drawing/2014/main" id="{BBD507E0-C445-45A5-000D-A42E3C8A8362}"/>
-              </a:ext>
-            </a:extLst>
-          </p:cNvPr>
-          <p:cNvPicPr>
-            <a:picLocks noGrp="1" noChangeAspect="1"/>
-          </p:cNvPicPr>
-          <p:nvPr>
-            <p:ph type="pic" sz="quarter" idx="10"/>
-          </p:nvPr>
-        </p:nvPicPr>
-        <p:blipFill>
-          <a:blip r:embed="rId2"/>
-          <a:srcRect l="22778" r="22778"/>
-          <a:stretch/>
-        </p:blipFill>
-        <p:spPr>
-          <a:xfrm>
-            <a:off x="711200" y="728663"/>
-            <a:ext cx="5305425" cy="5305425"/>
-          </a:xfrm>
-        </p:spPr>
-      </p:pic>
       <p:sp>
         <p:nvSpPr>
-          <p:cNvPr id="2" name="Slide Number Placeholder 1" hidden="1">
-            <a:extLst>
-              <a:ext uri="{FF2B5EF4-FFF2-40B4-BE49-F238E27FC236}">
-                <a16:creationId xmlns:a16="http://schemas.microsoft.com/office/drawing/2014/main" id="{CDA0EE6B-EE8E-9469-CA34-4A27CB4D7D0C}"/>
+          <p:cNvPr id="3" name="Slide Number Placeholder 2" hidden="1">
+            <a:extLst>
+              <a:ext uri="{FF2B5EF4-FFF2-40B4-BE49-F238E27FC236}">
+                <a16:creationId xmlns:a16="http://schemas.microsoft.com/office/drawing/2014/main" id="{24471D0A-2A75-5210-E90F-6C5B83FF9FEE}"/>
               </a:ext>
             </a:extLst>
           </p:cNvPr>
@@ -18532,10 +18219,324 @@
           </a:p>
         </p:txBody>
       </p:sp>
+      <p:pic>
+        <p:nvPicPr>
+          <p:cNvPr id="5" name="Picture 4" descr="Shape&#10;&#10;Description automatically generated">
+            <a:extLst>
+              <a:ext uri="{FF2B5EF4-FFF2-40B4-BE49-F238E27FC236}">
+                <a16:creationId xmlns:a16="http://schemas.microsoft.com/office/drawing/2014/main" id="{FC62146B-8F3F-FBBA-B170-9B5114E23759}"/>
+              </a:ext>
+            </a:extLst>
+          </p:cNvPr>
+          <p:cNvPicPr>
+            <a:picLocks noChangeAspect="1"/>
+          </p:cNvPicPr>
+          <p:nvPr/>
+        </p:nvPicPr>
+        <p:blipFill>
+          <a:blip r:embed="rId3"/>
+          <a:stretch>
+            <a:fillRect/>
+          </a:stretch>
+        </p:blipFill>
+        <p:spPr>
+          <a:xfrm>
+            <a:off x="7614323" y="3128404"/>
+            <a:ext cx="601191" cy="601191"/>
+          </a:xfrm>
+          <a:prstGeom prst="rect">
+            <a:avLst/>
+          </a:prstGeom>
+        </p:spPr>
+      </p:pic>
+      <p:pic>
+        <p:nvPicPr>
+          <p:cNvPr id="8" name="Picture 7" descr="A picture containing shape&#10;&#10;Description automatically generated">
+            <a:extLst>
+              <a:ext uri="{FF2B5EF4-FFF2-40B4-BE49-F238E27FC236}">
+                <a16:creationId xmlns:a16="http://schemas.microsoft.com/office/drawing/2014/main" id="{13E0C9C8-39E9-5C54-FE4C-BAFDCE1B7D0F}"/>
+              </a:ext>
+            </a:extLst>
+          </p:cNvPr>
+          <p:cNvPicPr>
+            <a:picLocks noChangeAspect="1"/>
+          </p:cNvPicPr>
+          <p:nvPr/>
+        </p:nvPicPr>
+        <p:blipFill>
+          <a:blip r:embed="rId4"/>
+          <a:stretch>
+            <a:fillRect/>
+          </a:stretch>
+        </p:blipFill>
+        <p:spPr>
+          <a:xfrm>
+            <a:off x="5359031" y="3136917"/>
+            <a:ext cx="664892" cy="574638"/>
+          </a:xfrm>
+          <a:prstGeom prst="rect">
+            <a:avLst/>
+          </a:prstGeom>
+        </p:spPr>
+      </p:pic>
+      <p:sp>
+        <p:nvSpPr>
+          <p:cNvPr id="10" name="TextBox 9">
+            <a:extLst>
+              <a:ext uri="{FF2B5EF4-FFF2-40B4-BE49-F238E27FC236}">
+                <a16:creationId xmlns:a16="http://schemas.microsoft.com/office/drawing/2014/main" id="{D1794A21-E128-104B-BC5E-57415EA90165}"/>
+              </a:ext>
+            </a:extLst>
+          </p:cNvPr>
+          <p:cNvSpPr txBox="1"/>
+          <p:nvPr/>
+        </p:nvSpPr>
+        <p:spPr>
+          <a:xfrm>
+            <a:off x="9151543" y="3977598"/>
+            <a:ext cx="1935634" cy="707886"/>
+          </a:xfrm>
+          <a:prstGeom prst="rect">
+            <a:avLst/>
+          </a:prstGeom>
+          <a:noFill/>
+        </p:spPr>
+        <p:txBody>
+          <a:bodyPr wrap="square" rtlCol="0">
+            <a:spAutoFit/>
+          </a:bodyPr>
+          <a:lstStyle/>
+          <a:p>
+            <a:pPr algn="ctr"/>
+            <a:r>
+              <a:rPr lang="en-US" sz="2000" b="1" dirty="0"/>
+              <a:t>Dataset Cleaning</a:t>
+            </a:r>
+          </a:p>
+        </p:txBody>
+      </p:sp>
+      <p:sp>
+        <p:nvSpPr>
+          <p:cNvPr id="14" name="TextBox 13">
+            <a:extLst>
+              <a:ext uri="{FF2B5EF4-FFF2-40B4-BE49-F238E27FC236}">
+                <a16:creationId xmlns:a16="http://schemas.microsoft.com/office/drawing/2014/main" id="{5CC1F818-39F8-B166-405C-C7975400ED44}"/>
+              </a:ext>
+            </a:extLst>
+          </p:cNvPr>
+          <p:cNvSpPr txBox="1"/>
+          <p:nvPr/>
+        </p:nvSpPr>
+        <p:spPr>
+          <a:xfrm>
+            <a:off x="6641869" y="3977598"/>
+            <a:ext cx="2558011" cy="707886"/>
+          </a:xfrm>
+          <a:prstGeom prst="rect">
+            <a:avLst/>
+          </a:prstGeom>
+          <a:noFill/>
+        </p:spPr>
+        <p:txBody>
+          <a:bodyPr wrap="square" rtlCol="0">
+            <a:spAutoFit/>
+          </a:bodyPr>
+          <a:lstStyle/>
+          <a:p>
+            <a:pPr algn="ctr"/>
+            <a:r>
+              <a:rPr lang="en-US" sz="2000" b="1" dirty="0"/>
+              <a:t>Hyperparameters Tuning</a:t>
+            </a:r>
+          </a:p>
+        </p:txBody>
+      </p:sp>
+      <p:sp>
+        <p:nvSpPr>
+          <p:cNvPr id="15" name="TextBox 14">
+            <a:extLst>
+              <a:ext uri="{FF2B5EF4-FFF2-40B4-BE49-F238E27FC236}">
+                <a16:creationId xmlns:a16="http://schemas.microsoft.com/office/drawing/2014/main" id="{FBAB8646-ECD4-83B3-C925-659CD4BCBB5B}"/>
+              </a:ext>
+            </a:extLst>
+          </p:cNvPr>
+          <p:cNvSpPr txBox="1"/>
+          <p:nvPr/>
+        </p:nvSpPr>
+        <p:spPr>
+          <a:xfrm>
+            <a:off x="4724601" y="3977598"/>
+            <a:ext cx="2009525" cy="707886"/>
+          </a:xfrm>
+          <a:prstGeom prst="rect">
+            <a:avLst/>
+          </a:prstGeom>
+          <a:noFill/>
+        </p:spPr>
+        <p:txBody>
+          <a:bodyPr wrap="square" rtlCol="0">
+            <a:spAutoFit/>
+          </a:bodyPr>
+          <a:lstStyle/>
+          <a:p>
+            <a:pPr algn="ctr"/>
+            <a:r>
+              <a:rPr lang="en-US" sz="2000" b="1" dirty="0"/>
+              <a:t>Dataset Imbalance</a:t>
+            </a:r>
+          </a:p>
+        </p:txBody>
+      </p:sp>
+      <p:pic>
+        <p:nvPicPr>
+          <p:cNvPr id="25" name="Picture 24" descr="Shape&#10;&#10;Description automatically generated with low confidence">
+            <a:extLst>
+              <a:ext uri="{FF2B5EF4-FFF2-40B4-BE49-F238E27FC236}">
+                <a16:creationId xmlns:a16="http://schemas.microsoft.com/office/drawing/2014/main" id="{172F869C-8254-E6CD-9F39-742519C87B5F}"/>
+              </a:ext>
+            </a:extLst>
+          </p:cNvPr>
+          <p:cNvPicPr>
+            <a:picLocks noChangeAspect="1"/>
+          </p:cNvPicPr>
+          <p:nvPr/>
+        </p:nvPicPr>
+        <p:blipFill>
+          <a:blip r:embed="rId5"/>
+          <a:stretch>
+            <a:fillRect/>
+          </a:stretch>
+        </p:blipFill>
+        <p:spPr>
+          <a:xfrm>
+            <a:off x="3271686" y="3216271"/>
+            <a:ext cx="495284" cy="495284"/>
+          </a:xfrm>
+          <a:prstGeom prst="rect">
+            <a:avLst/>
+          </a:prstGeom>
+        </p:spPr>
+      </p:pic>
+      <p:sp>
+        <p:nvSpPr>
+          <p:cNvPr id="26" name="TextBox 25">
+            <a:extLst>
+              <a:ext uri="{FF2B5EF4-FFF2-40B4-BE49-F238E27FC236}">
+                <a16:creationId xmlns:a16="http://schemas.microsoft.com/office/drawing/2014/main" id="{3F77A819-E442-CBA1-3C7E-CF082B21FEEE}"/>
+              </a:ext>
+            </a:extLst>
+          </p:cNvPr>
+          <p:cNvSpPr txBox="1"/>
+          <p:nvPr/>
+        </p:nvSpPr>
+        <p:spPr>
+          <a:xfrm>
+            <a:off x="2633921" y="3977598"/>
+            <a:ext cx="1763944" cy="707886"/>
+          </a:xfrm>
+          <a:prstGeom prst="rect">
+            <a:avLst/>
+          </a:prstGeom>
+          <a:noFill/>
+        </p:spPr>
+        <p:txBody>
+          <a:bodyPr wrap="square" rtlCol="0">
+            <a:spAutoFit/>
+          </a:bodyPr>
+          <a:lstStyle/>
+          <a:p>
+            <a:pPr algn="ctr"/>
+            <a:r>
+              <a:rPr lang="en-US" sz="2000" b="1" dirty="0"/>
+              <a:t>Code Complexity</a:t>
+            </a:r>
+          </a:p>
+        </p:txBody>
+      </p:sp>
+      <p:pic>
+        <p:nvPicPr>
+          <p:cNvPr id="28" name="Picture 27" descr="Icon&#10;&#10;Description automatically generated">
+            <a:extLst>
+              <a:ext uri="{FF2B5EF4-FFF2-40B4-BE49-F238E27FC236}">
+                <a16:creationId xmlns:a16="http://schemas.microsoft.com/office/drawing/2014/main" id="{B8699F91-9EA2-BCA9-C123-DE28870C5719}"/>
+              </a:ext>
+            </a:extLst>
+          </p:cNvPr>
+          <p:cNvPicPr>
+            <a:picLocks noChangeAspect="1"/>
+          </p:cNvPicPr>
+          <p:nvPr/>
+        </p:nvPicPr>
+        <p:blipFill>
+          <a:blip r:embed="rId6"/>
+          <a:stretch>
+            <a:fillRect/>
+          </a:stretch>
+        </p:blipFill>
+        <p:spPr>
+          <a:xfrm>
+            <a:off x="988909" y="3086258"/>
+            <a:ext cx="690716" cy="690716"/>
+          </a:xfrm>
+          <a:prstGeom prst="rect">
+            <a:avLst/>
+          </a:prstGeom>
+        </p:spPr>
+      </p:pic>
+      <p:sp>
+        <p:nvSpPr>
+          <p:cNvPr id="29" name="TextBox 28">
+            <a:extLst>
+              <a:ext uri="{FF2B5EF4-FFF2-40B4-BE49-F238E27FC236}">
+                <a16:creationId xmlns:a16="http://schemas.microsoft.com/office/drawing/2014/main" id="{CB5EF82F-24FF-CA97-F380-4D41120EE2BA}"/>
+              </a:ext>
+            </a:extLst>
+          </p:cNvPr>
+          <p:cNvSpPr txBox="1"/>
+          <p:nvPr/>
+        </p:nvSpPr>
+        <p:spPr>
+          <a:xfrm>
+            <a:off x="317441" y="3977598"/>
+            <a:ext cx="2316480" cy="1015663"/>
+          </a:xfrm>
+          <a:prstGeom prst="rect">
+            <a:avLst/>
+          </a:prstGeom>
+          <a:noFill/>
+        </p:spPr>
+        <p:txBody>
+          <a:bodyPr wrap="square" rtlCol="0">
+            <a:spAutoFit/>
+          </a:bodyPr>
+          <a:lstStyle/>
+          <a:p>
+            <a:pPr algn="ctr"/>
+            <a:r>
+              <a:rPr lang="en-US" sz="2000" b="1" dirty="0"/>
+              <a:t>Testing </a:t>
+            </a:r>
+          </a:p>
+          <a:p>
+            <a:pPr algn="ctr"/>
+            <a:r>
+              <a:rPr lang="en-US" sz="2000" b="1" dirty="0"/>
+              <a:t>and </a:t>
+            </a:r>
+          </a:p>
+          <a:p>
+            <a:pPr algn="ctr"/>
+            <a:r>
+              <a:rPr lang="en-US" sz="2000" b="1" dirty="0"/>
+              <a:t>Debugging</a:t>
+            </a:r>
+          </a:p>
+        </p:txBody>
+      </p:sp>
     </p:spTree>
     <p:extLst>
       <p:ext uri="{BB962C8B-B14F-4D97-AF65-F5344CB8AC3E}">
-        <p14:creationId xmlns:p14="http://schemas.microsoft.com/office/powerpoint/2010/main" val="2970485623"/>
+        <p14:creationId xmlns:p14="http://schemas.microsoft.com/office/powerpoint/2010/main" val="588504511"/>
       </p:ext>
     </p:extLst>
   </p:cSld>
@@ -18564,10 +18565,10 @@
       </p:grpSpPr>
       <p:sp>
         <p:nvSpPr>
-          <p:cNvPr id="17" name="Slide Number Placeholder 1">
-            <a:extLst>
-              <a:ext uri="{FF2B5EF4-FFF2-40B4-BE49-F238E27FC236}">
-                <a16:creationId xmlns:a16="http://schemas.microsoft.com/office/drawing/2014/main" id="{49ABE35A-BB82-5C1C-2B37-CAA754582F56}"/>
+          <p:cNvPr id="4" name="Title 3">
+            <a:extLst>
+              <a:ext uri="{FF2B5EF4-FFF2-40B4-BE49-F238E27FC236}">
+                <a16:creationId xmlns:a16="http://schemas.microsoft.com/office/drawing/2014/main" id="{2E0C54B5-6876-DE29-A5F3-B88D01DEC8B1}"/>
               </a:ext>
             </a:extLst>
           </p:cNvPr>
@@ -18575,86 +18576,13 @@
             <a:spLocks noGrp="1"/>
           </p:cNvSpPr>
           <p:nvPr>
-            <p:ph type="sldNum" sz="quarter" idx="12"/>
+            <p:ph type="ctrTitle"/>
           </p:nvPr>
         </p:nvSpPr>
         <p:spPr>
           <a:xfrm>
-            <a:off x="11363696" y="6455739"/>
-            <a:ext cx="294460" cy="187367"/>
-          </a:xfrm>
-        </p:spPr>
-        <p:txBody>
-          <a:bodyPr/>
-          <a:lstStyle/>
-          <a:p>
-            <a:pPr>
-              <a:spcAft>
-                <a:spcPts val="600"/>
-              </a:spcAft>
-            </a:pPr>
-            <a:fld id="{9EC71654-96A5-4280-94F3-931C61A9F92C}" type="slidenum">
-              <a:rPr lang="en-US" noProof="0" smtClean="0"/>
-              <a:pPr>
-                <a:spcAft>
-                  <a:spcPts val="600"/>
-                </a:spcAft>
-              </a:pPr>
-              <a:t>17</a:t>
-            </a:fld>
-            <a:endParaRPr lang="en-US" noProof="0"/>
-          </a:p>
-        </p:txBody>
-      </p:sp>
-      <p:pic>
-        <p:nvPicPr>
-          <p:cNvPr id="7" name="Content Placeholder 6">
-            <a:extLst>
-              <a:ext uri="{FF2B5EF4-FFF2-40B4-BE49-F238E27FC236}">
-                <a16:creationId xmlns:a16="http://schemas.microsoft.com/office/drawing/2014/main" id="{DE6DCD29-CEE6-72BC-E86C-C62C70EEFDBA}"/>
-              </a:ext>
-            </a:extLst>
-          </p:cNvPr>
-          <p:cNvPicPr>
-            <a:picLocks noGrp="1" noChangeAspect="1"/>
-          </p:cNvPicPr>
-          <p:nvPr>
-            <p:ph sz="half" idx="1"/>
-          </p:nvPr>
-        </p:nvPicPr>
-        <p:blipFill>
-          <a:blip r:embed="rId2"/>
-          <a:srcRect/>
-          <a:stretch/>
-        </p:blipFill>
-        <p:spPr>
-          <a:xfrm>
-            <a:off x="9834381" y="3128404"/>
-            <a:ext cx="552812" cy="606425"/>
-          </a:xfrm>
-          <a:noFill/>
-        </p:spPr>
-      </p:pic>
-      <p:sp>
-        <p:nvSpPr>
-          <p:cNvPr id="2" name="Title 1">
-            <a:extLst>
-              <a:ext uri="{FF2B5EF4-FFF2-40B4-BE49-F238E27FC236}">
-                <a16:creationId xmlns:a16="http://schemas.microsoft.com/office/drawing/2014/main" id="{CC0C50D1-1B66-9C4E-DD7B-5221A23FD1F5}"/>
-              </a:ext>
-            </a:extLst>
-          </p:cNvPr>
-          <p:cNvSpPr>
-            <a:spLocks noGrp="1"/>
-          </p:cNvSpPr>
-          <p:nvPr>
-            <p:ph type="title"/>
-          </p:nvPr>
-        </p:nvSpPr>
-        <p:spPr>
-          <a:xfrm>
-            <a:off x="515938" y="246621"/>
-            <a:ext cx="11150600" cy="920336"/>
+            <a:off x="6337300" y="2971800"/>
+            <a:ext cx="5143500" cy="1292296"/>
           </a:xfrm>
         </p:spPr>
         <p:txBody>
@@ -18670,12 +18598,40 @@
           </a:p>
         </p:txBody>
       </p:sp>
+      <p:pic>
+        <p:nvPicPr>
+          <p:cNvPr id="6" name="Picture Placeholder 5">
+            <a:extLst>
+              <a:ext uri="{FF2B5EF4-FFF2-40B4-BE49-F238E27FC236}">
+                <a16:creationId xmlns:a16="http://schemas.microsoft.com/office/drawing/2014/main" id="{BBD507E0-C445-45A5-000D-A42E3C8A8362}"/>
+              </a:ext>
+            </a:extLst>
+          </p:cNvPr>
+          <p:cNvPicPr>
+            <a:picLocks noGrp="1" noChangeAspect="1"/>
+          </p:cNvPicPr>
+          <p:nvPr>
+            <p:ph type="pic" sz="quarter" idx="10"/>
+          </p:nvPr>
+        </p:nvPicPr>
+        <p:blipFill>
+          <a:blip r:embed="rId2"/>
+          <a:srcRect l="22778" r="22778"/>
+          <a:stretch/>
+        </p:blipFill>
+        <p:spPr>
+          <a:xfrm>
+            <a:off x="711200" y="728663"/>
+            <a:ext cx="5305425" cy="5305425"/>
+          </a:xfrm>
+        </p:spPr>
+      </p:pic>
       <p:sp>
         <p:nvSpPr>
-          <p:cNvPr id="3" name="Slide Number Placeholder 2" hidden="1">
-            <a:extLst>
-              <a:ext uri="{FF2B5EF4-FFF2-40B4-BE49-F238E27FC236}">
-                <a16:creationId xmlns:a16="http://schemas.microsoft.com/office/drawing/2014/main" id="{24471D0A-2A75-5210-E90F-6C5B83FF9FEE}"/>
+          <p:cNvPr id="2" name="Slide Number Placeholder 1" hidden="1">
+            <a:extLst>
+              <a:ext uri="{FF2B5EF4-FFF2-40B4-BE49-F238E27FC236}">
+                <a16:creationId xmlns:a16="http://schemas.microsoft.com/office/drawing/2014/main" id="{CDA0EE6B-EE8E-9469-CA34-4A27CB4D7D0C}"/>
               </a:ext>
             </a:extLst>
           </p:cNvPr>
@@ -18722,317 +18678,10 @@
           </a:p>
         </p:txBody>
       </p:sp>
-      <p:pic>
-        <p:nvPicPr>
-          <p:cNvPr id="5" name="Picture 4">
-            <a:extLst>
-              <a:ext uri="{FF2B5EF4-FFF2-40B4-BE49-F238E27FC236}">
-                <a16:creationId xmlns:a16="http://schemas.microsoft.com/office/drawing/2014/main" id="{FC62146B-8F3F-FBBA-B170-9B5114E23759}"/>
-              </a:ext>
-            </a:extLst>
-          </p:cNvPr>
-          <p:cNvPicPr>
-            <a:picLocks noChangeAspect="1"/>
-          </p:cNvPicPr>
-          <p:nvPr/>
-        </p:nvPicPr>
-        <p:blipFill>
-          <a:blip r:embed="rId3"/>
-          <a:srcRect/>
-          <a:stretch/>
-        </p:blipFill>
-        <p:spPr>
-          <a:xfrm>
-            <a:off x="7614323" y="3128404"/>
-            <a:ext cx="601191" cy="601191"/>
-          </a:xfrm>
-          <a:prstGeom prst="rect">
-            <a:avLst/>
-          </a:prstGeom>
-        </p:spPr>
-      </p:pic>
-      <p:pic>
-        <p:nvPicPr>
-          <p:cNvPr id="8" name="Picture 7">
-            <a:extLst>
-              <a:ext uri="{FF2B5EF4-FFF2-40B4-BE49-F238E27FC236}">
-                <a16:creationId xmlns:a16="http://schemas.microsoft.com/office/drawing/2014/main" id="{13E0C9C8-39E9-5C54-FE4C-BAFDCE1B7D0F}"/>
-              </a:ext>
-            </a:extLst>
-          </p:cNvPr>
-          <p:cNvPicPr>
-            <a:picLocks noChangeAspect="1"/>
-          </p:cNvPicPr>
-          <p:nvPr/>
-        </p:nvPicPr>
-        <p:blipFill>
-          <a:blip r:embed="rId4"/>
-          <a:srcRect/>
-          <a:stretch/>
-        </p:blipFill>
-        <p:spPr>
-          <a:xfrm>
-            <a:off x="5376669" y="3136917"/>
-            <a:ext cx="629616" cy="574638"/>
-          </a:xfrm>
-          <a:prstGeom prst="rect">
-            <a:avLst/>
-          </a:prstGeom>
-        </p:spPr>
-      </p:pic>
-      <p:sp>
-        <p:nvSpPr>
-          <p:cNvPr id="10" name="TextBox 9">
-            <a:extLst>
-              <a:ext uri="{FF2B5EF4-FFF2-40B4-BE49-F238E27FC236}">
-                <a16:creationId xmlns:a16="http://schemas.microsoft.com/office/drawing/2014/main" id="{D1794A21-E128-104B-BC5E-57415EA90165}"/>
-              </a:ext>
-            </a:extLst>
-          </p:cNvPr>
-          <p:cNvSpPr txBox="1"/>
-          <p:nvPr/>
-        </p:nvSpPr>
-        <p:spPr>
-          <a:xfrm>
-            <a:off x="9151543" y="3977598"/>
-            <a:ext cx="1935634" cy="400110"/>
-          </a:xfrm>
-          <a:prstGeom prst="rect">
-            <a:avLst/>
-          </a:prstGeom>
-          <a:noFill/>
-        </p:spPr>
-        <p:txBody>
-          <a:bodyPr wrap="square" rtlCol="0">
-            <a:spAutoFit/>
-          </a:bodyPr>
-          <a:lstStyle/>
-          <a:p>
-            <a:pPr algn="ctr"/>
-            <a:r>
-              <a:rPr lang="en-US" sz="2000" b="1" dirty="0"/>
-              <a:t>Mobile Model</a:t>
-            </a:r>
-          </a:p>
-        </p:txBody>
-      </p:sp>
-      <p:sp>
-        <p:nvSpPr>
-          <p:cNvPr id="14" name="TextBox 13">
-            <a:extLst>
-              <a:ext uri="{FF2B5EF4-FFF2-40B4-BE49-F238E27FC236}">
-                <a16:creationId xmlns:a16="http://schemas.microsoft.com/office/drawing/2014/main" id="{5CC1F818-39F8-B166-405C-C7975400ED44}"/>
-              </a:ext>
-            </a:extLst>
-          </p:cNvPr>
-          <p:cNvSpPr txBox="1"/>
-          <p:nvPr/>
-        </p:nvSpPr>
-        <p:spPr>
-          <a:xfrm>
-            <a:off x="6641869" y="3977598"/>
-            <a:ext cx="2558011" cy="707886"/>
-          </a:xfrm>
-          <a:prstGeom prst="rect">
-            <a:avLst/>
-          </a:prstGeom>
-          <a:noFill/>
-        </p:spPr>
-        <p:txBody>
-          <a:bodyPr wrap="square" rtlCol="0">
-            <a:spAutoFit/>
-          </a:bodyPr>
-          <a:lstStyle/>
-          <a:p>
-            <a:pPr algn="ctr"/>
-            <a:r>
-              <a:rPr lang="en-US" sz="2000" b="1" dirty="0"/>
-              <a:t>All In One</a:t>
-            </a:r>
-          </a:p>
-          <a:p>
-            <a:pPr algn="ctr"/>
-            <a:endParaRPr lang="en-US" sz="2000" b="1" dirty="0"/>
-          </a:p>
-        </p:txBody>
-      </p:sp>
-      <p:sp>
-        <p:nvSpPr>
-          <p:cNvPr id="15" name="TextBox 14">
-            <a:extLst>
-              <a:ext uri="{FF2B5EF4-FFF2-40B4-BE49-F238E27FC236}">
-                <a16:creationId xmlns:a16="http://schemas.microsoft.com/office/drawing/2014/main" id="{FBAB8646-ECD4-83B3-C925-659CD4BCBB5B}"/>
-              </a:ext>
-            </a:extLst>
-          </p:cNvPr>
-          <p:cNvSpPr txBox="1"/>
-          <p:nvPr/>
-        </p:nvSpPr>
-        <p:spPr>
-          <a:xfrm>
-            <a:off x="4724601" y="3977598"/>
-            <a:ext cx="2009525" cy="707886"/>
-          </a:xfrm>
-          <a:prstGeom prst="rect">
-            <a:avLst/>
-          </a:prstGeom>
-          <a:noFill/>
-        </p:spPr>
-        <p:txBody>
-          <a:bodyPr wrap="square" rtlCol="0">
-            <a:spAutoFit/>
-          </a:bodyPr>
-          <a:lstStyle/>
-          <a:p>
-            <a:pPr algn="ctr"/>
-            <a:r>
-              <a:rPr lang="en-US" sz="2000" b="1" dirty="0"/>
-              <a:t>Night Vision</a:t>
-            </a:r>
-          </a:p>
-          <a:p>
-            <a:pPr algn="ctr"/>
-            <a:r>
-              <a:rPr lang="en-US" sz="2000" b="1" dirty="0"/>
-              <a:t>Model </a:t>
-            </a:r>
-          </a:p>
-        </p:txBody>
-      </p:sp>
-      <p:pic>
-        <p:nvPicPr>
-          <p:cNvPr id="25" name="Picture 24">
-            <a:extLst>
-              <a:ext uri="{FF2B5EF4-FFF2-40B4-BE49-F238E27FC236}">
-                <a16:creationId xmlns:a16="http://schemas.microsoft.com/office/drawing/2014/main" id="{172F869C-8254-E6CD-9F39-742519C87B5F}"/>
-              </a:ext>
-            </a:extLst>
-          </p:cNvPr>
-          <p:cNvPicPr>
-            <a:picLocks noChangeAspect="1"/>
-          </p:cNvPicPr>
-          <p:nvPr/>
-        </p:nvPicPr>
-        <p:blipFill>
-          <a:blip r:embed="rId5"/>
-          <a:srcRect/>
-          <a:stretch/>
-        </p:blipFill>
-        <p:spPr>
-          <a:xfrm>
-            <a:off x="3271686" y="3216271"/>
-            <a:ext cx="495284" cy="495284"/>
-          </a:xfrm>
-          <a:prstGeom prst="rect">
-            <a:avLst/>
-          </a:prstGeom>
-        </p:spPr>
-      </p:pic>
-      <p:sp>
-        <p:nvSpPr>
-          <p:cNvPr id="26" name="TextBox 25">
-            <a:extLst>
-              <a:ext uri="{FF2B5EF4-FFF2-40B4-BE49-F238E27FC236}">
-                <a16:creationId xmlns:a16="http://schemas.microsoft.com/office/drawing/2014/main" id="{3F77A819-E442-CBA1-3C7E-CF082B21FEEE}"/>
-              </a:ext>
-            </a:extLst>
-          </p:cNvPr>
-          <p:cNvSpPr txBox="1"/>
-          <p:nvPr/>
-        </p:nvSpPr>
-        <p:spPr>
-          <a:xfrm>
-            <a:off x="2633921" y="3977598"/>
-            <a:ext cx="1763944" cy="707886"/>
-          </a:xfrm>
-          <a:prstGeom prst="rect">
-            <a:avLst/>
-          </a:prstGeom>
-          <a:noFill/>
-        </p:spPr>
-        <p:txBody>
-          <a:bodyPr wrap="square" rtlCol="0">
-            <a:spAutoFit/>
-          </a:bodyPr>
-          <a:lstStyle/>
-          <a:p>
-            <a:pPr algn="ctr"/>
-            <a:r>
-              <a:rPr lang="en-US" sz="2000" b="1" dirty="0"/>
-              <a:t>Driver Distraction</a:t>
-            </a:r>
-          </a:p>
-        </p:txBody>
-      </p:sp>
-      <p:pic>
-        <p:nvPicPr>
-          <p:cNvPr id="28" name="Picture 27">
-            <a:extLst>
-              <a:ext uri="{FF2B5EF4-FFF2-40B4-BE49-F238E27FC236}">
-                <a16:creationId xmlns:a16="http://schemas.microsoft.com/office/drawing/2014/main" id="{B8699F91-9EA2-BCA9-C123-DE28870C5719}"/>
-              </a:ext>
-            </a:extLst>
-          </p:cNvPr>
-          <p:cNvPicPr>
-            <a:picLocks noChangeAspect="1"/>
-          </p:cNvPicPr>
-          <p:nvPr/>
-        </p:nvPicPr>
-        <p:blipFill>
-          <a:blip r:embed="rId6"/>
-          <a:srcRect/>
-          <a:stretch/>
-        </p:blipFill>
-        <p:spPr>
-          <a:xfrm>
-            <a:off x="988909" y="3086258"/>
-            <a:ext cx="690716" cy="690716"/>
-          </a:xfrm>
-          <a:prstGeom prst="rect">
-            <a:avLst/>
-          </a:prstGeom>
-        </p:spPr>
-      </p:pic>
-      <p:sp>
-        <p:nvSpPr>
-          <p:cNvPr id="29" name="TextBox 28">
-            <a:extLst>
-              <a:ext uri="{FF2B5EF4-FFF2-40B4-BE49-F238E27FC236}">
-                <a16:creationId xmlns:a16="http://schemas.microsoft.com/office/drawing/2014/main" id="{CB5EF82F-24FF-CA97-F380-4D41120EE2BA}"/>
-              </a:ext>
-            </a:extLst>
-          </p:cNvPr>
-          <p:cNvSpPr txBox="1"/>
-          <p:nvPr/>
-        </p:nvSpPr>
-        <p:spPr>
-          <a:xfrm>
-            <a:off x="317441" y="3977598"/>
-            <a:ext cx="2316480" cy="400110"/>
-          </a:xfrm>
-          <a:prstGeom prst="rect">
-            <a:avLst/>
-          </a:prstGeom>
-          <a:noFill/>
-        </p:spPr>
-        <p:txBody>
-          <a:bodyPr wrap="square" rtlCol="0">
-            <a:spAutoFit/>
-          </a:bodyPr>
-          <a:lstStyle/>
-          <a:p>
-            <a:pPr algn="ctr"/>
-            <a:r>
-              <a:rPr lang="en-US" sz="2000" b="1" dirty="0"/>
-              <a:t>Lane Detection</a:t>
-            </a:r>
-          </a:p>
-        </p:txBody>
-      </p:sp>
     </p:spTree>
     <p:extLst>
       <p:ext uri="{BB962C8B-B14F-4D97-AF65-F5344CB8AC3E}">
-        <p14:creationId xmlns:p14="http://schemas.microsoft.com/office/powerpoint/2010/main" val="3482772454"/>
+        <p14:creationId xmlns:p14="http://schemas.microsoft.com/office/powerpoint/2010/main" val="2970485623"/>
       </p:ext>
     </p:extLst>
   </p:cSld>
@@ -19061,10 +18710,10 @@
       </p:grpSpPr>
       <p:sp>
         <p:nvSpPr>
-          <p:cNvPr id="4" name="Title 3">
-            <a:extLst>
-              <a:ext uri="{FF2B5EF4-FFF2-40B4-BE49-F238E27FC236}">
-                <a16:creationId xmlns:a16="http://schemas.microsoft.com/office/drawing/2014/main" id="{2E0C54B5-6876-DE29-A5F3-B88D01DEC8B1}"/>
+          <p:cNvPr id="17" name="Slide Number Placeholder 1">
+            <a:extLst>
+              <a:ext uri="{FF2B5EF4-FFF2-40B4-BE49-F238E27FC236}">
+                <a16:creationId xmlns:a16="http://schemas.microsoft.com/office/drawing/2014/main" id="{49ABE35A-BB82-5C1C-2B37-CAA754582F56}"/>
               </a:ext>
             </a:extLst>
           </p:cNvPr>
@@ -19072,13 +18721,86 @@
             <a:spLocks noGrp="1"/>
           </p:cNvSpPr>
           <p:nvPr>
-            <p:ph type="ctrTitle"/>
+            <p:ph type="sldNum" sz="quarter" idx="12"/>
           </p:nvPr>
         </p:nvSpPr>
         <p:spPr>
           <a:xfrm>
-            <a:off x="6323984" y="3429000"/>
-            <a:ext cx="10970957" cy="850971"/>
+            <a:off x="11363696" y="6455739"/>
+            <a:ext cx="294460" cy="187367"/>
+          </a:xfrm>
+        </p:spPr>
+        <p:txBody>
+          <a:bodyPr/>
+          <a:lstStyle/>
+          <a:p>
+            <a:pPr>
+              <a:spcAft>
+                <a:spcPts val="600"/>
+              </a:spcAft>
+            </a:pPr>
+            <a:fld id="{9EC71654-96A5-4280-94F3-931C61A9F92C}" type="slidenum">
+              <a:rPr lang="en-US" noProof="0" smtClean="0"/>
+              <a:pPr>
+                <a:spcAft>
+                  <a:spcPts val="600"/>
+                </a:spcAft>
+              </a:pPr>
+              <a:t>18</a:t>
+            </a:fld>
+            <a:endParaRPr lang="en-US" noProof="0"/>
+          </a:p>
+        </p:txBody>
+      </p:sp>
+      <p:pic>
+        <p:nvPicPr>
+          <p:cNvPr id="7" name="Content Placeholder 6">
+            <a:extLst>
+              <a:ext uri="{FF2B5EF4-FFF2-40B4-BE49-F238E27FC236}">
+                <a16:creationId xmlns:a16="http://schemas.microsoft.com/office/drawing/2014/main" id="{DE6DCD29-CEE6-72BC-E86C-C62C70EEFDBA}"/>
+              </a:ext>
+            </a:extLst>
+          </p:cNvPr>
+          <p:cNvPicPr>
+            <a:picLocks noGrp="1" noChangeAspect="1"/>
+          </p:cNvPicPr>
+          <p:nvPr>
+            <p:ph sz="half" idx="1"/>
+          </p:nvPr>
+        </p:nvPicPr>
+        <p:blipFill>
+          <a:blip r:embed="rId2"/>
+          <a:srcRect/>
+          <a:stretch/>
+        </p:blipFill>
+        <p:spPr>
+          <a:xfrm>
+            <a:off x="9834381" y="3128404"/>
+            <a:ext cx="552812" cy="606425"/>
+          </a:xfrm>
+          <a:noFill/>
+        </p:spPr>
+      </p:pic>
+      <p:sp>
+        <p:nvSpPr>
+          <p:cNvPr id="2" name="Title 1">
+            <a:extLst>
+              <a:ext uri="{FF2B5EF4-FFF2-40B4-BE49-F238E27FC236}">
+                <a16:creationId xmlns:a16="http://schemas.microsoft.com/office/drawing/2014/main" id="{CC0C50D1-1B66-9C4E-DD7B-5221A23FD1F5}"/>
+              </a:ext>
+            </a:extLst>
+          </p:cNvPr>
+          <p:cNvSpPr>
+            <a:spLocks noGrp="1"/>
+          </p:cNvSpPr>
+          <p:nvPr>
+            <p:ph type="title"/>
+          </p:nvPr>
+        </p:nvSpPr>
+        <p:spPr>
+          <a:xfrm>
+            <a:off x="515938" y="246621"/>
+            <a:ext cx="11150600" cy="920336"/>
           </a:xfrm>
         </p:spPr>
         <p:txBody>
@@ -19089,17 +18811,17 @@
           <a:p>
             <a:r>
               <a:rPr lang="en-US" dirty="0"/>
-              <a:t>Conclusion</a:t>
+              <a:t>Future Work</a:t>
             </a:r>
           </a:p>
         </p:txBody>
       </p:sp>
       <p:sp>
         <p:nvSpPr>
-          <p:cNvPr id="2" name="Slide Number Placeholder 1" hidden="1">
-            <a:extLst>
-              <a:ext uri="{FF2B5EF4-FFF2-40B4-BE49-F238E27FC236}">
-                <a16:creationId xmlns:a16="http://schemas.microsoft.com/office/drawing/2014/main" id="{CDA0EE6B-EE8E-9469-CA34-4A27CB4D7D0C}"/>
+          <p:cNvPr id="3" name="Slide Number Placeholder 2" hidden="1">
+            <a:extLst>
+              <a:ext uri="{FF2B5EF4-FFF2-40B4-BE49-F238E27FC236}">
+                <a16:creationId xmlns:a16="http://schemas.microsoft.com/office/drawing/2014/main" id="{24471D0A-2A75-5210-E90F-6C5B83FF9FEE}"/>
               </a:ext>
             </a:extLst>
           </p:cNvPr>
@@ -19131,7 +18853,7 @@
               </a:spcAft>
             </a:pPr>
             <a:fld id="{9EC71654-96A5-4280-94F3-931C61A9F92C}" type="slidenum">
-              <a:rPr lang="en-US" sz="200" noProof="0" smtClean="0"/>
+              <a:rPr lang="en-US" sz="600" noProof="0" smtClean="0"/>
               <a:pPr>
                 <a:lnSpc>
                   <a:spcPct val="90000"/>
@@ -19142,14 +18864,321 @@
               </a:pPr>
               <a:t>18</a:t>
             </a:fld>
-            <a:endParaRPr lang="en-US" sz="200" noProof="0"/>
+            <a:endParaRPr lang="en-US" sz="600" noProof="0"/>
+          </a:p>
+        </p:txBody>
+      </p:sp>
+      <p:pic>
+        <p:nvPicPr>
+          <p:cNvPr id="5" name="Picture 4">
+            <a:extLst>
+              <a:ext uri="{FF2B5EF4-FFF2-40B4-BE49-F238E27FC236}">
+                <a16:creationId xmlns:a16="http://schemas.microsoft.com/office/drawing/2014/main" id="{FC62146B-8F3F-FBBA-B170-9B5114E23759}"/>
+              </a:ext>
+            </a:extLst>
+          </p:cNvPr>
+          <p:cNvPicPr>
+            <a:picLocks noChangeAspect="1"/>
+          </p:cNvPicPr>
+          <p:nvPr/>
+        </p:nvPicPr>
+        <p:blipFill>
+          <a:blip r:embed="rId3"/>
+          <a:srcRect/>
+          <a:stretch/>
+        </p:blipFill>
+        <p:spPr>
+          <a:xfrm>
+            <a:off x="7614323" y="3128404"/>
+            <a:ext cx="601191" cy="601191"/>
+          </a:xfrm>
+          <a:prstGeom prst="rect">
+            <a:avLst/>
+          </a:prstGeom>
+        </p:spPr>
+      </p:pic>
+      <p:pic>
+        <p:nvPicPr>
+          <p:cNvPr id="8" name="Picture 7">
+            <a:extLst>
+              <a:ext uri="{FF2B5EF4-FFF2-40B4-BE49-F238E27FC236}">
+                <a16:creationId xmlns:a16="http://schemas.microsoft.com/office/drawing/2014/main" id="{13E0C9C8-39E9-5C54-FE4C-BAFDCE1B7D0F}"/>
+              </a:ext>
+            </a:extLst>
+          </p:cNvPr>
+          <p:cNvPicPr>
+            <a:picLocks noChangeAspect="1"/>
+          </p:cNvPicPr>
+          <p:nvPr/>
+        </p:nvPicPr>
+        <p:blipFill>
+          <a:blip r:embed="rId4"/>
+          <a:srcRect/>
+          <a:stretch/>
+        </p:blipFill>
+        <p:spPr>
+          <a:xfrm>
+            <a:off x="5376669" y="3136917"/>
+            <a:ext cx="629616" cy="574638"/>
+          </a:xfrm>
+          <a:prstGeom prst="rect">
+            <a:avLst/>
+          </a:prstGeom>
+        </p:spPr>
+      </p:pic>
+      <p:sp>
+        <p:nvSpPr>
+          <p:cNvPr id="10" name="TextBox 9">
+            <a:extLst>
+              <a:ext uri="{FF2B5EF4-FFF2-40B4-BE49-F238E27FC236}">
+                <a16:creationId xmlns:a16="http://schemas.microsoft.com/office/drawing/2014/main" id="{D1794A21-E128-104B-BC5E-57415EA90165}"/>
+              </a:ext>
+            </a:extLst>
+          </p:cNvPr>
+          <p:cNvSpPr txBox="1"/>
+          <p:nvPr/>
+        </p:nvSpPr>
+        <p:spPr>
+          <a:xfrm>
+            <a:off x="9151543" y="3977598"/>
+            <a:ext cx="1935634" cy="400110"/>
+          </a:xfrm>
+          <a:prstGeom prst="rect">
+            <a:avLst/>
+          </a:prstGeom>
+          <a:noFill/>
+        </p:spPr>
+        <p:txBody>
+          <a:bodyPr wrap="square" rtlCol="0">
+            <a:spAutoFit/>
+          </a:bodyPr>
+          <a:lstStyle/>
+          <a:p>
+            <a:pPr algn="ctr"/>
+            <a:r>
+              <a:rPr lang="en-US" sz="2000" b="1" dirty="0"/>
+              <a:t>Mobile Model</a:t>
+            </a:r>
+          </a:p>
+        </p:txBody>
+      </p:sp>
+      <p:sp>
+        <p:nvSpPr>
+          <p:cNvPr id="14" name="TextBox 13">
+            <a:extLst>
+              <a:ext uri="{FF2B5EF4-FFF2-40B4-BE49-F238E27FC236}">
+                <a16:creationId xmlns:a16="http://schemas.microsoft.com/office/drawing/2014/main" id="{5CC1F818-39F8-B166-405C-C7975400ED44}"/>
+              </a:ext>
+            </a:extLst>
+          </p:cNvPr>
+          <p:cNvSpPr txBox="1"/>
+          <p:nvPr/>
+        </p:nvSpPr>
+        <p:spPr>
+          <a:xfrm>
+            <a:off x="6641869" y="3977598"/>
+            <a:ext cx="2558011" cy="707886"/>
+          </a:xfrm>
+          <a:prstGeom prst="rect">
+            <a:avLst/>
+          </a:prstGeom>
+          <a:noFill/>
+        </p:spPr>
+        <p:txBody>
+          <a:bodyPr wrap="square" rtlCol="0">
+            <a:spAutoFit/>
+          </a:bodyPr>
+          <a:lstStyle/>
+          <a:p>
+            <a:pPr algn="ctr"/>
+            <a:r>
+              <a:rPr lang="en-US" sz="2000" b="1" dirty="0"/>
+              <a:t>All In One</a:t>
+            </a:r>
+          </a:p>
+          <a:p>
+            <a:pPr algn="ctr"/>
+            <a:endParaRPr lang="en-US" sz="2000" b="1" dirty="0"/>
+          </a:p>
+        </p:txBody>
+      </p:sp>
+      <p:sp>
+        <p:nvSpPr>
+          <p:cNvPr id="15" name="TextBox 14">
+            <a:extLst>
+              <a:ext uri="{FF2B5EF4-FFF2-40B4-BE49-F238E27FC236}">
+                <a16:creationId xmlns:a16="http://schemas.microsoft.com/office/drawing/2014/main" id="{FBAB8646-ECD4-83B3-C925-659CD4BCBB5B}"/>
+              </a:ext>
+            </a:extLst>
+          </p:cNvPr>
+          <p:cNvSpPr txBox="1"/>
+          <p:nvPr/>
+        </p:nvSpPr>
+        <p:spPr>
+          <a:xfrm>
+            <a:off x="4724601" y="3977598"/>
+            <a:ext cx="2009525" cy="707886"/>
+          </a:xfrm>
+          <a:prstGeom prst="rect">
+            <a:avLst/>
+          </a:prstGeom>
+          <a:noFill/>
+        </p:spPr>
+        <p:txBody>
+          <a:bodyPr wrap="square" rtlCol="0">
+            <a:spAutoFit/>
+          </a:bodyPr>
+          <a:lstStyle/>
+          <a:p>
+            <a:pPr algn="ctr"/>
+            <a:r>
+              <a:rPr lang="en-US" sz="2000" b="1" dirty="0"/>
+              <a:t>Night Vision</a:t>
+            </a:r>
+          </a:p>
+          <a:p>
+            <a:pPr algn="ctr"/>
+            <a:r>
+              <a:rPr lang="en-US" sz="2000" b="1" dirty="0"/>
+              <a:t>Model </a:t>
+            </a:r>
+          </a:p>
+        </p:txBody>
+      </p:sp>
+      <p:pic>
+        <p:nvPicPr>
+          <p:cNvPr id="25" name="Picture 24">
+            <a:extLst>
+              <a:ext uri="{FF2B5EF4-FFF2-40B4-BE49-F238E27FC236}">
+                <a16:creationId xmlns:a16="http://schemas.microsoft.com/office/drawing/2014/main" id="{172F869C-8254-E6CD-9F39-742519C87B5F}"/>
+              </a:ext>
+            </a:extLst>
+          </p:cNvPr>
+          <p:cNvPicPr>
+            <a:picLocks noChangeAspect="1"/>
+          </p:cNvPicPr>
+          <p:nvPr/>
+        </p:nvPicPr>
+        <p:blipFill>
+          <a:blip r:embed="rId5"/>
+          <a:srcRect/>
+          <a:stretch/>
+        </p:blipFill>
+        <p:spPr>
+          <a:xfrm>
+            <a:off x="3271686" y="3216271"/>
+            <a:ext cx="495284" cy="495284"/>
+          </a:xfrm>
+          <a:prstGeom prst="rect">
+            <a:avLst/>
+          </a:prstGeom>
+        </p:spPr>
+      </p:pic>
+      <p:sp>
+        <p:nvSpPr>
+          <p:cNvPr id="26" name="TextBox 25">
+            <a:extLst>
+              <a:ext uri="{FF2B5EF4-FFF2-40B4-BE49-F238E27FC236}">
+                <a16:creationId xmlns:a16="http://schemas.microsoft.com/office/drawing/2014/main" id="{3F77A819-E442-CBA1-3C7E-CF082B21FEEE}"/>
+              </a:ext>
+            </a:extLst>
+          </p:cNvPr>
+          <p:cNvSpPr txBox="1"/>
+          <p:nvPr/>
+        </p:nvSpPr>
+        <p:spPr>
+          <a:xfrm>
+            <a:off x="2633921" y="3977598"/>
+            <a:ext cx="1763944" cy="707886"/>
+          </a:xfrm>
+          <a:prstGeom prst="rect">
+            <a:avLst/>
+          </a:prstGeom>
+          <a:noFill/>
+        </p:spPr>
+        <p:txBody>
+          <a:bodyPr wrap="square" rtlCol="0">
+            <a:spAutoFit/>
+          </a:bodyPr>
+          <a:lstStyle/>
+          <a:p>
+            <a:pPr algn="ctr"/>
+            <a:r>
+              <a:rPr lang="en-US" sz="2000" b="1" dirty="0"/>
+              <a:t>Driver Distraction</a:t>
+            </a:r>
+          </a:p>
+        </p:txBody>
+      </p:sp>
+      <p:pic>
+        <p:nvPicPr>
+          <p:cNvPr id="28" name="Picture 27">
+            <a:extLst>
+              <a:ext uri="{FF2B5EF4-FFF2-40B4-BE49-F238E27FC236}">
+                <a16:creationId xmlns:a16="http://schemas.microsoft.com/office/drawing/2014/main" id="{B8699F91-9EA2-BCA9-C123-DE28870C5719}"/>
+              </a:ext>
+            </a:extLst>
+          </p:cNvPr>
+          <p:cNvPicPr>
+            <a:picLocks noChangeAspect="1"/>
+          </p:cNvPicPr>
+          <p:nvPr/>
+        </p:nvPicPr>
+        <p:blipFill>
+          <a:blip r:embed="rId6"/>
+          <a:srcRect/>
+          <a:stretch/>
+        </p:blipFill>
+        <p:spPr>
+          <a:xfrm>
+            <a:off x="988909" y="3086258"/>
+            <a:ext cx="690716" cy="690716"/>
+          </a:xfrm>
+          <a:prstGeom prst="rect">
+            <a:avLst/>
+          </a:prstGeom>
+        </p:spPr>
+      </p:pic>
+      <p:sp>
+        <p:nvSpPr>
+          <p:cNvPr id="29" name="TextBox 28">
+            <a:extLst>
+              <a:ext uri="{FF2B5EF4-FFF2-40B4-BE49-F238E27FC236}">
+                <a16:creationId xmlns:a16="http://schemas.microsoft.com/office/drawing/2014/main" id="{CB5EF82F-24FF-CA97-F380-4D41120EE2BA}"/>
+              </a:ext>
+            </a:extLst>
+          </p:cNvPr>
+          <p:cNvSpPr txBox="1"/>
+          <p:nvPr/>
+        </p:nvSpPr>
+        <p:spPr>
+          <a:xfrm>
+            <a:off x="317441" y="3977598"/>
+            <a:ext cx="2316480" cy="400110"/>
+          </a:xfrm>
+          <a:prstGeom prst="rect">
+            <a:avLst/>
+          </a:prstGeom>
+          <a:noFill/>
+        </p:spPr>
+        <p:txBody>
+          <a:bodyPr wrap="square" rtlCol="0">
+            <a:spAutoFit/>
+          </a:bodyPr>
+          <a:lstStyle/>
+          <a:p>
+            <a:pPr algn="ctr"/>
+            <a:r>
+              <a:rPr lang="en-US" sz="2000" b="1" dirty="0"/>
+              <a:t>Lane Detection</a:t>
+            </a:r>
           </a:p>
         </p:txBody>
       </p:sp>
     </p:spTree>
     <p:extLst>
       <p:ext uri="{BB962C8B-B14F-4D97-AF65-F5344CB8AC3E}">
-        <p14:creationId xmlns:p14="http://schemas.microsoft.com/office/powerpoint/2010/main" val="1024629035"/>
+        <p14:creationId xmlns:p14="http://schemas.microsoft.com/office/powerpoint/2010/main" val="3482772454"/>
       </p:ext>
     </p:extLst>
   </p:cSld>
@@ -19178,10 +19207,10 @@
       </p:grpSpPr>
       <p:sp>
         <p:nvSpPr>
-          <p:cNvPr id="17" name="Slide Number Placeholder 1">
-            <a:extLst>
-              <a:ext uri="{FF2B5EF4-FFF2-40B4-BE49-F238E27FC236}">
-                <a16:creationId xmlns:a16="http://schemas.microsoft.com/office/drawing/2014/main" id="{49ABE35A-BB82-5C1C-2B37-CAA754582F56}"/>
+          <p:cNvPr id="4" name="Title 3">
+            <a:extLst>
+              <a:ext uri="{FF2B5EF4-FFF2-40B4-BE49-F238E27FC236}">
+                <a16:creationId xmlns:a16="http://schemas.microsoft.com/office/drawing/2014/main" id="{2E0C54B5-6876-DE29-A5F3-B88D01DEC8B1}"/>
               </a:ext>
             </a:extLst>
           </p:cNvPr>
@@ -19189,86 +19218,13 @@
             <a:spLocks noGrp="1"/>
           </p:cNvSpPr>
           <p:nvPr>
-            <p:ph type="sldNum" sz="quarter" idx="12"/>
+            <p:ph type="ctrTitle"/>
           </p:nvPr>
         </p:nvSpPr>
         <p:spPr>
           <a:xfrm>
-            <a:off x="11363696" y="6455739"/>
-            <a:ext cx="294460" cy="187367"/>
-          </a:xfrm>
-        </p:spPr>
-        <p:txBody>
-          <a:bodyPr/>
-          <a:lstStyle/>
-          <a:p>
-            <a:pPr>
-              <a:spcAft>
-                <a:spcPts val="600"/>
-              </a:spcAft>
-            </a:pPr>
-            <a:fld id="{9EC71654-96A5-4280-94F3-931C61A9F92C}" type="slidenum">
-              <a:rPr lang="en-US" noProof="0" smtClean="0"/>
-              <a:pPr>
-                <a:spcAft>
-                  <a:spcPts val="600"/>
-                </a:spcAft>
-              </a:pPr>
-              <a:t>19</a:t>
-            </a:fld>
-            <a:endParaRPr lang="en-US" noProof="0"/>
-          </a:p>
-        </p:txBody>
-      </p:sp>
-      <p:pic>
-        <p:nvPicPr>
-          <p:cNvPr id="7" name="Content Placeholder 6">
-            <a:extLst>
-              <a:ext uri="{FF2B5EF4-FFF2-40B4-BE49-F238E27FC236}">
-                <a16:creationId xmlns:a16="http://schemas.microsoft.com/office/drawing/2014/main" id="{DE6DCD29-CEE6-72BC-E86C-C62C70EEFDBA}"/>
-              </a:ext>
-            </a:extLst>
-          </p:cNvPr>
-          <p:cNvPicPr>
-            <a:picLocks noGrp="1" noChangeAspect="1"/>
-          </p:cNvPicPr>
-          <p:nvPr>
-            <p:ph sz="half" idx="1"/>
-          </p:nvPr>
-        </p:nvPicPr>
-        <p:blipFill>
-          <a:blip r:embed="rId2"/>
-          <a:srcRect/>
-          <a:stretch/>
-        </p:blipFill>
-        <p:spPr>
-          <a:xfrm>
-            <a:off x="9834381" y="3128404"/>
-            <a:ext cx="552812" cy="606425"/>
-          </a:xfrm>
-          <a:noFill/>
-        </p:spPr>
-      </p:pic>
-      <p:sp>
-        <p:nvSpPr>
-          <p:cNvPr id="2" name="Title 1">
-            <a:extLst>
-              <a:ext uri="{FF2B5EF4-FFF2-40B4-BE49-F238E27FC236}">
-                <a16:creationId xmlns:a16="http://schemas.microsoft.com/office/drawing/2014/main" id="{CC0C50D1-1B66-9C4E-DD7B-5221A23FD1F5}"/>
-              </a:ext>
-            </a:extLst>
-          </p:cNvPr>
-          <p:cNvSpPr>
-            <a:spLocks noGrp="1"/>
-          </p:cNvSpPr>
-          <p:nvPr>
-            <p:ph type="title"/>
-          </p:nvPr>
-        </p:nvSpPr>
-        <p:spPr>
-          <a:xfrm>
-            <a:off x="515938" y="246621"/>
-            <a:ext cx="11150600" cy="920336"/>
+            <a:off x="6323984" y="3429000"/>
+            <a:ext cx="10970957" cy="850971"/>
           </a:xfrm>
         </p:spPr>
         <p:txBody>
@@ -19286,10 +19242,10 @@
       </p:sp>
       <p:sp>
         <p:nvSpPr>
-          <p:cNvPr id="3" name="Slide Number Placeholder 2" hidden="1">
-            <a:extLst>
-              <a:ext uri="{FF2B5EF4-FFF2-40B4-BE49-F238E27FC236}">
-                <a16:creationId xmlns:a16="http://schemas.microsoft.com/office/drawing/2014/main" id="{24471D0A-2A75-5210-E90F-6C5B83FF9FEE}"/>
+          <p:cNvPr id="2" name="Slide Number Placeholder 1" hidden="1">
+            <a:extLst>
+              <a:ext uri="{FF2B5EF4-FFF2-40B4-BE49-F238E27FC236}">
+                <a16:creationId xmlns:a16="http://schemas.microsoft.com/office/drawing/2014/main" id="{CDA0EE6B-EE8E-9469-CA34-4A27CB4D7D0C}"/>
               </a:ext>
             </a:extLst>
           </p:cNvPr>
@@ -19321,7 +19277,7 @@
               </a:spcAft>
             </a:pPr>
             <a:fld id="{9EC71654-96A5-4280-94F3-931C61A9F92C}" type="slidenum">
-              <a:rPr lang="en-US" sz="600" noProof="0" smtClean="0"/>
+              <a:rPr lang="en-US" sz="200" noProof="0" smtClean="0"/>
               <a:pPr>
                 <a:lnSpc>
                   <a:spcPct val="90000"/>
@@ -19332,321 +19288,14 @@
               </a:pPr>
               <a:t>19</a:t>
             </a:fld>
-            <a:endParaRPr lang="en-US" sz="600" noProof="0"/>
-          </a:p>
-        </p:txBody>
-      </p:sp>
-      <p:pic>
-        <p:nvPicPr>
-          <p:cNvPr id="5" name="Picture 4">
-            <a:extLst>
-              <a:ext uri="{FF2B5EF4-FFF2-40B4-BE49-F238E27FC236}">
-                <a16:creationId xmlns:a16="http://schemas.microsoft.com/office/drawing/2014/main" id="{FC62146B-8F3F-FBBA-B170-9B5114E23759}"/>
-              </a:ext>
-            </a:extLst>
-          </p:cNvPr>
-          <p:cNvPicPr>
-            <a:picLocks noChangeAspect="1"/>
-          </p:cNvPicPr>
-          <p:nvPr/>
-        </p:nvPicPr>
-        <p:blipFill>
-          <a:blip r:embed="rId3"/>
-          <a:srcRect/>
-          <a:stretch/>
-        </p:blipFill>
-        <p:spPr>
-          <a:xfrm>
-            <a:off x="7614323" y="3128404"/>
-            <a:ext cx="601191" cy="601191"/>
-          </a:xfrm>
-          <a:prstGeom prst="rect">
-            <a:avLst/>
-          </a:prstGeom>
-        </p:spPr>
-      </p:pic>
-      <p:pic>
-        <p:nvPicPr>
-          <p:cNvPr id="8" name="Picture 7">
-            <a:extLst>
-              <a:ext uri="{FF2B5EF4-FFF2-40B4-BE49-F238E27FC236}">
-                <a16:creationId xmlns:a16="http://schemas.microsoft.com/office/drawing/2014/main" id="{13E0C9C8-39E9-5C54-FE4C-BAFDCE1B7D0F}"/>
-              </a:ext>
-            </a:extLst>
-          </p:cNvPr>
-          <p:cNvPicPr>
-            <a:picLocks noChangeAspect="1"/>
-          </p:cNvPicPr>
-          <p:nvPr/>
-        </p:nvPicPr>
-        <p:blipFill>
-          <a:blip r:embed="rId4"/>
-          <a:srcRect/>
-          <a:stretch/>
-        </p:blipFill>
-        <p:spPr>
-          <a:xfrm>
-            <a:off x="5376669" y="3136917"/>
-            <a:ext cx="629616" cy="574638"/>
-          </a:xfrm>
-          <a:prstGeom prst="rect">
-            <a:avLst/>
-          </a:prstGeom>
-        </p:spPr>
-      </p:pic>
-      <p:sp>
-        <p:nvSpPr>
-          <p:cNvPr id="10" name="TextBox 9">
-            <a:extLst>
-              <a:ext uri="{FF2B5EF4-FFF2-40B4-BE49-F238E27FC236}">
-                <a16:creationId xmlns:a16="http://schemas.microsoft.com/office/drawing/2014/main" id="{D1794A21-E128-104B-BC5E-57415EA90165}"/>
-              </a:ext>
-            </a:extLst>
-          </p:cNvPr>
-          <p:cNvSpPr txBox="1"/>
-          <p:nvPr/>
-        </p:nvSpPr>
-        <p:spPr>
-          <a:xfrm>
-            <a:off x="9151543" y="3977598"/>
-            <a:ext cx="1935634" cy="400110"/>
-          </a:xfrm>
-          <a:prstGeom prst="rect">
-            <a:avLst/>
-          </a:prstGeom>
-          <a:noFill/>
-        </p:spPr>
-        <p:txBody>
-          <a:bodyPr wrap="square" rtlCol="0">
-            <a:spAutoFit/>
-          </a:bodyPr>
-          <a:lstStyle/>
-          <a:p>
-            <a:pPr algn="ctr"/>
-            <a:r>
-              <a:rPr lang="en-US" sz="2000" b="1" dirty="0"/>
-              <a:t>Mobile Model</a:t>
-            </a:r>
-          </a:p>
-        </p:txBody>
-      </p:sp>
-      <p:sp>
-        <p:nvSpPr>
-          <p:cNvPr id="14" name="TextBox 13">
-            <a:extLst>
-              <a:ext uri="{FF2B5EF4-FFF2-40B4-BE49-F238E27FC236}">
-                <a16:creationId xmlns:a16="http://schemas.microsoft.com/office/drawing/2014/main" id="{5CC1F818-39F8-B166-405C-C7975400ED44}"/>
-              </a:ext>
-            </a:extLst>
-          </p:cNvPr>
-          <p:cNvSpPr txBox="1"/>
-          <p:nvPr/>
-        </p:nvSpPr>
-        <p:spPr>
-          <a:xfrm>
-            <a:off x="6641869" y="3977598"/>
-            <a:ext cx="2558011" cy="707886"/>
-          </a:xfrm>
-          <a:prstGeom prst="rect">
-            <a:avLst/>
-          </a:prstGeom>
-          <a:noFill/>
-        </p:spPr>
-        <p:txBody>
-          <a:bodyPr wrap="square" rtlCol="0">
-            <a:spAutoFit/>
-          </a:bodyPr>
-          <a:lstStyle/>
-          <a:p>
-            <a:pPr algn="ctr"/>
-            <a:r>
-              <a:rPr lang="en-US" sz="2000" b="1" dirty="0"/>
-              <a:t>All In One</a:t>
-            </a:r>
-          </a:p>
-          <a:p>
-            <a:pPr algn="ctr"/>
-            <a:endParaRPr lang="en-US" sz="2000" b="1" dirty="0"/>
-          </a:p>
-        </p:txBody>
-      </p:sp>
-      <p:sp>
-        <p:nvSpPr>
-          <p:cNvPr id="15" name="TextBox 14">
-            <a:extLst>
-              <a:ext uri="{FF2B5EF4-FFF2-40B4-BE49-F238E27FC236}">
-                <a16:creationId xmlns:a16="http://schemas.microsoft.com/office/drawing/2014/main" id="{FBAB8646-ECD4-83B3-C925-659CD4BCBB5B}"/>
-              </a:ext>
-            </a:extLst>
-          </p:cNvPr>
-          <p:cNvSpPr txBox="1"/>
-          <p:nvPr/>
-        </p:nvSpPr>
-        <p:spPr>
-          <a:xfrm>
-            <a:off x="4724601" y="3977598"/>
-            <a:ext cx="2009525" cy="707886"/>
-          </a:xfrm>
-          <a:prstGeom prst="rect">
-            <a:avLst/>
-          </a:prstGeom>
-          <a:noFill/>
-        </p:spPr>
-        <p:txBody>
-          <a:bodyPr wrap="square" rtlCol="0">
-            <a:spAutoFit/>
-          </a:bodyPr>
-          <a:lstStyle/>
-          <a:p>
-            <a:pPr algn="ctr"/>
-            <a:r>
-              <a:rPr lang="en-US" sz="2000" b="1" dirty="0"/>
-              <a:t>Night Vision</a:t>
-            </a:r>
-          </a:p>
-          <a:p>
-            <a:pPr algn="ctr"/>
-            <a:r>
-              <a:rPr lang="en-US" sz="2000" b="1" dirty="0"/>
-              <a:t>Model </a:t>
-            </a:r>
-          </a:p>
-        </p:txBody>
-      </p:sp>
-      <p:pic>
-        <p:nvPicPr>
-          <p:cNvPr id="25" name="Picture 24">
-            <a:extLst>
-              <a:ext uri="{FF2B5EF4-FFF2-40B4-BE49-F238E27FC236}">
-                <a16:creationId xmlns:a16="http://schemas.microsoft.com/office/drawing/2014/main" id="{172F869C-8254-E6CD-9F39-742519C87B5F}"/>
-              </a:ext>
-            </a:extLst>
-          </p:cNvPr>
-          <p:cNvPicPr>
-            <a:picLocks noChangeAspect="1"/>
-          </p:cNvPicPr>
-          <p:nvPr/>
-        </p:nvPicPr>
-        <p:blipFill>
-          <a:blip r:embed="rId5"/>
-          <a:srcRect/>
-          <a:stretch/>
-        </p:blipFill>
-        <p:spPr>
-          <a:xfrm>
-            <a:off x="3271686" y="3216271"/>
-            <a:ext cx="495284" cy="495284"/>
-          </a:xfrm>
-          <a:prstGeom prst="rect">
-            <a:avLst/>
-          </a:prstGeom>
-        </p:spPr>
-      </p:pic>
-      <p:sp>
-        <p:nvSpPr>
-          <p:cNvPr id="26" name="TextBox 25">
-            <a:extLst>
-              <a:ext uri="{FF2B5EF4-FFF2-40B4-BE49-F238E27FC236}">
-                <a16:creationId xmlns:a16="http://schemas.microsoft.com/office/drawing/2014/main" id="{3F77A819-E442-CBA1-3C7E-CF082B21FEEE}"/>
-              </a:ext>
-            </a:extLst>
-          </p:cNvPr>
-          <p:cNvSpPr txBox="1"/>
-          <p:nvPr/>
-        </p:nvSpPr>
-        <p:spPr>
-          <a:xfrm>
-            <a:off x="2633921" y="3977598"/>
-            <a:ext cx="1763944" cy="707886"/>
-          </a:xfrm>
-          <a:prstGeom prst="rect">
-            <a:avLst/>
-          </a:prstGeom>
-          <a:noFill/>
-        </p:spPr>
-        <p:txBody>
-          <a:bodyPr wrap="square" rtlCol="0">
-            <a:spAutoFit/>
-          </a:bodyPr>
-          <a:lstStyle/>
-          <a:p>
-            <a:pPr algn="ctr"/>
-            <a:r>
-              <a:rPr lang="en-US" sz="2000" b="1" dirty="0"/>
-              <a:t>Driver Distraction</a:t>
-            </a:r>
-          </a:p>
-        </p:txBody>
-      </p:sp>
-      <p:pic>
-        <p:nvPicPr>
-          <p:cNvPr id="28" name="Picture 27">
-            <a:extLst>
-              <a:ext uri="{FF2B5EF4-FFF2-40B4-BE49-F238E27FC236}">
-                <a16:creationId xmlns:a16="http://schemas.microsoft.com/office/drawing/2014/main" id="{B8699F91-9EA2-BCA9-C123-DE28870C5719}"/>
-              </a:ext>
-            </a:extLst>
-          </p:cNvPr>
-          <p:cNvPicPr>
-            <a:picLocks noChangeAspect="1"/>
-          </p:cNvPicPr>
-          <p:nvPr/>
-        </p:nvPicPr>
-        <p:blipFill>
-          <a:blip r:embed="rId6"/>
-          <a:srcRect/>
-          <a:stretch/>
-        </p:blipFill>
-        <p:spPr>
-          <a:xfrm>
-            <a:off x="988909" y="3086258"/>
-            <a:ext cx="690716" cy="690716"/>
-          </a:xfrm>
-          <a:prstGeom prst="rect">
-            <a:avLst/>
-          </a:prstGeom>
-        </p:spPr>
-      </p:pic>
-      <p:sp>
-        <p:nvSpPr>
-          <p:cNvPr id="29" name="TextBox 28">
-            <a:extLst>
-              <a:ext uri="{FF2B5EF4-FFF2-40B4-BE49-F238E27FC236}">
-                <a16:creationId xmlns:a16="http://schemas.microsoft.com/office/drawing/2014/main" id="{CB5EF82F-24FF-CA97-F380-4D41120EE2BA}"/>
-              </a:ext>
-            </a:extLst>
-          </p:cNvPr>
-          <p:cNvSpPr txBox="1"/>
-          <p:nvPr/>
-        </p:nvSpPr>
-        <p:spPr>
-          <a:xfrm>
-            <a:off x="317441" y="3977598"/>
-            <a:ext cx="2316480" cy="400110"/>
-          </a:xfrm>
-          <a:prstGeom prst="rect">
-            <a:avLst/>
-          </a:prstGeom>
-          <a:noFill/>
-        </p:spPr>
-        <p:txBody>
-          <a:bodyPr wrap="square" rtlCol="0">
-            <a:spAutoFit/>
-          </a:bodyPr>
-          <a:lstStyle/>
-          <a:p>
-            <a:pPr algn="ctr"/>
-            <a:r>
-              <a:rPr lang="en-US" sz="2000" b="1" dirty="0"/>
-              <a:t>Lane Detection</a:t>
-            </a:r>
+            <a:endParaRPr lang="en-US" sz="200" noProof="0"/>
           </a:p>
         </p:txBody>
       </p:sp>
     </p:spTree>
     <p:extLst>
       <p:ext uri="{BB962C8B-B14F-4D97-AF65-F5344CB8AC3E}">
-        <p14:creationId xmlns:p14="http://schemas.microsoft.com/office/powerpoint/2010/main" val="2588278257"/>
+        <p14:creationId xmlns:p14="http://schemas.microsoft.com/office/powerpoint/2010/main" val="1024629035"/>
       </p:ext>
     </p:extLst>
   </p:cSld>
@@ -19762,12 +19411,6 @@
             <a:r>
               <a:rPr lang="en-US" dirty="0"/>
               <a:t>Work-Flow</a:t>
-            </a:r>
-          </a:p>
-          <a:p>
-            <a:r>
-              <a:rPr lang="en-US" dirty="0"/>
-              <a:t>Implementation</a:t>
             </a:r>
           </a:p>
           <a:p>
@@ -19857,6 +19500,503 @@
       </p:grpSpPr>
       <p:sp>
         <p:nvSpPr>
+          <p:cNvPr id="17" name="Slide Number Placeholder 1">
+            <a:extLst>
+              <a:ext uri="{FF2B5EF4-FFF2-40B4-BE49-F238E27FC236}">
+                <a16:creationId xmlns:a16="http://schemas.microsoft.com/office/drawing/2014/main" id="{49ABE35A-BB82-5C1C-2B37-CAA754582F56}"/>
+              </a:ext>
+            </a:extLst>
+          </p:cNvPr>
+          <p:cNvSpPr>
+            <a:spLocks noGrp="1"/>
+          </p:cNvSpPr>
+          <p:nvPr>
+            <p:ph type="sldNum" sz="quarter" idx="12"/>
+          </p:nvPr>
+        </p:nvSpPr>
+        <p:spPr>
+          <a:xfrm>
+            <a:off x="11363696" y="6455739"/>
+            <a:ext cx="294460" cy="187367"/>
+          </a:xfrm>
+        </p:spPr>
+        <p:txBody>
+          <a:bodyPr/>
+          <a:lstStyle/>
+          <a:p>
+            <a:pPr>
+              <a:spcAft>
+                <a:spcPts val="600"/>
+              </a:spcAft>
+            </a:pPr>
+            <a:fld id="{9EC71654-96A5-4280-94F3-931C61A9F92C}" type="slidenum">
+              <a:rPr lang="en-US" noProof="0" smtClean="0"/>
+              <a:pPr>
+                <a:spcAft>
+                  <a:spcPts val="600"/>
+                </a:spcAft>
+              </a:pPr>
+              <a:t>20</a:t>
+            </a:fld>
+            <a:endParaRPr lang="en-US" noProof="0"/>
+          </a:p>
+        </p:txBody>
+      </p:sp>
+      <p:pic>
+        <p:nvPicPr>
+          <p:cNvPr id="7" name="Content Placeholder 6">
+            <a:extLst>
+              <a:ext uri="{FF2B5EF4-FFF2-40B4-BE49-F238E27FC236}">
+                <a16:creationId xmlns:a16="http://schemas.microsoft.com/office/drawing/2014/main" id="{DE6DCD29-CEE6-72BC-E86C-C62C70EEFDBA}"/>
+              </a:ext>
+            </a:extLst>
+          </p:cNvPr>
+          <p:cNvPicPr>
+            <a:picLocks noGrp="1" noChangeAspect="1"/>
+          </p:cNvPicPr>
+          <p:nvPr>
+            <p:ph sz="half" idx="1"/>
+          </p:nvPr>
+        </p:nvPicPr>
+        <p:blipFill>
+          <a:blip r:embed="rId2"/>
+          <a:srcRect/>
+          <a:stretch/>
+        </p:blipFill>
+        <p:spPr>
+          <a:xfrm>
+            <a:off x="9834381" y="3128404"/>
+            <a:ext cx="552812" cy="606425"/>
+          </a:xfrm>
+          <a:noFill/>
+        </p:spPr>
+      </p:pic>
+      <p:sp>
+        <p:nvSpPr>
+          <p:cNvPr id="2" name="Title 1">
+            <a:extLst>
+              <a:ext uri="{FF2B5EF4-FFF2-40B4-BE49-F238E27FC236}">
+                <a16:creationId xmlns:a16="http://schemas.microsoft.com/office/drawing/2014/main" id="{CC0C50D1-1B66-9C4E-DD7B-5221A23FD1F5}"/>
+              </a:ext>
+            </a:extLst>
+          </p:cNvPr>
+          <p:cNvSpPr>
+            <a:spLocks noGrp="1"/>
+          </p:cNvSpPr>
+          <p:nvPr>
+            <p:ph type="title"/>
+          </p:nvPr>
+        </p:nvSpPr>
+        <p:spPr>
+          <a:xfrm>
+            <a:off x="515938" y="246621"/>
+            <a:ext cx="11150600" cy="920336"/>
+          </a:xfrm>
+        </p:spPr>
+        <p:txBody>
+          <a:bodyPr anchor="b">
+            <a:normAutofit/>
+          </a:bodyPr>
+          <a:lstStyle/>
+          <a:p>
+            <a:r>
+              <a:rPr lang="en-US" dirty="0"/>
+              <a:t>Conclusion</a:t>
+            </a:r>
+          </a:p>
+        </p:txBody>
+      </p:sp>
+      <p:sp>
+        <p:nvSpPr>
+          <p:cNvPr id="3" name="Slide Number Placeholder 2" hidden="1">
+            <a:extLst>
+              <a:ext uri="{FF2B5EF4-FFF2-40B4-BE49-F238E27FC236}">
+                <a16:creationId xmlns:a16="http://schemas.microsoft.com/office/drawing/2014/main" id="{24471D0A-2A75-5210-E90F-6C5B83FF9FEE}"/>
+              </a:ext>
+            </a:extLst>
+          </p:cNvPr>
+          <p:cNvSpPr>
+            <a:spLocks noGrp="1"/>
+          </p:cNvSpPr>
+          <p:nvPr>
+            <p:ph type="sldNum" sz="quarter" idx="4294967295"/>
+          </p:nvPr>
+        </p:nvSpPr>
+        <p:spPr>
+          <a:xfrm>
+            <a:off x="11363696" y="6455739"/>
+            <a:ext cx="294460" cy="187367"/>
+          </a:xfrm>
+        </p:spPr>
+        <p:txBody>
+          <a:bodyPr anchor="ctr">
+            <a:normAutofit/>
+          </a:bodyPr>
+          <a:lstStyle/>
+          <a:p>
+            <a:pPr>
+              <a:lnSpc>
+                <a:spcPct val="90000"/>
+              </a:lnSpc>
+              <a:spcAft>
+                <a:spcPts val="600"/>
+              </a:spcAft>
+            </a:pPr>
+            <a:fld id="{9EC71654-96A5-4280-94F3-931C61A9F92C}" type="slidenum">
+              <a:rPr lang="en-US" sz="600" noProof="0" smtClean="0"/>
+              <a:pPr>
+                <a:lnSpc>
+                  <a:spcPct val="90000"/>
+                </a:lnSpc>
+                <a:spcAft>
+                  <a:spcPts val="600"/>
+                </a:spcAft>
+              </a:pPr>
+              <a:t>20</a:t>
+            </a:fld>
+            <a:endParaRPr lang="en-US" sz="600" noProof="0"/>
+          </a:p>
+        </p:txBody>
+      </p:sp>
+      <p:pic>
+        <p:nvPicPr>
+          <p:cNvPr id="5" name="Picture 4">
+            <a:extLst>
+              <a:ext uri="{FF2B5EF4-FFF2-40B4-BE49-F238E27FC236}">
+                <a16:creationId xmlns:a16="http://schemas.microsoft.com/office/drawing/2014/main" id="{FC62146B-8F3F-FBBA-B170-9B5114E23759}"/>
+              </a:ext>
+            </a:extLst>
+          </p:cNvPr>
+          <p:cNvPicPr>
+            <a:picLocks noChangeAspect="1"/>
+          </p:cNvPicPr>
+          <p:nvPr/>
+        </p:nvPicPr>
+        <p:blipFill>
+          <a:blip r:embed="rId3"/>
+          <a:srcRect/>
+          <a:stretch/>
+        </p:blipFill>
+        <p:spPr>
+          <a:xfrm>
+            <a:off x="7614323" y="3128404"/>
+            <a:ext cx="601191" cy="601191"/>
+          </a:xfrm>
+          <a:prstGeom prst="rect">
+            <a:avLst/>
+          </a:prstGeom>
+        </p:spPr>
+      </p:pic>
+      <p:pic>
+        <p:nvPicPr>
+          <p:cNvPr id="8" name="Picture 7">
+            <a:extLst>
+              <a:ext uri="{FF2B5EF4-FFF2-40B4-BE49-F238E27FC236}">
+                <a16:creationId xmlns:a16="http://schemas.microsoft.com/office/drawing/2014/main" id="{13E0C9C8-39E9-5C54-FE4C-BAFDCE1B7D0F}"/>
+              </a:ext>
+            </a:extLst>
+          </p:cNvPr>
+          <p:cNvPicPr>
+            <a:picLocks noChangeAspect="1"/>
+          </p:cNvPicPr>
+          <p:nvPr/>
+        </p:nvPicPr>
+        <p:blipFill>
+          <a:blip r:embed="rId4"/>
+          <a:srcRect/>
+          <a:stretch/>
+        </p:blipFill>
+        <p:spPr>
+          <a:xfrm>
+            <a:off x="5376669" y="3136917"/>
+            <a:ext cx="629616" cy="574638"/>
+          </a:xfrm>
+          <a:prstGeom prst="rect">
+            <a:avLst/>
+          </a:prstGeom>
+        </p:spPr>
+      </p:pic>
+      <p:sp>
+        <p:nvSpPr>
+          <p:cNvPr id="10" name="TextBox 9">
+            <a:extLst>
+              <a:ext uri="{FF2B5EF4-FFF2-40B4-BE49-F238E27FC236}">
+                <a16:creationId xmlns:a16="http://schemas.microsoft.com/office/drawing/2014/main" id="{D1794A21-E128-104B-BC5E-57415EA90165}"/>
+              </a:ext>
+            </a:extLst>
+          </p:cNvPr>
+          <p:cNvSpPr txBox="1"/>
+          <p:nvPr/>
+        </p:nvSpPr>
+        <p:spPr>
+          <a:xfrm>
+            <a:off x="9151543" y="3977598"/>
+            <a:ext cx="1935634" cy="400110"/>
+          </a:xfrm>
+          <a:prstGeom prst="rect">
+            <a:avLst/>
+          </a:prstGeom>
+          <a:noFill/>
+        </p:spPr>
+        <p:txBody>
+          <a:bodyPr wrap="square" rtlCol="0">
+            <a:spAutoFit/>
+          </a:bodyPr>
+          <a:lstStyle/>
+          <a:p>
+            <a:pPr algn="ctr"/>
+            <a:r>
+              <a:rPr lang="en-US" sz="2000" b="1" dirty="0"/>
+              <a:t>Mobile Model</a:t>
+            </a:r>
+          </a:p>
+        </p:txBody>
+      </p:sp>
+      <p:sp>
+        <p:nvSpPr>
+          <p:cNvPr id="14" name="TextBox 13">
+            <a:extLst>
+              <a:ext uri="{FF2B5EF4-FFF2-40B4-BE49-F238E27FC236}">
+                <a16:creationId xmlns:a16="http://schemas.microsoft.com/office/drawing/2014/main" id="{5CC1F818-39F8-B166-405C-C7975400ED44}"/>
+              </a:ext>
+            </a:extLst>
+          </p:cNvPr>
+          <p:cNvSpPr txBox="1"/>
+          <p:nvPr/>
+        </p:nvSpPr>
+        <p:spPr>
+          <a:xfrm>
+            <a:off x="6641869" y="3977598"/>
+            <a:ext cx="2558011" cy="707886"/>
+          </a:xfrm>
+          <a:prstGeom prst="rect">
+            <a:avLst/>
+          </a:prstGeom>
+          <a:noFill/>
+        </p:spPr>
+        <p:txBody>
+          <a:bodyPr wrap="square" rtlCol="0">
+            <a:spAutoFit/>
+          </a:bodyPr>
+          <a:lstStyle/>
+          <a:p>
+            <a:pPr algn="ctr"/>
+            <a:r>
+              <a:rPr lang="en-US" sz="2000" b="1" dirty="0"/>
+              <a:t>All In One</a:t>
+            </a:r>
+          </a:p>
+          <a:p>
+            <a:pPr algn="ctr"/>
+            <a:endParaRPr lang="en-US" sz="2000" b="1" dirty="0"/>
+          </a:p>
+        </p:txBody>
+      </p:sp>
+      <p:sp>
+        <p:nvSpPr>
+          <p:cNvPr id="15" name="TextBox 14">
+            <a:extLst>
+              <a:ext uri="{FF2B5EF4-FFF2-40B4-BE49-F238E27FC236}">
+                <a16:creationId xmlns:a16="http://schemas.microsoft.com/office/drawing/2014/main" id="{FBAB8646-ECD4-83B3-C925-659CD4BCBB5B}"/>
+              </a:ext>
+            </a:extLst>
+          </p:cNvPr>
+          <p:cNvSpPr txBox="1"/>
+          <p:nvPr/>
+        </p:nvSpPr>
+        <p:spPr>
+          <a:xfrm>
+            <a:off x="4724601" y="3977598"/>
+            <a:ext cx="2009525" cy="707886"/>
+          </a:xfrm>
+          <a:prstGeom prst="rect">
+            <a:avLst/>
+          </a:prstGeom>
+          <a:noFill/>
+        </p:spPr>
+        <p:txBody>
+          <a:bodyPr wrap="square" rtlCol="0">
+            <a:spAutoFit/>
+          </a:bodyPr>
+          <a:lstStyle/>
+          <a:p>
+            <a:pPr algn="ctr"/>
+            <a:r>
+              <a:rPr lang="en-US" sz="2000" b="1" dirty="0"/>
+              <a:t>Night Vision</a:t>
+            </a:r>
+          </a:p>
+          <a:p>
+            <a:pPr algn="ctr"/>
+            <a:r>
+              <a:rPr lang="en-US" sz="2000" b="1" dirty="0"/>
+              <a:t>Model </a:t>
+            </a:r>
+          </a:p>
+        </p:txBody>
+      </p:sp>
+      <p:pic>
+        <p:nvPicPr>
+          <p:cNvPr id="25" name="Picture 24">
+            <a:extLst>
+              <a:ext uri="{FF2B5EF4-FFF2-40B4-BE49-F238E27FC236}">
+                <a16:creationId xmlns:a16="http://schemas.microsoft.com/office/drawing/2014/main" id="{172F869C-8254-E6CD-9F39-742519C87B5F}"/>
+              </a:ext>
+            </a:extLst>
+          </p:cNvPr>
+          <p:cNvPicPr>
+            <a:picLocks noChangeAspect="1"/>
+          </p:cNvPicPr>
+          <p:nvPr/>
+        </p:nvPicPr>
+        <p:blipFill>
+          <a:blip r:embed="rId5"/>
+          <a:srcRect/>
+          <a:stretch/>
+        </p:blipFill>
+        <p:spPr>
+          <a:xfrm>
+            <a:off x="3271686" y="3216271"/>
+            <a:ext cx="495284" cy="495284"/>
+          </a:xfrm>
+          <a:prstGeom prst="rect">
+            <a:avLst/>
+          </a:prstGeom>
+        </p:spPr>
+      </p:pic>
+      <p:sp>
+        <p:nvSpPr>
+          <p:cNvPr id="26" name="TextBox 25">
+            <a:extLst>
+              <a:ext uri="{FF2B5EF4-FFF2-40B4-BE49-F238E27FC236}">
+                <a16:creationId xmlns:a16="http://schemas.microsoft.com/office/drawing/2014/main" id="{3F77A819-E442-CBA1-3C7E-CF082B21FEEE}"/>
+              </a:ext>
+            </a:extLst>
+          </p:cNvPr>
+          <p:cNvSpPr txBox="1"/>
+          <p:nvPr/>
+        </p:nvSpPr>
+        <p:spPr>
+          <a:xfrm>
+            <a:off x="2633921" y="3977598"/>
+            <a:ext cx="1763944" cy="707886"/>
+          </a:xfrm>
+          <a:prstGeom prst="rect">
+            <a:avLst/>
+          </a:prstGeom>
+          <a:noFill/>
+        </p:spPr>
+        <p:txBody>
+          <a:bodyPr wrap="square" rtlCol="0">
+            <a:spAutoFit/>
+          </a:bodyPr>
+          <a:lstStyle/>
+          <a:p>
+            <a:pPr algn="ctr"/>
+            <a:r>
+              <a:rPr lang="en-US" sz="2000" b="1" dirty="0"/>
+              <a:t>Driver Distraction</a:t>
+            </a:r>
+          </a:p>
+        </p:txBody>
+      </p:sp>
+      <p:pic>
+        <p:nvPicPr>
+          <p:cNvPr id="28" name="Picture 27">
+            <a:extLst>
+              <a:ext uri="{FF2B5EF4-FFF2-40B4-BE49-F238E27FC236}">
+                <a16:creationId xmlns:a16="http://schemas.microsoft.com/office/drawing/2014/main" id="{B8699F91-9EA2-BCA9-C123-DE28870C5719}"/>
+              </a:ext>
+            </a:extLst>
+          </p:cNvPr>
+          <p:cNvPicPr>
+            <a:picLocks noChangeAspect="1"/>
+          </p:cNvPicPr>
+          <p:nvPr/>
+        </p:nvPicPr>
+        <p:blipFill>
+          <a:blip r:embed="rId6"/>
+          <a:srcRect/>
+          <a:stretch/>
+        </p:blipFill>
+        <p:spPr>
+          <a:xfrm>
+            <a:off x="988909" y="3086258"/>
+            <a:ext cx="690716" cy="690716"/>
+          </a:xfrm>
+          <a:prstGeom prst="rect">
+            <a:avLst/>
+          </a:prstGeom>
+        </p:spPr>
+      </p:pic>
+      <p:sp>
+        <p:nvSpPr>
+          <p:cNvPr id="29" name="TextBox 28">
+            <a:extLst>
+              <a:ext uri="{FF2B5EF4-FFF2-40B4-BE49-F238E27FC236}">
+                <a16:creationId xmlns:a16="http://schemas.microsoft.com/office/drawing/2014/main" id="{CB5EF82F-24FF-CA97-F380-4D41120EE2BA}"/>
+              </a:ext>
+            </a:extLst>
+          </p:cNvPr>
+          <p:cNvSpPr txBox="1"/>
+          <p:nvPr/>
+        </p:nvSpPr>
+        <p:spPr>
+          <a:xfrm>
+            <a:off x="317441" y="3977598"/>
+            <a:ext cx="2316480" cy="400110"/>
+          </a:xfrm>
+          <a:prstGeom prst="rect">
+            <a:avLst/>
+          </a:prstGeom>
+          <a:noFill/>
+        </p:spPr>
+        <p:txBody>
+          <a:bodyPr wrap="square" rtlCol="0">
+            <a:spAutoFit/>
+          </a:bodyPr>
+          <a:lstStyle/>
+          <a:p>
+            <a:pPr algn="ctr"/>
+            <a:r>
+              <a:rPr lang="en-US" sz="2000" b="1" dirty="0"/>
+              <a:t>Lane Detection</a:t>
+            </a:r>
+          </a:p>
+        </p:txBody>
+      </p:sp>
+    </p:spTree>
+    <p:extLst>
+      <p:ext uri="{BB962C8B-B14F-4D97-AF65-F5344CB8AC3E}">
+        <p14:creationId xmlns:p14="http://schemas.microsoft.com/office/powerpoint/2010/main" val="2588278257"/>
+      </p:ext>
+    </p:extLst>
+  </p:cSld>
+  <p:clrMapOvr>
+    <a:masterClrMapping/>
+  </p:clrMapOvr>
+</p:sld>
+</file>
+
+<file path=ppt/slides/slide21.xml><?xml version="1.0" encoding="utf-8"?>
+<p:sld xmlns:a="http://schemas.openxmlformats.org/drawingml/2006/main" xmlns:r="http://schemas.openxmlformats.org/officeDocument/2006/relationships" xmlns:p="http://schemas.openxmlformats.org/presentationml/2006/main">
+  <p:cSld>
+    <p:spTree>
+      <p:nvGrpSpPr>
+        <p:cNvPr id="1" name=""/>
+        <p:cNvGrpSpPr/>
+        <p:nvPr/>
+      </p:nvGrpSpPr>
+      <p:grpSpPr>
+        <a:xfrm>
+          <a:off x="0" y="0"/>
+          <a:ext cx="0" cy="0"/>
+          <a:chOff x="0" y="0"/>
+          <a:chExt cx="0" cy="0"/>
+        </a:xfrm>
+      </p:grpSpPr>
+      <p:sp>
+        <p:nvSpPr>
           <p:cNvPr id="4" name="Title 3">
             <a:extLst>
               <a:ext uri="{FF2B5EF4-FFF2-40B4-BE49-F238E27FC236}">
@@ -19936,7 +20076,7 @@
                   <a:spcPts val="600"/>
                 </a:spcAft>
               </a:pPr>
-              <a:t>20</a:t>
+              <a:t>21</a:t>
             </a:fld>
             <a:endParaRPr lang="en-US" sz="200" noProof="0"/>
           </a:p>
@@ -20574,7 +20714,7 @@
           <p:cNvPr id="2" name="Slide Number Placeholder 1">
             <a:extLst>
               <a:ext uri="{FF2B5EF4-FFF2-40B4-BE49-F238E27FC236}">
-                <a16:creationId xmlns:a16="http://schemas.microsoft.com/office/drawing/2014/main" id="{9BF83745-348F-A678-DFFD-057D466170C9}"/>
+                <a16:creationId xmlns:a16="http://schemas.microsoft.com/office/drawing/2014/main" id="{0F33641D-FD80-5A92-B6D5-BDAE3DA375C9}"/>
               </a:ext>
             </a:extLst>
           </p:cNvPr>
@@ -20604,7 +20744,7 @@
           <p:cNvPr id="6" name="Content Placeholder 5" descr="Graphical user interface, application&#10;&#10;Description automatically generated">
             <a:extLst>
               <a:ext uri="{FF2B5EF4-FFF2-40B4-BE49-F238E27FC236}">
-                <a16:creationId xmlns:a16="http://schemas.microsoft.com/office/drawing/2014/main" id="{167992B9-756B-6B2F-A570-74FF017FB9D8}"/>
+                <a16:creationId xmlns:a16="http://schemas.microsoft.com/office/drawing/2014/main" id="{4F7B0E4F-F9B1-601D-9D01-56FC982AC565}"/>
               </a:ext>
             </a:extLst>
           </p:cNvPr>
@@ -20623,8 +20763,8 @@
         </p:blipFill>
         <p:spPr>
           <a:xfrm>
-            <a:off x="1496219" y="1848644"/>
-            <a:ext cx="8877300" cy="4305300"/>
+            <a:off x="1496219" y="1896269"/>
+            <a:ext cx="8877300" cy="4210050"/>
           </a:xfrm>
         </p:spPr>
       </p:pic>
@@ -20633,7 +20773,7 @@
           <p:cNvPr id="4" name="Title 3">
             <a:extLst>
               <a:ext uri="{FF2B5EF4-FFF2-40B4-BE49-F238E27FC236}">
-                <a16:creationId xmlns:a16="http://schemas.microsoft.com/office/drawing/2014/main" id="{4F2385C9-0856-8484-61EB-AEF0842B69D4}"/>
+                <a16:creationId xmlns:a16="http://schemas.microsoft.com/office/drawing/2014/main" id="{EE82DCF6-21CE-FDA2-3064-14C03464FF46}"/>
               </a:ext>
             </a:extLst>
           </p:cNvPr>
@@ -20659,7 +20799,7 @@
     </p:spTree>
     <p:extLst>
       <p:ext uri="{BB962C8B-B14F-4D97-AF65-F5344CB8AC3E}">
-        <p14:creationId xmlns:p14="http://schemas.microsoft.com/office/powerpoint/2010/main" val="3288796059"/>
+        <p14:creationId xmlns:p14="http://schemas.microsoft.com/office/powerpoint/2010/main" val="4083003984"/>
       </p:ext>
     </p:extLst>
   </p:cSld>
@@ -20691,7 +20831,7 @@
           <p:cNvPr id="2" name="Slide Number Placeholder 1">
             <a:extLst>
               <a:ext uri="{FF2B5EF4-FFF2-40B4-BE49-F238E27FC236}">
-                <a16:creationId xmlns:a16="http://schemas.microsoft.com/office/drawing/2014/main" id="{0F33641D-FD80-5A92-B6D5-BDAE3DA375C9}"/>
+                <a16:creationId xmlns:a16="http://schemas.microsoft.com/office/drawing/2014/main" id="{9BF83745-348F-A678-DFFD-057D466170C9}"/>
               </a:ext>
             </a:extLst>
           </p:cNvPr>
@@ -20721,7 +20861,7 @@
           <p:cNvPr id="6" name="Content Placeholder 5" descr="Graphical user interface, application&#10;&#10;Description automatically generated">
             <a:extLst>
               <a:ext uri="{FF2B5EF4-FFF2-40B4-BE49-F238E27FC236}">
-                <a16:creationId xmlns:a16="http://schemas.microsoft.com/office/drawing/2014/main" id="{4F7B0E4F-F9B1-601D-9D01-56FC982AC565}"/>
+                <a16:creationId xmlns:a16="http://schemas.microsoft.com/office/drawing/2014/main" id="{167992B9-756B-6B2F-A570-74FF017FB9D8}"/>
               </a:ext>
             </a:extLst>
           </p:cNvPr>
@@ -20740,8 +20880,8 @@
         </p:blipFill>
         <p:spPr>
           <a:xfrm>
-            <a:off x="1496219" y="1896269"/>
-            <a:ext cx="8877300" cy="4210050"/>
+            <a:off x="1496219" y="1848644"/>
+            <a:ext cx="8877300" cy="4305300"/>
           </a:xfrm>
         </p:spPr>
       </p:pic>
@@ -20750,7 +20890,7 @@
           <p:cNvPr id="4" name="Title 3">
             <a:extLst>
               <a:ext uri="{FF2B5EF4-FFF2-40B4-BE49-F238E27FC236}">
-                <a16:creationId xmlns:a16="http://schemas.microsoft.com/office/drawing/2014/main" id="{EE82DCF6-21CE-FDA2-3064-14C03464FF46}"/>
+                <a16:creationId xmlns:a16="http://schemas.microsoft.com/office/drawing/2014/main" id="{4F2385C9-0856-8484-61EB-AEF0842B69D4}"/>
               </a:ext>
             </a:extLst>
           </p:cNvPr>
@@ -20776,7 +20916,7 @@
     </p:spTree>
     <p:extLst>
       <p:ext uri="{BB962C8B-B14F-4D97-AF65-F5344CB8AC3E}">
-        <p14:creationId xmlns:p14="http://schemas.microsoft.com/office/powerpoint/2010/main" val="4083003984"/>
+        <p14:creationId xmlns:p14="http://schemas.microsoft.com/office/powerpoint/2010/main" val="3288796059"/>
       </p:ext>
     </p:extLst>
   </p:cSld>
@@ -21720,14 +21860,6 @@
 </file>
 
 <file path=customXml/item1.xml><?xml version="1.0" encoding="utf-8"?>
-<p:properties xmlns:p="http://schemas.microsoft.com/office/2006/metadata/properties" xmlns:xsi="http://www.w3.org/2001/XMLSchema-instance" xmlns:pc="http://schemas.microsoft.com/office/infopath/2007/PartnerControls">
-  <documentManagement>
-    <MediaServiceKeyPoints xmlns="71af3243-3dd4-4a8d-8c0d-dd76da1f02a5" xsi:nil="true"/>
-  </documentManagement>
-</p:properties>
-</file>
-
-<file path=customXml/item2.xml><?xml version="1.0" encoding="utf-8"?>
 <ct:contentTypeSchema xmlns:ct="http://schemas.microsoft.com/office/2006/metadata/contentType" xmlns:ma="http://schemas.microsoft.com/office/2006/metadata/properties/metaAttributes" ct:_="" ma:_="" ma:contentTypeName="Document" ma:contentTypeID="0x01010079F111ED35F8CC479449609E8A0923A6" ma:contentTypeVersion="11" ma:contentTypeDescription="Create a new document." ma:contentTypeScope="" ma:versionID="9677210f24a1be23c92c90fd886aa0aa">
   <xsd:schema xmlns:xsd="http://www.w3.org/2001/XMLSchema" xmlns:xs="http://www.w3.org/2001/XMLSchema" xmlns:p="http://schemas.microsoft.com/office/2006/metadata/properties" xmlns:ns2="71af3243-3dd4-4a8d-8c0d-dd76da1f02a5" xmlns:ns3="16c05727-aa75-4e4a-9b5f-8a80a1165891" targetNamespace="http://schemas.microsoft.com/office/2006/metadata/properties" ma:root="true" ma:fieldsID="60e05723c5c1908df1a1a4ebf11d344e" ns2:_="" ns3:_="">
     <xsd:import namespace="71af3243-3dd4-4a8d-8c0d-dd76da1f02a5"/>
@@ -21938,6 +22070,14 @@
 </ct:contentTypeSchema>
 </file>
 
+<file path=customXml/item2.xml><?xml version="1.0" encoding="utf-8"?>
+<p:properties xmlns:p="http://schemas.microsoft.com/office/2006/metadata/properties" xmlns:xsi="http://www.w3.org/2001/XMLSchema-instance" xmlns:pc="http://schemas.microsoft.com/office/infopath/2007/PartnerControls">
+  <documentManagement>
+    <MediaServiceKeyPoints xmlns="71af3243-3dd4-4a8d-8c0d-dd76da1f02a5" xsi:nil="true"/>
+  </documentManagement>
+</p:properties>
+</file>
+
 <file path=customXml/item3.xml><?xml version="1.0" encoding="utf-8"?>
 <?mso-contentType ?>
 <FormTemplates xmlns="http://schemas.microsoft.com/sharepoint/v3/contenttype/forms">
@@ -21948,16 +22088,6 @@
 </file>
 
 <file path=customXml/itemProps1.xml><?xml version="1.0" encoding="utf-8"?>
-<ds:datastoreItem xmlns:ds="http://schemas.openxmlformats.org/officeDocument/2006/customXml" ds:itemID="{CEA9B47F-3DD8-4645-81DC-B88780643C07}">
-  <ds:schemaRefs>
-    <ds:schemaRef ds:uri="http://schemas.microsoft.com/office/2006/metadata/properties"/>
-    <ds:schemaRef ds:uri="http://schemas.microsoft.com/office/infopath/2007/PartnerControls"/>
-    <ds:schemaRef ds:uri="71af3243-3dd4-4a8d-8c0d-dd76da1f02a5"/>
-  </ds:schemaRefs>
-</ds:datastoreItem>
-</file>
-
-<file path=customXml/itemProps2.xml><?xml version="1.0" encoding="utf-8"?>
 <ds:datastoreItem xmlns:ds="http://schemas.openxmlformats.org/officeDocument/2006/customXml" ds:itemID="{631071E6-22AE-499A-B09C-BF21CF5F7483}">
   <ds:schemaRefs>
     <ds:schemaRef ds:uri="http://schemas.microsoft.com/office/2006/metadata/contentType"/>
@@ -21976,6 +22106,16 @@
 </ds:datastoreItem>
 </file>
 
+<file path=customXml/itemProps2.xml><?xml version="1.0" encoding="utf-8"?>
+<ds:datastoreItem xmlns:ds="http://schemas.openxmlformats.org/officeDocument/2006/customXml" ds:itemID="{CEA9B47F-3DD8-4645-81DC-B88780643C07}">
+  <ds:schemaRefs>
+    <ds:schemaRef ds:uri="http://schemas.microsoft.com/office/2006/metadata/properties"/>
+    <ds:schemaRef ds:uri="http://schemas.microsoft.com/office/infopath/2007/PartnerControls"/>
+    <ds:schemaRef ds:uri="71af3243-3dd4-4a8d-8c0d-dd76da1f02a5"/>
+  </ds:schemaRefs>
+</ds:datastoreItem>
+</file>
+
 <file path=customXml/itemProps3.xml><?xml version="1.0" encoding="utf-8"?>
 <ds:datastoreItem xmlns:ds="http://schemas.openxmlformats.org/officeDocument/2006/customXml" ds:itemID="{B0C07E3D-60A7-4F4E-8208-D9CCD01982CB}">
   <ds:schemaRefs>

--- a/HawkEye.pptx
+++ b/HawkEye.pptx
@@ -5,33 +5,30 @@
     <p:sldMasterId id="2147483648" r:id="rId4"/>
   </p:sldMasterIdLst>
   <p:notesMasterIdLst>
-    <p:notesMasterId r:id="rId26"/>
+    <p:notesMasterId r:id="rId23"/>
   </p:notesMasterIdLst>
   <p:handoutMasterIdLst>
-    <p:handoutMasterId r:id="rId27"/>
+    <p:handoutMasterId r:id="rId24"/>
   </p:handoutMasterIdLst>
   <p:sldIdLst>
     <p:sldId id="257" r:id="rId5"/>
     <p:sldId id="258" r:id="rId6"/>
     <p:sldId id="268" r:id="rId7"/>
-    <p:sldId id="284" r:id="rId8"/>
-    <p:sldId id="292" r:id="rId9"/>
-    <p:sldId id="277" r:id="rId10"/>
-    <p:sldId id="291" r:id="rId11"/>
-    <p:sldId id="290" r:id="rId12"/>
-    <p:sldId id="278" r:id="rId13"/>
-    <p:sldId id="298" r:id="rId14"/>
-    <p:sldId id="270" r:id="rId15"/>
-    <p:sldId id="295" r:id="rId16"/>
-    <p:sldId id="296" r:id="rId17"/>
-    <p:sldId id="297" r:id="rId18"/>
-    <p:sldId id="279" r:id="rId19"/>
-    <p:sldId id="283" r:id="rId20"/>
-    <p:sldId id="285" r:id="rId21"/>
-    <p:sldId id="286" r:id="rId22"/>
-    <p:sldId id="289" r:id="rId23"/>
-    <p:sldId id="294" r:id="rId24"/>
-    <p:sldId id="287" r:id="rId25"/>
+    <p:sldId id="298" r:id="rId8"/>
+    <p:sldId id="270" r:id="rId9"/>
+    <p:sldId id="284" r:id="rId10"/>
+    <p:sldId id="292" r:id="rId11"/>
+    <p:sldId id="277" r:id="rId12"/>
+    <p:sldId id="291" r:id="rId13"/>
+    <p:sldId id="290" r:id="rId14"/>
+    <p:sldId id="278" r:id="rId15"/>
+    <p:sldId id="279" r:id="rId16"/>
+    <p:sldId id="283" r:id="rId17"/>
+    <p:sldId id="285" r:id="rId18"/>
+    <p:sldId id="286" r:id="rId19"/>
+    <p:sldId id="289" r:id="rId20"/>
+    <p:sldId id="299" r:id="rId21"/>
+    <p:sldId id="287" r:id="rId22"/>
   </p:sldIdLst>
   <p:sldSz cx="12192000" cy="6858000"/>
   <p:notesSz cx="6858000" cy="9144000"/>
@@ -246,7 +243,7 @@
           <a:p>
             <a:fld id="{97AB3EA8-A58D-4C92-A3AB-D271CCC294C7}" type="datetimeFigureOut">
               <a:rPr lang="en-US" smtClean="0"/>
-              <a:t>6/19/2022</a:t>
+              <a:t>6/20/2022</a:t>
             </a:fld>
             <a:endParaRPr lang="en-US" dirty="0"/>
           </a:p>
@@ -423,7 +420,7 @@
           <a:p>
             <a:fld id="{0AEFB4FA-E877-413E-B608-88789D806C57}" type="datetimeFigureOut">
               <a:rPr lang="en-US" noProof="0" smtClean="0"/>
-              <a:t>6/19/2022</a:t>
+              <a:t>6/20/2022</a:t>
             </a:fld>
             <a:endParaRPr lang="en-US" noProof="0" dirty="0"/>
           </a:p>
@@ -1007,7 +1004,7 @@
           <a:p>
             <a:fld id="{6336304E-FDE3-4B4F-A3B7-EBE87F3FA5E2}" type="slidenum">
               <a:rPr lang="en-US" smtClean="0"/>
-              <a:t>11</a:t>
+              <a:t>5</a:t>
             </a:fld>
             <a:endParaRPr lang="en-US"/>
           </a:p>
@@ -16515,7 +16512,7 @@
           <a:p>
             <a:fld id="{D951F27F-98F9-A147-8986-34441C7B752D}" type="datetime1">
               <a:rPr lang="en-US" noProof="0" smtClean="0"/>
-              <a:t>6/19/2022</a:t>
+              <a:t>6/20/2022</a:t>
             </a:fld>
             <a:endParaRPr lang="en-US" noProof="0" dirty="0"/>
           </a:p>
@@ -17209,10 +17206,10 @@
       </p:grpSpPr>
       <p:sp>
         <p:nvSpPr>
-          <p:cNvPr id="4" name="Title 3">
-            <a:extLst>
-              <a:ext uri="{FF2B5EF4-FFF2-40B4-BE49-F238E27FC236}">
-                <a16:creationId xmlns:a16="http://schemas.microsoft.com/office/drawing/2014/main" id="{2E0C54B5-6876-DE29-A5F3-B88D01DEC8B1}"/>
+          <p:cNvPr id="2" name="Slide Number Placeholder 1">
+            <a:extLst>
+              <a:ext uri="{FF2B5EF4-FFF2-40B4-BE49-F238E27FC236}">
+                <a16:creationId xmlns:a16="http://schemas.microsoft.com/office/drawing/2014/main" id="{9BF83745-348F-A678-DFFD-057D466170C9}"/>
               </a:ext>
             </a:extLst>
           </p:cNvPr>
@@ -17220,34 +17217,29 @@
             <a:spLocks noGrp="1"/>
           </p:cNvSpPr>
           <p:nvPr>
-            <p:ph type="ctrTitle"/>
+            <p:ph type="sldNum" sz="quarter" idx="12"/>
           </p:nvPr>
         </p:nvSpPr>
-        <p:spPr>
-          <a:xfrm>
-            <a:off x="6337300" y="2971800"/>
-            <a:ext cx="5143500" cy="1292296"/>
-          </a:xfrm>
-        </p:spPr>
+        <p:spPr/>
         <p:txBody>
-          <a:bodyPr anchor="b">
-            <a:normAutofit/>
-          </a:bodyPr>
+          <a:bodyPr/>
           <a:lstStyle/>
           <a:p>
-            <a:r>
-              <a:rPr lang="en-US" dirty="0"/>
-              <a:t>Workflow</a:t>
-            </a:r>
+            <a:fld id="{9EC71654-96A5-4280-94F3-931C61A9F92C}" type="slidenum">
+              <a:rPr lang="en-US" noProof="0" smtClean="0"/>
+              <a:pPr/>
+              <a:t>10</a:t>
+            </a:fld>
+            <a:endParaRPr lang="en-US" noProof="0" dirty="0"/>
           </a:p>
         </p:txBody>
       </p:sp>
       <p:pic>
         <p:nvPicPr>
-          <p:cNvPr id="6" name="Picture Placeholder 5">
-            <a:extLst>
-              <a:ext uri="{FF2B5EF4-FFF2-40B4-BE49-F238E27FC236}">
-                <a16:creationId xmlns:a16="http://schemas.microsoft.com/office/drawing/2014/main" id="{BBD507E0-C445-45A5-000D-A42E3C8A8362}"/>
+          <p:cNvPr id="6" name="Content Placeholder 5" descr="Graphical user interface, application&#10;&#10;Description automatically generated">
+            <a:extLst>
+              <a:ext uri="{FF2B5EF4-FFF2-40B4-BE49-F238E27FC236}">
+                <a16:creationId xmlns:a16="http://schemas.microsoft.com/office/drawing/2014/main" id="{167992B9-756B-6B2F-A570-74FF017FB9D8}"/>
               </a:ext>
             </a:extLst>
           </p:cNvPr>
@@ -17255,27 +17247,28 @@
             <a:picLocks noGrp="1" noChangeAspect="1"/>
           </p:cNvPicPr>
           <p:nvPr>
-            <p:ph type="pic" sz="quarter" idx="10"/>
+            <p:ph idx="1"/>
           </p:nvPr>
         </p:nvPicPr>
         <p:blipFill>
           <a:blip r:embed="rId2"/>
-          <a:srcRect l="14615" r="14615"/>
-          <a:stretch/>
+          <a:stretch>
+            <a:fillRect/>
+          </a:stretch>
         </p:blipFill>
         <p:spPr>
           <a:xfrm>
-            <a:off x="711200" y="728663"/>
-            <a:ext cx="5305425" cy="5305425"/>
+            <a:off x="1496219" y="1848644"/>
+            <a:ext cx="8877300" cy="4305300"/>
           </a:xfrm>
         </p:spPr>
       </p:pic>
       <p:sp>
         <p:nvSpPr>
-          <p:cNvPr id="2" name="Slide Number Placeholder 1" hidden="1">
-            <a:extLst>
-              <a:ext uri="{FF2B5EF4-FFF2-40B4-BE49-F238E27FC236}">
-                <a16:creationId xmlns:a16="http://schemas.microsoft.com/office/drawing/2014/main" id="{CDA0EE6B-EE8E-9469-CA34-4A27CB4D7D0C}"/>
+          <p:cNvPr id="4" name="Title 3">
+            <a:extLst>
+              <a:ext uri="{FF2B5EF4-FFF2-40B4-BE49-F238E27FC236}">
+                <a16:creationId xmlns:a16="http://schemas.microsoft.com/office/drawing/2014/main" id="{4F2385C9-0856-8484-61EB-AEF0842B69D4}"/>
               </a:ext>
             </a:extLst>
           </p:cNvPr>
@@ -17283,49 +17276,25 @@
             <a:spLocks noGrp="1"/>
           </p:cNvSpPr>
           <p:nvPr>
-            <p:ph type="sldNum" sz="quarter" idx="4294967295"/>
+            <p:ph type="title"/>
           </p:nvPr>
         </p:nvSpPr>
-        <p:spPr>
-          <a:xfrm>
-            <a:off x="11363696" y="6455739"/>
-            <a:ext cx="294460" cy="187367"/>
-          </a:xfrm>
-        </p:spPr>
+        <p:spPr/>
         <p:txBody>
-          <a:bodyPr anchor="ctr">
-            <a:normAutofit/>
-          </a:bodyPr>
+          <a:bodyPr/>
           <a:lstStyle/>
           <a:p>
-            <a:pPr>
-              <a:lnSpc>
-                <a:spcPct val="90000"/>
-              </a:lnSpc>
-              <a:spcAft>
-                <a:spcPts val="600"/>
-              </a:spcAft>
-            </a:pPr>
-            <a:fld id="{9EC71654-96A5-4280-94F3-931C61A9F92C}" type="slidenum">
-              <a:rPr lang="en-US" sz="600" noProof="0" smtClean="0"/>
-              <a:pPr>
-                <a:lnSpc>
-                  <a:spcPct val="90000"/>
-                </a:lnSpc>
-                <a:spcAft>
-                  <a:spcPts val="600"/>
-                </a:spcAft>
-              </a:pPr>
-              <a:t>10</a:t>
-            </a:fld>
-            <a:endParaRPr lang="en-US" sz="600" noProof="0"/>
+            <a:r>
+              <a:rPr lang="en-US" dirty="0"/>
+              <a:t>Architecture</a:t>
+            </a:r>
           </a:p>
         </p:txBody>
       </p:sp>
     </p:spTree>
     <p:extLst>
       <p:ext uri="{BB962C8B-B14F-4D97-AF65-F5344CB8AC3E}">
-        <p14:creationId xmlns:p14="http://schemas.microsoft.com/office/powerpoint/2010/main" val="1766479364"/>
+        <p14:creationId xmlns:p14="http://schemas.microsoft.com/office/powerpoint/2010/main" val="3288796059"/>
       </p:ext>
     </p:extLst>
   </p:cSld>
@@ -17354,10 +17323,10 @@
       </p:grpSpPr>
       <p:sp>
         <p:nvSpPr>
-          <p:cNvPr id="4" name="Slide Number Placeholder 3">
-            <a:extLst>
-              <a:ext uri="{FF2B5EF4-FFF2-40B4-BE49-F238E27FC236}">
-                <a16:creationId xmlns:a16="http://schemas.microsoft.com/office/drawing/2014/main" id="{0BDDBFEE-BC50-46CF-AB8F-D145B99B57A6}"/>
+          <p:cNvPr id="3" name="Slide Number Placeholder 2">
+            <a:extLst>
+              <a:ext uri="{FF2B5EF4-FFF2-40B4-BE49-F238E27FC236}">
+                <a16:creationId xmlns:a16="http://schemas.microsoft.com/office/drawing/2014/main" id="{BA9DE796-AEEF-8377-7A18-A6D74B26218E}"/>
               </a:ext>
             </a:extLst>
           </p:cNvPr>
@@ -17386,7 +17355,7 @@
               </a:spcAft>
             </a:pPr>
             <a:fld id="{9EC71654-96A5-4280-94F3-931C61A9F92C}" type="slidenum">
-              <a:rPr lang="en-US" smtClean="0"/>
+              <a:rPr lang="en-US" noProof="0" smtClean="0"/>
               <a:pPr>
                 <a:spcAft>
                   <a:spcPts val="600"/>
@@ -17394,45 +17363,47 @@
               </a:pPr>
               <a:t>11</a:t>
             </a:fld>
-            <a:endParaRPr lang="en-US"/>
+            <a:endParaRPr lang="en-US" noProof="0"/>
           </a:p>
         </p:txBody>
       </p:sp>
       <p:pic>
         <p:nvPicPr>
-          <p:cNvPr id="21" name="Content Placeholder 20">
-            <a:extLst>
-              <a:ext uri="{FF2B5EF4-FFF2-40B4-BE49-F238E27FC236}">
-                <a16:creationId xmlns:a16="http://schemas.microsoft.com/office/drawing/2014/main" id="{BA3FC335-A445-ADFE-9653-DC5C4F2093ED}"/>
+          <p:cNvPr id="4" name="Picture 3" descr="Diagram&#10;&#10;Description automatically generated">
+            <a:extLst>
+              <a:ext uri="{FF2B5EF4-FFF2-40B4-BE49-F238E27FC236}">
+                <a16:creationId xmlns:a16="http://schemas.microsoft.com/office/drawing/2014/main" id="{D1D94198-A7B7-A1FF-FAC4-7063C3F2E1AC}"/>
               </a:ext>
             </a:extLst>
           </p:cNvPr>
           <p:cNvPicPr>
-            <a:picLocks noGrp="1" noChangeAspect="1"/>
+            <a:picLocks noChangeAspect="1"/>
           </p:cNvPicPr>
-          <p:nvPr>
-            <p:ph idx="1"/>
-          </p:nvPr>
+          <p:nvPr/>
         </p:nvPicPr>
         <p:blipFill>
-          <a:blip r:embed="rId3"/>
-          <a:srcRect t="180" b="180"/>
-          <a:stretch/>
+          <a:blip r:embed="rId2"/>
+          <a:stretch>
+            <a:fillRect/>
+          </a:stretch>
         </p:blipFill>
         <p:spPr>
           <a:xfrm>
-            <a:off x="859772" y="1266825"/>
-            <a:ext cx="10834528" cy="4920293"/>
-          </a:xfrm>
+            <a:off x="221477" y="2188329"/>
+            <a:ext cx="11815909" cy="3325780"/>
+          </a:xfrm>
+          <a:prstGeom prst="rect">
+            <a:avLst/>
+          </a:prstGeom>
           <a:noFill/>
         </p:spPr>
       </p:pic>
       <p:sp>
         <p:nvSpPr>
-          <p:cNvPr id="2" name="Title 1">
-            <a:extLst>
-              <a:ext uri="{FF2B5EF4-FFF2-40B4-BE49-F238E27FC236}">
-                <a16:creationId xmlns:a16="http://schemas.microsoft.com/office/drawing/2014/main" id="{903A9A18-93E0-4615-B7AA-B8C8FBB14464}"/>
+          <p:cNvPr id="12" name="Title 3">
+            <a:extLst>
+              <a:ext uri="{FF2B5EF4-FFF2-40B4-BE49-F238E27FC236}">
+                <a16:creationId xmlns:a16="http://schemas.microsoft.com/office/drawing/2014/main" id="{5F27F202-37DA-2389-C323-0E40D13B7C38}"/>
               </a:ext>
             </a:extLst>
           </p:cNvPr>
@@ -17457,7 +17428,7 @@
           <a:p>
             <a:r>
               <a:rPr lang="en-US" dirty="0"/>
-              <a:t>Work-Flow</a:t>
+              <a:t>Architecture</a:t>
             </a:r>
           </a:p>
         </p:txBody>
@@ -17465,7 +17436,7 @@
     </p:spTree>
     <p:extLst>
       <p:ext uri="{BB962C8B-B14F-4D97-AF65-F5344CB8AC3E}">
-        <p14:creationId xmlns:p14="http://schemas.microsoft.com/office/powerpoint/2010/main" val="961730162"/>
+        <p14:creationId xmlns:p14="http://schemas.microsoft.com/office/powerpoint/2010/main" val="336334053"/>
       </p:ext>
     </p:extLst>
   </p:cSld>
@@ -17476,7 +17447,7 @@
 </file>
 
 <file path=ppt/slides/slide12.xml><?xml version="1.0" encoding="utf-8"?>
-<p:sld xmlns:a="http://schemas.openxmlformats.org/drawingml/2006/main" xmlns:r="http://schemas.openxmlformats.org/officeDocument/2006/relationships" xmlns:p="http://schemas.openxmlformats.org/presentationml/2006/main" show="0">
+<p:sld xmlns:a="http://schemas.openxmlformats.org/drawingml/2006/main" xmlns:r="http://schemas.openxmlformats.org/officeDocument/2006/relationships" xmlns:p="http://schemas.openxmlformats.org/presentationml/2006/main">
   <p:cSld>
     <p:spTree>
       <p:nvGrpSpPr>
@@ -17510,26 +17481,26 @@
         </p:nvSpPr>
         <p:spPr>
           <a:xfrm>
-            <a:off x="6337299" y="3094182"/>
-            <a:ext cx="5466773" cy="1025236"/>
+            <a:off x="6337300" y="2971800"/>
+            <a:ext cx="5143500" cy="1292296"/>
           </a:xfrm>
         </p:spPr>
         <p:txBody>
           <a:bodyPr anchor="b">
-            <a:normAutofit fontScale="90000"/>
+            <a:normAutofit/>
           </a:bodyPr>
           <a:lstStyle/>
           <a:p>
             <a:r>
               <a:rPr lang="en-US" dirty="0"/>
-              <a:t>Implementation</a:t>
+              <a:t>Challenges</a:t>
             </a:r>
           </a:p>
         </p:txBody>
       </p:sp>
       <p:pic>
         <p:nvPicPr>
-          <p:cNvPr id="6" name="Picture Placeholder 5">
+          <p:cNvPr id="6" name="Picture Placeholder 5" descr="A person holding a baby&#10;&#10;Description automatically generated with low confidence">
             <a:extLst>
               <a:ext uri="{FF2B5EF4-FFF2-40B4-BE49-F238E27FC236}">
                 <a16:creationId xmlns:a16="http://schemas.microsoft.com/office/drawing/2014/main" id="{BBD507E0-C445-45A5-000D-A42E3C8A8362}"/>
@@ -17545,12 +17516,14 @@
         </p:nvPicPr>
         <p:blipFill>
           <a:blip r:embed="rId2"/>
-          <a:srcRect l="16400" r="16400"/>
-          <a:stretch/>
+          <a:srcRect l="16684" r="16684"/>
+          <a:stretch>
+            <a:fillRect/>
+          </a:stretch>
         </p:blipFill>
         <p:spPr>
           <a:xfrm>
-            <a:off x="673493" y="700382"/>
+            <a:off x="711200" y="728663"/>
             <a:ext cx="5305425" cy="5305425"/>
           </a:xfrm>
         </p:spPr>
@@ -17610,7 +17583,7 @@
     </p:spTree>
     <p:extLst>
       <p:ext uri="{BB962C8B-B14F-4D97-AF65-F5344CB8AC3E}">
-        <p14:creationId xmlns:p14="http://schemas.microsoft.com/office/powerpoint/2010/main" val="3455253347"/>
+        <p14:creationId xmlns:p14="http://schemas.microsoft.com/office/powerpoint/2010/main" val="108566944"/>
       </p:ext>
     </p:extLst>
   </p:cSld>
@@ -17621,7 +17594,7 @@
 </file>
 
 <file path=ppt/slides/slide13.xml><?xml version="1.0" encoding="utf-8"?>
-<p:sld xmlns:a="http://schemas.openxmlformats.org/drawingml/2006/main" xmlns:r="http://schemas.openxmlformats.org/officeDocument/2006/relationships" xmlns:p="http://schemas.openxmlformats.org/presentationml/2006/main" show="0">
+<p:sld xmlns:a="http://schemas.openxmlformats.org/drawingml/2006/main" xmlns:r="http://schemas.openxmlformats.org/officeDocument/2006/relationships" xmlns:p="http://schemas.openxmlformats.org/presentationml/2006/main">
   <p:cSld>
     <p:spTree>
       <p:nvGrpSpPr>
@@ -17639,10 +17612,10 @@
       </p:grpSpPr>
       <p:sp>
         <p:nvSpPr>
-          <p:cNvPr id="9" name="Slide Number Placeholder 1">
-            <a:extLst>
-              <a:ext uri="{FF2B5EF4-FFF2-40B4-BE49-F238E27FC236}">
-                <a16:creationId xmlns:a16="http://schemas.microsoft.com/office/drawing/2014/main" id="{71590825-AFC0-19D9-6993-BC682234E23D}"/>
+          <p:cNvPr id="17" name="Slide Number Placeholder 1">
+            <a:extLst>
+              <a:ext uri="{FF2B5EF4-FFF2-40B4-BE49-F238E27FC236}">
+                <a16:creationId xmlns:a16="http://schemas.microsoft.com/office/drawing/2014/main" id="{49ABE35A-BB82-5C1C-2B37-CAA754582F56}"/>
               </a:ext>
             </a:extLst>
           </p:cNvPr>
@@ -17683,10 +17656,10 @@
       </p:sp>
       <p:pic>
         <p:nvPicPr>
-          <p:cNvPr id="6" name="Content Placeholder 5">
-            <a:extLst>
-              <a:ext uri="{FF2B5EF4-FFF2-40B4-BE49-F238E27FC236}">
-                <a16:creationId xmlns:a16="http://schemas.microsoft.com/office/drawing/2014/main" id="{902A6372-9DEB-9FB0-34EC-AE51AF51E623}"/>
+          <p:cNvPr id="7" name="Content Placeholder 6">
+            <a:extLst>
+              <a:ext uri="{FF2B5EF4-FFF2-40B4-BE49-F238E27FC236}">
+                <a16:creationId xmlns:a16="http://schemas.microsoft.com/office/drawing/2014/main" id="{DE6DCD29-CEE6-72BC-E86C-C62C70EEFDBA}"/>
               </a:ext>
             </a:extLst>
           </p:cNvPr>
@@ -17694,27 +17667,27 @@
             <a:picLocks noGrp="1" noChangeAspect="1"/>
           </p:cNvPicPr>
           <p:nvPr>
-            <p:ph idx="1"/>
+            <p:ph sz="half" idx="1"/>
           </p:nvPr>
         </p:nvPicPr>
         <p:blipFill>
           <a:blip r:embed="rId2"/>
-          <a:srcRect/>
           <a:stretch/>
         </p:blipFill>
         <p:spPr>
           <a:xfrm>
-            <a:off x="1099128" y="1775474"/>
-            <a:ext cx="9638975" cy="4692483"/>
-          </a:xfrm>
+            <a:off x="5867632" y="2987859"/>
+            <a:ext cx="606425" cy="606425"/>
+          </a:xfrm>
+          <a:noFill/>
         </p:spPr>
       </p:pic>
       <p:sp>
         <p:nvSpPr>
-          <p:cNvPr id="13" name="Title 3">
-            <a:extLst>
-              <a:ext uri="{FF2B5EF4-FFF2-40B4-BE49-F238E27FC236}">
-                <a16:creationId xmlns:a16="http://schemas.microsoft.com/office/drawing/2014/main" id="{5BD06F64-C10A-9B05-B5B4-F10B142840E9}"/>
+          <p:cNvPr id="2" name="Title 1">
+            <a:extLst>
+              <a:ext uri="{FF2B5EF4-FFF2-40B4-BE49-F238E27FC236}">
+                <a16:creationId xmlns:a16="http://schemas.microsoft.com/office/drawing/2014/main" id="{CC0C50D1-1B66-9C4E-DD7B-5221A23FD1F5}"/>
               </a:ext>
             </a:extLst>
           </p:cNvPr>
@@ -17732,12 +17705,380 @@
           </a:xfrm>
         </p:spPr>
         <p:txBody>
-          <a:bodyPr/>
+          <a:bodyPr anchor="b">
+            <a:normAutofit/>
+          </a:bodyPr>
           <a:lstStyle/>
           <a:p>
             <a:r>
               <a:rPr lang="en-US" dirty="0"/>
-              <a:t>Implementation</a:t>
+              <a:t>Challenges</a:t>
+            </a:r>
+          </a:p>
+        </p:txBody>
+      </p:sp>
+      <p:sp>
+        <p:nvSpPr>
+          <p:cNvPr id="3" name="Slide Number Placeholder 2" hidden="1">
+            <a:extLst>
+              <a:ext uri="{FF2B5EF4-FFF2-40B4-BE49-F238E27FC236}">
+                <a16:creationId xmlns:a16="http://schemas.microsoft.com/office/drawing/2014/main" id="{24471D0A-2A75-5210-E90F-6C5B83FF9FEE}"/>
+              </a:ext>
+            </a:extLst>
+          </p:cNvPr>
+          <p:cNvSpPr>
+            <a:spLocks noGrp="1"/>
+          </p:cNvSpPr>
+          <p:nvPr>
+            <p:ph type="sldNum" sz="quarter" idx="4294967295"/>
+          </p:nvPr>
+        </p:nvSpPr>
+        <p:spPr>
+          <a:xfrm>
+            <a:off x="11363696" y="6455739"/>
+            <a:ext cx="294460" cy="187367"/>
+          </a:xfrm>
+        </p:spPr>
+        <p:txBody>
+          <a:bodyPr anchor="ctr">
+            <a:normAutofit/>
+          </a:bodyPr>
+          <a:lstStyle/>
+          <a:p>
+            <a:pPr>
+              <a:lnSpc>
+                <a:spcPct val="90000"/>
+              </a:lnSpc>
+              <a:spcAft>
+                <a:spcPts val="600"/>
+              </a:spcAft>
+            </a:pPr>
+            <a:fld id="{9EC71654-96A5-4280-94F3-931C61A9F92C}" type="slidenum">
+              <a:rPr lang="en-US" sz="600" noProof="0" smtClean="0"/>
+              <a:pPr>
+                <a:lnSpc>
+                  <a:spcPct val="90000"/>
+                </a:lnSpc>
+                <a:spcAft>
+                  <a:spcPts val="600"/>
+                </a:spcAft>
+              </a:pPr>
+              <a:t>13</a:t>
+            </a:fld>
+            <a:endParaRPr lang="en-US" sz="600" noProof="0"/>
+          </a:p>
+        </p:txBody>
+      </p:sp>
+      <p:pic>
+        <p:nvPicPr>
+          <p:cNvPr id="5" name="Picture 4" descr="Shape&#10;&#10;Description automatically generated">
+            <a:extLst>
+              <a:ext uri="{FF2B5EF4-FFF2-40B4-BE49-F238E27FC236}">
+                <a16:creationId xmlns:a16="http://schemas.microsoft.com/office/drawing/2014/main" id="{FC62146B-8F3F-FBBA-B170-9B5114E23759}"/>
+              </a:ext>
+            </a:extLst>
+          </p:cNvPr>
+          <p:cNvPicPr>
+            <a:picLocks noChangeAspect="1"/>
+          </p:cNvPicPr>
+          <p:nvPr/>
+        </p:nvPicPr>
+        <p:blipFill>
+          <a:blip r:embed="rId3"/>
+          <a:stretch>
+            <a:fillRect/>
+          </a:stretch>
+        </p:blipFill>
+        <p:spPr>
+          <a:xfrm>
+            <a:off x="3674380" y="2987859"/>
+            <a:ext cx="601191" cy="601191"/>
+          </a:xfrm>
+          <a:prstGeom prst="rect">
+            <a:avLst/>
+          </a:prstGeom>
+        </p:spPr>
+      </p:pic>
+      <p:pic>
+        <p:nvPicPr>
+          <p:cNvPr id="8" name="Picture 7" descr="A picture containing shape&#10;&#10;Description automatically generated">
+            <a:extLst>
+              <a:ext uri="{FF2B5EF4-FFF2-40B4-BE49-F238E27FC236}">
+                <a16:creationId xmlns:a16="http://schemas.microsoft.com/office/drawing/2014/main" id="{13E0C9C8-39E9-5C54-FE4C-BAFDCE1B7D0F}"/>
+              </a:ext>
+            </a:extLst>
+          </p:cNvPr>
+          <p:cNvPicPr>
+            <a:picLocks noChangeAspect="1"/>
+          </p:cNvPicPr>
+          <p:nvPr/>
+        </p:nvPicPr>
+        <p:blipFill>
+          <a:blip r:embed="rId4"/>
+          <a:stretch>
+            <a:fillRect/>
+          </a:stretch>
+        </p:blipFill>
+        <p:spPr>
+          <a:xfrm>
+            <a:off x="1419088" y="2996372"/>
+            <a:ext cx="664892" cy="574638"/>
+          </a:xfrm>
+          <a:prstGeom prst="rect">
+            <a:avLst/>
+          </a:prstGeom>
+        </p:spPr>
+      </p:pic>
+      <p:sp>
+        <p:nvSpPr>
+          <p:cNvPr id="10" name="TextBox 9">
+            <a:extLst>
+              <a:ext uri="{FF2B5EF4-FFF2-40B4-BE49-F238E27FC236}">
+                <a16:creationId xmlns:a16="http://schemas.microsoft.com/office/drawing/2014/main" id="{D1794A21-E128-104B-BC5E-57415EA90165}"/>
+              </a:ext>
+            </a:extLst>
+          </p:cNvPr>
+          <p:cNvSpPr txBox="1"/>
+          <p:nvPr/>
+        </p:nvSpPr>
+        <p:spPr>
+          <a:xfrm>
+            <a:off x="5211600" y="3837053"/>
+            <a:ext cx="1935634" cy="707886"/>
+          </a:xfrm>
+          <a:prstGeom prst="rect">
+            <a:avLst/>
+          </a:prstGeom>
+          <a:noFill/>
+        </p:spPr>
+        <p:txBody>
+          <a:bodyPr wrap="square" rtlCol="0">
+            <a:spAutoFit/>
+          </a:bodyPr>
+          <a:lstStyle/>
+          <a:p>
+            <a:pPr algn="ctr"/>
+            <a:r>
+              <a:rPr lang="en-US" sz="2000" b="1" dirty="0"/>
+              <a:t>Dataset Cleaning</a:t>
+            </a:r>
+          </a:p>
+        </p:txBody>
+      </p:sp>
+      <p:sp>
+        <p:nvSpPr>
+          <p:cNvPr id="14" name="TextBox 13">
+            <a:extLst>
+              <a:ext uri="{FF2B5EF4-FFF2-40B4-BE49-F238E27FC236}">
+                <a16:creationId xmlns:a16="http://schemas.microsoft.com/office/drawing/2014/main" id="{5CC1F818-39F8-B166-405C-C7975400ED44}"/>
+              </a:ext>
+            </a:extLst>
+          </p:cNvPr>
+          <p:cNvSpPr txBox="1"/>
+          <p:nvPr/>
+        </p:nvSpPr>
+        <p:spPr>
+          <a:xfrm>
+            <a:off x="2701926" y="3837053"/>
+            <a:ext cx="2558011" cy="707886"/>
+          </a:xfrm>
+          <a:prstGeom prst="rect">
+            <a:avLst/>
+          </a:prstGeom>
+          <a:noFill/>
+        </p:spPr>
+        <p:txBody>
+          <a:bodyPr wrap="square" rtlCol="0">
+            <a:spAutoFit/>
+          </a:bodyPr>
+          <a:lstStyle/>
+          <a:p>
+            <a:pPr algn="ctr"/>
+            <a:r>
+              <a:rPr lang="en-US" sz="2000" b="1" dirty="0"/>
+              <a:t>Hyperparameters Tuning</a:t>
+            </a:r>
+          </a:p>
+        </p:txBody>
+      </p:sp>
+      <p:sp>
+        <p:nvSpPr>
+          <p:cNvPr id="15" name="TextBox 14">
+            <a:extLst>
+              <a:ext uri="{FF2B5EF4-FFF2-40B4-BE49-F238E27FC236}">
+                <a16:creationId xmlns:a16="http://schemas.microsoft.com/office/drawing/2014/main" id="{FBAB8646-ECD4-83B3-C925-659CD4BCBB5B}"/>
+              </a:ext>
+            </a:extLst>
+          </p:cNvPr>
+          <p:cNvSpPr txBox="1"/>
+          <p:nvPr/>
+        </p:nvSpPr>
+        <p:spPr>
+          <a:xfrm>
+            <a:off x="784658" y="3837053"/>
+            <a:ext cx="2009525" cy="707886"/>
+          </a:xfrm>
+          <a:prstGeom prst="rect">
+            <a:avLst/>
+          </a:prstGeom>
+          <a:noFill/>
+        </p:spPr>
+        <p:txBody>
+          <a:bodyPr wrap="square" rtlCol="0">
+            <a:spAutoFit/>
+          </a:bodyPr>
+          <a:lstStyle/>
+          <a:p>
+            <a:pPr algn="ctr"/>
+            <a:r>
+              <a:rPr lang="en-US" sz="2000" b="1" dirty="0"/>
+              <a:t>Dataset Imbalance</a:t>
+            </a:r>
+          </a:p>
+        </p:txBody>
+      </p:sp>
+      <p:pic>
+        <p:nvPicPr>
+          <p:cNvPr id="25" name="Picture 24" descr="Shape&#10;&#10;Description automatically generated with low confidence">
+            <a:extLst>
+              <a:ext uri="{FF2B5EF4-FFF2-40B4-BE49-F238E27FC236}">
+                <a16:creationId xmlns:a16="http://schemas.microsoft.com/office/drawing/2014/main" id="{172F869C-8254-E6CD-9F39-742519C87B5F}"/>
+              </a:ext>
+            </a:extLst>
+          </p:cNvPr>
+          <p:cNvPicPr>
+            <a:picLocks noChangeAspect="1"/>
+          </p:cNvPicPr>
+          <p:nvPr/>
+        </p:nvPicPr>
+        <p:blipFill>
+          <a:blip r:embed="rId5"/>
+          <a:stretch>
+            <a:fillRect/>
+          </a:stretch>
+        </p:blipFill>
+        <p:spPr>
+          <a:xfrm>
+            <a:off x="9949712" y="2987859"/>
+            <a:ext cx="495284" cy="495284"/>
+          </a:xfrm>
+          <a:prstGeom prst="rect">
+            <a:avLst/>
+          </a:prstGeom>
+        </p:spPr>
+      </p:pic>
+      <p:sp>
+        <p:nvSpPr>
+          <p:cNvPr id="26" name="TextBox 25">
+            <a:extLst>
+              <a:ext uri="{FF2B5EF4-FFF2-40B4-BE49-F238E27FC236}">
+                <a16:creationId xmlns:a16="http://schemas.microsoft.com/office/drawing/2014/main" id="{3F77A819-E442-CBA1-3C7E-CF082B21FEEE}"/>
+              </a:ext>
+            </a:extLst>
+          </p:cNvPr>
+          <p:cNvSpPr txBox="1"/>
+          <p:nvPr/>
+        </p:nvSpPr>
+        <p:spPr>
+          <a:xfrm>
+            <a:off x="9311947" y="3749186"/>
+            <a:ext cx="1763944" cy="707886"/>
+          </a:xfrm>
+          <a:prstGeom prst="rect">
+            <a:avLst/>
+          </a:prstGeom>
+          <a:noFill/>
+        </p:spPr>
+        <p:txBody>
+          <a:bodyPr wrap="square" rtlCol="0">
+            <a:spAutoFit/>
+          </a:bodyPr>
+          <a:lstStyle/>
+          <a:p>
+            <a:pPr algn="ctr"/>
+            <a:r>
+              <a:rPr lang="en-US" sz="2000" b="1" dirty="0"/>
+              <a:t>Code Complexity</a:t>
+            </a:r>
+          </a:p>
+        </p:txBody>
+      </p:sp>
+      <p:pic>
+        <p:nvPicPr>
+          <p:cNvPr id="28" name="Picture 27" descr="Icon&#10;&#10;Description automatically generated">
+            <a:extLst>
+              <a:ext uri="{FF2B5EF4-FFF2-40B4-BE49-F238E27FC236}">
+                <a16:creationId xmlns:a16="http://schemas.microsoft.com/office/drawing/2014/main" id="{B8699F91-9EA2-BCA9-C123-DE28870C5719}"/>
+              </a:ext>
+            </a:extLst>
+          </p:cNvPr>
+          <p:cNvPicPr>
+            <a:picLocks noChangeAspect="1"/>
+          </p:cNvPicPr>
+          <p:nvPr/>
+        </p:nvPicPr>
+        <p:blipFill>
+          <a:blip r:embed="rId6"/>
+          <a:stretch>
+            <a:fillRect/>
+          </a:stretch>
+        </p:blipFill>
+        <p:spPr>
+          <a:xfrm>
+            <a:off x="7666935" y="2857846"/>
+            <a:ext cx="690716" cy="690716"/>
+          </a:xfrm>
+          <a:prstGeom prst="rect">
+            <a:avLst/>
+          </a:prstGeom>
+        </p:spPr>
+      </p:pic>
+      <p:sp>
+        <p:nvSpPr>
+          <p:cNvPr id="29" name="TextBox 28">
+            <a:extLst>
+              <a:ext uri="{FF2B5EF4-FFF2-40B4-BE49-F238E27FC236}">
+                <a16:creationId xmlns:a16="http://schemas.microsoft.com/office/drawing/2014/main" id="{CB5EF82F-24FF-CA97-F380-4D41120EE2BA}"/>
+              </a:ext>
+            </a:extLst>
+          </p:cNvPr>
+          <p:cNvSpPr txBox="1"/>
+          <p:nvPr/>
+        </p:nvSpPr>
+        <p:spPr>
+          <a:xfrm>
+            <a:off x="6995467" y="3749186"/>
+            <a:ext cx="2316480" cy="1015663"/>
+          </a:xfrm>
+          <a:prstGeom prst="rect">
+            <a:avLst/>
+          </a:prstGeom>
+          <a:noFill/>
+        </p:spPr>
+        <p:txBody>
+          <a:bodyPr wrap="square" rtlCol="0">
+            <a:spAutoFit/>
+          </a:bodyPr>
+          <a:lstStyle/>
+          <a:p>
+            <a:pPr algn="ctr"/>
+            <a:r>
+              <a:rPr lang="en-US" sz="2000" b="1" dirty="0"/>
+              <a:t>Testing </a:t>
+            </a:r>
+          </a:p>
+          <a:p>
+            <a:pPr algn="ctr"/>
+            <a:r>
+              <a:rPr lang="en-US" sz="2000" b="1" dirty="0"/>
+              <a:t>and </a:t>
+            </a:r>
+          </a:p>
+          <a:p>
+            <a:pPr algn="ctr"/>
+            <a:r>
+              <a:rPr lang="en-US" sz="2000" b="1" dirty="0"/>
+              <a:t>Debugging</a:t>
             </a:r>
           </a:p>
         </p:txBody>
@@ -17745,7 +18086,7 @@
     </p:spTree>
     <p:extLst>
       <p:ext uri="{BB962C8B-B14F-4D97-AF65-F5344CB8AC3E}">
-        <p14:creationId xmlns:p14="http://schemas.microsoft.com/office/powerpoint/2010/main" val="1863498446"/>
+        <p14:creationId xmlns:p14="http://schemas.microsoft.com/office/powerpoint/2010/main" val="588504511"/>
       </p:ext>
     </p:extLst>
   </p:cSld>
@@ -17756,7 +18097,7 @@
 </file>
 
 <file path=ppt/slides/slide14.xml><?xml version="1.0" encoding="utf-8"?>
-<p:sld xmlns:a="http://schemas.openxmlformats.org/drawingml/2006/main" xmlns:r="http://schemas.openxmlformats.org/officeDocument/2006/relationships" xmlns:p="http://schemas.openxmlformats.org/presentationml/2006/main" show="0">
+<p:sld xmlns:a="http://schemas.openxmlformats.org/drawingml/2006/main" xmlns:r="http://schemas.openxmlformats.org/officeDocument/2006/relationships" xmlns:p="http://schemas.openxmlformats.org/presentationml/2006/main">
   <p:cSld>
     <p:spTree>
       <p:nvGrpSpPr>
@@ -17774,10 +18115,10 @@
       </p:grpSpPr>
       <p:sp>
         <p:nvSpPr>
-          <p:cNvPr id="2" name="Slide Number Placeholder 1">
-            <a:extLst>
-              <a:ext uri="{FF2B5EF4-FFF2-40B4-BE49-F238E27FC236}">
-                <a16:creationId xmlns:a16="http://schemas.microsoft.com/office/drawing/2014/main" id="{4D671E3F-14DF-1A6D-DF90-F71ED4ED77DB}"/>
+          <p:cNvPr id="4" name="Title 3">
+            <a:extLst>
+              <a:ext uri="{FF2B5EF4-FFF2-40B4-BE49-F238E27FC236}">
+                <a16:creationId xmlns:a16="http://schemas.microsoft.com/office/drawing/2014/main" id="{2E0C54B5-6876-DE29-A5F3-B88D01DEC8B1}"/>
               </a:ext>
             </a:extLst>
           </p:cNvPr>
@@ -17785,7 +18126,70 @@
             <a:spLocks noGrp="1"/>
           </p:cNvSpPr>
           <p:nvPr>
-            <p:ph type="sldNum" sz="quarter" idx="12"/>
+            <p:ph type="ctrTitle"/>
+          </p:nvPr>
+        </p:nvSpPr>
+        <p:spPr>
+          <a:xfrm>
+            <a:off x="6337300" y="2971800"/>
+            <a:ext cx="5143500" cy="1292296"/>
+          </a:xfrm>
+        </p:spPr>
+        <p:txBody>
+          <a:bodyPr anchor="b">
+            <a:normAutofit/>
+          </a:bodyPr>
+          <a:lstStyle/>
+          <a:p>
+            <a:r>
+              <a:rPr lang="en-US" dirty="0"/>
+              <a:t>Future Work</a:t>
+            </a:r>
+          </a:p>
+        </p:txBody>
+      </p:sp>
+      <p:pic>
+        <p:nvPicPr>
+          <p:cNvPr id="6" name="Picture Placeholder 5">
+            <a:extLst>
+              <a:ext uri="{FF2B5EF4-FFF2-40B4-BE49-F238E27FC236}">
+                <a16:creationId xmlns:a16="http://schemas.microsoft.com/office/drawing/2014/main" id="{BBD507E0-C445-45A5-000D-A42E3C8A8362}"/>
+              </a:ext>
+            </a:extLst>
+          </p:cNvPr>
+          <p:cNvPicPr>
+            <a:picLocks noGrp="1" noChangeAspect="1"/>
+          </p:cNvPicPr>
+          <p:nvPr>
+            <p:ph type="pic" sz="quarter" idx="10"/>
+          </p:nvPr>
+        </p:nvPicPr>
+        <p:blipFill>
+          <a:blip r:embed="rId2"/>
+          <a:srcRect l="22778" r="22778"/>
+          <a:stretch/>
+        </p:blipFill>
+        <p:spPr>
+          <a:xfrm>
+            <a:off x="711200" y="728663"/>
+            <a:ext cx="5305425" cy="5305425"/>
+          </a:xfrm>
+        </p:spPr>
+      </p:pic>
+      <p:sp>
+        <p:nvSpPr>
+          <p:cNvPr id="2" name="Slide Number Placeholder 1" hidden="1">
+            <a:extLst>
+              <a:ext uri="{FF2B5EF4-FFF2-40B4-BE49-F238E27FC236}">
+                <a16:creationId xmlns:a16="http://schemas.microsoft.com/office/drawing/2014/main" id="{CDA0EE6B-EE8E-9469-CA34-4A27CB4D7D0C}"/>
+              </a:ext>
+            </a:extLst>
+          </p:cNvPr>
+          <p:cNvSpPr>
+            <a:spLocks noGrp="1"/>
+          </p:cNvSpPr>
+          <p:nvPr>
+            <p:ph type="sldNum" sz="quarter" idx="4294967295"/>
           </p:nvPr>
         </p:nvSpPr>
         <p:spPr>
@@ -17801,92 +18205,33 @@
           <a:lstStyle/>
           <a:p>
             <a:pPr>
+              <a:lnSpc>
+                <a:spcPct val="90000"/>
+              </a:lnSpc>
               <a:spcAft>
                 <a:spcPts val="600"/>
               </a:spcAft>
             </a:pPr>
             <a:fld id="{9EC71654-96A5-4280-94F3-931C61A9F92C}" type="slidenum">
-              <a:rPr lang="en-US" noProof="0" smtClean="0"/>
+              <a:rPr lang="en-US" sz="600" noProof="0" smtClean="0"/>
               <a:pPr>
+                <a:lnSpc>
+                  <a:spcPct val="90000"/>
+                </a:lnSpc>
                 <a:spcAft>
                   <a:spcPts val="600"/>
                 </a:spcAft>
               </a:pPr>
               <a:t>14</a:t>
             </a:fld>
-            <a:endParaRPr lang="en-US" noProof="0"/>
-          </a:p>
-        </p:txBody>
-      </p:sp>
-      <p:pic>
-        <p:nvPicPr>
-          <p:cNvPr id="6" name="Content Placeholder 5" descr="Graphical user interface, application&#10;&#10;Description automatically generated">
-            <a:extLst>
-              <a:ext uri="{FF2B5EF4-FFF2-40B4-BE49-F238E27FC236}">
-                <a16:creationId xmlns:a16="http://schemas.microsoft.com/office/drawing/2014/main" id="{80D08444-C802-44F1-10AB-22D84AF6676B}"/>
-              </a:ext>
-            </a:extLst>
-          </p:cNvPr>
-          <p:cNvPicPr>
-            <a:picLocks noGrp="1" noChangeAspect="1"/>
-          </p:cNvPicPr>
-          <p:nvPr>
-            <p:ph idx="1"/>
-          </p:nvPr>
-        </p:nvPicPr>
-        <p:blipFill>
-          <a:blip r:embed="rId2"/>
-          <a:stretch>
-            <a:fillRect/>
-          </a:stretch>
-        </p:blipFill>
-        <p:spPr>
-          <a:xfrm>
-            <a:off x="515938" y="2172406"/>
-            <a:ext cx="10837862" cy="3657776"/>
-          </a:xfrm>
-          <a:noFill/>
-        </p:spPr>
-      </p:pic>
-      <p:sp>
-        <p:nvSpPr>
-          <p:cNvPr id="4" name="Title 3">
-            <a:extLst>
-              <a:ext uri="{FF2B5EF4-FFF2-40B4-BE49-F238E27FC236}">
-                <a16:creationId xmlns:a16="http://schemas.microsoft.com/office/drawing/2014/main" id="{A420D208-41D6-4A26-84B0-1EDC1F346C27}"/>
-              </a:ext>
-            </a:extLst>
-          </p:cNvPr>
-          <p:cNvSpPr>
-            <a:spLocks noGrp="1"/>
-          </p:cNvSpPr>
-          <p:nvPr>
-            <p:ph type="title"/>
-          </p:nvPr>
-        </p:nvSpPr>
-        <p:spPr>
-          <a:xfrm>
-            <a:off x="515938" y="246621"/>
-            <a:ext cx="11150600" cy="920336"/>
-          </a:xfrm>
-        </p:spPr>
-        <p:txBody>
-          <a:bodyPr anchor="b">
-            <a:normAutofit/>
-          </a:bodyPr>
-          <a:lstStyle/>
-          <a:p>
-            <a:r>
-              <a:rPr lang="en-US" dirty="0"/>
-              <a:t>Implementation</a:t>
-            </a:r>
+            <a:endParaRPr lang="en-US" sz="600" noProof="0"/>
           </a:p>
         </p:txBody>
       </p:sp>
     </p:spTree>
     <p:extLst>
       <p:ext uri="{BB962C8B-B14F-4D97-AF65-F5344CB8AC3E}">
-        <p14:creationId xmlns:p14="http://schemas.microsoft.com/office/powerpoint/2010/main" val="2914177955"/>
+        <p14:creationId xmlns:p14="http://schemas.microsoft.com/office/powerpoint/2010/main" val="2970485623"/>
       </p:ext>
     </p:extLst>
   </p:cSld>
@@ -17915,10 +18260,10 @@
       </p:grpSpPr>
       <p:sp>
         <p:nvSpPr>
-          <p:cNvPr id="4" name="Title 3">
-            <a:extLst>
-              <a:ext uri="{FF2B5EF4-FFF2-40B4-BE49-F238E27FC236}">
-                <a16:creationId xmlns:a16="http://schemas.microsoft.com/office/drawing/2014/main" id="{2E0C54B5-6876-DE29-A5F3-B88D01DEC8B1}"/>
+          <p:cNvPr id="17" name="Slide Number Placeholder 1">
+            <a:extLst>
+              <a:ext uri="{FF2B5EF4-FFF2-40B4-BE49-F238E27FC236}">
+                <a16:creationId xmlns:a16="http://schemas.microsoft.com/office/drawing/2014/main" id="{49ABE35A-BB82-5C1C-2B37-CAA754582F56}"/>
               </a:ext>
             </a:extLst>
           </p:cNvPr>
@@ -17926,13 +18271,86 @@
             <a:spLocks noGrp="1"/>
           </p:cNvSpPr>
           <p:nvPr>
-            <p:ph type="ctrTitle"/>
+            <p:ph type="sldNum" sz="quarter" idx="12"/>
           </p:nvPr>
         </p:nvSpPr>
         <p:spPr>
           <a:xfrm>
-            <a:off x="6337300" y="2971800"/>
-            <a:ext cx="5143500" cy="1292296"/>
+            <a:off x="11363696" y="6455739"/>
+            <a:ext cx="294460" cy="187367"/>
+          </a:xfrm>
+        </p:spPr>
+        <p:txBody>
+          <a:bodyPr/>
+          <a:lstStyle/>
+          <a:p>
+            <a:pPr>
+              <a:spcAft>
+                <a:spcPts val="600"/>
+              </a:spcAft>
+            </a:pPr>
+            <a:fld id="{9EC71654-96A5-4280-94F3-931C61A9F92C}" type="slidenum">
+              <a:rPr lang="en-US" noProof="0" smtClean="0"/>
+              <a:pPr>
+                <a:spcAft>
+                  <a:spcPts val="600"/>
+                </a:spcAft>
+              </a:pPr>
+              <a:t>15</a:t>
+            </a:fld>
+            <a:endParaRPr lang="en-US" noProof="0"/>
+          </a:p>
+        </p:txBody>
+      </p:sp>
+      <p:pic>
+        <p:nvPicPr>
+          <p:cNvPr id="7" name="Content Placeholder 6">
+            <a:extLst>
+              <a:ext uri="{FF2B5EF4-FFF2-40B4-BE49-F238E27FC236}">
+                <a16:creationId xmlns:a16="http://schemas.microsoft.com/office/drawing/2014/main" id="{DE6DCD29-CEE6-72BC-E86C-C62C70EEFDBA}"/>
+              </a:ext>
+            </a:extLst>
+          </p:cNvPr>
+          <p:cNvPicPr>
+            <a:picLocks noGrp="1" noChangeAspect="1"/>
+          </p:cNvPicPr>
+          <p:nvPr>
+            <p:ph sz="half" idx="1"/>
+          </p:nvPr>
+        </p:nvPicPr>
+        <p:blipFill>
+          <a:blip r:embed="rId2"/>
+          <a:srcRect/>
+          <a:stretch/>
+        </p:blipFill>
+        <p:spPr>
+          <a:xfrm>
+            <a:off x="9834381" y="3128404"/>
+            <a:ext cx="552812" cy="606425"/>
+          </a:xfrm>
+          <a:noFill/>
+        </p:spPr>
+      </p:pic>
+      <p:sp>
+        <p:nvSpPr>
+          <p:cNvPr id="2" name="Title 1">
+            <a:extLst>
+              <a:ext uri="{FF2B5EF4-FFF2-40B4-BE49-F238E27FC236}">
+                <a16:creationId xmlns:a16="http://schemas.microsoft.com/office/drawing/2014/main" id="{CC0C50D1-1B66-9C4E-DD7B-5221A23FD1F5}"/>
+              </a:ext>
+            </a:extLst>
+          </p:cNvPr>
+          <p:cNvSpPr>
+            <a:spLocks noGrp="1"/>
+          </p:cNvSpPr>
+          <p:nvPr>
+            <p:ph type="title"/>
+          </p:nvPr>
+        </p:nvSpPr>
+        <p:spPr>
+          <a:xfrm>
+            <a:off x="515938" y="246621"/>
+            <a:ext cx="11150600" cy="920336"/>
           </a:xfrm>
         </p:spPr>
         <p:txBody>
@@ -17943,47 +18361,17 @@
           <a:p>
             <a:r>
               <a:rPr lang="en-US" dirty="0"/>
-              <a:t>Challenges</a:t>
+              <a:t>Future Work</a:t>
             </a:r>
           </a:p>
         </p:txBody>
       </p:sp>
-      <p:pic>
-        <p:nvPicPr>
-          <p:cNvPr id="6" name="Picture Placeholder 5" descr="A person holding a baby&#10;&#10;Description automatically generated with low confidence">
-            <a:extLst>
-              <a:ext uri="{FF2B5EF4-FFF2-40B4-BE49-F238E27FC236}">
-                <a16:creationId xmlns:a16="http://schemas.microsoft.com/office/drawing/2014/main" id="{BBD507E0-C445-45A5-000D-A42E3C8A8362}"/>
-              </a:ext>
-            </a:extLst>
-          </p:cNvPr>
-          <p:cNvPicPr>
-            <a:picLocks noGrp="1" noChangeAspect="1"/>
-          </p:cNvPicPr>
-          <p:nvPr>
-            <p:ph type="pic" sz="quarter" idx="10"/>
-          </p:nvPr>
-        </p:nvPicPr>
-        <p:blipFill>
-          <a:blip r:embed="rId2"/>
-          <a:srcRect l="16684" r="16684"/>
-          <a:stretch>
-            <a:fillRect/>
-          </a:stretch>
-        </p:blipFill>
-        <p:spPr>
-          <a:xfrm>
-            <a:off x="711200" y="728663"/>
-            <a:ext cx="5305425" cy="5305425"/>
-          </a:xfrm>
-        </p:spPr>
-      </p:pic>
       <p:sp>
         <p:nvSpPr>
-          <p:cNvPr id="2" name="Slide Number Placeholder 1" hidden="1">
-            <a:extLst>
-              <a:ext uri="{FF2B5EF4-FFF2-40B4-BE49-F238E27FC236}">
-                <a16:creationId xmlns:a16="http://schemas.microsoft.com/office/drawing/2014/main" id="{CDA0EE6B-EE8E-9469-CA34-4A27CB4D7D0C}"/>
+          <p:cNvPr id="3" name="Slide Number Placeholder 2" hidden="1">
+            <a:extLst>
+              <a:ext uri="{FF2B5EF4-FFF2-40B4-BE49-F238E27FC236}">
+                <a16:creationId xmlns:a16="http://schemas.microsoft.com/office/drawing/2014/main" id="{24471D0A-2A75-5210-E90F-6C5B83FF9FEE}"/>
               </a:ext>
             </a:extLst>
           </p:cNvPr>
@@ -18030,10 +18418,331 @@
           </a:p>
         </p:txBody>
       </p:sp>
+      <p:pic>
+        <p:nvPicPr>
+          <p:cNvPr id="5" name="Picture 4">
+            <a:extLst>
+              <a:ext uri="{FF2B5EF4-FFF2-40B4-BE49-F238E27FC236}">
+                <a16:creationId xmlns:a16="http://schemas.microsoft.com/office/drawing/2014/main" id="{FC62146B-8F3F-FBBA-B170-9B5114E23759}"/>
+              </a:ext>
+            </a:extLst>
+          </p:cNvPr>
+          <p:cNvPicPr>
+            <a:picLocks noChangeAspect="1"/>
+          </p:cNvPicPr>
+          <p:nvPr/>
+        </p:nvPicPr>
+        <p:blipFill>
+          <a:blip r:embed="rId3"/>
+          <a:srcRect/>
+          <a:stretch/>
+        </p:blipFill>
+        <p:spPr>
+          <a:xfrm>
+            <a:off x="7614323" y="3128404"/>
+            <a:ext cx="601191" cy="601191"/>
+          </a:xfrm>
+          <a:prstGeom prst="rect">
+            <a:avLst/>
+          </a:prstGeom>
+        </p:spPr>
+      </p:pic>
+      <p:pic>
+        <p:nvPicPr>
+          <p:cNvPr id="8" name="Picture 7">
+            <a:extLst>
+              <a:ext uri="{FF2B5EF4-FFF2-40B4-BE49-F238E27FC236}">
+                <a16:creationId xmlns:a16="http://schemas.microsoft.com/office/drawing/2014/main" id="{13E0C9C8-39E9-5C54-FE4C-BAFDCE1B7D0F}"/>
+              </a:ext>
+            </a:extLst>
+          </p:cNvPr>
+          <p:cNvPicPr>
+            <a:picLocks noChangeAspect="1"/>
+          </p:cNvPicPr>
+          <p:nvPr/>
+        </p:nvPicPr>
+        <p:blipFill>
+          <a:blip r:embed="rId4"/>
+          <a:srcRect/>
+          <a:stretch/>
+        </p:blipFill>
+        <p:spPr>
+          <a:xfrm>
+            <a:off x="5376669" y="3136917"/>
+            <a:ext cx="629616" cy="574638"/>
+          </a:xfrm>
+          <a:prstGeom prst="rect">
+            <a:avLst/>
+          </a:prstGeom>
+        </p:spPr>
+      </p:pic>
+      <p:sp>
+        <p:nvSpPr>
+          <p:cNvPr id="10" name="TextBox 9">
+            <a:extLst>
+              <a:ext uri="{FF2B5EF4-FFF2-40B4-BE49-F238E27FC236}">
+                <a16:creationId xmlns:a16="http://schemas.microsoft.com/office/drawing/2014/main" id="{D1794A21-E128-104B-BC5E-57415EA90165}"/>
+              </a:ext>
+            </a:extLst>
+          </p:cNvPr>
+          <p:cNvSpPr txBox="1"/>
+          <p:nvPr/>
+        </p:nvSpPr>
+        <p:spPr>
+          <a:xfrm>
+            <a:off x="9151543" y="3977598"/>
+            <a:ext cx="1935634" cy="400110"/>
+          </a:xfrm>
+          <a:prstGeom prst="rect">
+            <a:avLst/>
+          </a:prstGeom>
+          <a:noFill/>
+        </p:spPr>
+        <p:txBody>
+          <a:bodyPr wrap="square" rtlCol="0">
+            <a:spAutoFit/>
+          </a:bodyPr>
+          <a:lstStyle/>
+          <a:p>
+            <a:pPr algn="ctr"/>
+            <a:r>
+              <a:rPr lang="en-US" sz="2000" b="1" dirty="0"/>
+              <a:t>Mobile Model</a:t>
+            </a:r>
+          </a:p>
+        </p:txBody>
+      </p:sp>
+      <p:sp>
+        <p:nvSpPr>
+          <p:cNvPr id="14" name="TextBox 13">
+            <a:extLst>
+              <a:ext uri="{FF2B5EF4-FFF2-40B4-BE49-F238E27FC236}">
+                <a16:creationId xmlns:a16="http://schemas.microsoft.com/office/drawing/2014/main" id="{5CC1F818-39F8-B166-405C-C7975400ED44}"/>
+              </a:ext>
+            </a:extLst>
+          </p:cNvPr>
+          <p:cNvSpPr txBox="1"/>
+          <p:nvPr/>
+        </p:nvSpPr>
+        <p:spPr>
+          <a:xfrm>
+            <a:off x="6641869" y="3977598"/>
+            <a:ext cx="2558011" cy="707886"/>
+          </a:xfrm>
+          <a:prstGeom prst="rect">
+            <a:avLst/>
+          </a:prstGeom>
+          <a:noFill/>
+        </p:spPr>
+        <p:txBody>
+          <a:bodyPr wrap="square" rtlCol="0">
+            <a:spAutoFit/>
+          </a:bodyPr>
+          <a:lstStyle/>
+          <a:p>
+            <a:pPr algn="ctr"/>
+            <a:r>
+              <a:rPr lang="en-US" sz="2000" b="1" dirty="0"/>
+              <a:t>All In One</a:t>
+            </a:r>
+          </a:p>
+          <a:p>
+            <a:pPr algn="ctr"/>
+            <a:endParaRPr lang="en-US" sz="2000" b="1" dirty="0"/>
+          </a:p>
+        </p:txBody>
+      </p:sp>
+      <p:sp>
+        <p:nvSpPr>
+          <p:cNvPr id="15" name="TextBox 14">
+            <a:extLst>
+              <a:ext uri="{FF2B5EF4-FFF2-40B4-BE49-F238E27FC236}">
+                <a16:creationId xmlns:a16="http://schemas.microsoft.com/office/drawing/2014/main" id="{FBAB8646-ECD4-83B3-C925-659CD4BCBB5B}"/>
+              </a:ext>
+            </a:extLst>
+          </p:cNvPr>
+          <p:cNvSpPr txBox="1"/>
+          <p:nvPr/>
+        </p:nvSpPr>
+        <p:spPr>
+          <a:xfrm>
+            <a:off x="4724601" y="3977598"/>
+            <a:ext cx="2009525" cy="707886"/>
+          </a:xfrm>
+          <a:prstGeom prst="rect">
+            <a:avLst/>
+          </a:prstGeom>
+          <a:noFill/>
+        </p:spPr>
+        <p:txBody>
+          <a:bodyPr wrap="square" rtlCol="0">
+            <a:spAutoFit/>
+          </a:bodyPr>
+          <a:lstStyle/>
+          <a:p>
+            <a:pPr algn="ctr"/>
+            <a:r>
+              <a:rPr lang="en-US" sz="2000" b="1" dirty="0"/>
+              <a:t>Night Vision</a:t>
+            </a:r>
+          </a:p>
+          <a:p>
+            <a:pPr algn="ctr"/>
+            <a:r>
+              <a:rPr lang="en-US" sz="2000" b="1" dirty="0"/>
+              <a:t>Model </a:t>
+            </a:r>
+          </a:p>
+        </p:txBody>
+      </p:sp>
+      <p:pic>
+        <p:nvPicPr>
+          <p:cNvPr id="25" name="Picture 24">
+            <a:extLst>
+              <a:ext uri="{FF2B5EF4-FFF2-40B4-BE49-F238E27FC236}">
+                <a16:creationId xmlns:a16="http://schemas.microsoft.com/office/drawing/2014/main" id="{172F869C-8254-E6CD-9F39-742519C87B5F}"/>
+              </a:ext>
+            </a:extLst>
+          </p:cNvPr>
+          <p:cNvPicPr>
+            <a:picLocks noChangeAspect="1"/>
+          </p:cNvPicPr>
+          <p:nvPr/>
+        </p:nvPicPr>
+        <p:blipFill>
+          <a:blip r:embed="rId5"/>
+          <a:srcRect/>
+          <a:stretch/>
+        </p:blipFill>
+        <p:spPr>
+          <a:xfrm>
+            <a:off x="3271686" y="3216271"/>
+            <a:ext cx="495284" cy="495284"/>
+          </a:xfrm>
+          <a:prstGeom prst="rect">
+            <a:avLst/>
+          </a:prstGeom>
+        </p:spPr>
+      </p:pic>
+      <p:sp>
+        <p:nvSpPr>
+          <p:cNvPr id="26" name="TextBox 25">
+            <a:extLst>
+              <a:ext uri="{FF2B5EF4-FFF2-40B4-BE49-F238E27FC236}">
+                <a16:creationId xmlns:a16="http://schemas.microsoft.com/office/drawing/2014/main" id="{3F77A819-E442-CBA1-3C7E-CF082B21FEEE}"/>
+              </a:ext>
+            </a:extLst>
+          </p:cNvPr>
+          <p:cNvSpPr txBox="1"/>
+          <p:nvPr/>
+        </p:nvSpPr>
+        <p:spPr>
+          <a:xfrm>
+            <a:off x="2633921" y="3977598"/>
+            <a:ext cx="1763944" cy="707886"/>
+          </a:xfrm>
+          <a:prstGeom prst="rect">
+            <a:avLst/>
+          </a:prstGeom>
+          <a:noFill/>
+        </p:spPr>
+        <p:txBody>
+          <a:bodyPr wrap="square" rtlCol="0">
+            <a:spAutoFit/>
+          </a:bodyPr>
+          <a:lstStyle/>
+          <a:p>
+            <a:pPr algn="ctr"/>
+            <a:r>
+              <a:rPr lang="en-US" sz="2000" b="1" dirty="0"/>
+              <a:t>Driver Distraction</a:t>
+            </a:r>
+          </a:p>
+        </p:txBody>
+      </p:sp>
+      <p:pic>
+        <p:nvPicPr>
+          <p:cNvPr id="28" name="Picture 27">
+            <a:extLst>
+              <a:ext uri="{FF2B5EF4-FFF2-40B4-BE49-F238E27FC236}">
+                <a16:creationId xmlns:a16="http://schemas.microsoft.com/office/drawing/2014/main" id="{B8699F91-9EA2-BCA9-C123-DE28870C5719}"/>
+              </a:ext>
+            </a:extLst>
+          </p:cNvPr>
+          <p:cNvPicPr>
+            <a:picLocks noChangeAspect="1"/>
+          </p:cNvPicPr>
+          <p:nvPr/>
+        </p:nvPicPr>
+        <p:blipFill>
+          <a:blip r:embed="rId6"/>
+          <a:srcRect/>
+          <a:stretch/>
+        </p:blipFill>
+        <p:spPr>
+          <a:xfrm>
+            <a:off x="988909" y="3086258"/>
+            <a:ext cx="690716" cy="690716"/>
+          </a:xfrm>
+          <a:prstGeom prst="rect">
+            <a:avLst/>
+          </a:prstGeom>
+        </p:spPr>
+      </p:pic>
+      <p:sp>
+        <p:nvSpPr>
+          <p:cNvPr id="29" name="TextBox 28">
+            <a:extLst>
+              <a:ext uri="{FF2B5EF4-FFF2-40B4-BE49-F238E27FC236}">
+                <a16:creationId xmlns:a16="http://schemas.microsoft.com/office/drawing/2014/main" id="{CB5EF82F-24FF-CA97-F380-4D41120EE2BA}"/>
+              </a:ext>
+            </a:extLst>
+          </p:cNvPr>
+          <p:cNvSpPr txBox="1"/>
+          <p:nvPr/>
+        </p:nvSpPr>
+        <p:spPr>
+          <a:xfrm>
+            <a:off x="317441" y="3977598"/>
+            <a:ext cx="2316480" cy="1015663"/>
+          </a:xfrm>
+          <a:prstGeom prst="rect">
+            <a:avLst/>
+          </a:prstGeom>
+          <a:noFill/>
+        </p:spPr>
+        <p:txBody>
+          <a:bodyPr wrap="square" rtlCol="0">
+            <a:spAutoFit/>
+          </a:bodyPr>
+          <a:lstStyle/>
+          <a:p>
+            <a:pPr algn="ctr"/>
+            <a:r>
+              <a:rPr lang="en-US" sz="2000" b="1" dirty="0"/>
+              <a:t>Lane Detection</a:t>
+            </a:r>
+          </a:p>
+          <a:p>
+            <a:pPr algn="ctr"/>
+            <a:r>
+              <a:rPr lang="en-US" sz="2000" b="1" dirty="0"/>
+              <a:t>and </a:t>
+            </a:r>
+          </a:p>
+          <a:p>
+            <a:pPr algn="ctr"/>
+            <a:r>
+              <a:rPr lang="en-US" sz="2000" b="1" dirty="0"/>
+              <a:t>Distance estimation</a:t>
+            </a:r>
+          </a:p>
+        </p:txBody>
+      </p:sp>
     </p:spTree>
     <p:extLst>
       <p:ext uri="{BB962C8B-B14F-4D97-AF65-F5344CB8AC3E}">
-        <p14:creationId xmlns:p14="http://schemas.microsoft.com/office/powerpoint/2010/main" val="108566944"/>
+        <p14:creationId xmlns:p14="http://schemas.microsoft.com/office/powerpoint/2010/main" val="3482772454"/>
       </p:ext>
     </p:extLst>
   </p:cSld>
@@ -18062,10 +18771,10 @@
       </p:grpSpPr>
       <p:sp>
         <p:nvSpPr>
-          <p:cNvPr id="17" name="Slide Number Placeholder 1">
-            <a:extLst>
-              <a:ext uri="{FF2B5EF4-FFF2-40B4-BE49-F238E27FC236}">
-                <a16:creationId xmlns:a16="http://schemas.microsoft.com/office/drawing/2014/main" id="{49ABE35A-BB82-5C1C-2B37-CAA754582F56}"/>
+          <p:cNvPr id="4" name="Title 3">
+            <a:extLst>
+              <a:ext uri="{FF2B5EF4-FFF2-40B4-BE49-F238E27FC236}">
+                <a16:creationId xmlns:a16="http://schemas.microsoft.com/office/drawing/2014/main" id="{2E0C54B5-6876-DE29-A5F3-B88D01DEC8B1}"/>
               </a:ext>
             </a:extLst>
           </p:cNvPr>
@@ -18073,85 +18782,13 @@
             <a:spLocks noGrp="1"/>
           </p:cNvSpPr>
           <p:nvPr>
-            <p:ph type="sldNum" sz="quarter" idx="12"/>
+            <p:ph type="ctrTitle"/>
           </p:nvPr>
         </p:nvSpPr>
         <p:spPr>
           <a:xfrm>
-            <a:off x="11363696" y="6455739"/>
-            <a:ext cx="294460" cy="187367"/>
-          </a:xfrm>
-        </p:spPr>
-        <p:txBody>
-          <a:bodyPr/>
-          <a:lstStyle/>
-          <a:p>
-            <a:pPr>
-              <a:spcAft>
-                <a:spcPts val="600"/>
-              </a:spcAft>
-            </a:pPr>
-            <a:fld id="{9EC71654-96A5-4280-94F3-931C61A9F92C}" type="slidenum">
-              <a:rPr lang="en-US" noProof="0" smtClean="0"/>
-              <a:pPr>
-                <a:spcAft>
-                  <a:spcPts val="600"/>
-                </a:spcAft>
-              </a:pPr>
-              <a:t>16</a:t>
-            </a:fld>
-            <a:endParaRPr lang="en-US" noProof="0"/>
-          </a:p>
-        </p:txBody>
-      </p:sp>
-      <p:pic>
-        <p:nvPicPr>
-          <p:cNvPr id="7" name="Content Placeholder 6">
-            <a:extLst>
-              <a:ext uri="{FF2B5EF4-FFF2-40B4-BE49-F238E27FC236}">
-                <a16:creationId xmlns:a16="http://schemas.microsoft.com/office/drawing/2014/main" id="{DE6DCD29-CEE6-72BC-E86C-C62C70EEFDBA}"/>
-              </a:ext>
-            </a:extLst>
-          </p:cNvPr>
-          <p:cNvPicPr>
-            <a:picLocks noGrp="1" noChangeAspect="1"/>
-          </p:cNvPicPr>
-          <p:nvPr>
-            <p:ph sz="half" idx="1"/>
-          </p:nvPr>
-        </p:nvPicPr>
-        <p:blipFill>
-          <a:blip r:embed="rId2"/>
-          <a:stretch/>
-        </p:blipFill>
-        <p:spPr>
-          <a:xfrm>
-            <a:off x="9807575" y="3128404"/>
-            <a:ext cx="606425" cy="606425"/>
-          </a:xfrm>
-          <a:noFill/>
-        </p:spPr>
-      </p:pic>
-      <p:sp>
-        <p:nvSpPr>
-          <p:cNvPr id="2" name="Title 1">
-            <a:extLst>
-              <a:ext uri="{FF2B5EF4-FFF2-40B4-BE49-F238E27FC236}">
-                <a16:creationId xmlns:a16="http://schemas.microsoft.com/office/drawing/2014/main" id="{CC0C50D1-1B66-9C4E-DD7B-5221A23FD1F5}"/>
-              </a:ext>
-            </a:extLst>
-          </p:cNvPr>
-          <p:cNvSpPr>
-            <a:spLocks noGrp="1"/>
-          </p:cNvSpPr>
-          <p:nvPr>
-            <p:ph type="title"/>
-          </p:nvPr>
-        </p:nvSpPr>
-        <p:spPr>
-          <a:xfrm>
-            <a:off x="515938" y="246621"/>
-            <a:ext cx="11150600" cy="920336"/>
+            <a:off x="6399684" y="3429000"/>
+            <a:ext cx="5242419" cy="850971"/>
           </a:xfrm>
         </p:spPr>
         <p:txBody>
@@ -18162,17 +18799,17 @@
           <a:p>
             <a:r>
               <a:rPr lang="en-US" dirty="0"/>
-              <a:t>Challenges</a:t>
+              <a:t>Conclusion </a:t>
             </a:r>
           </a:p>
         </p:txBody>
       </p:sp>
       <p:sp>
         <p:nvSpPr>
-          <p:cNvPr id="3" name="Slide Number Placeholder 2" hidden="1">
-            <a:extLst>
-              <a:ext uri="{FF2B5EF4-FFF2-40B4-BE49-F238E27FC236}">
-                <a16:creationId xmlns:a16="http://schemas.microsoft.com/office/drawing/2014/main" id="{24471D0A-2A75-5210-E90F-6C5B83FF9FEE}"/>
+          <p:cNvPr id="2" name="Slide Number Placeholder 1" hidden="1">
+            <a:extLst>
+              <a:ext uri="{FF2B5EF4-FFF2-40B4-BE49-F238E27FC236}">
+                <a16:creationId xmlns:a16="http://schemas.microsoft.com/office/drawing/2014/main" id="{CDA0EE6B-EE8E-9469-CA34-4A27CB4D7D0C}"/>
               </a:ext>
             </a:extLst>
           </p:cNvPr>
@@ -18204,7 +18841,7 @@
               </a:spcAft>
             </a:pPr>
             <a:fld id="{9EC71654-96A5-4280-94F3-931C61A9F92C}" type="slidenum">
-              <a:rPr lang="en-US" sz="600" noProof="0" smtClean="0"/>
+              <a:rPr lang="en-US" sz="200" noProof="0" smtClean="0"/>
               <a:pPr>
                 <a:lnSpc>
                   <a:spcPct val="90000"/>
@@ -18215,328 +18852,14 @@
               </a:pPr>
               <a:t>16</a:t>
             </a:fld>
-            <a:endParaRPr lang="en-US" sz="600" noProof="0"/>
-          </a:p>
-        </p:txBody>
-      </p:sp>
-      <p:pic>
-        <p:nvPicPr>
-          <p:cNvPr id="5" name="Picture 4" descr="Shape&#10;&#10;Description automatically generated">
-            <a:extLst>
-              <a:ext uri="{FF2B5EF4-FFF2-40B4-BE49-F238E27FC236}">
-                <a16:creationId xmlns:a16="http://schemas.microsoft.com/office/drawing/2014/main" id="{FC62146B-8F3F-FBBA-B170-9B5114E23759}"/>
-              </a:ext>
-            </a:extLst>
-          </p:cNvPr>
-          <p:cNvPicPr>
-            <a:picLocks noChangeAspect="1"/>
-          </p:cNvPicPr>
-          <p:nvPr/>
-        </p:nvPicPr>
-        <p:blipFill>
-          <a:blip r:embed="rId3"/>
-          <a:stretch>
-            <a:fillRect/>
-          </a:stretch>
-        </p:blipFill>
-        <p:spPr>
-          <a:xfrm>
-            <a:off x="7614323" y="3128404"/>
-            <a:ext cx="601191" cy="601191"/>
-          </a:xfrm>
-          <a:prstGeom prst="rect">
-            <a:avLst/>
-          </a:prstGeom>
-        </p:spPr>
-      </p:pic>
-      <p:pic>
-        <p:nvPicPr>
-          <p:cNvPr id="8" name="Picture 7" descr="A picture containing shape&#10;&#10;Description automatically generated">
-            <a:extLst>
-              <a:ext uri="{FF2B5EF4-FFF2-40B4-BE49-F238E27FC236}">
-                <a16:creationId xmlns:a16="http://schemas.microsoft.com/office/drawing/2014/main" id="{13E0C9C8-39E9-5C54-FE4C-BAFDCE1B7D0F}"/>
-              </a:ext>
-            </a:extLst>
-          </p:cNvPr>
-          <p:cNvPicPr>
-            <a:picLocks noChangeAspect="1"/>
-          </p:cNvPicPr>
-          <p:nvPr/>
-        </p:nvPicPr>
-        <p:blipFill>
-          <a:blip r:embed="rId4"/>
-          <a:stretch>
-            <a:fillRect/>
-          </a:stretch>
-        </p:blipFill>
-        <p:spPr>
-          <a:xfrm>
-            <a:off x="5359031" y="3136917"/>
-            <a:ext cx="664892" cy="574638"/>
-          </a:xfrm>
-          <a:prstGeom prst="rect">
-            <a:avLst/>
-          </a:prstGeom>
-        </p:spPr>
-      </p:pic>
-      <p:sp>
-        <p:nvSpPr>
-          <p:cNvPr id="10" name="TextBox 9">
-            <a:extLst>
-              <a:ext uri="{FF2B5EF4-FFF2-40B4-BE49-F238E27FC236}">
-                <a16:creationId xmlns:a16="http://schemas.microsoft.com/office/drawing/2014/main" id="{D1794A21-E128-104B-BC5E-57415EA90165}"/>
-              </a:ext>
-            </a:extLst>
-          </p:cNvPr>
-          <p:cNvSpPr txBox="1"/>
-          <p:nvPr/>
-        </p:nvSpPr>
-        <p:spPr>
-          <a:xfrm>
-            <a:off x="9151543" y="3977598"/>
-            <a:ext cx="1935634" cy="707886"/>
-          </a:xfrm>
-          <a:prstGeom prst="rect">
-            <a:avLst/>
-          </a:prstGeom>
-          <a:noFill/>
-        </p:spPr>
-        <p:txBody>
-          <a:bodyPr wrap="square" rtlCol="0">
-            <a:spAutoFit/>
-          </a:bodyPr>
-          <a:lstStyle/>
-          <a:p>
-            <a:pPr algn="ctr"/>
-            <a:r>
-              <a:rPr lang="en-US" sz="2000" b="1" dirty="0"/>
-              <a:t>Dataset Cleaning</a:t>
-            </a:r>
-          </a:p>
-        </p:txBody>
-      </p:sp>
-      <p:sp>
-        <p:nvSpPr>
-          <p:cNvPr id="14" name="TextBox 13">
-            <a:extLst>
-              <a:ext uri="{FF2B5EF4-FFF2-40B4-BE49-F238E27FC236}">
-                <a16:creationId xmlns:a16="http://schemas.microsoft.com/office/drawing/2014/main" id="{5CC1F818-39F8-B166-405C-C7975400ED44}"/>
-              </a:ext>
-            </a:extLst>
-          </p:cNvPr>
-          <p:cNvSpPr txBox="1"/>
-          <p:nvPr/>
-        </p:nvSpPr>
-        <p:spPr>
-          <a:xfrm>
-            <a:off x="6641869" y="3977598"/>
-            <a:ext cx="2558011" cy="707886"/>
-          </a:xfrm>
-          <a:prstGeom prst="rect">
-            <a:avLst/>
-          </a:prstGeom>
-          <a:noFill/>
-        </p:spPr>
-        <p:txBody>
-          <a:bodyPr wrap="square" rtlCol="0">
-            <a:spAutoFit/>
-          </a:bodyPr>
-          <a:lstStyle/>
-          <a:p>
-            <a:pPr algn="ctr"/>
-            <a:r>
-              <a:rPr lang="en-US" sz="2000" b="1" dirty="0"/>
-              <a:t>Hyperparameters Tuning</a:t>
-            </a:r>
-          </a:p>
-        </p:txBody>
-      </p:sp>
-      <p:sp>
-        <p:nvSpPr>
-          <p:cNvPr id="15" name="TextBox 14">
-            <a:extLst>
-              <a:ext uri="{FF2B5EF4-FFF2-40B4-BE49-F238E27FC236}">
-                <a16:creationId xmlns:a16="http://schemas.microsoft.com/office/drawing/2014/main" id="{FBAB8646-ECD4-83B3-C925-659CD4BCBB5B}"/>
-              </a:ext>
-            </a:extLst>
-          </p:cNvPr>
-          <p:cNvSpPr txBox="1"/>
-          <p:nvPr/>
-        </p:nvSpPr>
-        <p:spPr>
-          <a:xfrm>
-            <a:off x="4724601" y="3977598"/>
-            <a:ext cx="2009525" cy="707886"/>
-          </a:xfrm>
-          <a:prstGeom prst="rect">
-            <a:avLst/>
-          </a:prstGeom>
-          <a:noFill/>
-        </p:spPr>
-        <p:txBody>
-          <a:bodyPr wrap="square" rtlCol="0">
-            <a:spAutoFit/>
-          </a:bodyPr>
-          <a:lstStyle/>
-          <a:p>
-            <a:pPr algn="ctr"/>
-            <a:r>
-              <a:rPr lang="en-US" sz="2000" b="1" dirty="0"/>
-              <a:t>Dataset Imbalance</a:t>
-            </a:r>
-          </a:p>
-        </p:txBody>
-      </p:sp>
-      <p:pic>
-        <p:nvPicPr>
-          <p:cNvPr id="25" name="Picture 24" descr="Shape&#10;&#10;Description automatically generated with low confidence">
-            <a:extLst>
-              <a:ext uri="{FF2B5EF4-FFF2-40B4-BE49-F238E27FC236}">
-                <a16:creationId xmlns:a16="http://schemas.microsoft.com/office/drawing/2014/main" id="{172F869C-8254-E6CD-9F39-742519C87B5F}"/>
-              </a:ext>
-            </a:extLst>
-          </p:cNvPr>
-          <p:cNvPicPr>
-            <a:picLocks noChangeAspect="1"/>
-          </p:cNvPicPr>
-          <p:nvPr/>
-        </p:nvPicPr>
-        <p:blipFill>
-          <a:blip r:embed="rId5"/>
-          <a:stretch>
-            <a:fillRect/>
-          </a:stretch>
-        </p:blipFill>
-        <p:spPr>
-          <a:xfrm>
-            <a:off x="3271686" y="3216271"/>
-            <a:ext cx="495284" cy="495284"/>
-          </a:xfrm>
-          <a:prstGeom prst="rect">
-            <a:avLst/>
-          </a:prstGeom>
-        </p:spPr>
-      </p:pic>
-      <p:sp>
-        <p:nvSpPr>
-          <p:cNvPr id="26" name="TextBox 25">
-            <a:extLst>
-              <a:ext uri="{FF2B5EF4-FFF2-40B4-BE49-F238E27FC236}">
-                <a16:creationId xmlns:a16="http://schemas.microsoft.com/office/drawing/2014/main" id="{3F77A819-E442-CBA1-3C7E-CF082B21FEEE}"/>
-              </a:ext>
-            </a:extLst>
-          </p:cNvPr>
-          <p:cNvSpPr txBox="1"/>
-          <p:nvPr/>
-        </p:nvSpPr>
-        <p:spPr>
-          <a:xfrm>
-            <a:off x="2633921" y="3977598"/>
-            <a:ext cx="1763944" cy="707886"/>
-          </a:xfrm>
-          <a:prstGeom prst="rect">
-            <a:avLst/>
-          </a:prstGeom>
-          <a:noFill/>
-        </p:spPr>
-        <p:txBody>
-          <a:bodyPr wrap="square" rtlCol="0">
-            <a:spAutoFit/>
-          </a:bodyPr>
-          <a:lstStyle/>
-          <a:p>
-            <a:pPr algn="ctr"/>
-            <a:r>
-              <a:rPr lang="en-US" sz="2000" b="1" dirty="0"/>
-              <a:t>Code Complexity</a:t>
-            </a:r>
-          </a:p>
-        </p:txBody>
-      </p:sp>
-      <p:pic>
-        <p:nvPicPr>
-          <p:cNvPr id="28" name="Picture 27" descr="Icon&#10;&#10;Description automatically generated">
-            <a:extLst>
-              <a:ext uri="{FF2B5EF4-FFF2-40B4-BE49-F238E27FC236}">
-                <a16:creationId xmlns:a16="http://schemas.microsoft.com/office/drawing/2014/main" id="{B8699F91-9EA2-BCA9-C123-DE28870C5719}"/>
-              </a:ext>
-            </a:extLst>
-          </p:cNvPr>
-          <p:cNvPicPr>
-            <a:picLocks noChangeAspect="1"/>
-          </p:cNvPicPr>
-          <p:nvPr/>
-        </p:nvPicPr>
-        <p:blipFill>
-          <a:blip r:embed="rId6"/>
-          <a:stretch>
-            <a:fillRect/>
-          </a:stretch>
-        </p:blipFill>
-        <p:spPr>
-          <a:xfrm>
-            <a:off x="988909" y="3086258"/>
-            <a:ext cx="690716" cy="690716"/>
-          </a:xfrm>
-          <a:prstGeom prst="rect">
-            <a:avLst/>
-          </a:prstGeom>
-        </p:spPr>
-      </p:pic>
-      <p:sp>
-        <p:nvSpPr>
-          <p:cNvPr id="29" name="TextBox 28">
-            <a:extLst>
-              <a:ext uri="{FF2B5EF4-FFF2-40B4-BE49-F238E27FC236}">
-                <a16:creationId xmlns:a16="http://schemas.microsoft.com/office/drawing/2014/main" id="{CB5EF82F-24FF-CA97-F380-4D41120EE2BA}"/>
-              </a:ext>
-            </a:extLst>
-          </p:cNvPr>
-          <p:cNvSpPr txBox="1"/>
-          <p:nvPr/>
-        </p:nvSpPr>
-        <p:spPr>
-          <a:xfrm>
-            <a:off x="317441" y="3977598"/>
-            <a:ext cx="2316480" cy="1015663"/>
-          </a:xfrm>
-          <a:prstGeom prst="rect">
-            <a:avLst/>
-          </a:prstGeom>
-          <a:noFill/>
-        </p:spPr>
-        <p:txBody>
-          <a:bodyPr wrap="square" rtlCol="0">
-            <a:spAutoFit/>
-          </a:bodyPr>
-          <a:lstStyle/>
-          <a:p>
-            <a:pPr algn="ctr"/>
-            <a:r>
-              <a:rPr lang="en-US" sz="2000" b="1" dirty="0"/>
-              <a:t>Testing </a:t>
-            </a:r>
-          </a:p>
-          <a:p>
-            <a:pPr algn="ctr"/>
-            <a:r>
-              <a:rPr lang="en-US" sz="2000" b="1" dirty="0"/>
-              <a:t>and </a:t>
-            </a:r>
-          </a:p>
-          <a:p>
-            <a:pPr algn="ctr"/>
-            <a:r>
-              <a:rPr lang="en-US" sz="2000" b="1" dirty="0"/>
-              <a:t>Debugging</a:t>
-            </a:r>
+            <a:endParaRPr lang="en-US" sz="200" noProof="0"/>
           </a:p>
         </p:txBody>
       </p:sp>
     </p:spTree>
     <p:extLst>
       <p:ext uri="{BB962C8B-B14F-4D97-AF65-F5344CB8AC3E}">
-        <p14:creationId xmlns:p14="http://schemas.microsoft.com/office/powerpoint/2010/main" val="588504511"/>
+        <p14:creationId xmlns:p14="http://schemas.microsoft.com/office/powerpoint/2010/main" val="1024629035"/>
       </p:ext>
     </p:extLst>
   </p:cSld>
@@ -18565,10 +18888,10 @@
       </p:grpSpPr>
       <p:sp>
         <p:nvSpPr>
-          <p:cNvPr id="4" name="Title 3">
-            <a:extLst>
-              <a:ext uri="{FF2B5EF4-FFF2-40B4-BE49-F238E27FC236}">
-                <a16:creationId xmlns:a16="http://schemas.microsoft.com/office/drawing/2014/main" id="{2E0C54B5-6876-DE29-A5F3-B88D01DEC8B1}"/>
+          <p:cNvPr id="2" name="Slide Number Placeholder 1">
+            <a:extLst>
+              <a:ext uri="{FF2B5EF4-FFF2-40B4-BE49-F238E27FC236}">
+                <a16:creationId xmlns:a16="http://schemas.microsoft.com/office/drawing/2014/main" id="{78FB0787-8E3F-9626-B81D-36D5E2F3CEA6}"/>
               </a:ext>
             </a:extLst>
           </p:cNvPr>
@@ -18576,62 +18899,29 @@
             <a:spLocks noGrp="1"/>
           </p:cNvSpPr>
           <p:nvPr>
-            <p:ph type="ctrTitle"/>
+            <p:ph type="sldNum" sz="quarter" idx="12"/>
           </p:nvPr>
         </p:nvSpPr>
-        <p:spPr>
-          <a:xfrm>
-            <a:off x="6337300" y="2971800"/>
-            <a:ext cx="5143500" cy="1292296"/>
-          </a:xfrm>
-        </p:spPr>
+        <p:spPr/>
         <p:txBody>
-          <a:bodyPr anchor="b">
-            <a:normAutofit/>
-          </a:bodyPr>
+          <a:bodyPr/>
           <a:lstStyle/>
           <a:p>
-            <a:r>
-              <a:rPr lang="en-US" dirty="0"/>
-              <a:t>Future Work</a:t>
-            </a:r>
+            <a:fld id="{9EC71654-96A5-4280-94F3-931C61A9F92C}" type="slidenum">
+              <a:rPr lang="en-US" noProof="0" smtClean="0"/>
+              <a:pPr/>
+              <a:t>17</a:t>
+            </a:fld>
+            <a:endParaRPr lang="en-US" noProof="0" dirty="0"/>
           </a:p>
         </p:txBody>
       </p:sp>
-      <p:pic>
-        <p:nvPicPr>
-          <p:cNvPr id="6" name="Picture Placeholder 5">
-            <a:extLst>
-              <a:ext uri="{FF2B5EF4-FFF2-40B4-BE49-F238E27FC236}">
-                <a16:creationId xmlns:a16="http://schemas.microsoft.com/office/drawing/2014/main" id="{BBD507E0-C445-45A5-000D-A42E3C8A8362}"/>
-              </a:ext>
-            </a:extLst>
-          </p:cNvPr>
-          <p:cNvPicPr>
-            <a:picLocks noGrp="1" noChangeAspect="1"/>
-          </p:cNvPicPr>
-          <p:nvPr>
-            <p:ph type="pic" sz="quarter" idx="10"/>
-          </p:nvPr>
-        </p:nvPicPr>
-        <p:blipFill>
-          <a:blip r:embed="rId2"/>
-          <a:srcRect l="22778" r="22778"/>
-          <a:stretch/>
-        </p:blipFill>
-        <p:spPr>
-          <a:xfrm>
-            <a:off x="711200" y="728663"/>
-            <a:ext cx="5305425" cy="5305425"/>
-          </a:xfrm>
-        </p:spPr>
-      </p:pic>
       <p:sp>
         <p:nvSpPr>
-          <p:cNvPr id="2" name="Slide Number Placeholder 1" hidden="1">
-            <a:extLst>
-              <a:ext uri="{FF2B5EF4-FFF2-40B4-BE49-F238E27FC236}">
-                <a16:creationId xmlns:a16="http://schemas.microsoft.com/office/drawing/2014/main" id="{CDA0EE6B-EE8E-9469-CA34-4A27CB4D7D0C}"/>
+          <p:cNvPr id="3" name="Content Placeholder 2">
+            <a:extLst>
+              <a:ext uri="{FF2B5EF4-FFF2-40B4-BE49-F238E27FC236}">
+                <a16:creationId xmlns:a16="http://schemas.microsoft.com/office/drawing/2014/main" id="{7CAF93DF-95E8-F4D0-32B3-6E6E8E1ABE6A}"/>
               </a:ext>
             </a:extLst>
           </p:cNvPr>
@@ -18639,49 +18929,79 @@
             <a:spLocks noGrp="1"/>
           </p:cNvSpPr>
           <p:nvPr>
-            <p:ph type="sldNum" sz="quarter" idx="4294967295"/>
+            <p:ph sz="half" idx="1"/>
           </p:nvPr>
         </p:nvSpPr>
         <p:spPr>
           <a:xfrm>
-            <a:off x="11363696" y="6455739"/>
-            <a:ext cx="294460" cy="187367"/>
+            <a:off x="515937" y="1825625"/>
+            <a:ext cx="10983335" cy="4131830"/>
           </a:xfrm>
         </p:spPr>
         <p:txBody>
-          <a:bodyPr anchor="ctr">
-            <a:normAutofit/>
-          </a:bodyPr>
+          <a:bodyPr/>
           <a:lstStyle/>
           <a:p>
-            <a:pPr>
-              <a:lnSpc>
-                <a:spcPct val="90000"/>
-              </a:lnSpc>
-              <a:spcAft>
-                <a:spcPts val="600"/>
-              </a:spcAft>
-            </a:pPr>
-            <a:fld id="{9EC71654-96A5-4280-94F3-931C61A9F92C}" type="slidenum">
-              <a:rPr lang="en-US" sz="600" noProof="0" smtClean="0"/>
-              <a:pPr>
-                <a:lnSpc>
-                  <a:spcPct val="90000"/>
-                </a:lnSpc>
-                <a:spcAft>
-                  <a:spcPts val="600"/>
-                </a:spcAft>
-              </a:pPr>
-              <a:t>17</a:t>
-            </a:fld>
-            <a:endParaRPr lang="en-US" sz="600" noProof="0"/>
+            <a:r>
+              <a:rPr lang="en-US" dirty="0"/>
+              <a:t>Applied University Courses</a:t>
+            </a:r>
+          </a:p>
+          <a:p>
+            <a:r>
+              <a:rPr lang="en-US" dirty="0"/>
+              <a:t>Real-Time Performance</a:t>
+            </a:r>
+          </a:p>
+          <a:p>
+            <a:r>
+              <a:rPr lang="en-US" dirty="0"/>
+              <a:t>Reasonable Accuracy</a:t>
+            </a:r>
+          </a:p>
+          <a:p>
+            <a:r>
+              <a:rPr lang="en-US" dirty="0"/>
+              <a:t>Product Deployment</a:t>
+            </a:r>
+          </a:p>
+          <a:p>
+            <a:endParaRPr lang="en-US" dirty="0"/>
+          </a:p>
+        </p:txBody>
+      </p:sp>
+      <p:sp>
+        <p:nvSpPr>
+          <p:cNvPr id="5" name="Title 4">
+            <a:extLst>
+              <a:ext uri="{FF2B5EF4-FFF2-40B4-BE49-F238E27FC236}">
+                <a16:creationId xmlns:a16="http://schemas.microsoft.com/office/drawing/2014/main" id="{93FF534C-24CC-BADD-C7F7-68DC7422DC4E}"/>
+              </a:ext>
+            </a:extLst>
+          </p:cNvPr>
+          <p:cNvSpPr>
+            <a:spLocks noGrp="1"/>
+          </p:cNvSpPr>
+          <p:nvPr>
+            <p:ph type="title"/>
+          </p:nvPr>
+        </p:nvSpPr>
+        <p:spPr/>
+        <p:txBody>
+          <a:bodyPr/>
+          <a:lstStyle/>
+          <a:p>
+            <a:r>
+              <a:rPr lang="en-US" dirty="0"/>
+              <a:t>Conclusion</a:t>
+            </a:r>
           </a:p>
         </p:txBody>
       </p:sp>
     </p:spTree>
     <p:extLst>
       <p:ext uri="{BB962C8B-B14F-4D97-AF65-F5344CB8AC3E}">
-        <p14:creationId xmlns:p14="http://schemas.microsoft.com/office/powerpoint/2010/main" val="2970485623"/>
+        <p14:creationId xmlns:p14="http://schemas.microsoft.com/office/powerpoint/2010/main" val="3152417356"/>
       </p:ext>
     </p:extLst>
   </p:cSld>
@@ -18710,503 +19030,6 @@
       </p:grpSpPr>
       <p:sp>
         <p:nvSpPr>
-          <p:cNvPr id="17" name="Slide Number Placeholder 1">
-            <a:extLst>
-              <a:ext uri="{FF2B5EF4-FFF2-40B4-BE49-F238E27FC236}">
-                <a16:creationId xmlns:a16="http://schemas.microsoft.com/office/drawing/2014/main" id="{49ABE35A-BB82-5C1C-2B37-CAA754582F56}"/>
-              </a:ext>
-            </a:extLst>
-          </p:cNvPr>
-          <p:cNvSpPr>
-            <a:spLocks noGrp="1"/>
-          </p:cNvSpPr>
-          <p:nvPr>
-            <p:ph type="sldNum" sz="quarter" idx="12"/>
-          </p:nvPr>
-        </p:nvSpPr>
-        <p:spPr>
-          <a:xfrm>
-            <a:off x="11363696" y="6455739"/>
-            <a:ext cx="294460" cy="187367"/>
-          </a:xfrm>
-        </p:spPr>
-        <p:txBody>
-          <a:bodyPr/>
-          <a:lstStyle/>
-          <a:p>
-            <a:pPr>
-              <a:spcAft>
-                <a:spcPts val="600"/>
-              </a:spcAft>
-            </a:pPr>
-            <a:fld id="{9EC71654-96A5-4280-94F3-931C61A9F92C}" type="slidenum">
-              <a:rPr lang="en-US" noProof="0" smtClean="0"/>
-              <a:pPr>
-                <a:spcAft>
-                  <a:spcPts val="600"/>
-                </a:spcAft>
-              </a:pPr>
-              <a:t>18</a:t>
-            </a:fld>
-            <a:endParaRPr lang="en-US" noProof="0"/>
-          </a:p>
-        </p:txBody>
-      </p:sp>
-      <p:pic>
-        <p:nvPicPr>
-          <p:cNvPr id="7" name="Content Placeholder 6">
-            <a:extLst>
-              <a:ext uri="{FF2B5EF4-FFF2-40B4-BE49-F238E27FC236}">
-                <a16:creationId xmlns:a16="http://schemas.microsoft.com/office/drawing/2014/main" id="{DE6DCD29-CEE6-72BC-E86C-C62C70EEFDBA}"/>
-              </a:ext>
-            </a:extLst>
-          </p:cNvPr>
-          <p:cNvPicPr>
-            <a:picLocks noGrp="1" noChangeAspect="1"/>
-          </p:cNvPicPr>
-          <p:nvPr>
-            <p:ph sz="half" idx="1"/>
-          </p:nvPr>
-        </p:nvPicPr>
-        <p:blipFill>
-          <a:blip r:embed="rId2"/>
-          <a:srcRect/>
-          <a:stretch/>
-        </p:blipFill>
-        <p:spPr>
-          <a:xfrm>
-            <a:off x="9834381" y="3128404"/>
-            <a:ext cx="552812" cy="606425"/>
-          </a:xfrm>
-          <a:noFill/>
-        </p:spPr>
-      </p:pic>
-      <p:sp>
-        <p:nvSpPr>
-          <p:cNvPr id="2" name="Title 1">
-            <a:extLst>
-              <a:ext uri="{FF2B5EF4-FFF2-40B4-BE49-F238E27FC236}">
-                <a16:creationId xmlns:a16="http://schemas.microsoft.com/office/drawing/2014/main" id="{CC0C50D1-1B66-9C4E-DD7B-5221A23FD1F5}"/>
-              </a:ext>
-            </a:extLst>
-          </p:cNvPr>
-          <p:cNvSpPr>
-            <a:spLocks noGrp="1"/>
-          </p:cNvSpPr>
-          <p:nvPr>
-            <p:ph type="title"/>
-          </p:nvPr>
-        </p:nvSpPr>
-        <p:spPr>
-          <a:xfrm>
-            <a:off x="515938" y="246621"/>
-            <a:ext cx="11150600" cy="920336"/>
-          </a:xfrm>
-        </p:spPr>
-        <p:txBody>
-          <a:bodyPr anchor="b">
-            <a:normAutofit/>
-          </a:bodyPr>
-          <a:lstStyle/>
-          <a:p>
-            <a:r>
-              <a:rPr lang="en-US" dirty="0"/>
-              <a:t>Future Work</a:t>
-            </a:r>
-          </a:p>
-        </p:txBody>
-      </p:sp>
-      <p:sp>
-        <p:nvSpPr>
-          <p:cNvPr id="3" name="Slide Number Placeholder 2" hidden="1">
-            <a:extLst>
-              <a:ext uri="{FF2B5EF4-FFF2-40B4-BE49-F238E27FC236}">
-                <a16:creationId xmlns:a16="http://schemas.microsoft.com/office/drawing/2014/main" id="{24471D0A-2A75-5210-E90F-6C5B83FF9FEE}"/>
-              </a:ext>
-            </a:extLst>
-          </p:cNvPr>
-          <p:cNvSpPr>
-            <a:spLocks noGrp="1"/>
-          </p:cNvSpPr>
-          <p:nvPr>
-            <p:ph type="sldNum" sz="quarter" idx="4294967295"/>
-          </p:nvPr>
-        </p:nvSpPr>
-        <p:spPr>
-          <a:xfrm>
-            <a:off x="11363696" y="6455739"/>
-            <a:ext cx="294460" cy="187367"/>
-          </a:xfrm>
-        </p:spPr>
-        <p:txBody>
-          <a:bodyPr anchor="ctr">
-            <a:normAutofit/>
-          </a:bodyPr>
-          <a:lstStyle/>
-          <a:p>
-            <a:pPr>
-              <a:lnSpc>
-                <a:spcPct val="90000"/>
-              </a:lnSpc>
-              <a:spcAft>
-                <a:spcPts val="600"/>
-              </a:spcAft>
-            </a:pPr>
-            <a:fld id="{9EC71654-96A5-4280-94F3-931C61A9F92C}" type="slidenum">
-              <a:rPr lang="en-US" sz="600" noProof="0" smtClean="0"/>
-              <a:pPr>
-                <a:lnSpc>
-                  <a:spcPct val="90000"/>
-                </a:lnSpc>
-                <a:spcAft>
-                  <a:spcPts val="600"/>
-                </a:spcAft>
-              </a:pPr>
-              <a:t>18</a:t>
-            </a:fld>
-            <a:endParaRPr lang="en-US" sz="600" noProof="0"/>
-          </a:p>
-        </p:txBody>
-      </p:sp>
-      <p:pic>
-        <p:nvPicPr>
-          <p:cNvPr id="5" name="Picture 4">
-            <a:extLst>
-              <a:ext uri="{FF2B5EF4-FFF2-40B4-BE49-F238E27FC236}">
-                <a16:creationId xmlns:a16="http://schemas.microsoft.com/office/drawing/2014/main" id="{FC62146B-8F3F-FBBA-B170-9B5114E23759}"/>
-              </a:ext>
-            </a:extLst>
-          </p:cNvPr>
-          <p:cNvPicPr>
-            <a:picLocks noChangeAspect="1"/>
-          </p:cNvPicPr>
-          <p:nvPr/>
-        </p:nvPicPr>
-        <p:blipFill>
-          <a:blip r:embed="rId3"/>
-          <a:srcRect/>
-          <a:stretch/>
-        </p:blipFill>
-        <p:spPr>
-          <a:xfrm>
-            <a:off x="7614323" y="3128404"/>
-            <a:ext cx="601191" cy="601191"/>
-          </a:xfrm>
-          <a:prstGeom prst="rect">
-            <a:avLst/>
-          </a:prstGeom>
-        </p:spPr>
-      </p:pic>
-      <p:pic>
-        <p:nvPicPr>
-          <p:cNvPr id="8" name="Picture 7">
-            <a:extLst>
-              <a:ext uri="{FF2B5EF4-FFF2-40B4-BE49-F238E27FC236}">
-                <a16:creationId xmlns:a16="http://schemas.microsoft.com/office/drawing/2014/main" id="{13E0C9C8-39E9-5C54-FE4C-BAFDCE1B7D0F}"/>
-              </a:ext>
-            </a:extLst>
-          </p:cNvPr>
-          <p:cNvPicPr>
-            <a:picLocks noChangeAspect="1"/>
-          </p:cNvPicPr>
-          <p:nvPr/>
-        </p:nvPicPr>
-        <p:blipFill>
-          <a:blip r:embed="rId4"/>
-          <a:srcRect/>
-          <a:stretch/>
-        </p:blipFill>
-        <p:spPr>
-          <a:xfrm>
-            <a:off x="5376669" y="3136917"/>
-            <a:ext cx="629616" cy="574638"/>
-          </a:xfrm>
-          <a:prstGeom prst="rect">
-            <a:avLst/>
-          </a:prstGeom>
-        </p:spPr>
-      </p:pic>
-      <p:sp>
-        <p:nvSpPr>
-          <p:cNvPr id="10" name="TextBox 9">
-            <a:extLst>
-              <a:ext uri="{FF2B5EF4-FFF2-40B4-BE49-F238E27FC236}">
-                <a16:creationId xmlns:a16="http://schemas.microsoft.com/office/drawing/2014/main" id="{D1794A21-E128-104B-BC5E-57415EA90165}"/>
-              </a:ext>
-            </a:extLst>
-          </p:cNvPr>
-          <p:cNvSpPr txBox="1"/>
-          <p:nvPr/>
-        </p:nvSpPr>
-        <p:spPr>
-          <a:xfrm>
-            <a:off x="9151543" y="3977598"/>
-            <a:ext cx="1935634" cy="400110"/>
-          </a:xfrm>
-          <a:prstGeom prst="rect">
-            <a:avLst/>
-          </a:prstGeom>
-          <a:noFill/>
-        </p:spPr>
-        <p:txBody>
-          <a:bodyPr wrap="square" rtlCol="0">
-            <a:spAutoFit/>
-          </a:bodyPr>
-          <a:lstStyle/>
-          <a:p>
-            <a:pPr algn="ctr"/>
-            <a:r>
-              <a:rPr lang="en-US" sz="2000" b="1" dirty="0"/>
-              <a:t>Mobile Model</a:t>
-            </a:r>
-          </a:p>
-        </p:txBody>
-      </p:sp>
-      <p:sp>
-        <p:nvSpPr>
-          <p:cNvPr id="14" name="TextBox 13">
-            <a:extLst>
-              <a:ext uri="{FF2B5EF4-FFF2-40B4-BE49-F238E27FC236}">
-                <a16:creationId xmlns:a16="http://schemas.microsoft.com/office/drawing/2014/main" id="{5CC1F818-39F8-B166-405C-C7975400ED44}"/>
-              </a:ext>
-            </a:extLst>
-          </p:cNvPr>
-          <p:cNvSpPr txBox="1"/>
-          <p:nvPr/>
-        </p:nvSpPr>
-        <p:spPr>
-          <a:xfrm>
-            <a:off x="6641869" y="3977598"/>
-            <a:ext cx="2558011" cy="707886"/>
-          </a:xfrm>
-          <a:prstGeom prst="rect">
-            <a:avLst/>
-          </a:prstGeom>
-          <a:noFill/>
-        </p:spPr>
-        <p:txBody>
-          <a:bodyPr wrap="square" rtlCol="0">
-            <a:spAutoFit/>
-          </a:bodyPr>
-          <a:lstStyle/>
-          <a:p>
-            <a:pPr algn="ctr"/>
-            <a:r>
-              <a:rPr lang="en-US" sz="2000" b="1" dirty="0"/>
-              <a:t>All In One</a:t>
-            </a:r>
-          </a:p>
-          <a:p>
-            <a:pPr algn="ctr"/>
-            <a:endParaRPr lang="en-US" sz="2000" b="1" dirty="0"/>
-          </a:p>
-        </p:txBody>
-      </p:sp>
-      <p:sp>
-        <p:nvSpPr>
-          <p:cNvPr id="15" name="TextBox 14">
-            <a:extLst>
-              <a:ext uri="{FF2B5EF4-FFF2-40B4-BE49-F238E27FC236}">
-                <a16:creationId xmlns:a16="http://schemas.microsoft.com/office/drawing/2014/main" id="{FBAB8646-ECD4-83B3-C925-659CD4BCBB5B}"/>
-              </a:ext>
-            </a:extLst>
-          </p:cNvPr>
-          <p:cNvSpPr txBox="1"/>
-          <p:nvPr/>
-        </p:nvSpPr>
-        <p:spPr>
-          <a:xfrm>
-            <a:off x="4724601" y="3977598"/>
-            <a:ext cx="2009525" cy="707886"/>
-          </a:xfrm>
-          <a:prstGeom prst="rect">
-            <a:avLst/>
-          </a:prstGeom>
-          <a:noFill/>
-        </p:spPr>
-        <p:txBody>
-          <a:bodyPr wrap="square" rtlCol="0">
-            <a:spAutoFit/>
-          </a:bodyPr>
-          <a:lstStyle/>
-          <a:p>
-            <a:pPr algn="ctr"/>
-            <a:r>
-              <a:rPr lang="en-US" sz="2000" b="1" dirty="0"/>
-              <a:t>Night Vision</a:t>
-            </a:r>
-          </a:p>
-          <a:p>
-            <a:pPr algn="ctr"/>
-            <a:r>
-              <a:rPr lang="en-US" sz="2000" b="1" dirty="0"/>
-              <a:t>Model </a:t>
-            </a:r>
-          </a:p>
-        </p:txBody>
-      </p:sp>
-      <p:pic>
-        <p:nvPicPr>
-          <p:cNvPr id="25" name="Picture 24">
-            <a:extLst>
-              <a:ext uri="{FF2B5EF4-FFF2-40B4-BE49-F238E27FC236}">
-                <a16:creationId xmlns:a16="http://schemas.microsoft.com/office/drawing/2014/main" id="{172F869C-8254-E6CD-9F39-742519C87B5F}"/>
-              </a:ext>
-            </a:extLst>
-          </p:cNvPr>
-          <p:cNvPicPr>
-            <a:picLocks noChangeAspect="1"/>
-          </p:cNvPicPr>
-          <p:nvPr/>
-        </p:nvPicPr>
-        <p:blipFill>
-          <a:blip r:embed="rId5"/>
-          <a:srcRect/>
-          <a:stretch/>
-        </p:blipFill>
-        <p:spPr>
-          <a:xfrm>
-            <a:off x="3271686" y="3216271"/>
-            <a:ext cx="495284" cy="495284"/>
-          </a:xfrm>
-          <a:prstGeom prst="rect">
-            <a:avLst/>
-          </a:prstGeom>
-        </p:spPr>
-      </p:pic>
-      <p:sp>
-        <p:nvSpPr>
-          <p:cNvPr id="26" name="TextBox 25">
-            <a:extLst>
-              <a:ext uri="{FF2B5EF4-FFF2-40B4-BE49-F238E27FC236}">
-                <a16:creationId xmlns:a16="http://schemas.microsoft.com/office/drawing/2014/main" id="{3F77A819-E442-CBA1-3C7E-CF082B21FEEE}"/>
-              </a:ext>
-            </a:extLst>
-          </p:cNvPr>
-          <p:cNvSpPr txBox="1"/>
-          <p:nvPr/>
-        </p:nvSpPr>
-        <p:spPr>
-          <a:xfrm>
-            <a:off x="2633921" y="3977598"/>
-            <a:ext cx="1763944" cy="707886"/>
-          </a:xfrm>
-          <a:prstGeom prst="rect">
-            <a:avLst/>
-          </a:prstGeom>
-          <a:noFill/>
-        </p:spPr>
-        <p:txBody>
-          <a:bodyPr wrap="square" rtlCol="0">
-            <a:spAutoFit/>
-          </a:bodyPr>
-          <a:lstStyle/>
-          <a:p>
-            <a:pPr algn="ctr"/>
-            <a:r>
-              <a:rPr lang="en-US" sz="2000" b="1" dirty="0"/>
-              <a:t>Driver Distraction</a:t>
-            </a:r>
-          </a:p>
-        </p:txBody>
-      </p:sp>
-      <p:pic>
-        <p:nvPicPr>
-          <p:cNvPr id="28" name="Picture 27">
-            <a:extLst>
-              <a:ext uri="{FF2B5EF4-FFF2-40B4-BE49-F238E27FC236}">
-                <a16:creationId xmlns:a16="http://schemas.microsoft.com/office/drawing/2014/main" id="{B8699F91-9EA2-BCA9-C123-DE28870C5719}"/>
-              </a:ext>
-            </a:extLst>
-          </p:cNvPr>
-          <p:cNvPicPr>
-            <a:picLocks noChangeAspect="1"/>
-          </p:cNvPicPr>
-          <p:nvPr/>
-        </p:nvPicPr>
-        <p:blipFill>
-          <a:blip r:embed="rId6"/>
-          <a:srcRect/>
-          <a:stretch/>
-        </p:blipFill>
-        <p:spPr>
-          <a:xfrm>
-            <a:off x="988909" y="3086258"/>
-            <a:ext cx="690716" cy="690716"/>
-          </a:xfrm>
-          <a:prstGeom prst="rect">
-            <a:avLst/>
-          </a:prstGeom>
-        </p:spPr>
-      </p:pic>
-      <p:sp>
-        <p:nvSpPr>
-          <p:cNvPr id="29" name="TextBox 28">
-            <a:extLst>
-              <a:ext uri="{FF2B5EF4-FFF2-40B4-BE49-F238E27FC236}">
-                <a16:creationId xmlns:a16="http://schemas.microsoft.com/office/drawing/2014/main" id="{CB5EF82F-24FF-CA97-F380-4D41120EE2BA}"/>
-              </a:ext>
-            </a:extLst>
-          </p:cNvPr>
-          <p:cNvSpPr txBox="1"/>
-          <p:nvPr/>
-        </p:nvSpPr>
-        <p:spPr>
-          <a:xfrm>
-            <a:off x="317441" y="3977598"/>
-            <a:ext cx="2316480" cy="400110"/>
-          </a:xfrm>
-          <a:prstGeom prst="rect">
-            <a:avLst/>
-          </a:prstGeom>
-          <a:noFill/>
-        </p:spPr>
-        <p:txBody>
-          <a:bodyPr wrap="square" rtlCol="0">
-            <a:spAutoFit/>
-          </a:bodyPr>
-          <a:lstStyle/>
-          <a:p>
-            <a:pPr algn="ctr"/>
-            <a:r>
-              <a:rPr lang="en-US" sz="2000" b="1" dirty="0"/>
-              <a:t>Lane Detection</a:t>
-            </a:r>
-          </a:p>
-        </p:txBody>
-      </p:sp>
-    </p:spTree>
-    <p:extLst>
-      <p:ext uri="{BB962C8B-B14F-4D97-AF65-F5344CB8AC3E}">
-        <p14:creationId xmlns:p14="http://schemas.microsoft.com/office/powerpoint/2010/main" val="3482772454"/>
-      </p:ext>
-    </p:extLst>
-  </p:cSld>
-  <p:clrMapOvr>
-    <a:masterClrMapping/>
-  </p:clrMapOvr>
-</p:sld>
-</file>
-
-<file path=ppt/slides/slide19.xml><?xml version="1.0" encoding="utf-8"?>
-<p:sld xmlns:a="http://schemas.openxmlformats.org/drawingml/2006/main" xmlns:r="http://schemas.openxmlformats.org/officeDocument/2006/relationships" xmlns:p="http://schemas.openxmlformats.org/presentationml/2006/main">
-  <p:cSld>
-    <p:spTree>
-      <p:nvGrpSpPr>
-        <p:cNvPr id="1" name=""/>
-        <p:cNvGrpSpPr/>
-        <p:nvPr/>
-      </p:nvGrpSpPr>
-      <p:grpSpPr>
-        <a:xfrm>
-          <a:off x="0" y="0"/>
-          <a:ext cx="0" cy="0"/>
-          <a:chOff x="0" y="0"/>
-          <a:chExt cx="0" cy="0"/>
-        </a:xfrm>
-      </p:grpSpPr>
-      <p:sp>
-        <p:nvSpPr>
           <p:cNvPr id="4" name="Title 3">
             <a:extLst>
               <a:ext uri="{FF2B5EF4-FFF2-40B4-BE49-F238E27FC236}">
@@ -19235,7 +19058,7 @@
           <a:p>
             <a:r>
               <a:rPr lang="en-US" dirty="0"/>
-              <a:t>Conclusion</a:t>
+              <a:t>Thank You</a:t>
             </a:r>
           </a:p>
         </p:txBody>
@@ -19286,7 +19109,7 @@
                   <a:spcPts val="600"/>
                 </a:spcAft>
               </a:pPr>
-              <a:t>19</a:t>
+              <a:t>18</a:t>
             </a:fld>
             <a:endParaRPr lang="en-US" sz="200" noProof="0"/>
           </a:p>
@@ -19295,7 +19118,7 @@
     </p:spTree>
     <p:extLst>
       <p:ext uri="{BB962C8B-B14F-4D97-AF65-F5344CB8AC3E}">
-        <p14:creationId xmlns:p14="http://schemas.microsoft.com/office/powerpoint/2010/main" val="1024629035"/>
+        <p14:creationId xmlns:p14="http://schemas.microsoft.com/office/powerpoint/2010/main" val="1773024617"/>
       </p:ext>
     </p:extLst>
   </p:cSld>
@@ -19404,13 +19227,13 @@
           <a:p>
             <a:r>
               <a:rPr lang="en-US" dirty="0"/>
-              <a:t>Architecture</a:t>
+              <a:t>Work-Flow</a:t>
             </a:r>
           </a:p>
           <a:p>
             <a:r>
               <a:rPr lang="en-US" dirty="0"/>
-              <a:t>Work-Flow</a:t>
+              <a:t>Architecture</a:t>
             </a:r>
           </a:p>
           <a:p>
@@ -19423,6 +19246,12 @@
             <a:r>
               <a:rPr lang="en-US" dirty="0"/>
               <a:t>Future Work</a:t>
+            </a:r>
+          </a:p>
+          <a:p>
+            <a:r>
+              <a:rPr lang="en-US" dirty="0"/>
+              <a:t>Conclusion</a:t>
             </a:r>
           </a:p>
           <a:p>
@@ -19472,620 +19301,6 @@
     <p:extLst>
       <p:ext uri="{BB962C8B-B14F-4D97-AF65-F5344CB8AC3E}">
         <p14:creationId xmlns:p14="http://schemas.microsoft.com/office/powerpoint/2010/main" val="3167172060"/>
-      </p:ext>
-    </p:extLst>
-  </p:cSld>
-  <p:clrMapOvr>
-    <a:masterClrMapping/>
-  </p:clrMapOvr>
-</p:sld>
-</file>
-
-<file path=ppt/slides/slide20.xml><?xml version="1.0" encoding="utf-8"?>
-<p:sld xmlns:a="http://schemas.openxmlformats.org/drawingml/2006/main" xmlns:r="http://schemas.openxmlformats.org/officeDocument/2006/relationships" xmlns:p="http://schemas.openxmlformats.org/presentationml/2006/main">
-  <p:cSld>
-    <p:spTree>
-      <p:nvGrpSpPr>
-        <p:cNvPr id="1" name=""/>
-        <p:cNvGrpSpPr/>
-        <p:nvPr/>
-      </p:nvGrpSpPr>
-      <p:grpSpPr>
-        <a:xfrm>
-          <a:off x="0" y="0"/>
-          <a:ext cx="0" cy="0"/>
-          <a:chOff x="0" y="0"/>
-          <a:chExt cx="0" cy="0"/>
-        </a:xfrm>
-      </p:grpSpPr>
-      <p:sp>
-        <p:nvSpPr>
-          <p:cNvPr id="17" name="Slide Number Placeholder 1">
-            <a:extLst>
-              <a:ext uri="{FF2B5EF4-FFF2-40B4-BE49-F238E27FC236}">
-                <a16:creationId xmlns:a16="http://schemas.microsoft.com/office/drawing/2014/main" id="{49ABE35A-BB82-5C1C-2B37-CAA754582F56}"/>
-              </a:ext>
-            </a:extLst>
-          </p:cNvPr>
-          <p:cNvSpPr>
-            <a:spLocks noGrp="1"/>
-          </p:cNvSpPr>
-          <p:nvPr>
-            <p:ph type="sldNum" sz="quarter" idx="12"/>
-          </p:nvPr>
-        </p:nvSpPr>
-        <p:spPr>
-          <a:xfrm>
-            <a:off x="11363696" y="6455739"/>
-            <a:ext cx="294460" cy="187367"/>
-          </a:xfrm>
-        </p:spPr>
-        <p:txBody>
-          <a:bodyPr/>
-          <a:lstStyle/>
-          <a:p>
-            <a:pPr>
-              <a:spcAft>
-                <a:spcPts val="600"/>
-              </a:spcAft>
-            </a:pPr>
-            <a:fld id="{9EC71654-96A5-4280-94F3-931C61A9F92C}" type="slidenum">
-              <a:rPr lang="en-US" noProof="0" smtClean="0"/>
-              <a:pPr>
-                <a:spcAft>
-                  <a:spcPts val="600"/>
-                </a:spcAft>
-              </a:pPr>
-              <a:t>20</a:t>
-            </a:fld>
-            <a:endParaRPr lang="en-US" noProof="0"/>
-          </a:p>
-        </p:txBody>
-      </p:sp>
-      <p:pic>
-        <p:nvPicPr>
-          <p:cNvPr id="7" name="Content Placeholder 6">
-            <a:extLst>
-              <a:ext uri="{FF2B5EF4-FFF2-40B4-BE49-F238E27FC236}">
-                <a16:creationId xmlns:a16="http://schemas.microsoft.com/office/drawing/2014/main" id="{DE6DCD29-CEE6-72BC-E86C-C62C70EEFDBA}"/>
-              </a:ext>
-            </a:extLst>
-          </p:cNvPr>
-          <p:cNvPicPr>
-            <a:picLocks noGrp="1" noChangeAspect="1"/>
-          </p:cNvPicPr>
-          <p:nvPr>
-            <p:ph sz="half" idx="1"/>
-          </p:nvPr>
-        </p:nvPicPr>
-        <p:blipFill>
-          <a:blip r:embed="rId2"/>
-          <a:srcRect/>
-          <a:stretch/>
-        </p:blipFill>
-        <p:spPr>
-          <a:xfrm>
-            <a:off x="9834381" y="3128404"/>
-            <a:ext cx="552812" cy="606425"/>
-          </a:xfrm>
-          <a:noFill/>
-        </p:spPr>
-      </p:pic>
-      <p:sp>
-        <p:nvSpPr>
-          <p:cNvPr id="2" name="Title 1">
-            <a:extLst>
-              <a:ext uri="{FF2B5EF4-FFF2-40B4-BE49-F238E27FC236}">
-                <a16:creationId xmlns:a16="http://schemas.microsoft.com/office/drawing/2014/main" id="{CC0C50D1-1B66-9C4E-DD7B-5221A23FD1F5}"/>
-              </a:ext>
-            </a:extLst>
-          </p:cNvPr>
-          <p:cNvSpPr>
-            <a:spLocks noGrp="1"/>
-          </p:cNvSpPr>
-          <p:nvPr>
-            <p:ph type="title"/>
-          </p:nvPr>
-        </p:nvSpPr>
-        <p:spPr>
-          <a:xfrm>
-            <a:off x="515938" y="246621"/>
-            <a:ext cx="11150600" cy="920336"/>
-          </a:xfrm>
-        </p:spPr>
-        <p:txBody>
-          <a:bodyPr anchor="b">
-            <a:normAutofit/>
-          </a:bodyPr>
-          <a:lstStyle/>
-          <a:p>
-            <a:r>
-              <a:rPr lang="en-US" dirty="0"/>
-              <a:t>Conclusion</a:t>
-            </a:r>
-          </a:p>
-        </p:txBody>
-      </p:sp>
-      <p:sp>
-        <p:nvSpPr>
-          <p:cNvPr id="3" name="Slide Number Placeholder 2" hidden="1">
-            <a:extLst>
-              <a:ext uri="{FF2B5EF4-FFF2-40B4-BE49-F238E27FC236}">
-                <a16:creationId xmlns:a16="http://schemas.microsoft.com/office/drawing/2014/main" id="{24471D0A-2A75-5210-E90F-6C5B83FF9FEE}"/>
-              </a:ext>
-            </a:extLst>
-          </p:cNvPr>
-          <p:cNvSpPr>
-            <a:spLocks noGrp="1"/>
-          </p:cNvSpPr>
-          <p:nvPr>
-            <p:ph type="sldNum" sz="quarter" idx="4294967295"/>
-          </p:nvPr>
-        </p:nvSpPr>
-        <p:spPr>
-          <a:xfrm>
-            <a:off x="11363696" y="6455739"/>
-            <a:ext cx="294460" cy="187367"/>
-          </a:xfrm>
-        </p:spPr>
-        <p:txBody>
-          <a:bodyPr anchor="ctr">
-            <a:normAutofit/>
-          </a:bodyPr>
-          <a:lstStyle/>
-          <a:p>
-            <a:pPr>
-              <a:lnSpc>
-                <a:spcPct val="90000"/>
-              </a:lnSpc>
-              <a:spcAft>
-                <a:spcPts val="600"/>
-              </a:spcAft>
-            </a:pPr>
-            <a:fld id="{9EC71654-96A5-4280-94F3-931C61A9F92C}" type="slidenum">
-              <a:rPr lang="en-US" sz="600" noProof="0" smtClean="0"/>
-              <a:pPr>
-                <a:lnSpc>
-                  <a:spcPct val="90000"/>
-                </a:lnSpc>
-                <a:spcAft>
-                  <a:spcPts val="600"/>
-                </a:spcAft>
-              </a:pPr>
-              <a:t>20</a:t>
-            </a:fld>
-            <a:endParaRPr lang="en-US" sz="600" noProof="0"/>
-          </a:p>
-        </p:txBody>
-      </p:sp>
-      <p:pic>
-        <p:nvPicPr>
-          <p:cNvPr id="5" name="Picture 4">
-            <a:extLst>
-              <a:ext uri="{FF2B5EF4-FFF2-40B4-BE49-F238E27FC236}">
-                <a16:creationId xmlns:a16="http://schemas.microsoft.com/office/drawing/2014/main" id="{FC62146B-8F3F-FBBA-B170-9B5114E23759}"/>
-              </a:ext>
-            </a:extLst>
-          </p:cNvPr>
-          <p:cNvPicPr>
-            <a:picLocks noChangeAspect="1"/>
-          </p:cNvPicPr>
-          <p:nvPr/>
-        </p:nvPicPr>
-        <p:blipFill>
-          <a:blip r:embed="rId3"/>
-          <a:srcRect/>
-          <a:stretch/>
-        </p:blipFill>
-        <p:spPr>
-          <a:xfrm>
-            <a:off x="7614323" y="3128404"/>
-            <a:ext cx="601191" cy="601191"/>
-          </a:xfrm>
-          <a:prstGeom prst="rect">
-            <a:avLst/>
-          </a:prstGeom>
-        </p:spPr>
-      </p:pic>
-      <p:pic>
-        <p:nvPicPr>
-          <p:cNvPr id="8" name="Picture 7">
-            <a:extLst>
-              <a:ext uri="{FF2B5EF4-FFF2-40B4-BE49-F238E27FC236}">
-                <a16:creationId xmlns:a16="http://schemas.microsoft.com/office/drawing/2014/main" id="{13E0C9C8-39E9-5C54-FE4C-BAFDCE1B7D0F}"/>
-              </a:ext>
-            </a:extLst>
-          </p:cNvPr>
-          <p:cNvPicPr>
-            <a:picLocks noChangeAspect="1"/>
-          </p:cNvPicPr>
-          <p:nvPr/>
-        </p:nvPicPr>
-        <p:blipFill>
-          <a:blip r:embed="rId4"/>
-          <a:srcRect/>
-          <a:stretch/>
-        </p:blipFill>
-        <p:spPr>
-          <a:xfrm>
-            <a:off x="5376669" y="3136917"/>
-            <a:ext cx="629616" cy="574638"/>
-          </a:xfrm>
-          <a:prstGeom prst="rect">
-            <a:avLst/>
-          </a:prstGeom>
-        </p:spPr>
-      </p:pic>
-      <p:sp>
-        <p:nvSpPr>
-          <p:cNvPr id="10" name="TextBox 9">
-            <a:extLst>
-              <a:ext uri="{FF2B5EF4-FFF2-40B4-BE49-F238E27FC236}">
-                <a16:creationId xmlns:a16="http://schemas.microsoft.com/office/drawing/2014/main" id="{D1794A21-E128-104B-BC5E-57415EA90165}"/>
-              </a:ext>
-            </a:extLst>
-          </p:cNvPr>
-          <p:cNvSpPr txBox="1"/>
-          <p:nvPr/>
-        </p:nvSpPr>
-        <p:spPr>
-          <a:xfrm>
-            <a:off x="9151543" y="3977598"/>
-            <a:ext cx="1935634" cy="400110"/>
-          </a:xfrm>
-          <a:prstGeom prst="rect">
-            <a:avLst/>
-          </a:prstGeom>
-          <a:noFill/>
-        </p:spPr>
-        <p:txBody>
-          <a:bodyPr wrap="square" rtlCol="0">
-            <a:spAutoFit/>
-          </a:bodyPr>
-          <a:lstStyle/>
-          <a:p>
-            <a:pPr algn="ctr"/>
-            <a:r>
-              <a:rPr lang="en-US" sz="2000" b="1" dirty="0"/>
-              <a:t>Mobile Model</a:t>
-            </a:r>
-          </a:p>
-        </p:txBody>
-      </p:sp>
-      <p:sp>
-        <p:nvSpPr>
-          <p:cNvPr id="14" name="TextBox 13">
-            <a:extLst>
-              <a:ext uri="{FF2B5EF4-FFF2-40B4-BE49-F238E27FC236}">
-                <a16:creationId xmlns:a16="http://schemas.microsoft.com/office/drawing/2014/main" id="{5CC1F818-39F8-B166-405C-C7975400ED44}"/>
-              </a:ext>
-            </a:extLst>
-          </p:cNvPr>
-          <p:cNvSpPr txBox="1"/>
-          <p:nvPr/>
-        </p:nvSpPr>
-        <p:spPr>
-          <a:xfrm>
-            <a:off x="6641869" y="3977598"/>
-            <a:ext cx="2558011" cy="707886"/>
-          </a:xfrm>
-          <a:prstGeom prst="rect">
-            <a:avLst/>
-          </a:prstGeom>
-          <a:noFill/>
-        </p:spPr>
-        <p:txBody>
-          <a:bodyPr wrap="square" rtlCol="0">
-            <a:spAutoFit/>
-          </a:bodyPr>
-          <a:lstStyle/>
-          <a:p>
-            <a:pPr algn="ctr"/>
-            <a:r>
-              <a:rPr lang="en-US" sz="2000" b="1" dirty="0"/>
-              <a:t>All In One</a:t>
-            </a:r>
-          </a:p>
-          <a:p>
-            <a:pPr algn="ctr"/>
-            <a:endParaRPr lang="en-US" sz="2000" b="1" dirty="0"/>
-          </a:p>
-        </p:txBody>
-      </p:sp>
-      <p:sp>
-        <p:nvSpPr>
-          <p:cNvPr id="15" name="TextBox 14">
-            <a:extLst>
-              <a:ext uri="{FF2B5EF4-FFF2-40B4-BE49-F238E27FC236}">
-                <a16:creationId xmlns:a16="http://schemas.microsoft.com/office/drawing/2014/main" id="{FBAB8646-ECD4-83B3-C925-659CD4BCBB5B}"/>
-              </a:ext>
-            </a:extLst>
-          </p:cNvPr>
-          <p:cNvSpPr txBox="1"/>
-          <p:nvPr/>
-        </p:nvSpPr>
-        <p:spPr>
-          <a:xfrm>
-            <a:off x="4724601" y="3977598"/>
-            <a:ext cx="2009525" cy="707886"/>
-          </a:xfrm>
-          <a:prstGeom prst="rect">
-            <a:avLst/>
-          </a:prstGeom>
-          <a:noFill/>
-        </p:spPr>
-        <p:txBody>
-          <a:bodyPr wrap="square" rtlCol="0">
-            <a:spAutoFit/>
-          </a:bodyPr>
-          <a:lstStyle/>
-          <a:p>
-            <a:pPr algn="ctr"/>
-            <a:r>
-              <a:rPr lang="en-US" sz="2000" b="1" dirty="0"/>
-              <a:t>Night Vision</a:t>
-            </a:r>
-          </a:p>
-          <a:p>
-            <a:pPr algn="ctr"/>
-            <a:r>
-              <a:rPr lang="en-US" sz="2000" b="1" dirty="0"/>
-              <a:t>Model </a:t>
-            </a:r>
-          </a:p>
-        </p:txBody>
-      </p:sp>
-      <p:pic>
-        <p:nvPicPr>
-          <p:cNvPr id="25" name="Picture 24">
-            <a:extLst>
-              <a:ext uri="{FF2B5EF4-FFF2-40B4-BE49-F238E27FC236}">
-                <a16:creationId xmlns:a16="http://schemas.microsoft.com/office/drawing/2014/main" id="{172F869C-8254-E6CD-9F39-742519C87B5F}"/>
-              </a:ext>
-            </a:extLst>
-          </p:cNvPr>
-          <p:cNvPicPr>
-            <a:picLocks noChangeAspect="1"/>
-          </p:cNvPicPr>
-          <p:nvPr/>
-        </p:nvPicPr>
-        <p:blipFill>
-          <a:blip r:embed="rId5"/>
-          <a:srcRect/>
-          <a:stretch/>
-        </p:blipFill>
-        <p:spPr>
-          <a:xfrm>
-            <a:off x="3271686" y="3216271"/>
-            <a:ext cx="495284" cy="495284"/>
-          </a:xfrm>
-          <a:prstGeom prst="rect">
-            <a:avLst/>
-          </a:prstGeom>
-        </p:spPr>
-      </p:pic>
-      <p:sp>
-        <p:nvSpPr>
-          <p:cNvPr id="26" name="TextBox 25">
-            <a:extLst>
-              <a:ext uri="{FF2B5EF4-FFF2-40B4-BE49-F238E27FC236}">
-                <a16:creationId xmlns:a16="http://schemas.microsoft.com/office/drawing/2014/main" id="{3F77A819-E442-CBA1-3C7E-CF082B21FEEE}"/>
-              </a:ext>
-            </a:extLst>
-          </p:cNvPr>
-          <p:cNvSpPr txBox="1"/>
-          <p:nvPr/>
-        </p:nvSpPr>
-        <p:spPr>
-          <a:xfrm>
-            <a:off x="2633921" y="3977598"/>
-            <a:ext cx="1763944" cy="707886"/>
-          </a:xfrm>
-          <a:prstGeom prst="rect">
-            <a:avLst/>
-          </a:prstGeom>
-          <a:noFill/>
-        </p:spPr>
-        <p:txBody>
-          <a:bodyPr wrap="square" rtlCol="0">
-            <a:spAutoFit/>
-          </a:bodyPr>
-          <a:lstStyle/>
-          <a:p>
-            <a:pPr algn="ctr"/>
-            <a:r>
-              <a:rPr lang="en-US" sz="2000" b="1" dirty="0"/>
-              <a:t>Driver Distraction</a:t>
-            </a:r>
-          </a:p>
-        </p:txBody>
-      </p:sp>
-      <p:pic>
-        <p:nvPicPr>
-          <p:cNvPr id="28" name="Picture 27">
-            <a:extLst>
-              <a:ext uri="{FF2B5EF4-FFF2-40B4-BE49-F238E27FC236}">
-                <a16:creationId xmlns:a16="http://schemas.microsoft.com/office/drawing/2014/main" id="{B8699F91-9EA2-BCA9-C123-DE28870C5719}"/>
-              </a:ext>
-            </a:extLst>
-          </p:cNvPr>
-          <p:cNvPicPr>
-            <a:picLocks noChangeAspect="1"/>
-          </p:cNvPicPr>
-          <p:nvPr/>
-        </p:nvPicPr>
-        <p:blipFill>
-          <a:blip r:embed="rId6"/>
-          <a:srcRect/>
-          <a:stretch/>
-        </p:blipFill>
-        <p:spPr>
-          <a:xfrm>
-            <a:off x="988909" y="3086258"/>
-            <a:ext cx="690716" cy="690716"/>
-          </a:xfrm>
-          <a:prstGeom prst="rect">
-            <a:avLst/>
-          </a:prstGeom>
-        </p:spPr>
-      </p:pic>
-      <p:sp>
-        <p:nvSpPr>
-          <p:cNvPr id="29" name="TextBox 28">
-            <a:extLst>
-              <a:ext uri="{FF2B5EF4-FFF2-40B4-BE49-F238E27FC236}">
-                <a16:creationId xmlns:a16="http://schemas.microsoft.com/office/drawing/2014/main" id="{CB5EF82F-24FF-CA97-F380-4D41120EE2BA}"/>
-              </a:ext>
-            </a:extLst>
-          </p:cNvPr>
-          <p:cNvSpPr txBox="1"/>
-          <p:nvPr/>
-        </p:nvSpPr>
-        <p:spPr>
-          <a:xfrm>
-            <a:off x="317441" y="3977598"/>
-            <a:ext cx="2316480" cy="400110"/>
-          </a:xfrm>
-          <a:prstGeom prst="rect">
-            <a:avLst/>
-          </a:prstGeom>
-          <a:noFill/>
-        </p:spPr>
-        <p:txBody>
-          <a:bodyPr wrap="square" rtlCol="0">
-            <a:spAutoFit/>
-          </a:bodyPr>
-          <a:lstStyle/>
-          <a:p>
-            <a:pPr algn="ctr"/>
-            <a:r>
-              <a:rPr lang="en-US" sz="2000" b="1" dirty="0"/>
-              <a:t>Lane Detection</a:t>
-            </a:r>
-          </a:p>
-        </p:txBody>
-      </p:sp>
-    </p:spTree>
-    <p:extLst>
-      <p:ext uri="{BB962C8B-B14F-4D97-AF65-F5344CB8AC3E}">
-        <p14:creationId xmlns:p14="http://schemas.microsoft.com/office/powerpoint/2010/main" val="2588278257"/>
-      </p:ext>
-    </p:extLst>
-  </p:cSld>
-  <p:clrMapOvr>
-    <a:masterClrMapping/>
-  </p:clrMapOvr>
-</p:sld>
-</file>
-
-<file path=ppt/slides/slide21.xml><?xml version="1.0" encoding="utf-8"?>
-<p:sld xmlns:a="http://schemas.openxmlformats.org/drawingml/2006/main" xmlns:r="http://schemas.openxmlformats.org/officeDocument/2006/relationships" xmlns:p="http://schemas.openxmlformats.org/presentationml/2006/main">
-  <p:cSld>
-    <p:spTree>
-      <p:nvGrpSpPr>
-        <p:cNvPr id="1" name=""/>
-        <p:cNvGrpSpPr/>
-        <p:nvPr/>
-      </p:nvGrpSpPr>
-      <p:grpSpPr>
-        <a:xfrm>
-          <a:off x="0" y="0"/>
-          <a:ext cx="0" cy="0"/>
-          <a:chOff x="0" y="0"/>
-          <a:chExt cx="0" cy="0"/>
-        </a:xfrm>
-      </p:grpSpPr>
-      <p:sp>
-        <p:nvSpPr>
-          <p:cNvPr id="4" name="Title 3">
-            <a:extLst>
-              <a:ext uri="{FF2B5EF4-FFF2-40B4-BE49-F238E27FC236}">
-                <a16:creationId xmlns:a16="http://schemas.microsoft.com/office/drawing/2014/main" id="{2E0C54B5-6876-DE29-A5F3-B88D01DEC8B1}"/>
-              </a:ext>
-            </a:extLst>
-          </p:cNvPr>
-          <p:cNvSpPr>
-            <a:spLocks noGrp="1"/>
-          </p:cNvSpPr>
-          <p:nvPr>
-            <p:ph type="ctrTitle"/>
-          </p:nvPr>
-        </p:nvSpPr>
-        <p:spPr>
-          <a:xfrm>
-            <a:off x="6323984" y="3429000"/>
-            <a:ext cx="10970957" cy="850971"/>
-          </a:xfrm>
-        </p:spPr>
-        <p:txBody>
-          <a:bodyPr anchor="b">
-            <a:normAutofit/>
-          </a:bodyPr>
-          <a:lstStyle/>
-          <a:p>
-            <a:r>
-              <a:rPr lang="en-US" dirty="0"/>
-              <a:t>Thank You</a:t>
-            </a:r>
-          </a:p>
-        </p:txBody>
-      </p:sp>
-      <p:sp>
-        <p:nvSpPr>
-          <p:cNvPr id="2" name="Slide Number Placeholder 1" hidden="1">
-            <a:extLst>
-              <a:ext uri="{FF2B5EF4-FFF2-40B4-BE49-F238E27FC236}">
-                <a16:creationId xmlns:a16="http://schemas.microsoft.com/office/drawing/2014/main" id="{CDA0EE6B-EE8E-9469-CA34-4A27CB4D7D0C}"/>
-              </a:ext>
-            </a:extLst>
-          </p:cNvPr>
-          <p:cNvSpPr>
-            <a:spLocks noGrp="1"/>
-          </p:cNvSpPr>
-          <p:nvPr>
-            <p:ph type="sldNum" sz="quarter" idx="4294967295"/>
-          </p:nvPr>
-        </p:nvSpPr>
-        <p:spPr>
-          <a:xfrm>
-            <a:off x="11363696" y="6455739"/>
-            <a:ext cx="294460" cy="187367"/>
-          </a:xfrm>
-        </p:spPr>
-        <p:txBody>
-          <a:bodyPr anchor="ctr">
-            <a:normAutofit/>
-          </a:bodyPr>
-          <a:lstStyle/>
-          <a:p>
-            <a:pPr>
-              <a:lnSpc>
-                <a:spcPct val="90000"/>
-              </a:lnSpc>
-              <a:spcAft>
-                <a:spcPts val="600"/>
-              </a:spcAft>
-            </a:pPr>
-            <a:fld id="{9EC71654-96A5-4280-94F3-931C61A9F92C}" type="slidenum">
-              <a:rPr lang="en-US" sz="200" noProof="0" smtClean="0"/>
-              <a:pPr>
-                <a:lnSpc>
-                  <a:spcPct val="90000"/>
-                </a:lnSpc>
-                <a:spcAft>
-                  <a:spcPts val="600"/>
-                </a:spcAft>
-              </a:pPr>
-              <a:t>21</a:t>
-            </a:fld>
-            <a:endParaRPr lang="en-US" sz="200" noProof="0"/>
-          </a:p>
-        </p:txBody>
-      </p:sp>
-    </p:spTree>
-    <p:extLst>
-      <p:ext uri="{BB962C8B-B14F-4D97-AF65-F5344CB8AC3E}">
-        <p14:creationId xmlns:p14="http://schemas.microsoft.com/office/powerpoint/2010/main" val="1773024617"/>
       </p:ext>
     </p:extLst>
   </p:cSld>
@@ -20336,7 +19551,7 @@
           <a:p>
             <a:r>
               <a:rPr lang="en-US" dirty="0"/>
-              <a:t>Architecture</a:t>
+              <a:t>Workflow</a:t>
             </a:r>
           </a:p>
         </p:txBody>
@@ -20359,7 +19574,7 @@
         </p:nvPicPr>
         <p:blipFill>
           <a:blip r:embed="rId2"/>
-          <a:srcRect l="2600" r="2600"/>
+          <a:srcRect l="14615" r="14615"/>
           <a:stretch/>
         </p:blipFill>
         <p:spPr>
@@ -20424,7 +19639,7 @@
     </p:spTree>
     <p:extLst>
       <p:ext uri="{BB962C8B-B14F-4D97-AF65-F5344CB8AC3E}">
-        <p14:creationId xmlns:p14="http://schemas.microsoft.com/office/powerpoint/2010/main" val="3775801622"/>
+        <p14:creationId xmlns:p14="http://schemas.microsoft.com/office/powerpoint/2010/main" val="1766479364"/>
       </p:ext>
     </p:extLst>
   </p:cSld>
@@ -20453,10 +19668,10 @@
       </p:grpSpPr>
       <p:sp>
         <p:nvSpPr>
-          <p:cNvPr id="2" name="Slide Number Placeholder 1">
-            <a:extLst>
-              <a:ext uri="{FF2B5EF4-FFF2-40B4-BE49-F238E27FC236}">
-                <a16:creationId xmlns:a16="http://schemas.microsoft.com/office/drawing/2014/main" id="{C6DDCE2E-DB39-C5CF-213C-34A1A0CFD40F}"/>
+          <p:cNvPr id="4" name="Slide Number Placeholder 3">
+            <a:extLst>
+              <a:ext uri="{FF2B5EF4-FFF2-40B4-BE49-F238E27FC236}">
+                <a16:creationId xmlns:a16="http://schemas.microsoft.com/office/drawing/2014/main" id="{0BDDBFEE-BC50-46CF-AB8F-D145B99B57A6}"/>
               </a:ext>
             </a:extLst>
           </p:cNvPr>
@@ -20467,26 +19682,42 @@
             <p:ph type="sldNum" sz="quarter" idx="12"/>
           </p:nvPr>
         </p:nvSpPr>
-        <p:spPr/>
+        <p:spPr>
+          <a:xfrm>
+            <a:off x="11363696" y="6455739"/>
+            <a:ext cx="294460" cy="187367"/>
+          </a:xfrm>
+        </p:spPr>
         <p:txBody>
-          <a:bodyPr/>
+          <a:bodyPr anchor="ctr">
+            <a:normAutofit/>
+          </a:bodyPr>
           <a:lstStyle/>
           <a:p>
+            <a:pPr>
+              <a:spcAft>
+                <a:spcPts val="600"/>
+              </a:spcAft>
+            </a:pPr>
             <a:fld id="{9EC71654-96A5-4280-94F3-931C61A9F92C}" type="slidenum">
-              <a:rPr lang="en-US" noProof="0" smtClean="0"/>
-              <a:pPr/>
+              <a:rPr lang="en-US" smtClean="0"/>
+              <a:pPr>
+                <a:spcAft>
+                  <a:spcPts val="600"/>
+                </a:spcAft>
+              </a:pPr>
               <a:t>5</a:t>
             </a:fld>
-            <a:endParaRPr lang="en-US" noProof="0" dirty="0"/>
+            <a:endParaRPr lang="en-US"/>
           </a:p>
         </p:txBody>
       </p:sp>
       <p:pic>
         <p:nvPicPr>
-          <p:cNvPr id="6" name="Content Placeholder 5" descr="Graphical user interface&#10;&#10;Description automatically generated">
-            <a:extLst>
-              <a:ext uri="{FF2B5EF4-FFF2-40B4-BE49-F238E27FC236}">
-                <a16:creationId xmlns:a16="http://schemas.microsoft.com/office/drawing/2014/main" id="{C82BFDB4-0BBA-1D76-367D-3037D02391BD}"/>
+          <p:cNvPr id="21" name="Content Placeholder 20">
+            <a:extLst>
+              <a:ext uri="{FF2B5EF4-FFF2-40B4-BE49-F238E27FC236}">
+                <a16:creationId xmlns:a16="http://schemas.microsoft.com/office/drawing/2014/main" id="{BA3FC335-A445-ADFE-9653-DC5C4F2093ED}"/>
               </a:ext>
             </a:extLst>
           </p:cNvPr>
@@ -20498,24 +19729,24 @@
           </p:nvPr>
         </p:nvPicPr>
         <p:blipFill>
-          <a:blip r:embed="rId2"/>
-          <a:stretch>
-            <a:fillRect/>
-          </a:stretch>
+          <a:blip r:embed="rId3"/>
+          <a:srcRect t="180" b="180"/>
+          <a:stretch/>
         </p:blipFill>
         <p:spPr>
           <a:xfrm>
-            <a:off x="515937" y="1867631"/>
-            <a:ext cx="11176703" cy="4400741"/>
-          </a:xfrm>
+            <a:off x="859772" y="1266825"/>
+            <a:ext cx="10834528" cy="4920293"/>
+          </a:xfrm>
+          <a:noFill/>
         </p:spPr>
       </p:pic>
       <p:sp>
         <p:nvSpPr>
-          <p:cNvPr id="4" name="Title 3">
-            <a:extLst>
-              <a:ext uri="{FF2B5EF4-FFF2-40B4-BE49-F238E27FC236}">
-                <a16:creationId xmlns:a16="http://schemas.microsoft.com/office/drawing/2014/main" id="{5539E4F2-FEA6-EDAF-95E5-3D9E7224E583}"/>
+          <p:cNvPr id="2" name="Title 1">
+            <a:extLst>
+              <a:ext uri="{FF2B5EF4-FFF2-40B4-BE49-F238E27FC236}">
+                <a16:creationId xmlns:a16="http://schemas.microsoft.com/office/drawing/2014/main" id="{903A9A18-93E0-4615-B7AA-B8C8FBB14464}"/>
               </a:ext>
             </a:extLst>
           </p:cNvPr>
@@ -20526,14 +19757,21 @@
             <p:ph type="title"/>
           </p:nvPr>
         </p:nvSpPr>
-        <p:spPr/>
+        <p:spPr>
+          <a:xfrm>
+            <a:off x="515938" y="246621"/>
+            <a:ext cx="11150600" cy="920336"/>
+          </a:xfrm>
+        </p:spPr>
         <p:txBody>
-          <a:bodyPr/>
+          <a:bodyPr anchor="b">
+            <a:normAutofit/>
+          </a:bodyPr>
           <a:lstStyle/>
           <a:p>
             <a:r>
               <a:rPr lang="en-US" dirty="0"/>
-              <a:t>Architecture</a:t>
+              <a:t>Work-Flow</a:t>
             </a:r>
           </a:p>
         </p:txBody>
@@ -20541,7 +19779,7 @@
     </p:spTree>
     <p:extLst>
       <p:ext uri="{BB962C8B-B14F-4D97-AF65-F5344CB8AC3E}">
-        <p14:creationId xmlns:p14="http://schemas.microsoft.com/office/powerpoint/2010/main" val="2350462750"/>
+        <p14:creationId xmlns:p14="http://schemas.microsoft.com/office/powerpoint/2010/main" val="961730162"/>
       </p:ext>
     </p:extLst>
   </p:cSld>
@@ -20570,10 +19808,10 @@
       </p:grpSpPr>
       <p:sp>
         <p:nvSpPr>
-          <p:cNvPr id="3" name="Slide Number Placeholder 2">
-            <a:extLst>
-              <a:ext uri="{FF2B5EF4-FFF2-40B4-BE49-F238E27FC236}">
-                <a16:creationId xmlns:a16="http://schemas.microsoft.com/office/drawing/2014/main" id="{BA9DE796-AEEF-8377-7A18-A6D74B26218E}"/>
+          <p:cNvPr id="4" name="Title 3">
+            <a:extLst>
+              <a:ext uri="{FF2B5EF4-FFF2-40B4-BE49-F238E27FC236}">
+                <a16:creationId xmlns:a16="http://schemas.microsoft.com/office/drawing/2014/main" id="{2E0C54B5-6876-DE29-A5F3-B88D01DEC8B1}"/>
               </a:ext>
             </a:extLst>
           </p:cNvPr>
@@ -20581,7 +19819,70 @@
             <a:spLocks noGrp="1"/>
           </p:cNvSpPr>
           <p:nvPr>
-            <p:ph type="sldNum" sz="quarter" idx="12"/>
+            <p:ph type="ctrTitle"/>
+          </p:nvPr>
+        </p:nvSpPr>
+        <p:spPr>
+          <a:xfrm>
+            <a:off x="6337300" y="2971800"/>
+            <a:ext cx="5143500" cy="1292296"/>
+          </a:xfrm>
+        </p:spPr>
+        <p:txBody>
+          <a:bodyPr anchor="b">
+            <a:normAutofit/>
+          </a:bodyPr>
+          <a:lstStyle/>
+          <a:p>
+            <a:r>
+              <a:rPr lang="en-US" dirty="0"/>
+              <a:t>Architecture</a:t>
+            </a:r>
+          </a:p>
+        </p:txBody>
+      </p:sp>
+      <p:pic>
+        <p:nvPicPr>
+          <p:cNvPr id="6" name="Picture Placeholder 5">
+            <a:extLst>
+              <a:ext uri="{FF2B5EF4-FFF2-40B4-BE49-F238E27FC236}">
+                <a16:creationId xmlns:a16="http://schemas.microsoft.com/office/drawing/2014/main" id="{BBD507E0-C445-45A5-000D-A42E3C8A8362}"/>
+              </a:ext>
+            </a:extLst>
+          </p:cNvPr>
+          <p:cNvPicPr>
+            <a:picLocks noGrp="1" noChangeAspect="1"/>
+          </p:cNvPicPr>
+          <p:nvPr>
+            <p:ph type="pic" sz="quarter" idx="10"/>
+          </p:nvPr>
+        </p:nvPicPr>
+        <p:blipFill>
+          <a:blip r:embed="rId2"/>
+          <a:srcRect l="2600" r="2600"/>
+          <a:stretch/>
+        </p:blipFill>
+        <p:spPr>
+          <a:xfrm>
+            <a:off x="711200" y="728663"/>
+            <a:ext cx="5305425" cy="5305425"/>
+          </a:xfrm>
+        </p:spPr>
+      </p:pic>
+      <p:sp>
+        <p:nvSpPr>
+          <p:cNvPr id="2" name="Slide Number Placeholder 1" hidden="1">
+            <a:extLst>
+              <a:ext uri="{FF2B5EF4-FFF2-40B4-BE49-F238E27FC236}">
+                <a16:creationId xmlns:a16="http://schemas.microsoft.com/office/drawing/2014/main" id="{CDA0EE6B-EE8E-9469-CA34-4A27CB4D7D0C}"/>
+              </a:ext>
+            </a:extLst>
+          </p:cNvPr>
+          <p:cNvSpPr>
+            <a:spLocks noGrp="1"/>
+          </p:cNvSpPr>
+          <p:nvPr>
+            <p:ph type="sldNum" sz="quarter" idx="4294967295"/>
           </p:nvPr>
         </p:nvSpPr>
         <p:spPr>
@@ -20597,92 +19898,33 @@
           <a:lstStyle/>
           <a:p>
             <a:pPr>
+              <a:lnSpc>
+                <a:spcPct val="90000"/>
+              </a:lnSpc>
               <a:spcAft>
                 <a:spcPts val="600"/>
               </a:spcAft>
             </a:pPr>
             <a:fld id="{9EC71654-96A5-4280-94F3-931C61A9F92C}" type="slidenum">
-              <a:rPr lang="en-US" noProof="0" smtClean="0"/>
+              <a:rPr lang="en-US" sz="600" noProof="0" smtClean="0"/>
               <a:pPr>
+                <a:lnSpc>
+                  <a:spcPct val="90000"/>
+                </a:lnSpc>
                 <a:spcAft>
                   <a:spcPts val="600"/>
                 </a:spcAft>
               </a:pPr>
               <a:t>6</a:t>
             </a:fld>
-            <a:endParaRPr lang="en-US" noProof="0"/>
+            <a:endParaRPr lang="en-US" sz="600" noProof="0"/>
           </a:p>
         </p:txBody>
       </p:sp>
-      <p:sp>
-        <p:nvSpPr>
-          <p:cNvPr id="12" name="Title 3">
-            <a:extLst>
-              <a:ext uri="{FF2B5EF4-FFF2-40B4-BE49-F238E27FC236}">
-                <a16:creationId xmlns:a16="http://schemas.microsoft.com/office/drawing/2014/main" id="{5F27F202-37DA-2389-C323-0E40D13B7C38}"/>
-              </a:ext>
-            </a:extLst>
-          </p:cNvPr>
-          <p:cNvSpPr>
-            <a:spLocks noGrp="1"/>
-          </p:cNvSpPr>
-          <p:nvPr>
-            <p:ph type="title"/>
-          </p:nvPr>
-        </p:nvSpPr>
-        <p:spPr>
-          <a:xfrm>
-            <a:off x="515938" y="246621"/>
-            <a:ext cx="11150600" cy="920336"/>
-          </a:xfrm>
-        </p:spPr>
-        <p:txBody>
-          <a:bodyPr anchor="b">
-            <a:normAutofit/>
-          </a:bodyPr>
-          <a:lstStyle/>
-          <a:p>
-            <a:r>
-              <a:rPr lang="en-US" dirty="0"/>
-              <a:t>Architecture</a:t>
-            </a:r>
-          </a:p>
-        </p:txBody>
-      </p:sp>
-      <p:pic>
-        <p:nvPicPr>
-          <p:cNvPr id="4" name="Picture 3" descr="Graphical user interface, text, application&#10;&#10;Description automatically generated">
-            <a:extLst>
-              <a:ext uri="{FF2B5EF4-FFF2-40B4-BE49-F238E27FC236}">
-                <a16:creationId xmlns:a16="http://schemas.microsoft.com/office/drawing/2014/main" id="{1BAAB45B-8202-6A1F-8757-C51FCE620BC2}"/>
-              </a:ext>
-            </a:extLst>
-          </p:cNvPr>
-          <p:cNvPicPr>
-            <a:picLocks noChangeAspect="1"/>
-          </p:cNvPicPr>
-          <p:nvPr/>
-        </p:nvPicPr>
-        <p:blipFill>
-          <a:blip r:embed="rId2"/>
-          <a:stretch>
-            <a:fillRect/>
-          </a:stretch>
-        </p:blipFill>
-        <p:spPr>
-          <a:xfrm>
-            <a:off x="547249" y="3521363"/>
-            <a:ext cx="11097501" cy="2491509"/>
-          </a:xfrm>
-          <a:prstGeom prst="rect">
-            <a:avLst/>
-          </a:prstGeom>
-        </p:spPr>
-      </p:pic>
     </p:spTree>
     <p:extLst>
       <p:ext uri="{BB962C8B-B14F-4D97-AF65-F5344CB8AC3E}">
-        <p14:creationId xmlns:p14="http://schemas.microsoft.com/office/powerpoint/2010/main" val="3122867381"/>
+        <p14:creationId xmlns:p14="http://schemas.microsoft.com/office/powerpoint/2010/main" val="3775801622"/>
       </p:ext>
     </p:extLst>
   </p:cSld>
@@ -20714,7 +19956,7 @@
           <p:cNvPr id="2" name="Slide Number Placeholder 1">
             <a:extLst>
               <a:ext uri="{FF2B5EF4-FFF2-40B4-BE49-F238E27FC236}">
-                <a16:creationId xmlns:a16="http://schemas.microsoft.com/office/drawing/2014/main" id="{0F33641D-FD80-5A92-B6D5-BDAE3DA375C9}"/>
+                <a16:creationId xmlns:a16="http://schemas.microsoft.com/office/drawing/2014/main" id="{C6DDCE2E-DB39-C5CF-213C-34A1A0CFD40F}"/>
               </a:ext>
             </a:extLst>
           </p:cNvPr>
@@ -20741,10 +19983,10 @@
       </p:sp>
       <p:pic>
         <p:nvPicPr>
-          <p:cNvPr id="6" name="Content Placeholder 5" descr="Graphical user interface, application&#10;&#10;Description automatically generated">
-            <a:extLst>
-              <a:ext uri="{FF2B5EF4-FFF2-40B4-BE49-F238E27FC236}">
-                <a16:creationId xmlns:a16="http://schemas.microsoft.com/office/drawing/2014/main" id="{4F7B0E4F-F9B1-601D-9D01-56FC982AC565}"/>
+          <p:cNvPr id="6" name="Content Placeholder 5" descr="Graphical user interface&#10;&#10;Description automatically generated">
+            <a:extLst>
+              <a:ext uri="{FF2B5EF4-FFF2-40B4-BE49-F238E27FC236}">
+                <a16:creationId xmlns:a16="http://schemas.microsoft.com/office/drawing/2014/main" id="{C82BFDB4-0BBA-1D76-367D-3037D02391BD}"/>
               </a:ext>
             </a:extLst>
           </p:cNvPr>
@@ -20763,8 +20005,8 @@
         </p:blipFill>
         <p:spPr>
           <a:xfrm>
-            <a:off x="1496219" y="1896269"/>
-            <a:ext cx="8877300" cy="4210050"/>
+            <a:off x="515937" y="1867631"/>
+            <a:ext cx="11176703" cy="4400741"/>
           </a:xfrm>
         </p:spPr>
       </p:pic>
@@ -20773,7 +20015,7 @@
           <p:cNvPr id="4" name="Title 3">
             <a:extLst>
               <a:ext uri="{FF2B5EF4-FFF2-40B4-BE49-F238E27FC236}">
-                <a16:creationId xmlns:a16="http://schemas.microsoft.com/office/drawing/2014/main" id="{EE82DCF6-21CE-FDA2-3064-14C03464FF46}"/>
+                <a16:creationId xmlns:a16="http://schemas.microsoft.com/office/drawing/2014/main" id="{5539E4F2-FEA6-EDAF-95E5-3D9E7224E583}"/>
               </a:ext>
             </a:extLst>
           </p:cNvPr>
@@ -20799,7 +20041,7 @@
     </p:spTree>
     <p:extLst>
       <p:ext uri="{BB962C8B-B14F-4D97-AF65-F5344CB8AC3E}">
-        <p14:creationId xmlns:p14="http://schemas.microsoft.com/office/powerpoint/2010/main" val="4083003984"/>
+        <p14:creationId xmlns:p14="http://schemas.microsoft.com/office/powerpoint/2010/main" val="2350462750"/>
       </p:ext>
     </p:extLst>
   </p:cSld>
@@ -20828,10 +20070,10 @@
       </p:grpSpPr>
       <p:sp>
         <p:nvSpPr>
-          <p:cNvPr id="2" name="Slide Number Placeholder 1">
-            <a:extLst>
-              <a:ext uri="{FF2B5EF4-FFF2-40B4-BE49-F238E27FC236}">
-                <a16:creationId xmlns:a16="http://schemas.microsoft.com/office/drawing/2014/main" id="{9BF83745-348F-A678-DFFD-057D466170C9}"/>
+          <p:cNvPr id="3" name="Slide Number Placeholder 2">
+            <a:extLst>
+              <a:ext uri="{FF2B5EF4-FFF2-40B4-BE49-F238E27FC236}">
+                <a16:creationId xmlns:a16="http://schemas.microsoft.com/office/drawing/2014/main" id="{BA9DE796-AEEF-8377-7A18-A6D74B26218E}"/>
               </a:ext>
             </a:extLst>
           </p:cNvPr>
@@ -20842,35 +20084,84 @@
             <p:ph type="sldNum" sz="quarter" idx="12"/>
           </p:nvPr>
         </p:nvSpPr>
-        <p:spPr/>
+        <p:spPr>
+          <a:xfrm>
+            <a:off x="11363696" y="6455739"/>
+            <a:ext cx="294460" cy="187367"/>
+          </a:xfrm>
+        </p:spPr>
         <p:txBody>
-          <a:bodyPr/>
+          <a:bodyPr anchor="ctr">
+            <a:normAutofit/>
+          </a:bodyPr>
           <a:lstStyle/>
           <a:p>
+            <a:pPr>
+              <a:spcAft>
+                <a:spcPts val="600"/>
+              </a:spcAft>
+            </a:pPr>
             <a:fld id="{9EC71654-96A5-4280-94F3-931C61A9F92C}" type="slidenum">
               <a:rPr lang="en-US" noProof="0" smtClean="0"/>
-              <a:pPr/>
+              <a:pPr>
+                <a:spcAft>
+                  <a:spcPts val="600"/>
+                </a:spcAft>
+              </a:pPr>
               <a:t>8</a:t>
             </a:fld>
-            <a:endParaRPr lang="en-US" noProof="0" dirty="0"/>
+            <a:endParaRPr lang="en-US" noProof="0"/>
+          </a:p>
+        </p:txBody>
+      </p:sp>
+      <p:sp>
+        <p:nvSpPr>
+          <p:cNvPr id="12" name="Title 3">
+            <a:extLst>
+              <a:ext uri="{FF2B5EF4-FFF2-40B4-BE49-F238E27FC236}">
+                <a16:creationId xmlns:a16="http://schemas.microsoft.com/office/drawing/2014/main" id="{5F27F202-37DA-2389-C323-0E40D13B7C38}"/>
+              </a:ext>
+            </a:extLst>
+          </p:cNvPr>
+          <p:cNvSpPr>
+            <a:spLocks noGrp="1"/>
+          </p:cNvSpPr>
+          <p:nvPr>
+            <p:ph type="title"/>
+          </p:nvPr>
+        </p:nvSpPr>
+        <p:spPr>
+          <a:xfrm>
+            <a:off x="515938" y="246621"/>
+            <a:ext cx="11150600" cy="920336"/>
+          </a:xfrm>
+        </p:spPr>
+        <p:txBody>
+          <a:bodyPr anchor="b">
+            <a:normAutofit/>
+          </a:bodyPr>
+          <a:lstStyle/>
+          <a:p>
+            <a:r>
+              <a:rPr lang="en-US" dirty="0"/>
+              <a:t>Architecture</a:t>
+            </a:r>
           </a:p>
         </p:txBody>
       </p:sp>
       <p:pic>
         <p:nvPicPr>
-          <p:cNvPr id="6" name="Content Placeholder 5" descr="Graphical user interface, application&#10;&#10;Description automatically generated">
-            <a:extLst>
-              <a:ext uri="{FF2B5EF4-FFF2-40B4-BE49-F238E27FC236}">
-                <a16:creationId xmlns:a16="http://schemas.microsoft.com/office/drawing/2014/main" id="{167992B9-756B-6B2F-A570-74FF017FB9D8}"/>
+          <p:cNvPr id="4" name="Picture 3" descr="Graphical user interface, text, application&#10;&#10;Description automatically generated">
+            <a:extLst>
+              <a:ext uri="{FF2B5EF4-FFF2-40B4-BE49-F238E27FC236}">
+                <a16:creationId xmlns:a16="http://schemas.microsoft.com/office/drawing/2014/main" id="{1BAAB45B-8202-6A1F-8757-C51FCE620BC2}"/>
               </a:ext>
             </a:extLst>
           </p:cNvPr>
           <p:cNvPicPr>
-            <a:picLocks noGrp="1" noChangeAspect="1"/>
+            <a:picLocks noChangeAspect="1"/>
           </p:cNvPicPr>
-          <p:nvPr>
-            <p:ph idx="1"/>
-          </p:nvPr>
+          <p:nvPr/>
         </p:nvPicPr>
         <p:blipFill>
           <a:blip r:embed="rId2"/>
@@ -20880,43 +20171,18 @@
         </p:blipFill>
         <p:spPr>
           <a:xfrm>
-            <a:off x="1496219" y="1848644"/>
-            <a:ext cx="8877300" cy="4305300"/>
-          </a:xfrm>
+            <a:off x="547249" y="3521363"/>
+            <a:ext cx="11097501" cy="2491509"/>
+          </a:xfrm>
+          <a:prstGeom prst="rect">
+            <a:avLst/>
+          </a:prstGeom>
         </p:spPr>
       </p:pic>
-      <p:sp>
-        <p:nvSpPr>
-          <p:cNvPr id="4" name="Title 3">
-            <a:extLst>
-              <a:ext uri="{FF2B5EF4-FFF2-40B4-BE49-F238E27FC236}">
-                <a16:creationId xmlns:a16="http://schemas.microsoft.com/office/drawing/2014/main" id="{4F2385C9-0856-8484-61EB-AEF0842B69D4}"/>
-              </a:ext>
-            </a:extLst>
-          </p:cNvPr>
-          <p:cNvSpPr>
-            <a:spLocks noGrp="1"/>
-          </p:cNvSpPr>
-          <p:nvPr>
-            <p:ph type="title"/>
-          </p:nvPr>
-        </p:nvSpPr>
-        <p:spPr/>
-        <p:txBody>
-          <a:bodyPr/>
-          <a:lstStyle/>
-          <a:p>
-            <a:r>
-              <a:rPr lang="en-US" dirty="0"/>
-              <a:t>Architecture</a:t>
-            </a:r>
-          </a:p>
-        </p:txBody>
-      </p:sp>
     </p:spTree>
     <p:extLst>
       <p:ext uri="{BB962C8B-B14F-4D97-AF65-F5344CB8AC3E}">
-        <p14:creationId xmlns:p14="http://schemas.microsoft.com/office/powerpoint/2010/main" val="3288796059"/>
+        <p14:creationId xmlns:p14="http://schemas.microsoft.com/office/powerpoint/2010/main" val="3122867381"/>
       </p:ext>
     </p:extLst>
   </p:cSld>
@@ -20945,10 +20211,10 @@
       </p:grpSpPr>
       <p:sp>
         <p:nvSpPr>
-          <p:cNvPr id="3" name="Slide Number Placeholder 2">
-            <a:extLst>
-              <a:ext uri="{FF2B5EF4-FFF2-40B4-BE49-F238E27FC236}">
-                <a16:creationId xmlns:a16="http://schemas.microsoft.com/office/drawing/2014/main" id="{BA9DE796-AEEF-8377-7A18-A6D74B26218E}"/>
+          <p:cNvPr id="2" name="Slide Number Placeholder 1">
+            <a:extLst>
+              <a:ext uri="{FF2B5EF4-FFF2-40B4-BE49-F238E27FC236}">
+                <a16:creationId xmlns:a16="http://schemas.microsoft.com/office/drawing/2014/main" id="{0F33641D-FD80-5A92-B6D5-BDAE3DA375C9}"/>
               </a:ext>
             </a:extLst>
           </p:cNvPr>
@@ -20959,49 +20225,35 @@
             <p:ph type="sldNum" sz="quarter" idx="12"/>
           </p:nvPr>
         </p:nvSpPr>
-        <p:spPr>
-          <a:xfrm>
-            <a:off x="11363696" y="6455739"/>
-            <a:ext cx="294460" cy="187367"/>
-          </a:xfrm>
-        </p:spPr>
+        <p:spPr/>
         <p:txBody>
-          <a:bodyPr anchor="ctr">
-            <a:normAutofit/>
-          </a:bodyPr>
+          <a:bodyPr/>
           <a:lstStyle/>
           <a:p>
-            <a:pPr>
-              <a:spcAft>
-                <a:spcPts val="600"/>
-              </a:spcAft>
-            </a:pPr>
             <a:fld id="{9EC71654-96A5-4280-94F3-931C61A9F92C}" type="slidenum">
               <a:rPr lang="en-US" noProof="0" smtClean="0"/>
-              <a:pPr>
-                <a:spcAft>
-                  <a:spcPts val="600"/>
-                </a:spcAft>
-              </a:pPr>
+              <a:pPr/>
               <a:t>9</a:t>
             </a:fld>
-            <a:endParaRPr lang="en-US" noProof="0"/>
+            <a:endParaRPr lang="en-US" noProof="0" dirty="0"/>
           </a:p>
         </p:txBody>
       </p:sp>
       <p:pic>
         <p:nvPicPr>
-          <p:cNvPr id="4" name="Picture 3" descr="Diagram&#10;&#10;Description automatically generated">
-            <a:extLst>
-              <a:ext uri="{FF2B5EF4-FFF2-40B4-BE49-F238E27FC236}">
-                <a16:creationId xmlns:a16="http://schemas.microsoft.com/office/drawing/2014/main" id="{D1D94198-A7B7-A1FF-FAC4-7063C3F2E1AC}"/>
+          <p:cNvPr id="6" name="Content Placeholder 5" descr="Graphical user interface, application&#10;&#10;Description automatically generated">
+            <a:extLst>
+              <a:ext uri="{FF2B5EF4-FFF2-40B4-BE49-F238E27FC236}">
+                <a16:creationId xmlns:a16="http://schemas.microsoft.com/office/drawing/2014/main" id="{4F7B0E4F-F9B1-601D-9D01-56FC982AC565}"/>
               </a:ext>
             </a:extLst>
           </p:cNvPr>
           <p:cNvPicPr>
-            <a:picLocks noChangeAspect="1"/>
+            <a:picLocks noGrp="1" noChangeAspect="1"/>
           </p:cNvPicPr>
-          <p:nvPr/>
+          <p:nvPr>
+            <p:ph idx="1"/>
+          </p:nvPr>
         </p:nvPicPr>
         <p:blipFill>
           <a:blip r:embed="rId2"/>
@@ -21011,21 +20263,17 @@
         </p:blipFill>
         <p:spPr>
           <a:xfrm>
-            <a:off x="221477" y="2188329"/>
-            <a:ext cx="11815909" cy="3325780"/>
-          </a:xfrm>
-          <a:prstGeom prst="rect">
-            <a:avLst/>
-          </a:prstGeom>
-          <a:noFill/>
+            <a:off x="1496219" y="1896269"/>
+            <a:ext cx="8877300" cy="4210050"/>
+          </a:xfrm>
         </p:spPr>
       </p:pic>
       <p:sp>
         <p:nvSpPr>
-          <p:cNvPr id="12" name="Title 3">
-            <a:extLst>
-              <a:ext uri="{FF2B5EF4-FFF2-40B4-BE49-F238E27FC236}">
-                <a16:creationId xmlns:a16="http://schemas.microsoft.com/office/drawing/2014/main" id="{5F27F202-37DA-2389-C323-0E40D13B7C38}"/>
+          <p:cNvPr id="4" name="Title 3">
+            <a:extLst>
+              <a:ext uri="{FF2B5EF4-FFF2-40B4-BE49-F238E27FC236}">
+                <a16:creationId xmlns:a16="http://schemas.microsoft.com/office/drawing/2014/main" id="{EE82DCF6-21CE-FDA2-3064-14C03464FF46}"/>
               </a:ext>
             </a:extLst>
           </p:cNvPr>
@@ -21036,16 +20284,9 @@
             <p:ph type="title"/>
           </p:nvPr>
         </p:nvSpPr>
-        <p:spPr>
-          <a:xfrm>
-            <a:off x="515938" y="246621"/>
-            <a:ext cx="11150600" cy="920336"/>
-          </a:xfrm>
-        </p:spPr>
+        <p:spPr/>
         <p:txBody>
-          <a:bodyPr anchor="b">
-            <a:normAutofit/>
-          </a:bodyPr>
+          <a:bodyPr/>
           <a:lstStyle/>
           <a:p>
             <a:r>
@@ -21058,7 +20299,7 @@
     </p:spTree>
     <p:extLst>
       <p:ext uri="{BB962C8B-B14F-4D97-AF65-F5344CB8AC3E}">
-        <p14:creationId xmlns:p14="http://schemas.microsoft.com/office/powerpoint/2010/main" val="336334053"/>
+        <p14:creationId xmlns:p14="http://schemas.microsoft.com/office/powerpoint/2010/main" val="4083003984"/>
       </p:ext>
     </p:extLst>
   </p:cSld>
@@ -21860,6 +21101,14 @@
 </file>
 
 <file path=customXml/item1.xml><?xml version="1.0" encoding="utf-8"?>
+<p:properties xmlns:p="http://schemas.microsoft.com/office/2006/metadata/properties" xmlns:xsi="http://www.w3.org/2001/XMLSchema-instance" xmlns:pc="http://schemas.microsoft.com/office/infopath/2007/PartnerControls">
+  <documentManagement>
+    <MediaServiceKeyPoints xmlns="71af3243-3dd4-4a8d-8c0d-dd76da1f02a5" xsi:nil="true"/>
+  </documentManagement>
+</p:properties>
+</file>
+
+<file path=customXml/item2.xml><?xml version="1.0" encoding="utf-8"?>
 <ct:contentTypeSchema xmlns:ct="http://schemas.microsoft.com/office/2006/metadata/contentType" xmlns:ma="http://schemas.microsoft.com/office/2006/metadata/properties/metaAttributes" ct:_="" ma:_="" ma:contentTypeName="Document" ma:contentTypeID="0x01010079F111ED35F8CC479449609E8A0923A6" ma:contentTypeVersion="11" ma:contentTypeDescription="Create a new document." ma:contentTypeScope="" ma:versionID="9677210f24a1be23c92c90fd886aa0aa">
   <xsd:schema xmlns:xsd="http://www.w3.org/2001/XMLSchema" xmlns:xs="http://www.w3.org/2001/XMLSchema" xmlns:p="http://schemas.microsoft.com/office/2006/metadata/properties" xmlns:ns2="71af3243-3dd4-4a8d-8c0d-dd76da1f02a5" xmlns:ns3="16c05727-aa75-4e4a-9b5f-8a80a1165891" targetNamespace="http://schemas.microsoft.com/office/2006/metadata/properties" ma:root="true" ma:fieldsID="60e05723c5c1908df1a1a4ebf11d344e" ns2:_="" ns3:_="">
     <xsd:import namespace="71af3243-3dd4-4a8d-8c0d-dd76da1f02a5"/>
@@ -22070,14 +21319,6 @@
 </ct:contentTypeSchema>
 </file>
 
-<file path=customXml/item2.xml><?xml version="1.0" encoding="utf-8"?>
-<p:properties xmlns:p="http://schemas.microsoft.com/office/2006/metadata/properties" xmlns:xsi="http://www.w3.org/2001/XMLSchema-instance" xmlns:pc="http://schemas.microsoft.com/office/infopath/2007/PartnerControls">
-  <documentManagement>
-    <MediaServiceKeyPoints xmlns="71af3243-3dd4-4a8d-8c0d-dd76da1f02a5" xsi:nil="true"/>
-  </documentManagement>
-</p:properties>
-</file>
-
 <file path=customXml/item3.xml><?xml version="1.0" encoding="utf-8"?>
 <?mso-contentType ?>
 <FormTemplates xmlns="http://schemas.microsoft.com/sharepoint/v3/contenttype/forms">
@@ -22088,6 +21329,16 @@
 </file>
 
 <file path=customXml/itemProps1.xml><?xml version="1.0" encoding="utf-8"?>
+<ds:datastoreItem xmlns:ds="http://schemas.openxmlformats.org/officeDocument/2006/customXml" ds:itemID="{CEA9B47F-3DD8-4645-81DC-B88780643C07}">
+  <ds:schemaRefs>
+    <ds:schemaRef ds:uri="http://schemas.microsoft.com/office/2006/metadata/properties"/>
+    <ds:schemaRef ds:uri="http://schemas.microsoft.com/office/infopath/2007/PartnerControls"/>
+    <ds:schemaRef ds:uri="71af3243-3dd4-4a8d-8c0d-dd76da1f02a5"/>
+  </ds:schemaRefs>
+</ds:datastoreItem>
+</file>
+
+<file path=customXml/itemProps2.xml><?xml version="1.0" encoding="utf-8"?>
 <ds:datastoreItem xmlns:ds="http://schemas.openxmlformats.org/officeDocument/2006/customXml" ds:itemID="{631071E6-22AE-499A-B09C-BF21CF5F7483}">
   <ds:schemaRefs>
     <ds:schemaRef ds:uri="http://schemas.microsoft.com/office/2006/metadata/contentType"/>
@@ -22106,16 +21357,6 @@
 </ds:datastoreItem>
 </file>
 
-<file path=customXml/itemProps2.xml><?xml version="1.0" encoding="utf-8"?>
-<ds:datastoreItem xmlns:ds="http://schemas.openxmlformats.org/officeDocument/2006/customXml" ds:itemID="{CEA9B47F-3DD8-4645-81DC-B88780643C07}">
-  <ds:schemaRefs>
-    <ds:schemaRef ds:uri="http://schemas.microsoft.com/office/2006/metadata/properties"/>
-    <ds:schemaRef ds:uri="http://schemas.microsoft.com/office/infopath/2007/PartnerControls"/>
-    <ds:schemaRef ds:uri="71af3243-3dd4-4a8d-8c0d-dd76da1f02a5"/>
-  </ds:schemaRefs>
-</ds:datastoreItem>
-</file>
-
 <file path=customXml/itemProps3.xml><?xml version="1.0" encoding="utf-8"?>
 <ds:datastoreItem xmlns:ds="http://schemas.openxmlformats.org/officeDocument/2006/customXml" ds:itemID="{B0C07E3D-60A7-4F4E-8208-D9CCD01982CB}">
   <ds:schemaRefs>
